--- a/WEB/JSP/board.pptx
+++ b/WEB/JSP/board.pptx
@@ -32,6 +32,26 @@
     <p:sldId id="280" r:id="rId26"/>
     <p:sldId id="281" r:id="rId27"/>
     <p:sldId id="282" r:id="rId28"/>
+    <p:sldId id="283" r:id="rId29"/>
+    <p:sldId id="284" r:id="rId30"/>
+    <p:sldId id="285" r:id="rId31"/>
+    <p:sldId id="286" r:id="rId32"/>
+    <p:sldId id="287" r:id="rId33"/>
+    <p:sldId id="290" r:id="rId34"/>
+    <p:sldId id="288" r:id="rId35"/>
+    <p:sldId id="289" r:id="rId36"/>
+    <p:sldId id="291" r:id="rId37"/>
+    <p:sldId id="292" r:id="rId38"/>
+    <p:sldId id="293" r:id="rId39"/>
+    <p:sldId id="294" r:id="rId40"/>
+    <p:sldId id="295" r:id="rId41"/>
+    <p:sldId id="296" r:id="rId42"/>
+    <p:sldId id="297" r:id="rId43"/>
+    <p:sldId id="298" r:id="rId44"/>
+    <p:sldId id="299" r:id="rId45"/>
+    <p:sldId id="300" r:id="rId46"/>
+    <p:sldId id="301" r:id="rId47"/>
+    <p:sldId id="302" r:id="rId48"/>
   </p:sldIdLst>
   <p:sldSz cx="12192000" cy="6858000"/>
   <p:notesSz cx="6858000" cy="9144000"/>
@@ -7531,12 +7551,8 @@
               <a:buNone/>
             </a:pPr>
             <a:r>
-              <a:rPr lang="en-US" altLang="ko-KR" b="1" dirty="0"/>
-              <a:t>		</a:t>
-            </a:r>
-            <a:r>
-              <a:rPr lang="en" altLang="ko-KR" b="1" dirty="0"/>
-              <a:t>if</a:t>
+              <a:rPr lang="en" altLang="ko-KR" b="1" dirty="0"/>
+              <a:t>		if</a:t>
             </a:r>
             <a:r>
               <a:rPr lang="en" altLang="ko-KR" dirty="0"/>
@@ -9494,11 +9510,11 @@
               <a:t>BoradListController</a:t>
             </a:r>
             <a:r>
-              <a:rPr lang="ko-KR" altLang="en-US"/>
+              <a:rPr lang="ko-KR" altLang="en-US" dirty="0"/>
               <a:t>에서 전달된 </a:t>
             </a:r>
             <a:r>
-              <a:rPr kumimoji="1" lang="en-US" altLang="ko-KR"/>
+              <a:rPr kumimoji="1" lang="en-US" altLang="ko-KR" dirty="0"/>
               <a:t>List</a:t>
             </a:r>
             <a:r>
@@ -9875,7 +9891,31 @@
             </a:r>
             <a:r>
               <a:rPr lang="en" altLang="ko-KR" dirty="0"/>
-              <a:t>&gt;&lt;td&gt;${</a:t>
+              <a:t>&gt;&lt;td&lt;a </a:t>
+            </a:r>
+            <a:r>
+              <a:rPr lang="en" altLang="ko-KR" dirty="0" err="1"/>
+              <a:t>href</a:t>
+            </a:r>
+            <a:r>
+              <a:rPr lang="en" altLang="ko-KR" dirty="0"/>
+              <a:t>=</a:t>
+            </a:r>
+            <a:r>
+              <a:rPr lang="en" altLang="ko-KR" i="1" dirty="0"/>
+              <a:t>"</a:t>
+            </a:r>
+            <a:r>
+              <a:rPr lang="en" altLang="ko-KR" i="1" dirty="0" err="1"/>
+              <a:t>boardDetail.board?num</a:t>
+            </a:r>
+            <a:r>
+              <a:rPr lang="en" altLang="ko-KR" i="1" dirty="0"/>
+              <a:t>=</a:t>
+            </a:r>
+            <a:r>
+              <a:rPr lang="en" altLang="ko-KR" dirty="0"/>
+              <a:t>${</a:t>
             </a:r>
             <a:r>
               <a:rPr lang="en" altLang="ko-KR" dirty="0" err="1"/>
@@ -9883,7 +9923,23 @@
             </a:r>
             <a:r>
               <a:rPr lang="en" altLang="ko-KR" dirty="0"/>
-              <a:t> }&lt;/td&gt;&lt;td&gt;${</a:t>
+              <a:t> }</a:t>
+            </a:r>
+            <a:r>
+              <a:rPr lang="en" altLang="ko-KR" i="1" dirty="0"/>
+              <a:t>"</a:t>
+            </a:r>
+            <a:r>
+              <a:rPr lang="en" altLang="ko-KR" dirty="0"/>
+              <a:t>&gt;${</a:t>
+            </a:r>
+            <a:r>
+              <a:rPr lang="en" altLang="ko-KR" dirty="0" err="1"/>
+              <a:t>dto.boardNum</a:t>
+            </a:r>
+            <a:r>
+              <a:rPr lang="en" altLang="ko-KR" dirty="0"/>
+              <a:t> }&lt;/a&gt;&lt;/td&gt;&lt;td&gt;${</a:t>
             </a:r>
             <a:r>
               <a:rPr lang="en" altLang="ko-KR" dirty="0" err="1"/>
@@ -10044,6 +10100,629 @@
     <p:extLst>
       <p:ext uri="{BB962C8B-B14F-4D97-AF65-F5344CB8AC3E}">
         <p14:creationId xmlns:p14="http://schemas.microsoft.com/office/powerpoint/2010/main" val="4273063648"/>
+      </p:ext>
+    </p:extLst>
+  </p:cSld>
+  <p:clrMapOvr>
+    <a:masterClrMapping/>
+  </p:clrMapOvr>
+</p:sld>
+</file>
+
+<file path=ppt/slides/slide28.xml><?xml version="1.0" encoding="utf-8"?>
+<p:sld xmlns:a="http://schemas.openxmlformats.org/drawingml/2006/main" xmlns:r="http://schemas.openxmlformats.org/officeDocument/2006/relationships" xmlns:p="http://schemas.openxmlformats.org/presentationml/2006/main">
+  <p:cSld>
+    <p:spTree>
+      <p:nvGrpSpPr>
+        <p:cNvPr id="1" name=""/>
+        <p:cNvGrpSpPr/>
+        <p:nvPr/>
+      </p:nvGrpSpPr>
+      <p:grpSpPr>
+        <a:xfrm>
+          <a:off x="0" y="0"/>
+          <a:ext cx="0" cy="0"/>
+          <a:chOff x="0" y="0"/>
+          <a:chExt cx="0" cy="0"/>
+        </a:xfrm>
+      </p:grpSpPr>
+      <p:sp>
+        <p:nvSpPr>
+          <p:cNvPr id="3" name="내용 개체 틀 2">
+            <a:extLst>
+              <a:ext uri="{FF2B5EF4-FFF2-40B4-BE49-F238E27FC236}">
+                <a16:creationId xmlns:a16="http://schemas.microsoft.com/office/drawing/2014/main" id="{F447EBD8-FB30-2342-9819-E4045537EBE4}"/>
+              </a:ext>
+            </a:extLst>
+          </p:cNvPr>
+          <p:cNvSpPr>
+            <a:spLocks noGrp="1"/>
+          </p:cNvSpPr>
+          <p:nvPr>
+            <p:ph idx="1"/>
+          </p:nvPr>
+        </p:nvSpPr>
+        <p:spPr>
+          <a:xfrm>
+            <a:off x="838200" y="452063"/>
+            <a:ext cx="10515600" cy="5724900"/>
+          </a:xfrm>
+        </p:spPr>
+        <p:txBody>
+          <a:bodyPr/>
+          <a:lstStyle/>
+          <a:p>
+            <a:pPr marL="0" indent="0">
+              <a:buNone/>
+            </a:pPr>
+            <a:r>
+              <a:rPr lang="en" altLang="ko-KR" dirty="0" err="1"/>
+              <a:t>BoardFrontController</a:t>
+            </a:r>
+            <a:r>
+              <a:rPr lang="ko-KR" altLang="en-US" dirty="0"/>
+              <a:t>에서 </a:t>
+            </a:r>
+            <a:r>
+              <a:rPr lang="en" altLang="ko-KR" dirty="0" err="1"/>
+              <a:t>boardDetail</a:t>
+            </a:r>
+            <a:r>
+              <a:rPr lang="en" altLang="ko-KR" dirty="0"/>
+              <a:t>.</a:t>
+            </a:r>
+            <a:r>
+              <a:rPr lang="en-US" altLang="ko-KR" dirty="0"/>
+              <a:t>board</a:t>
+            </a:r>
+            <a:r>
+              <a:rPr lang="ko-KR" altLang="en-US" dirty="0"/>
+              <a:t> 주소에서 보여줄  </a:t>
+            </a:r>
+            <a:r>
+              <a:rPr lang="en" altLang="ko-KR" dirty="0"/>
+              <a:t>/board/</a:t>
+            </a:r>
+            <a:r>
+              <a:rPr lang="en" altLang="ko-KR" dirty="0" err="1"/>
+              <a:t>boardInfo.jsp</a:t>
+            </a:r>
+            <a:r>
+              <a:rPr lang="ko-KR" altLang="en-US" dirty="0"/>
+              <a:t> 파일을 전송할 수 있게 한다</a:t>
+            </a:r>
+            <a:r>
+              <a:rPr lang="en-US" altLang="ko-KR" dirty="0"/>
+              <a:t>.</a:t>
+            </a:r>
+            <a:endParaRPr lang="en" altLang="ko-KR" b="1" dirty="0"/>
+          </a:p>
+          <a:p>
+            <a:pPr marL="0" indent="0">
+              <a:buNone/>
+            </a:pPr>
+            <a:endParaRPr lang="en" altLang="ko-KR" b="1" dirty="0"/>
+          </a:p>
+          <a:p>
+            <a:pPr marL="0" indent="0">
+              <a:buNone/>
+            </a:pPr>
+            <a:r>
+              <a:rPr lang="en" altLang="ko-KR" b="1" dirty="0"/>
+              <a:t>else</a:t>
+            </a:r>
+            <a:r>
+              <a:rPr lang="en" altLang="ko-KR" dirty="0"/>
+              <a:t> </a:t>
+            </a:r>
+            <a:r>
+              <a:rPr lang="en" altLang="ko-KR" b="1" dirty="0"/>
+              <a:t>if</a:t>
+            </a:r>
+            <a:r>
+              <a:rPr lang="en" altLang="ko-KR" dirty="0"/>
+              <a:t>(</a:t>
+            </a:r>
+            <a:r>
+              <a:rPr lang="en" altLang="ko-KR" dirty="0" err="1"/>
+              <a:t>command.equals</a:t>
+            </a:r>
+            <a:r>
+              <a:rPr lang="en" altLang="ko-KR" dirty="0"/>
+              <a:t>("/</a:t>
+            </a:r>
+            <a:r>
+              <a:rPr lang="en" altLang="ko-KR" dirty="0" err="1"/>
+              <a:t>boardDetail</a:t>
+            </a:r>
+            <a:r>
+              <a:rPr lang="en" altLang="ko-KR" dirty="0"/>
+              <a:t>.</a:t>
+            </a:r>
+            <a:r>
+              <a:rPr lang="en-US" altLang="ko-KR" dirty="0"/>
+              <a:t>board</a:t>
+            </a:r>
+            <a:r>
+              <a:rPr lang="en" altLang="ko-KR" dirty="0"/>
+              <a:t>")) {</a:t>
+            </a:r>
+          </a:p>
+          <a:p>
+            <a:pPr marL="457200" lvl="1" indent="0">
+              <a:buNone/>
+            </a:pPr>
+            <a:r>
+              <a:rPr lang="en" altLang="ko-KR" u="sng" dirty="0" err="1"/>
+              <a:t>RequestDispatcher</a:t>
+            </a:r>
+            <a:r>
+              <a:rPr lang="en" altLang="ko-KR" dirty="0"/>
+              <a:t> dispatcher =</a:t>
+            </a:r>
+          </a:p>
+          <a:p>
+            <a:pPr marL="457200" lvl="1" indent="0">
+              <a:buNone/>
+            </a:pPr>
+            <a:r>
+              <a:rPr lang="en" altLang="ko-KR" dirty="0" err="1"/>
+              <a:t>request.getRequestDispatcher</a:t>
+            </a:r>
+            <a:r>
+              <a:rPr lang="en" altLang="ko-KR" dirty="0"/>
+              <a:t>("/board/</a:t>
+            </a:r>
+            <a:r>
+              <a:rPr lang="en" altLang="ko-KR" dirty="0" err="1"/>
+              <a:t>boardInfo.jsp</a:t>
+            </a:r>
+            <a:r>
+              <a:rPr lang="en" altLang="ko-KR" dirty="0"/>
+              <a:t>");</a:t>
+            </a:r>
+          </a:p>
+          <a:p>
+            <a:pPr marL="457200" lvl="1" indent="0">
+              <a:buNone/>
+            </a:pPr>
+            <a:r>
+              <a:rPr lang="en" altLang="ko-KR" dirty="0" err="1"/>
+              <a:t>dispatcher.forward</a:t>
+            </a:r>
+            <a:r>
+              <a:rPr lang="en" altLang="ko-KR" dirty="0"/>
+              <a:t>(request, response);</a:t>
+            </a:r>
+          </a:p>
+          <a:p>
+            <a:pPr marL="0" indent="0">
+              <a:buNone/>
+            </a:pPr>
+            <a:r>
+              <a:rPr kumimoji="1" lang="en-US" altLang="ko-KR" dirty="0"/>
+              <a:t>}</a:t>
+            </a:r>
+            <a:endParaRPr kumimoji="1" lang="ko-KR" altLang="en-US" dirty="0"/>
+          </a:p>
+        </p:txBody>
+      </p:sp>
+    </p:spTree>
+    <p:extLst>
+      <p:ext uri="{BB962C8B-B14F-4D97-AF65-F5344CB8AC3E}">
+        <p14:creationId xmlns:p14="http://schemas.microsoft.com/office/powerpoint/2010/main" val="133508861"/>
+      </p:ext>
+    </p:extLst>
+  </p:cSld>
+  <p:clrMapOvr>
+    <a:masterClrMapping/>
+  </p:clrMapOvr>
+</p:sld>
+</file>
+
+<file path=ppt/slides/slide29.xml><?xml version="1.0" encoding="utf-8"?>
+<p:sld xmlns:a="http://schemas.openxmlformats.org/drawingml/2006/main" xmlns:r="http://schemas.openxmlformats.org/officeDocument/2006/relationships" xmlns:p="http://schemas.openxmlformats.org/presentationml/2006/main">
+  <p:cSld>
+    <p:spTree>
+      <p:nvGrpSpPr>
+        <p:cNvPr id="1" name=""/>
+        <p:cNvGrpSpPr/>
+        <p:nvPr/>
+      </p:nvGrpSpPr>
+      <p:grpSpPr>
+        <a:xfrm>
+          <a:off x="0" y="0"/>
+          <a:ext cx="0" cy="0"/>
+          <a:chOff x="0" y="0"/>
+          <a:chExt cx="0" cy="0"/>
+        </a:xfrm>
+      </p:grpSpPr>
+      <p:sp>
+        <p:nvSpPr>
+          <p:cNvPr id="3" name="내용 개체 틀 2">
+            <a:extLst>
+              <a:ext uri="{FF2B5EF4-FFF2-40B4-BE49-F238E27FC236}">
+                <a16:creationId xmlns:a16="http://schemas.microsoft.com/office/drawing/2014/main" id="{810C699A-519E-EA44-9334-5A6493B02A1E}"/>
+              </a:ext>
+            </a:extLst>
+          </p:cNvPr>
+          <p:cNvSpPr>
+            <a:spLocks noGrp="1"/>
+          </p:cNvSpPr>
+          <p:nvPr>
+            <p:ph idx="1"/>
+          </p:nvPr>
+        </p:nvSpPr>
+        <p:spPr>
+          <a:xfrm>
+            <a:off x="838200" y="421240"/>
+            <a:ext cx="10515600" cy="5755723"/>
+          </a:xfrm>
+        </p:spPr>
+        <p:txBody>
+          <a:bodyPr>
+            <a:normAutofit fontScale="70000" lnSpcReduction="20000"/>
+          </a:bodyPr>
+          <a:lstStyle/>
+          <a:p>
+            <a:pPr marL="0" indent="0">
+              <a:buNone/>
+            </a:pPr>
+            <a:r>
+              <a:rPr lang="en" altLang="ko-KR" u="sng" dirty="0"/>
+              <a:t>&lt;%</a:t>
+            </a:r>
+            <a:r>
+              <a:rPr lang="en" altLang="ko-KR" dirty="0"/>
+              <a:t>@ page language=</a:t>
+            </a:r>
+            <a:r>
+              <a:rPr lang="en" altLang="ko-KR" i="1" dirty="0"/>
+              <a:t>"java"</a:t>
+            </a:r>
+            <a:r>
+              <a:rPr lang="en" altLang="ko-KR" dirty="0"/>
+              <a:t> </a:t>
+            </a:r>
+            <a:r>
+              <a:rPr lang="en" altLang="ko-KR" dirty="0" err="1"/>
+              <a:t>contentType</a:t>
+            </a:r>
+            <a:r>
+              <a:rPr lang="en" altLang="ko-KR" dirty="0"/>
+              <a:t>=</a:t>
+            </a:r>
+            <a:r>
+              <a:rPr lang="en" altLang="ko-KR" i="1" dirty="0"/>
+              <a:t>"text/html; charset=UTF-8"</a:t>
+            </a:r>
+            <a:endParaRPr lang="en" altLang="ko-KR" dirty="0"/>
+          </a:p>
+          <a:p>
+            <a:pPr marL="0" indent="0">
+              <a:buNone/>
+            </a:pPr>
+            <a:r>
+              <a:rPr lang="en" altLang="ko-KR" dirty="0"/>
+              <a:t>    </a:t>
+            </a:r>
+            <a:r>
+              <a:rPr lang="en" altLang="ko-KR" dirty="0" err="1"/>
+              <a:t>pageEncoding</a:t>
+            </a:r>
+            <a:r>
+              <a:rPr lang="en" altLang="ko-KR" dirty="0"/>
+              <a:t>=</a:t>
+            </a:r>
+            <a:r>
+              <a:rPr lang="en" altLang="ko-KR" i="1" dirty="0"/>
+              <a:t>"UTF-8"</a:t>
+            </a:r>
+            <a:r>
+              <a:rPr lang="en" altLang="ko-KR" dirty="0"/>
+              <a:t>%&gt;</a:t>
+            </a:r>
+          </a:p>
+          <a:p>
+            <a:pPr marL="0" indent="0">
+              <a:buNone/>
+            </a:pPr>
+            <a:r>
+              <a:rPr lang="en" altLang="ko-KR" dirty="0"/>
+              <a:t>&lt;!DOCTYPE html&gt;</a:t>
+            </a:r>
+          </a:p>
+          <a:p>
+            <a:pPr marL="0" indent="0">
+              <a:buNone/>
+            </a:pPr>
+            <a:r>
+              <a:rPr lang="en" altLang="ko-KR" dirty="0"/>
+              <a:t>&lt;html&gt;</a:t>
+            </a:r>
+          </a:p>
+          <a:p>
+            <a:pPr marL="0" indent="0">
+              <a:buNone/>
+            </a:pPr>
+            <a:r>
+              <a:rPr lang="en" altLang="ko-KR" dirty="0"/>
+              <a:t>&lt;head&gt;</a:t>
+            </a:r>
+          </a:p>
+          <a:p>
+            <a:pPr marL="0" indent="0">
+              <a:buNone/>
+            </a:pPr>
+            <a:r>
+              <a:rPr lang="en" altLang="ko-KR" dirty="0"/>
+              <a:t>&lt;meta charset=</a:t>
+            </a:r>
+            <a:r>
+              <a:rPr lang="en" altLang="ko-KR" i="1" dirty="0"/>
+              <a:t>"UTF-8"</a:t>
+            </a:r>
+            <a:r>
+              <a:rPr lang="en" altLang="ko-KR" dirty="0"/>
+              <a:t>&gt;</a:t>
+            </a:r>
+          </a:p>
+          <a:p>
+            <a:pPr marL="0" indent="0">
+              <a:buNone/>
+            </a:pPr>
+            <a:r>
+              <a:rPr lang="en" altLang="ko-KR" dirty="0"/>
+              <a:t>&lt;title&gt;Insert title here&lt;/title&gt;</a:t>
+            </a:r>
+          </a:p>
+          <a:p>
+            <a:pPr marL="0" indent="0">
+              <a:buNone/>
+            </a:pPr>
+            <a:r>
+              <a:rPr lang="en" altLang="ko-KR" dirty="0"/>
+              <a:t>&lt;/head&gt;</a:t>
+            </a:r>
+          </a:p>
+          <a:p>
+            <a:pPr marL="0" indent="0">
+              <a:buNone/>
+            </a:pPr>
+            <a:r>
+              <a:rPr lang="en" altLang="ko-KR" dirty="0"/>
+              <a:t>&lt;body&gt;</a:t>
+            </a:r>
+          </a:p>
+          <a:p>
+            <a:pPr marL="0" indent="0">
+              <a:buNone/>
+            </a:pPr>
+            <a:r>
+              <a:rPr lang="ko-KR" altLang="en-US" dirty="0"/>
+              <a:t>상세페이지  </a:t>
+            </a:r>
+            <a:r>
+              <a:rPr lang="en-US" altLang="ko-KR" dirty="0"/>
+              <a:t>|  </a:t>
+            </a:r>
+            <a:r>
+              <a:rPr lang="ko-KR" altLang="en-US" dirty="0"/>
+              <a:t>조회수 </a:t>
+            </a:r>
+            <a:r>
+              <a:rPr lang="en-US" altLang="ko-KR" dirty="0"/>
+              <a:t>: </a:t>
+            </a:r>
+            <a:r>
+              <a:rPr lang="ko-KR" altLang="en-US" dirty="0"/>
+              <a:t> </a:t>
+            </a:r>
+            <a:r>
+              <a:rPr lang="en-US" altLang="ko-KR" dirty="0"/>
+              <a:t>0</a:t>
+            </a:r>
+            <a:r>
+              <a:rPr lang="ko-KR" altLang="en-US" dirty="0"/>
+              <a:t>  </a:t>
+            </a:r>
+            <a:r>
+              <a:rPr lang="en" altLang="ko-KR" dirty="0"/>
+              <a:t>| </a:t>
+            </a:r>
+            <a:r>
+              <a:rPr lang="ko-KR" altLang="en-US" dirty="0"/>
+              <a:t> </a:t>
+            </a:r>
+            <a:r>
+              <a:rPr lang="en-US" altLang="ko-KR" dirty="0"/>
+              <a:t>0.0.0.0</a:t>
+            </a:r>
+            <a:r>
+              <a:rPr lang="en" altLang="ko-KR" dirty="0"/>
+              <a:t>&lt;</a:t>
+            </a:r>
+            <a:r>
+              <a:rPr lang="en" altLang="ko-KR" dirty="0" err="1"/>
+              <a:t>br</a:t>
+            </a:r>
+            <a:r>
+              <a:rPr lang="en" altLang="ko-KR" dirty="0"/>
+              <a:t> /&gt;</a:t>
+            </a:r>
+          </a:p>
+          <a:p>
+            <a:pPr marL="0" indent="0">
+              <a:buNone/>
+            </a:pPr>
+            <a:r>
+              <a:rPr lang="ko-KR" altLang="en-US" dirty="0" err="1"/>
+              <a:t>글번호</a:t>
+            </a:r>
+            <a:r>
+              <a:rPr lang="ko-KR" altLang="en-US" dirty="0"/>
+              <a:t> </a:t>
+            </a:r>
+            <a:r>
+              <a:rPr lang="en-US" altLang="ko-KR" dirty="0"/>
+              <a:t>:</a:t>
+            </a:r>
+            <a:r>
+              <a:rPr lang="ko-KR" altLang="en-US" dirty="0"/>
+              <a:t> </a:t>
+            </a:r>
+            <a:r>
+              <a:rPr lang="en-US" altLang="ko-KR" dirty="0"/>
+              <a:t>0</a:t>
+            </a:r>
+            <a:r>
+              <a:rPr lang="en" altLang="ko-KR" dirty="0"/>
+              <a:t>&lt;</a:t>
+            </a:r>
+            <a:r>
+              <a:rPr lang="en" altLang="ko-KR" dirty="0" err="1"/>
+              <a:t>br</a:t>
+            </a:r>
+            <a:r>
+              <a:rPr lang="en" altLang="ko-KR" dirty="0"/>
+              <a:t> /&gt;</a:t>
+            </a:r>
+          </a:p>
+          <a:p>
+            <a:pPr marL="0" indent="0">
+              <a:buNone/>
+            </a:pPr>
+            <a:r>
+              <a:rPr lang="ko-KR" altLang="en-US" dirty="0"/>
+              <a:t>글쓴이 </a:t>
+            </a:r>
+            <a:r>
+              <a:rPr lang="en-US" altLang="ko-KR" dirty="0"/>
+              <a:t>: 0</a:t>
+            </a:r>
+            <a:r>
+              <a:rPr lang="en" altLang="ko-KR" dirty="0"/>
+              <a:t>&lt;</a:t>
+            </a:r>
+            <a:r>
+              <a:rPr lang="en" altLang="ko-KR" dirty="0" err="1"/>
+              <a:t>br</a:t>
+            </a:r>
+            <a:r>
+              <a:rPr lang="en" altLang="ko-KR" dirty="0"/>
+              <a:t> /&gt;</a:t>
+            </a:r>
+          </a:p>
+          <a:p>
+            <a:pPr marL="0" indent="0">
+              <a:buNone/>
+            </a:pPr>
+            <a:r>
+              <a:rPr lang="ko-KR" altLang="en-US" dirty="0"/>
+              <a:t>제목 </a:t>
+            </a:r>
+            <a:r>
+              <a:rPr lang="en-US" altLang="ko-KR" dirty="0"/>
+              <a:t>: 0</a:t>
+            </a:r>
+            <a:r>
+              <a:rPr lang="en" altLang="ko-KR" dirty="0"/>
+              <a:t>&lt;</a:t>
+            </a:r>
+            <a:r>
+              <a:rPr lang="en" altLang="ko-KR" dirty="0" err="1"/>
+              <a:t>br</a:t>
+            </a:r>
+            <a:r>
+              <a:rPr lang="en" altLang="ko-KR" dirty="0"/>
+              <a:t> /&gt;</a:t>
+            </a:r>
+          </a:p>
+          <a:p>
+            <a:pPr marL="0" indent="0">
+              <a:buNone/>
+            </a:pPr>
+            <a:r>
+              <a:rPr lang="ko-KR" altLang="en-US" dirty="0"/>
+              <a:t>내용 </a:t>
+            </a:r>
+            <a:r>
+              <a:rPr lang="en-US" altLang="ko-KR" dirty="0"/>
+              <a:t>: 0</a:t>
+            </a:r>
+            <a:r>
+              <a:rPr lang="en" altLang="ko-KR" dirty="0"/>
+              <a:t>&lt;</a:t>
+            </a:r>
+            <a:r>
+              <a:rPr lang="en" altLang="ko-KR" dirty="0" err="1"/>
+              <a:t>br</a:t>
+            </a:r>
+            <a:r>
+              <a:rPr lang="en" altLang="ko-KR" dirty="0"/>
+              <a:t> /&gt;</a:t>
+            </a:r>
+          </a:p>
+          <a:p>
+            <a:pPr marL="0" indent="0">
+              <a:buNone/>
+            </a:pPr>
+            <a:r>
+              <a:rPr lang="ko-KR" altLang="en-US" dirty="0"/>
+              <a:t>수정</a:t>
+            </a:r>
+            <a:r>
+              <a:rPr lang="en" altLang="ko-KR" dirty="0"/>
+              <a:t> | </a:t>
+            </a:r>
+            <a:r>
+              <a:rPr lang="ko-KR" altLang="en-US" dirty="0"/>
+              <a:t> 삭제</a:t>
+            </a:r>
+            <a:r>
+              <a:rPr lang="en" altLang="ko-KR" dirty="0"/>
+              <a:t> | </a:t>
+            </a:r>
+            <a:r>
+              <a:rPr lang="ko-KR" altLang="en-US" dirty="0" err="1"/>
+              <a:t>게시글</a:t>
+            </a:r>
+            <a:r>
+              <a:rPr lang="ko-KR" altLang="en-US" dirty="0"/>
+              <a:t> 리스트</a:t>
+            </a:r>
+            <a:endParaRPr lang="en" altLang="ko-KR" dirty="0"/>
+          </a:p>
+          <a:p>
+            <a:pPr marL="0" indent="0">
+              <a:buNone/>
+            </a:pPr>
+            <a:r>
+              <a:rPr lang="en" altLang="ko-KR" dirty="0"/>
+              <a:t>&lt;/body&gt;</a:t>
+            </a:r>
+          </a:p>
+          <a:p>
+            <a:pPr marL="0" indent="0">
+              <a:buNone/>
+            </a:pPr>
+            <a:r>
+              <a:rPr lang="en" altLang="ko-KR" dirty="0"/>
+              <a:t>&lt;/html&gt;</a:t>
+            </a:r>
+          </a:p>
+          <a:p>
+            <a:pPr marL="0" indent="0">
+              <a:buNone/>
+            </a:pPr>
+            <a:endParaRPr kumimoji="1" lang="ko-KR" altLang="en-US" dirty="0"/>
+          </a:p>
+        </p:txBody>
+      </p:sp>
+    </p:spTree>
+    <p:extLst>
+      <p:ext uri="{BB962C8B-B14F-4D97-AF65-F5344CB8AC3E}">
+        <p14:creationId xmlns:p14="http://schemas.microsoft.com/office/powerpoint/2010/main" val="3574378508"/>
       </p:ext>
     </p:extLst>
   </p:cSld>
@@ -10254,6 +10933,3795 @@
     <p:extLst>
       <p:ext uri="{BB962C8B-B14F-4D97-AF65-F5344CB8AC3E}">
         <p14:creationId xmlns:p14="http://schemas.microsoft.com/office/powerpoint/2010/main" val="1541372686"/>
+      </p:ext>
+    </p:extLst>
+  </p:cSld>
+  <p:clrMapOvr>
+    <a:masterClrMapping/>
+  </p:clrMapOvr>
+</p:sld>
+</file>
+
+<file path=ppt/slides/slide30.xml><?xml version="1.0" encoding="utf-8"?>
+<p:sld xmlns:a="http://schemas.openxmlformats.org/drawingml/2006/main" xmlns:r="http://schemas.openxmlformats.org/officeDocument/2006/relationships" xmlns:p="http://schemas.openxmlformats.org/presentationml/2006/main">
+  <p:cSld>
+    <p:spTree>
+      <p:nvGrpSpPr>
+        <p:cNvPr id="1" name=""/>
+        <p:cNvGrpSpPr/>
+        <p:nvPr/>
+      </p:nvGrpSpPr>
+      <p:grpSpPr>
+        <a:xfrm>
+          <a:off x="0" y="0"/>
+          <a:ext cx="0" cy="0"/>
+          <a:chOff x="0" y="0"/>
+          <a:chExt cx="0" cy="0"/>
+        </a:xfrm>
+      </p:grpSpPr>
+      <p:sp>
+        <p:nvSpPr>
+          <p:cNvPr id="3" name="내용 개체 틀 2">
+            <a:extLst>
+              <a:ext uri="{FF2B5EF4-FFF2-40B4-BE49-F238E27FC236}">
+                <a16:creationId xmlns:a16="http://schemas.microsoft.com/office/drawing/2014/main" id="{0539D08A-3F84-C74E-9F4A-E87AB1EB9F0E}"/>
+              </a:ext>
+            </a:extLst>
+          </p:cNvPr>
+          <p:cNvSpPr>
+            <a:spLocks noGrp="1"/>
+          </p:cNvSpPr>
+          <p:nvPr>
+            <p:ph idx="1"/>
+          </p:nvPr>
+        </p:nvSpPr>
+        <p:spPr>
+          <a:xfrm>
+            <a:off x="838200" y="431515"/>
+            <a:ext cx="10515600" cy="5745448"/>
+          </a:xfrm>
+        </p:spPr>
+        <p:txBody>
+          <a:bodyPr>
+            <a:normAutofit lnSpcReduction="10000"/>
+          </a:bodyPr>
+          <a:lstStyle/>
+          <a:p>
+            <a:pPr marL="0" indent="0">
+              <a:buNone/>
+            </a:pPr>
+            <a:r>
+              <a:rPr lang="en" altLang="ko-KR" dirty="0" err="1"/>
+              <a:t>BoardFrontController</a:t>
+            </a:r>
+            <a:r>
+              <a:rPr lang="ko-KR" altLang="en-US" dirty="0"/>
+              <a:t>의 </a:t>
+            </a:r>
+            <a:r>
+              <a:rPr lang="en" altLang="ko-KR" dirty="0" err="1"/>
+              <a:t>boardDetail</a:t>
+            </a:r>
+            <a:r>
+              <a:rPr lang="en" altLang="ko-KR" dirty="0"/>
+              <a:t>.</a:t>
+            </a:r>
+            <a:r>
+              <a:rPr lang="en-US" altLang="ko-KR" dirty="0"/>
+              <a:t>board</a:t>
+            </a:r>
+            <a:r>
+              <a:rPr lang="ko-KR" altLang="en-US" dirty="0"/>
+              <a:t>에 데이터를 가지고 </a:t>
+            </a:r>
+            <a:r>
+              <a:rPr lang="ko-KR" altLang="en-US" dirty="0" err="1"/>
+              <a:t>올수</a:t>
+            </a:r>
+            <a:r>
+              <a:rPr lang="ko-KR" altLang="en-US" dirty="0"/>
+              <a:t> 있게 </a:t>
+            </a:r>
+            <a:r>
+              <a:rPr lang="en-US" altLang="ko-KR" dirty="0"/>
+              <a:t>page-controller</a:t>
+            </a:r>
+            <a:r>
+              <a:rPr lang="ko-KR" altLang="en-US" dirty="0"/>
+              <a:t>가 있어야 한다</a:t>
+            </a:r>
+            <a:r>
+              <a:rPr lang="en-US" altLang="ko-KR" dirty="0"/>
+              <a:t>.</a:t>
+            </a:r>
+          </a:p>
+          <a:p>
+            <a:pPr marL="0" indent="0">
+              <a:buNone/>
+            </a:pPr>
+            <a:r>
+              <a:rPr lang="en" altLang="ko-KR" dirty="0" err="1"/>
+              <a:t>BoardDetailController</a:t>
+            </a:r>
+            <a:r>
+              <a:rPr lang="ko-KR" altLang="en-US" dirty="0" err="1"/>
+              <a:t>를</a:t>
+            </a:r>
+            <a:r>
+              <a:rPr lang="ko-KR" altLang="en-US" dirty="0"/>
+              <a:t> 만들어 상세정보를 가지고 </a:t>
+            </a:r>
+            <a:r>
+              <a:rPr lang="ko-KR" altLang="en-US" dirty="0" err="1"/>
+              <a:t>오도록한다</a:t>
+            </a:r>
+            <a:r>
+              <a:rPr lang="en-US" altLang="ko-KR" dirty="0"/>
+              <a:t>.</a:t>
+            </a:r>
+          </a:p>
+          <a:p>
+            <a:pPr marL="0" indent="0">
+              <a:buNone/>
+            </a:pPr>
+            <a:endParaRPr lang="en-US" altLang="ko-KR" dirty="0"/>
+          </a:p>
+          <a:p>
+            <a:pPr marL="0" indent="0">
+              <a:buNone/>
+            </a:pPr>
+            <a:r>
+              <a:rPr lang="ko-KR" altLang="en-US" dirty="0"/>
+              <a:t>쿼리스트링으로 받아온 </a:t>
+            </a:r>
+            <a:r>
+              <a:rPr lang="en-US" altLang="ko-KR" dirty="0" err="1"/>
+              <a:t>num</a:t>
+            </a:r>
+            <a:r>
+              <a:rPr lang="ko-KR" altLang="en-US" dirty="0"/>
+              <a:t>값을 이용해서 상세정보를 가지고 오자</a:t>
+            </a:r>
+            <a:r>
+              <a:rPr lang="en-US" altLang="ko-KR" dirty="0"/>
+              <a:t>.</a:t>
+            </a:r>
+          </a:p>
+          <a:p>
+            <a:pPr marL="0" indent="0">
+              <a:buNone/>
+            </a:pPr>
+            <a:r>
+              <a:rPr lang="en" altLang="ko-KR" b="1" dirty="0"/>
+              <a:t>public</a:t>
+            </a:r>
+            <a:r>
+              <a:rPr lang="en" altLang="ko-KR" dirty="0"/>
+              <a:t> </a:t>
+            </a:r>
+            <a:r>
+              <a:rPr lang="en" altLang="ko-KR" b="1" dirty="0"/>
+              <a:t>class</a:t>
+            </a:r>
+            <a:r>
+              <a:rPr lang="en" altLang="ko-KR" dirty="0"/>
+              <a:t> </a:t>
+            </a:r>
+            <a:r>
+              <a:rPr lang="en" altLang="ko-KR" dirty="0" err="1"/>
+              <a:t>BoardDetailController</a:t>
+            </a:r>
+            <a:r>
+              <a:rPr lang="en" altLang="ko-KR" dirty="0"/>
+              <a:t> {</a:t>
+            </a:r>
+          </a:p>
+          <a:p>
+            <a:pPr marL="0" indent="0">
+              <a:buNone/>
+            </a:pPr>
+            <a:r>
+              <a:rPr lang="en" altLang="ko-KR" b="1" dirty="0"/>
+              <a:t>	public</a:t>
+            </a:r>
+            <a:r>
+              <a:rPr lang="en" altLang="ko-KR" dirty="0"/>
+              <a:t> </a:t>
+            </a:r>
+            <a:r>
+              <a:rPr lang="en" altLang="ko-KR" b="1" dirty="0"/>
+              <a:t>void</a:t>
+            </a:r>
+            <a:r>
+              <a:rPr lang="en" altLang="ko-KR" dirty="0"/>
+              <a:t> execute(</a:t>
+            </a:r>
+            <a:r>
+              <a:rPr lang="en" altLang="ko-KR" u="sng" dirty="0" err="1"/>
+              <a:t>HttpServletRequest</a:t>
+            </a:r>
+            <a:r>
+              <a:rPr lang="en" altLang="ko-KR" dirty="0"/>
+              <a:t> request) {</a:t>
+            </a:r>
+          </a:p>
+          <a:p>
+            <a:pPr marL="0" indent="0">
+              <a:buNone/>
+            </a:pPr>
+            <a:r>
+              <a:rPr lang="en" altLang="ko-KR" dirty="0"/>
+              <a:t>		String </a:t>
+            </a:r>
+            <a:r>
+              <a:rPr lang="en" altLang="ko-KR" dirty="0" err="1"/>
+              <a:t>num</a:t>
+            </a:r>
+            <a:r>
+              <a:rPr lang="en" altLang="ko-KR" dirty="0"/>
+              <a:t> = </a:t>
+            </a:r>
+            <a:r>
+              <a:rPr lang="en" altLang="ko-KR" dirty="0" err="1"/>
+              <a:t>request.getParameter</a:t>
+            </a:r>
+            <a:r>
+              <a:rPr lang="en" altLang="ko-KR" dirty="0"/>
+              <a:t>("</a:t>
+            </a:r>
+            <a:r>
+              <a:rPr lang="en" altLang="ko-KR" dirty="0" err="1"/>
+              <a:t>num</a:t>
+            </a:r>
+            <a:r>
+              <a:rPr lang="en" altLang="ko-KR" dirty="0"/>
+              <a:t>");</a:t>
+            </a:r>
+          </a:p>
+          <a:p>
+            <a:pPr marL="0" indent="0">
+              <a:buNone/>
+            </a:pPr>
+            <a:r>
+              <a:rPr lang="en" altLang="ko-KR" dirty="0"/>
+              <a:t>		</a:t>
+            </a:r>
+            <a:r>
+              <a:rPr lang="en" altLang="ko-KR" dirty="0" err="1"/>
+              <a:t>BoardDAO</a:t>
+            </a:r>
+            <a:r>
+              <a:rPr lang="en" altLang="ko-KR" dirty="0"/>
+              <a:t> </a:t>
+            </a:r>
+            <a:r>
+              <a:rPr lang="en" altLang="ko-KR" dirty="0" err="1"/>
+              <a:t>dao</a:t>
+            </a:r>
+            <a:r>
+              <a:rPr lang="en" altLang="ko-KR" dirty="0"/>
+              <a:t> = </a:t>
+            </a:r>
+            <a:r>
+              <a:rPr lang="en" altLang="ko-KR" b="1" dirty="0"/>
+              <a:t>new</a:t>
+            </a:r>
+            <a:r>
+              <a:rPr lang="en" altLang="ko-KR" dirty="0"/>
+              <a:t> </a:t>
+            </a:r>
+            <a:r>
+              <a:rPr lang="en" altLang="ko-KR" dirty="0" err="1"/>
+              <a:t>BoardDAO</a:t>
+            </a:r>
+            <a:r>
+              <a:rPr lang="en" altLang="ko-KR" dirty="0"/>
+              <a:t>();</a:t>
+            </a:r>
+          </a:p>
+          <a:p>
+            <a:pPr marL="0" indent="0">
+              <a:buNone/>
+            </a:pPr>
+            <a:r>
+              <a:rPr lang="en" altLang="ko-KR" dirty="0"/>
+              <a:t>	}</a:t>
+            </a:r>
+          </a:p>
+          <a:p>
+            <a:pPr marL="0" indent="0">
+              <a:buNone/>
+            </a:pPr>
+            <a:r>
+              <a:rPr lang="en" altLang="ko-KR" dirty="0"/>
+              <a:t>}</a:t>
+            </a:r>
+          </a:p>
+          <a:p>
+            <a:pPr marL="0" indent="0">
+              <a:buNone/>
+            </a:pPr>
+            <a:endParaRPr lang="en" altLang="ko-KR" b="1" dirty="0"/>
+          </a:p>
+          <a:p>
+            <a:pPr marL="0" indent="0">
+              <a:buNone/>
+            </a:pPr>
+            <a:endParaRPr kumimoji="1" lang="ko-KR" altLang="en-US" dirty="0"/>
+          </a:p>
+        </p:txBody>
+      </p:sp>
+    </p:spTree>
+    <p:extLst>
+      <p:ext uri="{BB962C8B-B14F-4D97-AF65-F5344CB8AC3E}">
+        <p14:creationId xmlns:p14="http://schemas.microsoft.com/office/powerpoint/2010/main" val="573038030"/>
+      </p:ext>
+    </p:extLst>
+  </p:cSld>
+  <p:clrMapOvr>
+    <a:masterClrMapping/>
+  </p:clrMapOvr>
+</p:sld>
+</file>
+
+<file path=ppt/slides/slide31.xml><?xml version="1.0" encoding="utf-8"?>
+<p:sld xmlns:a="http://schemas.openxmlformats.org/drawingml/2006/main" xmlns:r="http://schemas.openxmlformats.org/officeDocument/2006/relationships" xmlns:p="http://schemas.openxmlformats.org/presentationml/2006/main">
+  <p:cSld>
+    <p:spTree>
+      <p:nvGrpSpPr>
+        <p:cNvPr id="1" name=""/>
+        <p:cNvGrpSpPr/>
+        <p:nvPr/>
+      </p:nvGrpSpPr>
+      <p:grpSpPr>
+        <a:xfrm>
+          <a:off x="0" y="0"/>
+          <a:ext cx="0" cy="0"/>
+          <a:chOff x="0" y="0"/>
+          <a:chExt cx="0" cy="0"/>
+        </a:xfrm>
+      </p:grpSpPr>
+      <p:sp>
+        <p:nvSpPr>
+          <p:cNvPr id="3" name="내용 개체 틀 2">
+            <a:extLst>
+              <a:ext uri="{FF2B5EF4-FFF2-40B4-BE49-F238E27FC236}">
+                <a16:creationId xmlns:a16="http://schemas.microsoft.com/office/drawing/2014/main" id="{0BEC3E62-B3BE-5C4E-9FB1-92883554FDBF}"/>
+              </a:ext>
+            </a:extLst>
+          </p:cNvPr>
+          <p:cNvSpPr>
+            <a:spLocks noGrp="1"/>
+          </p:cNvSpPr>
+          <p:nvPr>
+            <p:ph idx="1"/>
+          </p:nvPr>
+        </p:nvSpPr>
+        <p:spPr>
+          <a:xfrm>
+            <a:off x="838200" y="339047"/>
+            <a:ext cx="10515600" cy="5837916"/>
+          </a:xfrm>
+        </p:spPr>
+        <p:txBody>
+          <a:bodyPr>
+            <a:normAutofit lnSpcReduction="10000"/>
+          </a:bodyPr>
+          <a:lstStyle/>
+          <a:p>
+            <a:pPr marL="0" indent="0">
+              <a:buNone/>
+            </a:pPr>
+            <a:r>
+              <a:rPr lang="en" altLang="ko-KR" b="1" dirty="0"/>
+              <a:t>public</a:t>
+            </a:r>
+            <a:r>
+              <a:rPr lang="en" altLang="ko-KR" dirty="0"/>
+              <a:t> </a:t>
+            </a:r>
+            <a:r>
+              <a:rPr lang="en" altLang="ko-KR" dirty="0" err="1"/>
+              <a:t>BoardDTO</a:t>
+            </a:r>
+            <a:r>
+              <a:rPr lang="en" altLang="ko-KR" dirty="0"/>
+              <a:t> </a:t>
+            </a:r>
+            <a:r>
+              <a:rPr lang="en" altLang="ko-KR" dirty="0" err="1"/>
+              <a:t>selectOne</a:t>
+            </a:r>
+            <a:r>
+              <a:rPr lang="en" altLang="ko-KR" dirty="0"/>
+              <a:t>(String </a:t>
+            </a:r>
+            <a:r>
+              <a:rPr lang="en" altLang="ko-KR" dirty="0" err="1"/>
+              <a:t>num</a:t>
+            </a:r>
+            <a:r>
+              <a:rPr lang="en" altLang="ko-KR" dirty="0"/>
+              <a:t>) {</a:t>
+            </a:r>
+          </a:p>
+          <a:p>
+            <a:pPr marL="0" indent="0">
+              <a:buNone/>
+            </a:pPr>
+            <a:r>
+              <a:rPr lang="en" altLang="ko-KR" dirty="0"/>
+              <a:t>	</a:t>
+            </a:r>
+            <a:r>
+              <a:rPr lang="en" altLang="ko-KR" dirty="0" err="1"/>
+              <a:t>BoardDTO</a:t>
+            </a:r>
+            <a:r>
+              <a:rPr lang="en" altLang="ko-KR" dirty="0"/>
+              <a:t> </a:t>
+            </a:r>
+            <a:r>
+              <a:rPr lang="en" altLang="ko-KR" dirty="0" err="1"/>
+              <a:t>dto</a:t>
+            </a:r>
+            <a:r>
+              <a:rPr lang="en" altLang="ko-KR" dirty="0"/>
+              <a:t> = </a:t>
+            </a:r>
+            <a:r>
+              <a:rPr lang="en" altLang="ko-KR" b="1" dirty="0"/>
+              <a:t>new</a:t>
+            </a:r>
+            <a:r>
+              <a:rPr lang="en" altLang="ko-KR" dirty="0"/>
+              <a:t> </a:t>
+            </a:r>
+            <a:r>
+              <a:rPr lang="en" altLang="ko-KR" dirty="0" err="1"/>
+              <a:t>BoardDTO</a:t>
+            </a:r>
+            <a:r>
+              <a:rPr lang="en" altLang="ko-KR" dirty="0"/>
+              <a:t>();</a:t>
+            </a:r>
+          </a:p>
+          <a:p>
+            <a:pPr marL="0" indent="0">
+              <a:buNone/>
+            </a:pPr>
+            <a:r>
+              <a:rPr lang="en" altLang="ko-KR" dirty="0"/>
+              <a:t>	con = </a:t>
+            </a:r>
+            <a:r>
+              <a:rPr lang="en" altLang="ko-KR" dirty="0" err="1"/>
+              <a:t>getConnection</a:t>
+            </a:r>
+            <a:r>
+              <a:rPr lang="en" altLang="ko-KR" dirty="0"/>
+              <a:t>(); </a:t>
+            </a:r>
+          </a:p>
+          <a:p>
+            <a:pPr marL="0" indent="0">
+              <a:buNone/>
+            </a:pPr>
+            <a:r>
+              <a:rPr lang="en" altLang="ko-KR" dirty="0"/>
+              <a:t>	String </a:t>
+            </a:r>
+            <a:r>
+              <a:rPr lang="en" altLang="ko-KR" dirty="0" err="1"/>
+              <a:t>sql</a:t>
+            </a:r>
+            <a:r>
+              <a:rPr lang="en" altLang="ko-KR" dirty="0"/>
+              <a:t> = "select BOARD_NUM, BOARD_WRITER, 					BOARD_SUBJECT, "</a:t>
+            </a:r>
+          </a:p>
+          <a:p>
+            <a:pPr marL="0" indent="0">
+              <a:buNone/>
+            </a:pPr>
+            <a:r>
+              <a:rPr lang="en" altLang="ko-KR" dirty="0"/>
+              <a:t>			+ " BOARD_CONTENT, WRITER_IP, 						VISIT_COUNT"</a:t>
+            </a:r>
+          </a:p>
+          <a:p>
+            <a:pPr marL="0" indent="0">
+              <a:buNone/>
+            </a:pPr>
+            <a:r>
+              <a:rPr lang="en" altLang="ko-KR" dirty="0"/>
+              <a:t>			+ " from board "</a:t>
+            </a:r>
+          </a:p>
+          <a:p>
+            <a:pPr marL="0" indent="0">
+              <a:buNone/>
+            </a:pPr>
+            <a:r>
+              <a:rPr lang="en" altLang="ko-KR" dirty="0"/>
+              <a:t>			+ " where BOARD_NUM = ?";</a:t>
+            </a:r>
+          </a:p>
+          <a:p>
+            <a:pPr marL="0" indent="0">
+              <a:buNone/>
+            </a:pPr>
+            <a:endParaRPr lang="en" altLang="ko-KR" dirty="0"/>
+          </a:p>
+          <a:p>
+            <a:pPr marL="0" indent="0">
+              <a:buNone/>
+            </a:pPr>
+            <a:endParaRPr lang="en" altLang="ko-KR" dirty="0"/>
+          </a:p>
+          <a:p>
+            <a:pPr marL="0" indent="0">
+              <a:buNone/>
+            </a:pPr>
+            <a:r>
+              <a:rPr lang="en" altLang="ko-KR" b="1" dirty="0"/>
+              <a:t>	return</a:t>
+            </a:r>
+            <a:r>
+              <a:rPr lang="en" altLang="ko-KR" dirty="0"/>
+              <a:t> </a:t>
+            </a:r>
+            <a:r>
+              <a:rPr lang="en" altLang="ko-KR" dirty="0" err="1"/>
+              <a:t>dto</a:t>
+            </a:r>
+            <a:r>
+              <a:rPr lang="en" altLang="ko-KR" dirty="0"/>
+              <a:t>;</a:t>
+            </a:r>
+          </a:p>
+          <a:p>
+            <a:pPr marL="0" indent="0">
+              <a:buNone/>
+            </a:pPr>
+            <a:r>
+              <a:rPr lang="en" altLang="ko-KR" dirty="0"/>
+              <a:t>}</a:t>
+            </a:r>
+          </a:p>
+          <a:p>
+            <a:pPr marL="0" indent="0">
+              <a:buNone/>
+            </a:pPr>
+            <a:endParaRPr kumimoji="1" lang="ko-KR" altLang="en-US" dirty="0"/>
+          </a:p>
+        </p:txBody>
+      </p:sp>
+    </p:spTree>
+    <p:extLst>
+      <p:ext uri="{BB962C8B-B14F-4D97-AF65-F5344CB8AC3E}">
+        <p14:creationId xmlns:p14="http://schemas.microsoft.com/office/powerpoint/2010/main" val="4154443780"/>
+      </p:ext>
+    </p:extLst>
+  </p:cSld>
+  <p:clrMapOvr>
+    <a:masterClrMapping/>
+  </p:clrMapOvr>
+</p:sld>
+</file>
+
+<file path=ppt/slides/slide32.xml><?xml version="1.0" encoding="utf-8"?>
+<p:sld xmlns:a="http://schemas.openxmlformats.org/drawingml/2006/main" xmlns:r="http://schemas.openxmlformats.org/officeDocument/2006/relationships" xmlns:p="http://schemas.openxmlformats.org/presentationml/2006/main">
+  <p:cSld>
+    <p:spTree>
+      <p:nvGrpSpPr>
+        <p:cNvPr id="1" name=""/>
+        <p:cNvGrpSpPr/>
+        <p:nvPr/>
+      </p:nvGrpSpPr>
+      <p:grpSpPr>
+        <a:xfrm>
+          <a:off x="0" y="0"/>
+          <a:ext cx="0" cy="0"/>
+          <a:chOff x="0" y="0"/>
+          <a:chExt cx="0" cy="0"/>
+        </a:xfrm>
+      </p:grpSpPr>
+      <p:sp>
+        <p:nvSpPr>
+          <p:cNvPr id="3" name="내용 개체 틀 2">
+            <a:extLst>
+              <a:ext uri="{FF2B5EF4-FFF2-40B4-BE49-F238E27FC236}">
+                <a16:creationId xmlns:a16="http://schemas.microsoft.com/office/drawing/2014/main" id="{08FE73BE-E800-9B4F-919B-80DB4FDFB238}"/>
+              </a:ext>
+            </a:extLst>
+          </p:cNvPr>
+          <p:cNvSpPr>
+            <a:spLocks noGrp="1"/>
+          </p:cNvSpPr>
+          <p:nvPr>
+            <p:ph idx="1"/>
+          </p:nvPr>
+        </p:nvSpPr>
+        <p:spPr>
+          <a:xfrm>
+            <a:off x="838200" y="267128"/>
+            <a:ext cx="10515600" cy="5909835"/>
+          </a:xfrm>
+        </p:spPr>
+        <p:txBody>
+          <a:bodyPr>
+            <a:normAutofit fontScale="55000" lnSpcReduction="20000"/>
+          </a:bodyPr>
+          <a:lstStyle/>
+          <a:p>
+            <a:pPr marL="0" indent="0">
+              <a:buNone/>
+            </a:pPr>
+            <a:r>
+              <a:rPr lang="en" altLang="ko-KR" b="1" dirty="0"/>
+              <a:t>try</a:t>
+            </a:r>
+            <a:r>
+              <a:rPr lang="en" altLang="ko-KR" dirty="0"/>
+              <a:t> {</a:t>
+            </a:r>
+          </a:p>
+          <a:p>
+            <a:pPr marL="0" indent="0">
+              <a:buNone/>
+            </a:pPr>
+            <a:r>
+              <a:rPr lang="en" altLang="ko-KR" dirty="0"/>
+              <a:t>	</a:t>
+            </a:r>
+            <a:r>
+              <a:rPr lang="en" altLang="ko-KR" dirty="0" err="1"/>
+              <a:t>pstmt</a:t>
+            </a:r>
+            <a:r>
+              <a:rPr lang="en" altLang="ko-KR" dirty="0"/>
+              <a:t> = </a:t>
+            </a:r>
+            <a:r>
+              <a:rPr lang="en" altLang="ko-KR" dirty="0" err="1"/>
+              <a:t>con.prepareStatement</a:t>
+            </a:r>
+            <a:r>
+              <a:rPr lang="en" altLang="ko-KR" dirty="0"/>
+              <a:t>(</a:t>
+            </a:r>
+            <a:r>
+              <a:rPr lang="en" altLang="ko-KR" dirty="0" err="1"/>
+              <a:t>sql</a:t>
+            </a:r>
+            <a:r>
+              <a:rPr lang="en" altLang="ko-KR" dirty="0"/>
+              <a:t>);</a:t>
+            </a:r>
+          </a:p>
+          <a:p>
+            <a:pPr marL="0" indent="0">
+              <a:buNone/>
+            </a:pPr>
+            <a:r>
+              <a:rPr lang="en" altLang="ko-KR" dirty="0"/>
+              <a:t>	</a:t>
+            </a:r>
+            <a:r>
+              <a:rPr lang="en" altLang="ko-KR" dirty="0" err="1"/>
+              <a:t>pstmt.setString</a:t>
+            </a:r>
+            <a:r>
+              <a:rPr lang="en" altLang="ko-KR" dirty="0"/>
+              <a:t>(1, </a:t>
+            </a:r>
+            <a:r>
+              <a:rPr lang="en" altLang="ko-KR" dirty="0" err="1"/>
+              <a:t>num</a:t>
+            </a:r>
+            <a:r>
+              <a:rPr lang="en" altLang="ko-KR" dirty="0"/>
+              <a:t>);</a:t>
+            </a:r>
+          </a:p>
+          <a:p>
+            <a:pPr marL="0" indent="0">
+              <a:buNone/>
+            </a:pPr>
+            <a:r>
+              <a:rPr lang="en" altLang="ko-KR" dirty="0"/>
+              <a:t>	</a:t>
+            </a:r>
+            <a:r>
+              <a:rPr lang="en" altLang="ko-KR" dirty="0" err="1"/>
+              <a:t>rs</a:t>
+            </a:r>
+            <a:r>
+              <a:rPr lang="en" altLang="ko-KR" dirty="0"/>
+              <a:t> = </a:t>
+            </a:r>
+            <a:r>
+              <a:rPr lang="en" altLang="ko-KR" dirty="0" err="1"/>
+              <a:t>pstmt.executeQuery</a:t>
+            </a:r>
+            <a:r>
+              <a:rPr lang="en" altLang="ko-KR" dirty="0"/>
+              <a:t>();</a:t>
+            </a:r>
+          </a:p>
+          <a:p>
+            <a:pPr marL="0" indent="0">
+              <a:buNone/>
+            </a:pPr>
+            <a:r>
+              <a:rPr lang="en" altLang="ko-KR" b="1" dirty="0"/>
+              <a:t>	if</a:t>
+            </a:r>
+            <a:r>
+              <a:rPr lang="en" altLang="ko-KR" dirty="0"/>
+              <a:t>(</a:t>
+            </a:r>
+            <a:r>
+              <a:rPr lang="en" altLang="ko-KR" dirty="0" err="1"/>
+              <a:t>rs.next</a:t>
+            </a:r>
+            <a:r>
+              <a:rPr lang="en" altLang="ko-KR" dirty="0"/>
+              <a:t>()) {</a:t>
+            </a:r>
+          </a:p>
+          <a:p>
+            <a:pPr marL="0" indent="0">
+              <a:buNone/>
+            </a:pPr>
+            <a:r>
+              <a:rPr lang="en" altLang="ko-KR" dirty="0"/>
+              <a:t>		</a:t>
+            </a:r>
+            <a:r>
+              <a:rPr lang="en" altLang="ko-KR" dirty="0" err="1"/>
+              <a:t>dto.setBoardContent</a:t>
+            </a:r>
+            <a:r>
+              <a:rPr lang="en" altLang="ko-KR" dirty="0"/>
+              <a:t>(</a:t>
+            </a:r>
+            <a:r>
+              <a:rPr lang="en" altLang="ko-KR" dirty="0" err="1"/>
+              <a:t>rs.getString</a:t>
+            </a:r>
+            <a:r>
+              <a:rPr lang="en" altLang="ko-KR" dirty="0"/>
+              <a:t>("BOARD_CONTENT"));</a:t>
+            </a:r>
+          </a:p>
+          <a:p>
+            <a:pPr marL="0" indent="0">
+              <a:buNone/>
+            </a:pPr>
+            <a:r>
+              <a:rPr lang="en" altLang="ko-KR" dirty="0"/>
+              <a:t>		</a:t>
+            </a:r>
+            <a:r>
+              <a:rPr lang="en" altLang="ko-KR" dirty="0" err="1"/>
+              <a:t>dto.setBoardNum</a:t>
+            </a:r>
+            <a:r>
+              <a:rPr lang="en" altLang="ko-KR" dirty="0"/>
+              <a:t>(</a:t>
+            </a:r>
+            <a:r>
+              <a:rPr lang="en" altLang="ko-KR" dirty="0" err="1"/>
+              <a:t>rs.getInt</a:t>
+            </a:r>
+            <a:r>
+              <a:rPr lang="en" altLang="ko-KR" dirty="0"/>
+              <a:t>("BOARD_NUM"));</a:t>
+            </a:r>
+          </a:p>
+          <a:p>
+            <a:pPr marL="0" indent="0">
+              <a:buNone/>
+            </a:pPr>
+            <a:r>
+              <a:rPr lang="en" altLang="ko-KR" dirty="0"/>
+              <a:t>		</a:t>
+            </a:r>
+            <a:r>
+              <a:rPr lang="en" altLang="ko-KR" dirty="0" err="1"/>
+              <a:t>dto.setBoardSubject</a:t>
+            </a:r>
+            <a:r>
+              <a:rPr lang="en" altLang="ko-KR" dirty="0"/>
+              <a:t>(</a:t>
+            </a:r>
+            <a:r>
+              <a:rPr lang="en" altLang="ko-KR" dirty="0" err="1"/>
+              <a:t>rs.getString</a:t>
+            </a:r>
+            <a:r>
+              <a:rPr lang="en" altLang="ko-KR" dirty="0"/>
+              <a:t>("BOARD_SUBJECT"));</a:t>
+            </a:r>
+          </a:p>
+          <a:p>
+            <a:pPr marL="0" indent="0">
+              <a:buNone/>
+            </a:pPr>
+            <a:r>
+              <a:rPr lang="en" altLang="ko-KR" dirty="0"/>
+              <a:t>		</a:t>
+            </a:r>
+            <a:r>
+              <a:rPr lang="en" altLang="ko-KR" dirty="0" err="1"/>
+              <a:t>dto.setBoardWriter</a:t>
+            </a:r>
+            <a:r>
+              <a:rPr lang="en" altLang="ko-KR" dirty="0"/>
+              <a:t>(</a:t>
+            </a:r>
+            <a:r>
+              <a:rPr lang="en" altLang="ko-KR" dirty="0" err="1"/>
+              <a:t>rs.getString</a:t>
+            </a:r>
+            <a:r>
+              <a:rPr lang="en" altLang="ko-KR" dirty="0"/>
+              <a:t>("BOARD_WRITER"));</a:t>
+            </a:r>
+          </a:p>
+          <a:p>
+            <a:pPr marL="0" indent="0">
+              <a:buNone/>
+            </a:pPr>
+            <a:r>
+              <a:rPr lang="en" altLang="ko-KR" dirty="0"/>
+              <a:t>		</a:t>
+            </a:r>
+            <a:r>
+              <a:rPr lang="en" altLang="ko-KR" dirty="0" err="1"/>
+              <a:t>dto.setVisitCount</a:t>
+            </a:r>
+            <a:r>
+              <a:rPr lang="en" altLang="ko-KR" dirty="0"/>
+              <a:t>(</a:t>
+            </a:r>
+            <a:r>
+              <a:rPr lang="en" altLang="ko-KR" dirty="0" err="1"/>
+              <a:t>rs.getInt</a:t>
+            </a:r>
+            <a:r>
+              <a:rPr lang="en" altLang="ko-KR" dirty="0"/>
+              <a:t>("VISIT_COUNT"));</a:t>
+            </a:r>
+          </a:p>
+          <a:p>
+            <a:pPr marL="0" indent="0">
+              <a:buNone/>
+            </a:pPr>
+            <a:r>
+              <a:rPr lang="en" altLang="ko-KR" dirty="0"/>
+              <a:t>		</a:t>
+            </a:r>
+            <a:r>
+              <a:rPr lang="en" altLang="ko-KR" dirty="0" err="1"/>
+              <a:t>dto.setWriterIp</a:t>
+            </a:r>
+            <a:r>
+              <a:rPr lang="en" altLang="ko-KR" dirty="0"/>
+              <a:t>(</a:t>
+            </a:r>
+            <a:r>
+              <a:rPr lang="en" altLang="ko-KR" dirty="0" err="1"/>
+              <a:t>rs.getString</a:t>
+            </a:r>
+            <a:r>
+              <a:rPr lang="en" altLang="ko-KR" dirty="0"/>
+              <a:t>("WRITER_IP"));</a:t>
+            </a:r>
+          </a:p>
+          <a:p>
+            <a:pPr marL="0" indent="0">
+              <a:buNone/>
+            </a:pPr>
+            <a:r>
+              <a:rPr lang="en" altLang="ko-KR" dirty="0"/>
+              <a:t>	}</a:t>
+            </a:r>
+          </a:p>
+          <a:p>
+            <a:pPr marL="0" indent="0">
+              <a:buNone/>
+            </a:pPr>
+            <a:r>
+              <a:rPr lang="en" altLang="ko-KR" dirty="0"/>
+              <a:t>	</a:t>
+            </a:r>
+          </a:p>
+          <a:p>
+            <a:pPr marL="0" indent="0">
+              <a:buNone/>
+            </a:pPr>
+            <a:r>
+              <a:rPr lang="en" altLang="ko-KR" dirty="0"/>
+              <a:t>}</a:t>
+            </a:r>
+            <a:r>
+              <a:rPr lang="en" altLang="ko-KR" b="1" dirty="0"/>
+              <a:t>catch</a:t>
+            </a:r>
+            <a:r>
+              <a:rPr lang="en" altLang="ko-KR" dirty="0"/>
+              <a:t>(Exception e) {</a:t>
+            </a:r>
+          </a:p>
+          <a:p>
+            <a:pPr marL="0" indent="0">
+              <a:buNone/>
+            </a:pPr>
+            <a:r>
+              <a:rPr lang="en" altLang="ko-KR" dirty="0"/>
+              <a:t>	</a:t>
+            </a:r>
+            <a:r>
+              <a:rPr lang="en" altLang="ko-KR" dirty="0" err="1"/>
+              <a:t>e.printStackTrace</a:t>
+            </a:r>
+            <a:r>
+              <a:rPr lang="en" altLang="ko-KR" dirty="0"/>
+              <a:t>();</a:t>
+            </a:r>
+          </a:p>
+          <a:p>
+            <a:pPr marL="0" indent="0">
+              <a:buNone/>
+            </a:pPr>
+            <a:r>
+              <a:rPr lang="en" altLang="ko-KR" dirty="0"/>
+              <a:t>}</a:t>
+            </a:r>
+            <a:r>
+              <a:rPr lang="en" altLang="ko-KR" b="1" dirty="0"/>
+              <a:t>finally</a:t>
+            </a:r>
+            <a:r>
+              <a:rPr lang="en" altLang="ko-KR" dirty="0"/>
+              <a:t> {</a:t>
+            </a:r>
+          </a:p>
+          <a:p>
+            <a:pPr marL="0" indent="0">
+              <a:buNone/>
+            </a:pPr>
+            <a:r>
+              <a:rPr lang="en" altLang="ko-KR" b="1" dirty="0"/>
+              <a:t>	if</a:t>
+            </a:r>
+            <a:r>
+              <a:rPr lang="en" altLang="ko-KR" dirty="0"/>
+              <a:t>(</a:t>
+            </a:r>
+            <a:r>
+              <a:rPr lang="en" altLang="ko-KR" dirty="0" err="1"/>
+              <a:t>rs</a:t>
+            </a:r>
+            <a:r>
+              <a:rPr lang="en" altLang="ko-KR" dirty="0"/>
+              <a:t> != </a:t>
+            </a:r>
+            <a:r>
+              <a:rPr lang="en" altLang="ko-KR" b="1" dirty="0"/>
+              <a:t>null</a:t>
+            </a:r>
+            <a:r>
+              <a:rPr lang="en" altLang="ko-KR" dirty="0"/>
+              <a:t>) </a:t>
+            </a:r>
+            <a:r>
+              <a:rPr lang="en" altLang="ko-KR" b="1" dirty="0"/>
+              <a:t>try</a:t>
+            </a:r>
+            <a:r>
+              <a:rPr lang="en" altLang="ko-KR" dirty="0"/>
+              <a:t>{</a:t>
+            </a:r>
+            <a:r>
+              <a:rPr lang="en" altLang="ko-KR" dirty="0" err="1"/>
+              <a:t>rs.close</a:t>
+            </a:r>
+            <a:r>
+              <a:rPr lang="en" altLang="ko-KR" dirty="0"/>
+              <a:t>();}</a:t>
+            </a:r>
+            <a:r>
+              <a:rPr lang="en" altLang="ko-KR" b="1" dirty="0"/>
+              <a:t>catch</a:t>
+            </a:r>
+            <a:r>
+              <a:rPr lang="en" altLang="ko-KR" dirty="0"/>
+              <a:t>(Exception e) {}</a:t>
+            </a:r>
+          </a:p>
+          <a:p>
+            <a:pPr marL="0" indent="0">
+              <a:buNone/>
+            </a:pPr>
+            <a:r>
+              <a:rPr lang="en" altLang="ko-KR" b="1" dirty="0"/>
+              <a:t>	if</a:t>
+            </a:r>
+            <a:r>
+              <a:rPr lang="en" altLang="ko-KR" dirty="0"/>
+              <a:t>(</a:t>
+            </a:r>
+            <a:r>
+              <a:rPr lang="en" altLang="ko-KR" dirty="0" err="1"/>
+              <a:t>pstmt</a:t>
+            </a:r>
+            <a:r>
+              <a:rPr lang="en" altLang="ko-KR" dirty="0"/>
+              <a:t> != </a:t>
+            </a:r>
+            <a:r>
+              <a:rPr lang="en" altLang="ko-KR" b="1" dirty="0"/>
+              <a:t>null</a:t>
+            </a:r>
+            <a:r>
+              <a:rPr lang="en" altLang="ko-KR" dirty="0"/>
+              <a:t>) </a:t>
+            </a:r>
+            <a:r>
+              <a:rPr lang="en" altLang="ko-KR" b="1" dirty="0"/>
+              <a:t>try</a:t>
+            </a:r>
+            <a:r>
+              <a:rPr lang="en" altLang="ko-KR" dirty="0"/>
+              <a:t>{</a:t>
+            </a:r>
+            <a:r>
+              <a:rPr lang="en" altLang="ko-KR" dirty="0" err="1"/>
+              <a:t>pstmt.close</a:t>
+            </a:r>
+            <a:r>
+              <a:rPr lang="en" altLang="ko-KR" dirty="0"/>
+              <a:t>();}</a:t>
+            </a:r>
+            <a:r>
+              <a:rPr lang="en" altLang="ko-KR" b="1" dirty="0"/>
+              <a:t>catch</a:t>
+            </a:r>
+            <a:r>
+              <a:rPr lang="en" altLang="ko-KR" dirty="0"/>
+              <a:t>(Exception e) {}</a:t>
+            </a:r>
+          </a:p>
+          <a:p>
+            <a:pPr marL="0" indent="0">
+              <a:buNone/>
+            </a:pPr>
+            <a:r>
+              <a:rPr lang="en" altLang="ko-KR" b="1" dirty="0"/>
+              <a:t>	if</a:t>
+            </a:r>
+            <a:r>
+              <a:rPr lang="en" altLang="ko-KR" dirty="0"/>
+              <a:t>(con != </a:t>
+            </a:r>
+            <a:r>
+              <a:rPr lang="en" altLang="ko-KR" b="1" dirty="0"/>
+              <a:t>null</a:t>
+            </a:r>
+            <a:r>
+              <a:rPr lang="en" altLang="ko-KR" dirty="0"/>
+              <a:t>) </a:t>
+            </a:r>
+            <a:r>
+              <a:rPr lang="en" altLang="ko-KR" b="1" dirty="0"/>
+              <a:t>try</a:t>
+            </a:r>
+            <a:r>
+              <a:rPr lang="en" altLang="ko-KR" dirty="0"/>
+              <a:t>{</a:t>
+            </a:r>
+            <a:r>
+              <a:rPr lang="en" altLang="ko-KR" dirty="0" err="1"/>
+              <a:t>con.close</a:t>
+            </a:r>
+            <a:r>
+              <a:rPr lang="en" altLang="ko-KR" dirty="0"/>
+              <a:t>();}</a:t>
+            </a:r>
+            <a:r>
+              <a:rPr lang="en" altLang="ko-KR" b="1" dirty="0"/>
+              <a:t>catch</a:t>
+            </a:r>
+            <a:r>
+              <a:rPr lang="en" altLang="ko-KR" dirty="0"/>
+              <a:t>(Exception e) {}</a:t>
+            </a:r>
+          </a:p>
+          <a:p>
+            <a:pPr marL="0" indent="0">
+              <a:buNone/>
+            </a:pPr>
+            <a:r>
+              <a:rPr lang="en" altLang="ko-KR" dirty="0"/>
+              <a:t>}</a:t>
+            </a:r>
+          </a:p>
+        </p:txBody>
+      </p:sp>
+    </p:spTree>
+    <p:extLst>
+      <p:ext uri="{BB962C8B-B14F-4D97-AF65-F5344CB8AC3E}">
+        <p14:creationId xmlns:p14="http://schemas.microsoft.com/office/powerpoint/2010/main" val="2485727860"/>
+      </p:ext>
+    </p:extLst>
+  </p:cSld>
+  <p:clrMapOvr>
+    <a:masterClrMapping/>
+  </p:clrMapOvr>
+</p:sld>
+</file>
+
+<file path=ppt/slides/slide33.xml><?xml version="1.0" encoding="utf-8"?>
+<p:sld xmlns:a="http://schemas.openxmlformats.org/drawingml/2006/main" xmlns:r="http://schemas.openxmlformats.org/officeDocument/2006/relationships" xmlns:p="http://schemas.openxmlformats.org/presentationml/2006/main">
+  <p:cSld>
+    <p:spTree>
+      <p:nvGrpSpPr>
+        <p:cNvPr id="1" name=""/>
+        <p:cNvGrpSpPr/>
+        <p:nvPr/>
+      </p:nvGrpSpPr>
+      <p:grpSpPr>
+        <a:xfrm>
+          <a:off x="0" y="0"/>
+          <a:ext cx="0" cy="0"/>
+          <a:chOff x="0" y="0"/>
+          <a:chExt cx="0" cy="0"/>
+        </a:xfrm>
+      </p:grpSpPr>
+      <p:sp>
+        <p:nvSpPr>
+          <p:cNvPr id="3" name="내용 개체 틀 2">
+            <a:extLst>
+              <a:ext uri="{FF2B5EF4-FFF2-40B4-BE49-F238E27FC236}">
+                <a16:creationId xmlns:a16="http://schemas.microsoft.com/office/drawing/2014/main" id="{A33C3E52-1CE4-E446-B292-E649D3B0478F}"/>
+              </a:ext>
+            </a:extLst>
+          </p:cNvPr>
+          <p:cNvSpPr>
+            <a:spLocks noGrp="1"/>
+          </p:cNvSpPr>
+          <p:nvPr>
+            <p:ph idx="1"/>
+          </p:nvPr>
+        </p:nvSpPr>
+        <p:spPr>
+          <a:xfrm>
+            <a:off x="838200" y="339047"/>
+            <a:ext cx="10515600" cy="5837916"/>
+          </a:xfrm>
+        </p:spPr>
+        <p:txBody>
+          <a:bodyPr>
+            <a:normAutofit fontScale="77500" lnSpcReduction="20000"/>
+          </a:bodyPr>
+          <a:lstStyle/>
+          <a:p>
+            <a:pPr marL="0" indent="0">
+              <a:buNone/>
+            </a:pPr>
+            <a:r>
+              <a:rPr lang="en" altLang="ko-KR" b="1" dirty="0"/>
+              <a:t>public</a:t>
+            </a:r>
+            <a:r>
+              <a:rPr lang="en" altLang="ko-KR" dirty="0"/>
+              <a:t> </a:t>
+            </a:r>
+            <a:r>
+              <a:rPr lang="en" altLang="ko-KR" b="1" dirty="0"/>
+              <a:t>void</a:t>
+            </a:r>
+            <a:r>
+              <a:rPr lang="en" altLang="ko-KR" dirty="0"/>
+              <a:t> </a:t>
+            </a:r>
+            <a:r>
+              <a:rPr lang="en" altLang="ko-KR" dirty="0" err="1"/>
+              <a:t>visitCount</a:t>
+            </a:r>
+            <a:r>
+              <a:rPr lang="en" altLang="ko-KR" dirty="0"/>
+              <a:t>(String </a:t>
+            </a:r>
+            <a:r>
+              <a:rPr lang="en" altLang="ko-KR" dirty="0" err="1"/>
+              <a:t>num</a:t>
+            </a:r>
+            <a:r>
+              <a:rPr lang="en" altLang="ko-KR" dirty="0"/>
+              <a:t>) {</a:t>
+            </a:r>
+          </a:p>
+          <a:p>
+            <a:pPr marL="0" indent="0">
+              <a:buNone/>
+            </a:pPr>
+            <a:r>
+              <a:rPr lang="en" altLang="ko-KR" dirty="0"/>
+              <a:t>	con = </a:t>
+            </a:r>
+            <a:r>
+              <a:rPr lang="en" altLang="ko-KR" dirty="0" err="1"/>
+              <a:t>getConnection</a:t>
+            </a:r>
+            <a:r>
+              <a:rPr lang="en" altLang="ko-KR" dirty="0"/>
+              <a:t>();</a:t>
+            </a:r>
+          </a:p>
+          <a:p>
+            <a:pPr marL="0" indent="0">
+              <a:buNone/>
+            </a:pPr>
+            <a:r>
+              <a:rPr lang="en" altLang="ko-KR" dirty="0"/>
+              <a:t> 	</a:t>
+            </a:r>
+            <a:r>
+              <a:rPr lang="en" altLang="ko-KR" dirty="0" err="1"/>
+              <a:t>sql</a:t>
+            </a:r>
+            <a:r>
+              <a:rPr lang="en" altLang="ko-KR" dirty="0"/>
+              <a:t> = " update board "</a:t>
+            </a:r>
+          </a:p>
+          <a:p>
+            <a:pPr marL="0" indent="0">
+              <a:buNone/>
+            </a:pPr>
+            <a:r>
+              <a:rPr lang="en" altLang="ko-KR" dirty="0"/>
+              <a:t>		+ "    set </a:t>
+            </a:r>
+            <a:r>
+              <a:rPr lang="en" altLang="ko-KR" dirty="0" err="1"/>
+              <a:t>visit_count</a:t>
+            </a:r>
+            <a:r>
+              <a:rPr lang="en" altLang="ko-KR" dirty="0"/>
+              <a:t> = </a:t>
+            </a:r>
+            <a:r>
+              <a:rPr lang="en" altLang="ko-KR" dirty="0" err="1"/>
+              <a:t>visit_count</a:t>
+            </a:r>
+            <a:r>
+              <a:rPr lang="en" altLang="ko-KR" dirty="0"/>
+              <a:t> + 1 "</a:t>
+            </a:r>
+          </a:p>
+          <a:p>
+            <a:pPr marL="0" indent="0">
+              <a:buNone/>
+            </a:pPr>
+            <a:r>
+              <a:rPr lang="en" altLang="ko-KR" dirty="0"/>
+              <a:t>		+ "    where </a:t>
+            </a:r>
+            <a:r>
+              <a:rPr lang="en" altLang="ko-KR" dirty="0" err="1"/>
+              <a:t>board_num</a:t>
+            </a:r>
+            <a:r>
+              <a:rPr lang="en" altLang="ko-KR" dirty="0"/>
+              <a:t> = ?";</a:t>
+            </a:r>
+          </a:p>
+          <a:p>
+            <a:pPr marL="0" indent="0">
+              <a:buNone/>
+            </a:pPr>
+            <a:r>
+              <a:rPr lang="en" altLang="ko-KR" b="1" dirty="0"/>
+              <a:t>	try</a:t>
+            </a:r>
+            <a:r>
+              <a:rPr lang="en" altLang="ko-KR" dirty="0"/>
+              <a:t> {</a:t>
+            </a:r>
+          </a:p>
+          <a:p>
+            <a:pPr marL="0" indent="0">
+              <a:buNone/>
+            </a:pPr>
+            <a:r>
+              <a:rPr lang="en" altLang="ko-KR" dirty="0"/>
+              <a:t>		</a:t>
+            </a:r>
+            <a:r>
+              <a:rPr lang="en" altLang="ko-KR" dirty="0" err="1"/>
+              <a:t>pstmt</a:t>
+            </a:r>
+            <a:r>
+              <a:rPr lang="en" altLang="ko-KR" dirty="0"/>
+              <a:t> = </a:t>
+            </a:r>
+            <a:r>
+              <a:rPr lang="en" altLang="ko-KR" dirty="0" err="1"/>
+              <a:t>con.prepareStatement</a:t>
+            </a:r>
+            <a:r>
+              <a:rPr lang="en" altLang="ko-KR" dirty="0"/>
+              <a:t>(</a:t>
+            </a:r>
+            <a:r>
+              <a:rPr lang="en" altLang="ko-KR" dirty="0" err="1"/>
+              <a:t>sql</a:t>
+            </a:r>
+            <a:r>
+              <a:rPr lang="en" altLang="ko-KR" dirty="0"/>
+              <a:t>);</a:t>
+            </a:r>
+          </a:p>
+          <a:p>
+            <a:pPr marL="0" indent="0">
+              <a:buNone/>
+            </a:pPr>
+            <a:r>
+              <a:rPr lang="en" altLang="ko-KR" dirty="0"/>
+              <a:t>		</a:t>
+            </a:r>
+            <a:r>
+              <a:rPr lang="en" altLang="ko-KR" dirty="0" err="1"/>
+              <a:t>pstmt.setString</a:t>
+            </a:r>
+            <a:r>
+              <a:rPr lang="en" altLang="ko-KR" dirty="0"/>
+              <a:t>(1, </a:t>
+            </a:r>
+            <a:r>
+              <a:rPr lang="en" altLang="ko-KR" dirty="0" err="1"/>
+              <a:t>num</a:t>
+            </a:r>
+            <a:r>
+              <a:rPr lang="en" altLang="ko-KR" dirty="0"/>
+              <a:t>);</a:t>
+            </a:r>
+          </a:p>
+          <a:p>
+            <a:pPr marL="0" indent="0">
+              <a:buNone/>
+            </a:pPr>
+            <a:r>
+              <a:rPr lang="en" altLang="ko-KR" b="1" dirty="0"/>
+              <a:t>		</a:t>
+            </a:r>
+            <a:r>
+              <a:rPr lang="en" altLang="ko-KR" b="1" dirty="0" err="1"/>
+              <a:t>Int</a:t>
+            </a:r>
+            <a:r>
+              <a:rPr lang="en" altLang="ko-KR" dirty="0"/>
+              <a:t> </a:t>
+            </a:r>
+            <a:r>
+              <a:rPr lang="en" altLang="ko-KR" dirty="0" err="1"/>
+              <a:t>i</a:t>
+            </a:r>
+            <a:r>
+              <a:rPr lang="en" altLang="ko-KR" dirty="0"/>
+              <a:t> = </a:t>
+            </a:r>
+            <a:r>
+              <a:rPr lang="en" altLang="ko-KR" dirty="0" err="1"/>
+              <a:t>pstmt.executeUpdate</a:t>
+            </a:r>
+            <a:r>
+              <a:rPr lang="en" altLang="ko-KR" dirty="0"/>
+              <a:t>();</a:t>
+            </a:r>
+          </a:p>
+          <a:p>
+            <a:pPr marL="0" indent="0">
+              <a:buNone/>
+            </a:pPr>
+            <a:r>
+              <a:rPr lang="en" altLang="ko-KR" dirty="0"/>
+              <a:t>		</a:t>
+            </a:r>
+            <a:r>
+              <a:rPr lang="en" altLang="ko-KR" dirty="0" err="1"/>
+              <a:t>System.</a:t>
+            </a:r>
+            <a:r>
+              <a:rPr lang="en" altLang="ko-KR" b="1" i="1" dirty="0" err="1"/>
+              <a:t>out</a:t>
+            </a:r>
+            <a:r>
+              <a:rPr lang="en" altLang="ko-KR" dirty="0" err="1"/>
+              <a:t>.println</a:t>
+            </a:r>
+            <a:r>
+              <a:rPr lang="en" altLang="ko-KR" dirty="0"/>
+              <a:t>(</a:t>
+            </a:r>
+            <a:r>
+              <a:rPr lang="en" altLang="ko-KR" dirty="0" err="1"/>
+              <a:t>i</a:t>
+            </a:r>
+            <a:r>
+              <a:rPr lang="en" altLang="ko-KR" dirty="0"/>
+              <a:t> + "</a:t>
+            </a:r>
+            <a:r>
+              <a:rPr lang="ko-KR" altLang="en-US" dirty="0"/>
+              <a:t>개 행이</a:t>
+            </a:r>
+            <a:r>
+              <a:rPr lang="en-US" altLang="ko-KR" dirty="0"/>
+              <a:t>(</a:t>
+            </a:r>
+            <a:r>
+              <a:rPr lang="ko-KR" altLang="en-US" dirty="0"/>
+              <a:t>가</a:t>
+            </a:r>
+            <a:r>
+              <a:rPr lang="en-US" altLang="ko-KR" dirty="0"/>
+              <a:t>) </a:t>
+            </a:r>
+            <a:r>
+              <a:rPr lang="ko-KR" altLang="en-US" dirty="0"/>
+              <a:t>수정되었습니다</a:t>
+            </a:r>
+            <a:r>
+              <a:rPr lang="en-US" altLang="ko-KR" dirty="0"/>
+              <a:t>.");</a:t>
+            </a:r>
+          </a:p>
+          <a:p>
+            <a:pPr marL="0" indent="0">
+              <a:buNone/>
+            </a:pPr>
+            <a:r>
+              <a:rPr lang="en-US" altLang="ko-KR" dirty="0"/>
+              <a:t>	}</a:t>
+            </a:r>
+            <a:r>
+              <a:rPr lang="en" altLang="ko-KR" b="1" dirty="0"/>
+              <a:t>catch</a:t>
+            </a:r>
+            <a:r>
+              <a:rPr lang="en" altLang="ko-KR" dirty="0"/>
+              <a:t>(Exception e) {</a:t>
+            </a:r>
+            <a:r>
+              <a:rPr lang="en" altLang="ko-KR" dirty="0" err="1"/>
+              <a:t>e.printStackTrace</a:t>
+            </a:r>
+            <a:r>
+              <a:rPr lang="en" altLang="ko-KR" dirty="0"/>
+              <a:t>(); </a:t>
+            </a:r>
+          </a:p>
+          <a:p>
+            <a:pPr marL="0" indent="0">
+              <a:buNone/>
+            </a:pPr>
+            <a:r>
+              <a:rPr lang="en" altLang="ko-KR" dirty="0"/>
+              <a:t>	}</a:t>
+            </a:r>
+            <a:r>
+              <a:rPr lang="en" altLang="ko-KR" b="1" dirty="0"/>
+              <a:t>finally</a:t>
+            </a:r>
+            <a:r>
+              <a:rPr lang="en" altLang="ko-KR" dirty="0"/>
+              <a:t> {</a:t>
+            </a:r>
+          </a:p>
+          <a:p>
+            <a:pPr marL="0" indent="0">
+              <a:buNone/>
+            </a:pPr>
+            <a:r>
+              <a:rPr lang="en" altLang="ko-KR" b="1" dirty="0"/>
+              <a:t>		if</a:t>
+            </a:r>
+            <a:r>
+              <a:rPr lang="en" altLang="ko-KR" dirty="0"/>
+              <a:t>(</a:t>
+            </a:r>
+            <a:r>
+              <a:rPr lang="en" altLang="ko-KR" dirty="0" err="1"/>
+              <a:t>pstmt</a:t>
+            </a:r>
+            <a:r>
+              <a:rPr lang="en" altLang="ko-KR" dirty="0"/>
+              <a:t> != </a:t>
+            </a:r>
+            <a:r>
+              <a:rPr lang="en" altLang="ko-KR" b="1" dirty="0"/>
+              <a:t>null</a:t>
+            </a:r>
+            <a:r>
+              <a:rPr lang="en" altLang="ko-KR" dirty="0"/>
+              <a:t>) </a:t>
+            </a:r>
+            <a:r>
+              <a:rPr lang="en" altLang="ko-KR" b="1" dirty="0"/>
+              <a:t>try</a:t>
+            </a:r>
+            <a:r>
+              <a:rPr lang="en" altLang="ko-KR" dirty="0"/>
+              <a:t>{</a:t>
+            </a:r>
+            <a:r>
+              <a:rPr lang="en" altLang="ko-KR" dirty="0" err="1"/>
+              <a:t>pstmt.close</a:t>
+            </a:r>
+            <a:r>
+              <a:rPr lang="en" altLang="ko-KR" dirty="0"/>
+              <a:t>();}</a:t>
+            </a:r>
+            <a:r>
+              <a:rPr lang="en" altLang="ko-KR" b="1" dirty="0"/>
+              <a:t>catch</a:t>
+            </a:r>
+            <a:r>
+              <a:rPr lang="en" altLang="ko-KR" dirty="0"/>
+              <a:t>(Exception e) {}</a:t>
+            </a:r>
+          </a:p>
+          <a:p>
+            <a:pPr marL="0" indent="0">
+              <a:buNone/>
+            </a:pPr>
+            <a:r>
+              <a:rPr lang="en" altLang="ko-KR" b="1" dirty="0"/>
+              <a:t>		if</a:t>
+            </a:r>
+            <a:r>
+              <a:rPr lang="en" altLang="ko-KR" dirty="0"/>
+              <a:t>(con != </a:t>
+            </a:r>
+            <a:r>
+              <a:rPr lang="en" altLang="ko-KR" b="1" dirty="0"/>
+              <a:t>null</a:t>
+            </a:r>
+            <a:r>
+              <a:rPr lang="en" altLang="ko-KR" dirty="0"/>
+              <a:t>) </a:t>
+            </a:r>
+            <a:r>
+              <a:rPr lang="en" altLang="ko-KR" b="1" dirty="0"/>
+              <a:t>try</a:t>
+            </a:r>
+            <a:r>
+              <a:rPr lang="en" altLang="ko-KR" dirty="0"/>
+              <a:t>{</a:t>
+            </a:r>
+            <a:r>
+              <a:rPr lang="en" altLang="ko-KR" dirty="0" err="1"/>
+              <a:t>con.close</a:t>
+            </a:r>
+            <a:r>
+              <a:rPr lang="en" altLang="ko-KR" dirty="0"/>
+              <a:t>();}</a:t>
+            </a:r>
+            <a:r>
+              <a:rPr lang="en" altLang="ko-KR" b="1" dirty="0"/>
+              <a:t>catch</a:t>
+            </a:r>
+            <a:r>
+              <a:rPr lang="en" altLang="ko-KR" dirty="0"/>
+              <a:t>(Exception e) {}</a:t>
+            </a:r>
+          </a:p>
+          <a:p>
+            <a:pPr marL="0" indent="0">
+              <a:buNone/>
+            </a:pPr>
+            <a:r>
+              <a:rPr lang="en" altLang="ko-KR" dirty="0"/>
+              <a:t>	}</a:t>
+            </a:r>
+          </a:p>
+          <a:p>
+            <a:pPr marL="0" indent="0">
+              <a:buNone/>
+            </a:pPr>
+            <a:r>
+              <a:rPr lang="en" altLang="ko-KR" dirty="0"/>
+              <a:t>}</a:t>
+            </a:r>
+          </a:p>
+          <a:p>
+            <a:pPr marL="0" indent="0">
+              <a:buNone/>
+            </a:pPr>
+            <a:endParaRPr kumimoji="1" lang="ko-KR" altLang="en-US" dirty="0"/>
+          </a:p>
+        </p:txBody>
+      </p:sp>
+    </p:spTree>
+    <p:extLst>
+      <p:ext uri="{BB962C8B-B14F-4D97-AF65-F5344CB8AC3E}">
+        <p14:creationId xmlns:p14="http://schemas.microsoft.com/office/powerpoint/2010/main" val="829177654"/>
+      </p:ext>
+    </p:extLst>
+  </p:cSld>
+  <p:clrMapOvr>
+    <a:masterClrMapping/>
+  </p:clrMapOvr>
+</p:sld>
+</file>
+
+<file path=ppt/slides/slide34.xml><?xml version="1.0" encoding="utf-8"?>
+<p:sld xmlns:a="http://schemas.openxmlformats.org/drawingml/2006/main" xmlns:r="http://schemas.openxmlformats.org/officeDocument/2006/relationships" xmlns:p="http://schemas.openxmlformats.org/presentationml/2006/main">
+  <p:cSld>
+    <p:spTree>
+      <p:nvGrpSpPr>
+        <p:cNvPr id="1" name=""/>
+        <p:cNvGrpSpPr/>
+        <p:nvPr/>
+      </p:nvGrpSpPr>
+      <p:grpSpPr>
+        <a:xfrm>
+          <a:off x="0" y="0"/>
+          <a:ext cx="0" cy="0"/>
+          <a:chOff x="0" y="0"/>
+          <a:chExt cx="0" cy="0"/>
+        </a:xfrm>
+      </p:grpSpPr>
+      <p:sp>
+        <p:nvSpPr>
+          <p:cNvPr id="3" name="내용 개체 틀 2">
+            <a:extLst>
+              <a:ext uri="{FF2B5EF4-FFF2-40B4-BE49-F238E27FC236}">
+                <a16:creationId xmlns:a16="http://schemas.microsoft.com/office/drawing/2014/main" id="{84259DED-6E54-2F46-9B4F-BFA43C53ED43}"/>
+              </a:ext>
+            </a:extLst>
+          </p:cNvPr>
+          <p:cNvSpPr>
+            <a:spLocks noGrp="1"/>
+          </p:cNvSpPr>
+          <p:nvPr>
+            <p:ph idx="1"/>
+          </p:nvPr>
+        </p:nvSpPr>
+        <p:spPr>
+          <a:xfrm>
+            <a:off x="838200" y="503434"/>
+            <a:ext cx="10515600" cy="5673529"/>
+          </a:xfrm>
+        </p:spPr>
+        <p:txBody>
+          <a:bodyPr>
+            <a:normAutofit/>
+          </a:bodyPr>
+          <a:lstStyle/>
+          <a:p>
+            <a:pPr marL="0" indent="0">
+              <a:buNone/>
+            </a:pPr>
+            <a:r>
+              <a:rPr lang="en" altLang="ko-KR" b="1" dirty="0"/>
+              <a:t>public</a:t>
+            </a:r>
+            <a:r>
+              <a:rPr lang="en" altLang="ko-KR" dirty="0"/>
+              <a:t> </a:t>
+            </a:r>
+            <a:r>
+              <a:rPr lang="en" altLang="ko-KR" b="1" dirty="0"/>
+              <a:t>class</a:t>
+            </a:r>
+            <a:r>
+              <a:rPr lang="en" altLang="ko-KR" dirty="0"/>
+              <a:t> </a:t>
+            </a:r>
+            <a:r>
+              <a:rPr lang="en" altLang="ko-KR" dirty="0" err="1"/>
+              <a:t>BoardDetailController</a:t>
+            </a:r>
+            <a:r>
+              <a:rPr lang="en" altLang="ko-KR" dirty="0"/>
+              <a:t> {</a:t>
+            </a:r>
+          </a:p>
+          <a:p>
+            <a:pPr marL="0" indent="0">
+              <a:buNone/>
+            </a:pPr>
+            <a:r>
+              <a:rPr lang="en" altLang="ko-KR" b="1" dirty="0"/>
+              <a:t>	public</a:t>
+            </a:r>
+            <a:r>
+              <a:rPr lang="en" altLang="ko-KR" dirty="0"/>
+              <a:t> </a:t>
+            </a:r>
+            <a:r>
+              <a:rPr lang="en" altLang="ko-KR" b="1" dirty="0"/>
+              <a:t>void</a:t>
+            </a:r>
+            <a:r>
+              <a:rPr lang="en" altLang="ko-KR" dirty="0"/>
+              <a:t> execute(</a:t>
+            </a:r>
+            <a:r>
+              <a:rPr lang="en" altLang="ko-KR" u="sng" dirty="0" err="1"/>
+              <a:t>HttpServletRequest</a:t>
+            </a:r>
+            <a:r>
+              <a:rPr lang="en" altLang="ko-KR" dirty="0"/>
+              <a:t> request) {</a:t>
+            </a:r>
+          </a:p>
+          <a:p>
+            <a:pPr marL="0" indent="0">
+              <a:buNone/>
+            </a:pPr>
+            <a:r>
+              <a:rPr lang="en" altLang="ko-KR" dirty="0"/>
+              <a:t>		String </a:t>
+            </a:r>
+            <a:r>
+              <a:rPr lang="en" altLang="ko-KR" dirty="0" err="1"/>
+              <a:t>num</a:t>
+            </a:r>
+            <a:r>
+              <a:rPr lang="en" altLang="ko-KR" dirty="0"/>
+              <a:t> = </a:t>
+            </a:r>
+            <a:r>
+              <a:rPr lang="en" altLang="ko-KR" dirty="0" err="1"/>
+              <a:t>request.getParameter</a:t>
+            </a:r>
+            <a:r>
+              <a:rPr lang="en" altLang="ko-KR" dirty="0"/>
+              <a:t>("</a:t>
+            </a:r>
+            <a:r>
+              <a:rPr lang="en" altLang="ko-KR" dirty="0" err="1"/>
+              <a:t>num</a:t>
+            </a:r>
+            <a:r>
+              <a:rPr lang="en" altLang="ko-KR" dirty="0"/>
+              <a:t>");</a:t>
+            </a:r>
+          </a:p>
+          <a:p>
+            <a:pPr marL="0" indent="0">
+              <a:buNone/>
+            </a:pPr>
+            <a:r>
+              <a:rPr lang="en" altLang="ko-KR" dirty="0"/>
+              <a:t>		</a:t>
+            </a:r>
+            <a:r>
+              <a:rPr lang="en" altLang="ko-KR" dirty="0" err="1"/>
+              <a:t>BoardDAO</a:t>
+            </a:r>
+            <a:r>
+              <a:rPr lang="en" altLang="ko-KR" dirty="0"/>
+              <a:t> </a:t>
+            </a:r>
+            <a:r>
+              <a:rPr lang="en" altLang="ko-KR" dirty="0" err="1"/>
+              <a:t>dao</a:t>
+            </a:r>
+            <a:r>
+              <a:rPr lang="en" altLang="ko-KR" dirty="0"/>
+              <a:t> = </a:t>
+            </a:r>
+            <a:r>
+              <a:rPr lang="en" altLang="ko-KR" b="1" dirty="0"/>
+              <a:t>new</a:t>
+            </a:r>
+            <a:r>
+              <a:rPr lang="en" altLang="ko-KR" dirty="0"/>
+              <a:t> </a:t>
+            </a:r>
+            <a:r>
+              <a:rPr lang="en" altLang="ko-KR" dirty="0" err="1"/>
+              <a:t>BoardDAO</a:t>
+            </a:r>
+            <a:r>
+              <a:rPr lang="en" altLang="ko-KR" dirty="0"/>
+              <a:t>();</a:t>
+            </a:r>
+          </a:p>
+          <a:p>
+            <a:pPr marL="0" indent="0">
+              <a:buNone/>
+            </a:pPr>
+            <a:endParaRPr lang="en" altLang="ko-KR" dirty="0"/>
+          </a:p>
+          <a:p>
+            <a:pPr marL="0" indent="0">
+              <a:buNone/>
+            </a:pPr>
+            <a:r>
+              <a:rPr lang="ko-KR" altLang="en-US" dirty="0"/>
+              <a:t>              </a:t>
+            </a:r>
+            <a:r>
+              <a:rPr lang="en-US" altLang="ko-KR" dirty="0"/>
+              <a:t>////</a:t>
+            </a:r>
+            <a:r>
+              <a:rPr lang="ko-KR" altLang="en-US" dirty="0"/>
+              <a:t> 추가</a:t>
+            </a:r>
+            <a:endParaRPr lang="en-US" altLang="ko-KR" dirty="0"/>
+          </a:p>
+          <a:p>
+            <a:pPr marL="0" indent="0">
+              <a:buNone/>
+            </a:pPr>
+            <a:r>
+              <a:rPr lang="en" altLang="ko-KR" dirty="0"/>
+              <a:t>		</a:t>
+            </a:r>
+            <a:r>
+              <a:rPr lang="en" altLang="ko-KR" dirty="0" err="1"/>
+              <a:t>dao.visitCount</a:t>
+            </a:r>
+            <a:r>
+              <a:rPr lang="en" altLang="ko-KR" dirty="0"/>
+              <a:t>(</a:t>
+            </a:r>
+            <a:r>
+              <a:rPr lang="en" altLang="ko-KR" dirty="0" err="1"/>
+              <a:t>num</a:t>
+            </a:r>
+            <a:r>
+              <a:rPr lang="en" altLang="ko-KR" dirty="0"/>
+              <a:t>);</a:t>
+            </a:r>
+          </a:p>
+          <a:p>
+            <a:pPr marL="0" indent="0">
+              <a:buNone/>
+            </a:pPr>
+            <a:r>
+              <a:rPr lang="en" altLang="ko-KR" dirty="0"/>
+              <a:t>		</a:t>
+            </a:r>
+            <a:r>
+              <a:rPr lang="en" altLang="ko-KR" dirty="0" err="1"/>
+              <a:t>BoardDTO</a:t>
+            </a:r>
+            <a:r>
+              <a:rPr lang="en" altLang="ko-KR" dirty="0"/>
+              <a:t> </a:t>
+            </a:r>
+            <a:r>
+              <a:rPr lang="en" altLang="ko-KR" dirty="0" err="1"/>
+              <a:t>dto</a:t>
+            </a:r>
+            <a:r>
+              <a:rPr lang="en" altLang="ko-KR" dirty="0"/>
+              <a:t> = </a:t>
+            </a:r>
+            <a:r>
+              <a:rPr lang="en" altLang="ko-KR" dirty="0" err="1"/>
+              <a:t>dao.selectOne</a:t>
+            </a:r>
+            <a:r>
+              <a:rPr lang="en" altLang="ko-KR" dirty="0"/>
+              <a:t>(</a:t>
+            </a:r>
+            <a:r>
+              <a:rPr lang="en" altLang="ko-KR" dirty="0" err="1"/>
+              <a:t>num</a:t>
+            </a:r>
+            <a:r>
+              <a:rPr lang="en" altLang="ko-KR" dirty="0"/>
+              <a:t>); 					</a:t>
+            </a:r>
+            <a:r>
+              <a:rPr lang="en" altLang="ko-KR" dirty="0" err="1"/>
+              <a:t>request.setAttribute</a:t>
+            </a:r>
+            <a:r>
+              <a:rPr lang="en" altLang="ko-KR" dirty="0"/>
+              <a:t>("</a:t>
+            </a:r>
+            <a:r>
+              <a:rPr lang="en" altLang="ko-KR" dirty="0" err="1"/>
+              <a:t>dto</a:t>
+            </a:r>
+            <a:r>
+              <a:rPr lang="en" altLang="ko-KR" dirty="0"/>
+              <a:t>", </a:t>
+            </a:r>
+            <a:r>
+              <a:rPr lang="en" altLang="ko-KR" dirty="0" err="1"/>
+              <a:t>dto</a:t>
+            </a:r>
+            <a:r>
+              <a:rPr lang="en" altLang="ko-KR" dirty="0"/>
+              <a:t>);</a:t>
+            </a:r>
+          </a:p>
+          <a:p>
+            <a:pPr marL="0" indent="0">
+              <a:buNone/>
+            </a:pPr>
+            <a:r>
+              <a:rPr lang="en" altLang="ko-KR" dirty="0"/>
+              <a:t>	}</a:t>
+            </a:r>
+          </a:p>
+          <a:p>
+            <a:pPr marL="0" indent="0">
+              <a:buNone/>
+            </a:pPr>
+            <a:r>
+              <a:rPr lang="en" altLang="ko-KR" dirty="0"/>
+              <a:t>}</a:t>
+            </a:r>
+          </a:p>
+          <a:p>
+            <a:pPr marL="0" indent="0">
+              <a:buNone/>
+            </a:pPr>
+            <a:endParaRPr kumimoji="1" lang="ko-KR" altLang="en-US" dirty="0"/>
+          </a:p>
+        </p:txBody>
+      </p:sp>
+    </p:spTree>
+    <p:extLst>
+      <p:ext uri="{BB962C8B-B14F-4D97-AF65-F5344CB8AC3E}">
+        <p14:creationId xmlns:p14="http://schemas.microsoft.com/office/powerpoint/2010/main" val="3602003030"/>
+      </p:ext>
+    </p:extLst>
+  </p:cSld>
+  <p:clrMapOvr>
+    <a:masterClrMapping/>
+  </p:clrMapOvr>
+</p:sld>
+</file>
+
+<file path=ppt/slides/slide35.xml><?xml version="1.0" encoding="utf-8"?>
+<p:sld xmlns:a="http://schemas.openxmlformats.org/drawingml/2006/main" xmlns:r="http://schemas.openxmlformats.org/officeDocument/2006/relationships" xmlns:p="http://schemas.openxmlformats.org/presentationml/2006/main">
+  <p:cSld>
+    <p:spTree>
+      <p:nvGrpSpPr>
+        <p:cNvPr id="1" name=""/>
+        <p:cNvGrpSpPr/>
+        <p:nvPr/>
+      </p:nvGrpSpPr>
+      <p:grpSpPr>
+        <a:xfrm>
+          <a:off x="0" y="0"/>
+          <a:ext cx="0" cy="0"/>
+          <a:chOff x="0" y="0"/>
+          <a:chExt cx="0" cy="0"/>
+        </a:xfrm>
+      </p:grpSpPr>
+      <p:sp>
+        <p:nvSpPr>
+          <p:cNvPr id="3" name="내용 개체 틀 2">
+            <a:extLst>
+              <a:ext uri="{FF2B5EF4-FFF2-40B4-BE49-F238E27FC236}">
+                <a16:creationId xmlns:a16="http://schemas.microsoft.com/office/drawing/2014/main" id="{BC8F6E71-E9F6-C646-85CC-10BC393B6B0E}"/>
+              </a:ext>
+            </a:extLst>
+          </p:cNvPr>
+          <p:cNvSpPr>
+            <a:spLocks noGrp="1"/>
+          </p:cNvSpPr>
+          <p:nvPr>
+            <p:ph idx="1"/>
+          </p:nvPr>
+        </p:nvSpPr>
+        <p:spPr>
+          <a:xfrm>
+            <a:off x="838200" y="226031"/>
+            <a:ext cx="10515600" cy="5950932"/>
+          </a:xfrm>
+        </p:spPr>
+        <p:txBody>
+          <a:bodyPr/>
+          <a:lstStyle/>
+          <a:p>
+            <a:pPr marL="0" indent="0">
+              <a:buNone/>
+            </a:pPr>
+            <a:r>
+              <a:rPr lang="en" altLang="ko-KR" b="1" dirty="0"/>
+              <a:t>else</a:t>
+            </a:r>
+            <a:r>
+              <a:rPr lang="en" altLang="ko-KR" dirty="0"/>
+              <a:t> </a:t>
+            </a:r>
+            <a:r>
+              <a:rPr lang="en" altLang="ko-KR" b="1" dirty="0"/>
+              <a:t>if</a:t>
+            </a:r>
+            <a:r>
+              <a:rPr lang="en" altLang="ko-KR" dirty="0"/>
+              <a:t>(</a:t>
+            </a:r>
+            <a:r>
+              <a:rPr lang="en" altLang="ko-KR" dirty="0" err="1"/>
+              <a:t>command.equals</a:t>
+            </a:r>
+            <a:r>
+              <a:rPr lang="en" altLang="ko-KR" dirty="0"/>
+              <a:t>("/</a:t>
+            </a:r>
+            <a:r>
+              <a:rPr lang="en" altLang="ko-KR" dirty="0" err="1"/>
+              <a:t>boardDetail.kosa</a:t>
+            </a:r>
+            <a:r>
+              <a:rPr lang="en" altLang="ko-KR" dirty="0"/>
+              <a:t>")) {</a:t>
+            </a:r>
+          </a:p>
+          <a:p>
+            <a:pPr marL="0" indent="0">
+              <a:buNone/>
+            </a:pPr>
+            <a:r>
+              <a:rPr lang="en" altLang="ko-KR" dirty="0"/>
+              <a:t>	</a:t>
+            </a:r>
+            <a:r>
+              <a:rPr lang="en-US" altLang="ko-KR" dirty="0"/>
+              <a:t>////</a:t>
+            </a:r>
+            <a:r>
+              <a:rPr lang="ko-KR" altLang="en-US" dirty="0"/>
+              <a:t> 추가</a:t>
+            </a:r>
+            <a:endParaRPr lang="en" altLang="ko-KR" dirty="0"/>
+          </a:p>
+          <a:p>
+            <a:pPr marL="0" indent="0">
+              <a:buNone/>
+            </a:pPr>
+            <a:r>
+              <a:rPr lang="en" altLang="ko-KR" dirty="0"/>
+              <a:t>	</a:t>
+            </a:r>
+            <a:r>
+              <a:rPr lang="en" altLang="ko-KR" dirty="0" err="1"/>
+              <a:t>BoardDetailController</a:t>
+            </a:r>
+            <a:r>
+              <a:rPr lang="en" altLang="ko-KR" dirty="0"/>
+              <a:t> action = </a:t>
+            </a:r>
+            <a:r>
+              <a:rPr lang="en" altLang="ko-KR" b="1" dirty="0"/>
+              <a:t>new</a:t>
+            </a:r>
+            <a:r>
+              <a:rPr lang="en" altLang="ko-KR" dirty="0"/>
+              <a:t> 				</a:t>
+            </a:r>
+          </a:p>
+          <a:p>
+            <a:pPr marL="0" indent="0">
+              <a:buNone/>
+            </a:pPr>
+            <a:r>
+              <a:rPr lang="en" altLang="ko-KR" dirty="0"/>
+              <a:t>				</a:t>
+            </a:r>
+            <a:r>
+              <a:rPr lang="en" altLang="ko-KR" dirty="0" err="1"/>
+              <a:t>BoardDetailController</a:t>
+            </a:r>
+            <a:r>
+              <a:rPr lang="en" altLang="ko-KR" dirty="0"/>
+              <a:t>();</a:t>
+            </a:r>
+          </a:p>
+          <a:p>
+            <a:pPr marL="0" indent="0">
+              <a:buNone/>
+            </a:pPr>
+            <a:r>
+              <a:rPr lang="en" altLang="ko-KR" dirty="0"/>
+              <a:t>	</a:t>
+            </a:r>
+            <a:r>
+              <a:rPr lang="en" altLang="ko-KR" dirty="0" err="1"/>
+              <a:t>action.execute</a:t>
+            </a:r>
+            <a:r>
+              <a:rPr lang="en" altLang="ko-KR" dirty="0"/>
+              <a:t>(request);</a:t>
+            </a:r>
+          </a:p>
+          <a:p>
+            <a:pPr marL="0" indent="0">
+              <a:buNone/>
+            </a:pPr>
+            <a:endParaRPr lang="en" altLang="ko-KR" dirty="0"/>
+          </a:p>
+          <a:p>
+            <a:pPr marL="0" indent="0">
+              <a:buNone/>
+            </a:pPr>
+            <a:endParaRPr lang="en" altLang="ko-KR" dirty="0"/>
+          </a:p>
+          <a:p>
+            <a:pPr marL="0" indent="0">
+              <a:buNone/>
+            </a:pPr>
+            <a:r>
+              <a:rPr lang="en" altLang="ko-KR" dirty="0"/>
+              <a:t>	</a:t>
+            </a:r>
+            <a:r>
+              <a:rPr lang="en" altLang="ko-KR" u="sng" dirty="0" err="1"/>
+              <a:t>RequestDispatcher</a:t>
+            </a:r>
+            <a:r>
+              <a:rPr lang="en" altLang="ko-KR" dirty="0"/>
+              <a:t> dispatcher =</a:t>
+            </a:r>
+          </a:p>
+          <a:p>
+            <a:pPr marL="0" indent="0">
+              <a:buNone/>
+            </a:pPr>
+            <a:r>
+              <a:rPr lang="en" altLang="ko-KR" dirty="0"/>
+              <a:t>	</a:t>
+            </a:r>
+            <a:r>
+              <a:rPr lang="en" altLang="ko-KR" dirty="0" err="1"/>
+              <a:t>request.getRequestDispatcher</a:t>
+            </a:r>
+            <a:r>
+              <a:rPr lang="en" altLang="ko-KR" dirty="0"/>
+              <a:t>("/board/</a:t>
+            </a:r>
+            <a:r>
+              <a:rPr lang="en" altLang="ko-KR" dirty="0" err="1"/>
+              <a:t>boardInfo.jsp</a:t>
+            </a:r>
+            <a:r>
+              <a:rPr lang="en" altLang="ko-KR" dirty="0"/>
+              <a:t>");</a:t>
+            </a:r>
+          </a:p>
+          <a:p>
+            <a:pPr marL="0" indent="0">
+              <a:buNone/>
+            </a:pPr>
+            <a:r>
+              <a:rPr lang="en" altLang="ko-KR" dirty="0"/>
+              <a:t>	</a:t>
+            </a:r>
+            <a:r>
+              <a:rPr lang="en" altLang="ko-KR" dirty="0" err="1"/>
+              <a:t>dispatcher.forward</a:t>
+            </a:r>
+            <a:r>
+              <a:rPr lang="en" altLang="ko-KR" dirty="0"/>
+              <a:t>(request, response);</a:t>
+            </a:r>
+          </a:p>
+          <a:p>
+            <a:pPr marL="0" indent="0">
+              <a:buNone/>
+            </a:pPr>
+            <a:r>
+              <a:rPr lang="en" altLang="ko-KR" dirty="0"/>
+              <a:t>}</a:t>
+            </a:r>
+          </a:p>
+        </p:txBody>
+      </p:sp>
+    </p:spTree>
+    <p:extLst>
+      <p:ext uri="{BB962C8B-B14F-4D97-AF65-F5344CB8AC3E}">
+        <p14:creationId xmlns:p14="http://schemas.microsoft.com/office/powerpoint/2010/main" val="3992368573"/>
+      </p:ext>
+    </p:extLst>
+  </p:cSld>
+  <p:clrMapOvr>
+    <a:masterClrMapping/>
+  </p:clrMapOvr>
+</p:sld>
+</file>
+
+<file path=ppt/slides/slide36.xml><?xml version="1.0" encoding="utf-8"?>
+<p:sld xmlns:a="http://schemas.openxmlformats.org/drawingml/2006/main" xmlns:r="http://schemas.openxmlformats.org/officeDocument/2006/relationships" xmlns:p="http://schemas.openxmlformats.org/presentationml/2006/main">
+  <p:cSld>
+    <p:spTree>
+      <p:nvGrpSpPr>
+        <p:cNvPr id="1" name=""/>
+        <p:cNvGrpSpPr/>
+        <p:nvPr/>
+      </p:nvGrpSpPr>
+      <p:grpSpPr>
+        <a:xfrm>
+          <a:off x="0" y="0"/>
+          <a:ext cx="0" cy="0"/>
+          <a:chOff x="0" y="0"/>
+          <a:chExt cx="0" cy="0"/>
+        </a:xfrm>
+      </p:grpSpPr>
+      <p:sp>
+        <p:nvSpPr>
+          <p:cNvPr id="3" name="내용 개체 틀 2">
+            <a:extLst>
+              <a:ext uri="{FF2B5EF4-FFF2-40B4-BE49-F238E27FC236}">
+                <a16:creationId xmlns:a16="http://schemas.microsoft.com/office/drawing/2014/main" id="{5BD0E737-5747-3243-A284-6EDCB55741CA}"/>
+              </a:ext>
+            </a:extLst>
+          </p:cNvPr>
+          <p:cNvSpPr>
+            <a:spLocks noGrp="1"/>
+          </p:cNvSpPr>
+          <p:nvPr>
+            <p:ph idx="1"/>
+          </p:nvPr>
+        </p:nvSpPr>
+        <p:spPr>
+          <a:xfrm>
+            <a:off x="838200" y="482885"/>
+            <a:ext cx="10515600" cy="5694078"/>
+          </a:xfrm>
+        </p:spPr>
+        <p:txBody>
+          <a:bodyPr>
+            <a:normAutofit/>
+          </a:bodyPr>
+          <a:lstStyle/>
+          <a:p>
+            <a:pPr marL="0" indent="0">
+              <a:buNone/>
+            </a:pPr>
+            <a:r>
+              <a:rPr lang="en" altLang="ko-KR" dirty="0"/>
+              <a:t>/board/</a:t>
+            </a:r>
+            <a:r>
+              <a:rPr lang="en" altLang="ko-KR" dirty="0" err="1"/>
+              <a:t>boardInfo.jsp</a:t>
+            </a:r>
+            <a:r>
+              <a:rPr lang="ko-KR" altLang="en-US" dirty="0"/>
+              <a:t>에 수정페이지로 가도록 링크를 만들어준다</a:t>
+            </a:r>
+            <a:r>
+              <a:rPr lang="en-US" altLang="ko-KR" dirty="0"/>
+              <a:t>.</a:t>
+            </a:r>
+            <a:endParaRPr lang="en" altLang="ko-KR" dirty="0"/>
+          </a:p>
+          <a:p>
+            <a:pPr marL="0" indent="0">
+              <a:buNone/>
+            </a:pPr>
+            <a:r>
+              <a:rPr lang="en" altLang="ko-KR" dirty="0"/>
+              <a:t>&lt;body&gt;</a:t>
+            </a:r>
+          </a:p>
+          <a:p>
+            <a:pPr marL="0" indent="0">
+              <a:buNone/>
+            </a:pPr>
+            <a:r>
+              <a:rPr lang="ko-KR" altLang="en-US" dirty="0"/>
+              <a:t>상세페이지  </a:t>
+            </a:r>
+            <a:r>
+              <a:rPr lang="en-US" altLang="ko-KR" dirty="0"/>
+              <a:t>|  </a:t>
+            </a:r>
+            <a:r>
+              <a:rPr lang="ko-KR" altLang="en-US" dirty="0"/>
+              <a:t>조회수 </a:t>
+            </a:r>
+            <a:r>
+              <a:rPr lang="en-US" altLang="ko-KR" dirty="0"/>
+              <a:t>: ${</a:t>
+            </a:r>
+            <a:r>
+              <a:rPr lang="en" altLang="ko-KR" dirty="0" err="1"/>
+              <a:t>dto.visitCount</a:t>
+            </a:r>
+            <a:r>
+              <a:rPr lang="en" altLang="ko-KR" dirty="0"/>
+              <a:t> } | ${</a:t>
+            </a:r>
+            <a:r>
+              <a:rPr lang="en" altLang="ko-KR" dirty="0" err="1"/>
+              <a:t>dto.writerIp</a:t>
+            </a:r>
+            <a:r>
+              <a:rPr lang="en" altLang="ko-KR" dirty="0"/>
+              <a:t> }&lt;</a:t>
+            </a:r>
+            <a:r>
+              <a:rPr lang="en" altLang="ko-KR" dirty="0" err="1"/>
+              <a:t>br</a:t>
+            </a:r>
+            <a:r>
+              <a:rPr lang="en" altLang="ko-KR" dirty="0"/>
+              <a:t> /&gt;</a:t>
+            </a:r>
+          </a:p>
+          <a:p>
+            <a:pPr marL="0" indent="0">
+              <a:buNone/>
+            </a:pPr>
+            <a:r>
+              <a:rPr lang="ko-KR" altLang="en-US" dirty="0" err="1"/>
+              <a:t>글번호</a:t>
+            </a:r>
+            <a:r>
+              <a:rPr lang="ko-KR" altLang="en-US" dirty="0"/>
+              <a:t> </a:t>
+            </a:r>
+            <a:r>
+              <a:rPr lang="en-US" altLang="ko-KR" dirty="0"/>
+              <a:t>: ${</a:t>
+            </a:r>
+            <a:r>
+              <a:rPr lang="en" altLang="ko-KR" dirty="0" err="1"/>
+              <a:t>dto.boardNum</a:t>
+            </a:r>
+            <a:r>
+              <a:rPr lang="en" altLang="ko-KR" dirty="0"/>
+              <a:t>}&lt;</a:t>
+            </a:r>
+            <a:r>
+              <a:rPr lang="en" altLang="ko-KR" dirty="0" err="1"/>
+              <a:t>br</a:t>
+            </a:r>
+            <a:r>
+              <a:rPr lang="en" altLang="ko-KR" dirty="0"/>
+              <a:t> /&gt;</a:t>
+            </a:r>
+          </a:p>
+          <a:p>
+            <a:pPr marL="0" indent="0">
+              <a:buNone/>
+            </a:pPr>
+            <a:r>
+              <a:rPr lang="ko-KR" altLang="en-US" dirty="0"/>
+              <a:t>글쓴이 </a:t>
+            </a:r>
+            <a:r>
+              <a:rPr lang="en-US" altLang="ko-KR" dirty="0"/>
+              <a:t>: ${</a:t>
+            </a:r>
+            <a:r>
+              <a:rPr lang="en" altLang="ko-KR" dirty="0" err="1"/>
+              <a:t>dto.boardWriter</a:t>
+            </a:r>
+            <a:r>
+              <a:rPr lang="en" altLang="ko-KR" dirty="0"/>
+              <a:t> }&lt;</a:t>
+            </a:r>
+            <a:r>
+              <a:rPr lang="en" altLang="ko-KR" dirty="0" err="1"/>
+              <a:t>br</a:t>
+            </a:r>
+            <a:r>
+              <a:rPr lang="en" altLang="ko-KR" dirty="0"/>
+              <a:t> /&gt;</a:t>
+            </a:r>
+          </a:p>
+          <a:p>
+            <a:pPr marL="0" indent="0">
+              <a:buNone/>
+            </a:pPr>
+            <a:r>
+              <a:rPr lang="ko-KR" altLang="en-US" dirty="0"/>
+              <a:t>제목 </a:t>
+            </a:r>
+            <a:r>
+              <a:rPr lang="en-US" altLang="ko-KR" dirty="0"/>
+              <a:t>: ${</a:t>
+            </a:r>
+            <a:r>
+              <a:rPr lang="en" altLang="ko-KR" dirty="0" err="1"/>
+              <a:t>dto.boardSubject</a:t>
+            </a:r>
+            <a:r>
+              <a:rPr lang="en" altLang="ko-KR" dirty="0"/>
+              <a:t> }&lt;</a:t>
+            </a:r>
+            <a:r>
+              <a:rPr lang="en" altLang="ko-KR" dirty="0" err="1"/>
+              <a:t>br</a:t>
+            </a:r>
+            <a:r>
+              <a:rPr lang="en" altLang="ko-KR" dirty="0"/>
+              <a:t> /&gt;</a:t>
+            </a:r>
+          </a:p>
+          <a:p>
+            <a:pPr marL="0" indent="0">
+              <a:buNone/>
+            </a:pPr>
+            <a:r>
+              <a:rPr lang="ko-KR" altLang="en-US" dirty="0"/>
+              <a:t>내용 </a:t>
+            </a:r>
+            <a:r>
+              <a:rPr lang="en-US" altLang="ko-KR" dirty="0"/>
+              <a:t>: ${</a:t>
+            </a:r>
+            <a:r>
+              <a:rPr lang="en" altLang="ko-KR" dirty="0" err="1"/>
+              <a:t>dto.boardContent</a:t>
+            </a:r>
+            <a:r>
+              <a:rPr lang="en" altLang="ko-KR" dirty="0"/>
+              <a:t> }&lt;</a:t>
+            </a:r>
+            <a:r>
+              <a:rPr lang="en" altLang="ko-KR" dirty="0" err="1"/>
+              <a:t>br</a:t>
+            </a:r>
+            <a:r>
+              <a:rPr lang="en" altLang="ko-KR" dirty="0"/>
+              <a:t> /&gt;</a:t>
+            </a:r>
+          </a:p>
+          <a:p>
+            <a:pPr marL="0" indent="0">
+              <a:buNone/>
+            </a:pPr>
+            <a:r>
+              <a:rPr lang="en" altLang="ko-KR" dirty="0"/>
+              <a:t>&lt;a </a:t>
+            </a:r>
+            <a:r>
+              <a:rPr lang="en" altLang="ko-KR" dirty="0" err="1"/>
+              <a:t>href</a:t>
+            </a:r>
+            <a:r>
+              <a:rPr lang="en" altLang="ko-KR" dirty="0"/>
+              <a:t>=</a:t>
+            </a:r>
+            <a:r>
+              <a:rPr lang="en" altLang="ko-KR" i="1" dirty="0"/>
+              <a:t>"</a:t>
+            </a:r>
+            <a:r>
+              <a:rPr lang="en" altLang="ko-KR" i="1" dirty="0" err="1"/>
+              <a:t>boardUpdate</a:t>
+            </a:r>
+            <a:r>
+              <a:rPr lang="en" altLang="ko-KR" i="1" dirty="0"/>
+              <a:t>.</a:t>
+            </a:r>
+            <a:r>
+              <a:rPr lang="en-US" altLang="ko-KR" i="1" dirty="0"/>
+              <a:t>board</a:t>
+            </a:r>
+            <a:r>
+              <a:rPr lang="en" altLang="ko-KR" i="1" dirty="0"/>
+              <a:t>?</a:t>
+            </a:r>
+            <a:r>
+              <a:rPr lang="en" altLang="ko-KR" i="1" dirty="0" err="1"/>
+              <a:t>num</a:t>
+            </a:r>
+            <a:r>
+              <a:rPr lang="en" altLang="ko-KR" i="1" dirty="0"/>
+              <a:t>=</a:t>
+            </a:r>
+            <a:r>
+              <a:rPr lang="en" altLang="ko-KR" dirty="0"/>
+              <a:t>${</a:t>
+            </a:r>
+            <a:r>
+              <a:rPr lang="en" altLang="ko-KR" dirty="0" err="1"/>
+              <a:t>dto.boardNum</a:t>
+            </a:r>
+            <a:r>
+              <a:rPr lang="en" altLang="ko-KR" dirty="0"/>
+              <a:t>}</a:t>
+            </a:r>
+            <a:r>
+              <a:rPr lang="en" altLang="ko-KR" i="1" dirty="0"/>
+              <a:t>"</a:t>
+            </a:r>
+            <a:r>
+              <a:rPr lang="en" altLang="ko-KR" dirty="0"/>
+              <a:t>&gt;</a:t>
+            </a:r>
+            <a:r>
+              <a:rPr lang="ko-KR" altLang="en-US" dirty="0"/>
+              <a:t>수정</a:t>
+            </a:r>
+            <a:r>
+              <a:rPr lang="en-US" altLang="ko-KR" dirty="0"/>
+              <a:t>&lt;/</a:t>
+            </a:r>
+            <a:r>
+              <a:rPr lang="en" altLang="ko-KR" dirty="0"/>
+              <a:t>a&gt; | </a:t>
+            </a:r>
+            <a:r>
+              <a:rPr lang="ko-KR" altLang="en-US" dirty="0"/>
+              <a:t>삭제</a:t>
+            </a:r>
+            <a:r>
+              <a:rPr lang="en" altLang="ko-KR" dirty="0"/>
+              <a:t> | </a:t>
+            </a:r>
+            <a:r>
+              <a:rPr lang="ko-KR" altLang="en-US" dirty="0" err="1"/>
+              <a:t>게시글</a:t>
+            </a:r>
+            <a:r>
+              <a:rPr lang="ko-KR" altLang="en-US" dirty="0"/>
+              <a:t> 리스트</a:t>
+            </a:r>
+            <a:endParaRPr lang="en" altLang="ko-KR" dirty="0"/>
+          </a:p>
+          <a:p>
+            <a:pPr marL="0" indent="0">
+              <a:buNone/>
+            </a:pPr>
+            <a:r>
+              <a:rPr lang="en" altLang="ko-KR" dirty="0"/>
+              <a:t>&lt;/body&gt;</a:t>
+            </a:r>
+          </a:p>
+        </p:txBody>
+      </p:sp>
+    </p:spTree>
+    <p:extLst>
+      <p:ext uri="{BB962C8B-B14F-4D97-AF65-F5344CB8AC3E}">
+        <p14:creationId xmlns:p14="http://schemas.microsoft.com/office/powerpoint/2010/main" val="3140554329"/>
+      </p:ext>
+    </p:extLst>
+  </p:cSld>
+  <p:clrMapOvr>
+    <a:masterClrMapping/>
+  </p:clrMapOvr>
+</p:sld>
+</file>
+
+<file path=ppt/slides/slide37.xml><?xml version="1.0" encoding="utf-8"?>
+<p:sld xmlns:a="http://schemas.openxmlformats.org/drawingml/2006/main" xmlns:r="http://schemas.openxmlformats.org/officeDocument/2006/relationships" xmlns:p="http://schemas.openxmlformats.org/presentationml/2006/main">
+  <p:cSld>
+    <p:spTree>
+      <p:nvGrpSpPr>
+        <p:cNvPr id="1" name=""/>
+        <p:cNvGrpSpPr/>
+        <p:nvPr/>
+      </p:nvGrpSpPr>
+      <p:grpSpPr>
+        <a:xfrm>
+          <a:off x="0" y="0"/>
+          <a:ext cx="0" cy="0"/>
+          <a:chOff x="0" y="0"/>
+          <a:chExt cx="0" cy="0"/>
+        </a:xfrm>
+      </p:grpSpPr>
+      <p:sp>
+        <p:nvSpPr>
+          <p:cNvPr id="3" name="내용 개체 틀 2">
+            <a:extLst>
+              <a:ext uri="{FF2B5EF4-FFF2-40B4-BE49-F238E27FC236}">
+                <a16:creationId xmlns:a16="http://schemas.microsoft.com/office/drawing/2014/main" id="{12348306-D2DE-E747-9D63-B8206288E01F}"/>
+              </a:ext>
+            </a:extLst>
+          </p:cNvPr>
+          <p:cNvSpPr>
+            <a:spLocks noGrp="1"/>
+          </p:cNvSpPr>
+          <p:nvPr>
+            <p:ph idx="1"/>
+          </p:nvPr>
+        </p:nvSpPr>
+        <p:spPr>
+          <a:xfrm>
+            <a:off x="838200" y="400692"/>
+            <a:ext cx="10515600" cy="5776271"/>
+          </a:xfrm>
+        </p:spPr>
+        <p:txBody>
+          <a:bodyPr>
+            <a:normAutofit fontScale="92500"/>
+          </a:bodyPr>
+          <a:lstStyle/>
+          <a:p>
+            <a:pPr marL="0" indent="0">
+              <a:buNone/>
+            </a:pPr>
+            <a:r>
+              <a:rPr kumimoji="1" lang="ko-KR" altLang="en-US" dirty="0"/>
+              <a:t>수정하기 위한 주소 </a:t>
+            </a:r>
+            <a:r>
+              <a:rPr lang="en" altLang="ko-KR" i="1" dirty="0" err="1"/>
+              <a:t>boardUpdate</a:t>
+            </a:r>
+            <a:r>
+              <a:rPr lang="en" altLang="ko-KR" i="1" dirty="0"/>
+              <a:t>.</a:t>
+            </a:r>
+            <a:r>
+              <a:rPr lang="en-US" altLang="ko-KR" i="1" dirty="0"/>
+              <a:t>board</a:t>
+            </a:r>
+            <a:r>
+              <a:rPr lang="ko-KR" altLang="en-US" i="1" dirty="0"/>
+              <a:t>에서   </a:t>
+            </a:r>
+            <a:r>
+              <a:rPr lang="en" altLang="ko-KR" i="1" dirty="0" err="1"/>
+              <a:t>boardModifyForm.jsp</a:t>
+            </a:r>
+            <a:r>
+              <a:rPr lang="ko-KR" altLang="en-US" i="1" dirty="0"/>
+              <a:t>파일이 열리도록 </a:t>
+            </a:r>
+            <a:r>
+              <a:rPr lang="en-US" altLang="ko-KR" i="1" dirty="0"/>
+              <a:t>Front-Controller</a:t>
+            </a:r>
+            <a:r>
+              <a:rPr lang="ko-KR" altLang="en-US" i="1" dirty="0"/>
+              <a:t>에 작성하자</a:t>
+            </a:r>
+            <a:r>
+              <a:rPr lang="en-US" altLang="ko-KR" i="1" dirty="0"/>
+              <a:t>.</a:t>
+            </a:r>
+          </a:p>
+          <a:p>
+            <a:pPr marL="0" indent="0">
+              <a:buNone/>
+            </a:pPr>
+            <a:endParaRPr kumimoji="1" lang="en-US" altLang="ko-KR" i="1" dirty="0"/>
+          </a:p>
+          <a:p>
+            <a:pPr marL="0" indent="0">
+              <a:buNone/>
+            </a:pPr>
+            <a:r>
+              <a:rPr kumimoji="1" lang="ko-KR" altLang="en-US" i="1" dirty="0"/>
+              <a:t>수정 후 디테일 페이지로 이동하도록 작성을 한다</a:t>
+            </a:r>
+            <a:r>
+              <a:rPr kumimoji="1" lang="en-US" altLang="ko-KR" i="1" dirty="0"/>
+              <a:t>.</a:t>
+            </a:r>
+          </a:p>
+          <a:p>
+            <a:pPr marL="0" indent="0">
+              <a:buNone/>
+            </a:pPr>
+            <a:r>
+              <a:rPr kumimoji="1" lang="ko-KR" altLang="en-US" i="1" dirty="0"/>
+              <a:t>이렇게 하면 페이지가 이동하지 않은 것 </a:t>
+            </a:r>
+            <a:r>
+              <a:rPr kumimoji="1" lang="ko-KR" altLang="en-US" i="1" dirty="0" err="1"/>
+              <a:t>처럼</a:t>
+            </a:r>
+            <a:r>
+              <a:rPr kumimoji="1" lang="ko-KR" altLang="en-US" i="1" dirty="0"/>
+              <a:t> 보인다</a:t>
+            </a:r>
+            <a:r>
+              <a:rPr kumimoji="1" lang="en-US" altLang="ko-KR" i="1" dirty="0"/>
+              <a:t>.</a:t>
+            </a:r>
+          </a:p>
+          <a:p>
+            <a:pPr marL="0" indent="0">
+              <a:buNone/>
+            </a:pPr>
+            <a:r>
+              <a:rPr lang="en" altLang="ko-KR" b="1" dirty="0"/>
+              <a:t>else</a:t>
+            </a:r>
+            <a:r>
+              <a:rPr lang="en" altLang="ko-KR" dirty="0"/>
+              <a:t> </a:t>
+            </a:r>
+            <a:r>
+              <a:rPr lang="en" altLang="ko-KR" b="1" dirty="0"/>
+              <a:t>if</a:t>
+            </a:r>
+            <a:r>
+              <a:rPr lang="en" altLang="ko-KR" dirty="0"/>
+              <a:t>(</a:t>
+            </a:r>
+            <a:r>
+              <a:rPr lang="en" altLang="ko-KR" dirty="0" err="1"/>
+              <a:t>command.equals</a:t>
+            </a:r>
+            <a:r>
+              <a:rPr lang="en" altLang="ko-KR" dirty="0"/>
+              <a:t>("/</a:t>
+            </a:r>
+            <a:r>
+              <a:rPr lang="en" altLang="ko-KR" dirty="0" err="1"/>
+              <a:t>boardUpdate.kosa</a:t>
+            </a:r>
+            <a:r>
+              <a:rPr lang="en" altLang="ko-KR" dirty="0"/>
+              <a:t>")) {</a:t>
+            </a:r>
+          </a:p>
+          <a:p>
+            <a:pPr marL="0" indent="0">
+              <a:buNone/>
+            </a:pPr>
+            <a:r>
+              <a:rPr lang="en" altLang="ko-KR" dirty="0"/>
+              <a:t>	</a:t>
+            </a:r>
+            <a:r>
+              <a:rPr lang="en" altLang="ko-KR" dirty="0" err="1"/>
+              <a:t>BoardDetailController</a:t>
+            </a:r>
+            <a:r>
+              <a:rPr lang="en" altLang="ko-KR" dirty="0"/>
+              <a:t> action = </a:t>
+            </a:r>
+            <a:r>
+              <a:rPr lang="en" altLang="ko-KR" b="1" dirty="0"/>
+              <a:t>new</a:t>
+            </a:r>
+            <a:r>
+              <a:rPr lang="en" altLang="ko-KR" dirty="0"/>
+              <a:t> </a:t>
+            </a:r>
+            <a:r>
+              <a:rPr lang="en" altLang="ko-KR" dirty="0" err="1"/>
+              <a:t>BoardDetailController</a:t>
+            </a:r>
+            <a:r>
+              <a:rPr lang="en" altLang="ko-KR" dirty="0"/>
+              <a:t>();</a:t>
+            </a:r>
+          </a:p>
+          <a:p>
+            <a:pPr marL="0" indent="0">
+              <a:buNone/>
+            </a:pPr>
+            <a:r>
+              <a:rPr lang="en" altLang="ko-KR" dirty="0"/>
+              <a:t>	</a:t>
+            </a:r>
+            <a:r>
+              <a:rPr lang="en" altLang="ko-KR" dirty="0" err="1"/>
+              <a:t>action.execute</a:t>
+            </a:r>
+            <a:r>
+              <a:rPr lang="en" altLang="ko-KR" dirty="0"/>
+              <a:t>(request);</a:t>
+            </a:r>
+          </a:p>
+          <a:p>
+            <a:pPr marL="0" indent="0">
+              <a:buNone/>
+            </a:pPr>
+            <a:r>
+              <a:rPr lang="en" altLang="ko-KR" dirty="0"/>
+              <a:t>	</a:t>
+            </a:r>
+            <a:r>
+              <a:rPr lang="en" altLang="ko-KR" dirty="0" err="1"/>
+              <a:t>RequestDispatcher</a:t>
+            </a:r>
+            <a:r>
+              <a:rPr lang="en" altLang="ko-KR" dirty="0"/>
+              <a:t> dispatcher = </a:t>
+            </a:r>
+          </a:p>
+          <a:p>
+            <a:pPr marL="0" indent="0">
+              <a:buNone/>
+            </a:pPr>
+            <a:r>
+              <a:rPr lang="en" altLang="ko-KR" dirty="0"/>
+              <a:t>	</a:t>
+            </a:r>
+            <a:r>
+              <a:rPr lang="en" altLang="ko-KR" dirty="0" err="1"/>
+              <a:t>Request.getRequestDispatcher</a:t>
+            </a:r>
+            <a:r>
+              <a:rPr lang="en" altLang="ko-KR" dirty="0"/>
+              <a:t>("/board/</a:t>
+            </a:r>
+            <a:r>
+              <a:rPr lang="en" altLang="ko-KR" dirty="0" err="1"/>
+              <a:t>boardModifyForm.jsp</a:t>
+            </a:r>
+            <a:r>
+              <a:rPr lang="en" altLang="ko-KR" dirty="0"/>
+              <a:t>");</a:t>
+            </a:r>
+          </a:p>
+          <a:p>
+            <a:pPr marL="0" indent="0">
+              <a:buNone/>
+            </a:pPr>
+            <a:r>
+              <a:rPr lang="en" altLang="ko-KR" dirty="0"/>
+              <a:t>	</a:t>
+            </a:r>
+            <a:r>
+              <a:rPr lang="en" altLang="ko-KR" dirty="0" err="1"/>
+              <a:t>dispatcher.forward</a:t>
+            </a:r>
+            <a:r>
+              <a:rPr lang="en" altLang="ko-KR" dirty="0"/>
+              <a:t>(request, response);</a:t>
+            </a:r>
+          </a:p>
+          <a:p>
+            <a:pPr marL="0" indent="0">
+              <a:buNone/>
+            </a:pPr>
+            <a:r>
+              <a:rPr lang="en" altLang="ko-KR" dirty="0"/>
+              <a:t>}</a:t>
+            </a:r>
+          </a:p>
+          <a:p>
+            <a:pPr marL="0" indent="0">
+              <a:buNone/>
+            </a:pPr>
+            <a:endParaRPr kumimoji="1" lang="ko-KR" altLang="en-US" dirty="0"/>
+          </a:p>
+        </p:txBody>
+      </p:sp>
+    </p:spTree>
+    <p:extLst>
+      <p:ext uri="{BB962C8B-B14F-4D97-AF65-F5344CB8AC3E}">
+        <p14:creationId xmlns:p14="http://schemas.microsoft.com/office/powerpoint/2010/main" val="994268407"/>
+      </p:ext>
+    </p:extLst>
+  </p:cSld>
+  <p:clrMapOvr>
+    <a:masterClrMapping/>
+  </p:clrMapOvr>
+</p:sld>
+</file>
+
+<file path=ppt/slides/slide38.xml><?xml version="1.0" encoding="utf-8"?>
+<p:sld xmlns:a="http://schemas.openxmlformats.org/drawingml/2006/main" xmlns:r="http://schemas.openxmlformats.org/officeDocument/2006/relationships" xmlns:p="http://schemas.openxmlformats.org/presentationml/2006/main">
+  <p:cSld>
+    <p:spTree>
+      <p:nvGrpSpPr>
+        <p:cNvPr id="1" name=""/>
+        <p:cNvGrpSpPr/>
+        <p:nvPr/>
+      </p:nvGrpSpPr>
+      <p:grpSpPr>
+        <a:xfrm>
+          <a:off x="0" y="0"/>
+          <a:ext cx="0" cy="0"/>
+          <a:chOff x="0" y="0"/>
+          <a:chExt cx="0" cy="0"/>
+        </a:xfrm>
+      </p:grpSpPr>
+      <p:sp>
+        <p:nvSpPr>
+          <p:cNvPr id="3" name="내용 개체 틀 2">
+            <a:extLst>
+              <a:ext uri="{FF2B5EF4-FFF2-40B4-BE49-F238E27FC236}">
+                <a16:creationId xmlns:a16="http://schemas.microsoft.com/office/drawing/2014/main" id="{5D0973FB-0A67-8540-A9E8-31A10E8CC228}"/>
+              </a:ext>
+            </a:extLst>
+          </p:cNvPr>
+          <p:cNvSpPr>
+            <a:spLocks noGrp="1"/>
+          </p:cNvSpPr>
+          <p:nvPr>
+            <p:ph idx="1"/>
+          </p:nvPr>
+        </p:nvSpPr>
+        <p:spPr>
+          <a:xfrm>
+            <a:off x="838200" y="400692"/>
+            <a:ext cx="10515600" cy="5776271"/>
+          </a:xfrm>
+        </p:spPr>
+        <p:txBody>
+          <a:bodyPr>
+            <a:normAutofit fontScale="47500" lnSpcReduction="20000"/>
+          </a:bodyPr>
+          <a:lstStyle/>
+          <a:p>
+            <a:pPr marL="0" indent="0">
+              <a:buNone/>
+            </a:pPr>
+            <a:r>
+              <a:rPr lang="en" altLang="ko-KR" dirty="0" err="1"/>
+              <a:t>boardModifyForm.jsp</a:t>
+            </a:r>
+            <a:r>
+              <a:rPr lang="ko-KR" altLang="en-US" dirty="0"/>
+              <a:t>페이지를 만든다</a:t>
+            </a:r>
+            <a:r>
+              <a:rPr lang="en-US" altLang="ko-KR" dirty="0"/>
+              <a:t>.</a:t>
+            </a:r>
+          </a:p>
+          <a:p>
+            <a:pPr marL="0" indent="0">
+              <a:buNone/>
+            </a:pPr>
+            <a:endParaRPr kumimoji="1" lang="en-US" altLang="ko-KR" dirty="0"/>
+          </a:p>
+          <a:p>
+            <a:pPr marL="0" indent="0">
+              <a:buNone/>
+            </a:pPr>
+            <a:r>
+              <a:rPr lang="en" altLang="ko-KR" dirty="0"/>
+              <a:t>&lt;form action=</a:t>
+            </a:r>
+            <a:r>
+              <a:rPr lang="en" altLang="ko-KR" i="1" dirty="0"/>
+              <a:t>"</a:t>
+            </a:r>
+            <a:r>
+              <a:rPr lang="en" altLang="ko-KR" i="1" dirty="0" err="1"/>
+              <a:t>boardModify</a:t>
+            </a:r>
+            <a:r>
+              <a:rPr lang="en" altLang="ko-KR" i="1" dirty="0"/>
+              <a:t>.</a:t>
+            </a:r>
+            <a:r>
+              <a:rPr lang="en-US" altLang="ko-KR" i="1" dirty="0"/>
+              <a:t>board</a:t>
+            </a:r>
+            <a:r>
+              <a:rPr lang="en" altLang="ko-KR" i="1" dirty="0"/>
+              <a:t>"</a:t>
+            </a:r>
+            <a:r>
+              <a:rPr lang="en" altLang="ko-KR" dirty="0"/>
+              <a:t> method=</a:t>
+            </a:r>
+            <a:r>
+              <a:rPr lang="en" altLang="ko-KR" i="1" dirty="0"/>
+              <a:t>"get"</a:t>
+            </a:r>
+            <a:r>
+              <a:rPr lang="en" altLang="ko-KR" dirty="0"/>
+              <a:t>&gt;</a:t>
+            </a:r>
+          </a:p>
+          <a:p>
+            <a:pPr marL="0" indent="0">
+              <a:buNone/>
+            </a:pPr>
+            <a:r>
+              <a:rPr lang="en" altLang="ko-KR" dirty="0"/>
+              <a:t>	&lt;input type=</a:t>
+            </a:r>
+            <a:r>
+              <a:rPr lang="en" altLang="ko-KR" i="1" dirty="0"/>
+              <a:t>"hidden"</a:t>
+            </a:r>
+            <a:r>
+              <a:rPr lang="en" altLang="ko-KR" dirty="0"/>
+              <a:t> name=</a:t>
+            </a:r>
+            <a:r>
+              <a:rPr lang="en" altLang="ko-KR" i="1" dirty="0"/>
+              <a:t>"</a:t>
+            </a:r>
+            <a:r>
+              <a:rPr lang="en" altLang="ko-KR" i="1" dirty="0" err="1"/>
+              <a:t>boardNum</a:t>
+            </a:r>
+            <a:r>
+              <a:rPr lang="en" altLang="ko-KR" i="1" dirty="0"/>
+              <a:t>"</a:t>
+            </a:r>
+            <a:r>
+              <a:rPr lang="en" altLang="ko-KR" dirty="0"/>
+              <a:t> value=</a:t>
+            </a:r>
+            <a:r>
+              <a:rPr lang="en" altLang="ko-KR" i="1" dirty="0"/>
+              <a:t>"</a:t>
+            </a:r>
+            <a:r>
+              <a:rPr lang="en" altLang="ko-KR" dirty="0"/>
+              <a:t>${</a:t>
+            </a:r>
+            <a:r>
+              <a:rPr lang="en" altLang="ko-KR" dirty="0" err="1"/>
+              <a:t>dto.boardNum</a:t>
+            </a:r>
+            <a:r>
+              <a:rPr lang="en" altLang="ko-KR" dirty="0"/>
+              <a:t> }</a:t>
+            </a:r>
+            <a:r>
+              <a:rPr lang="en" altLang="ko-KR" i="1" dirty="0"/>
+              <a:t>"</a:t>
+            </a:r>
+            <a:r>
+              <a:rPr lang="en" altLang="ko-KR" dirty="0"/>
+              <a:t>/&gt;</a:t>
+            </a:r>
+          </a:p>
+          <a:p>
+            <a:pPr marL="0" indent="0">
+              <a:buNone/>
+            </a:pPr>
+            <a:r>
+              <a:rPr lang="en" altLang="ko-KR" dirty="0"/>
+              <a:t>	&lt;table&gt;</a:t>
+            </a:r>
+          </a:p>
+          <a:p>
+            <a:pPr marL="0" indent="0">
+              <a:buNone/>
+            </a:pPr>
+            <a:r>
+              <a:rPr lang="en" altLang="ko-KR" dirty="0"/>
+              <a:t>	&lt;caption&gt;</a:t>
+            </a:r>
+            <a:r>
+              <a:rPr lang="ko-KR" altLang="en-US" dirty="0" err="1"/>
+              <a:t>게시글</a:t>
+            </a:r>
+            <a:r>
+              <a:rPr lang="ko-KR" altLang="en-US" dirty="0"/>
+              <a:t> 수정</a:t>
+            </a:r>
+            <a:r>
+              <a:rPr lang="en-US" altLang="ko-KR" dirty="0"/>
+              <a:t>&lt;/</a:t>
+            </a:r>
+            <a:r>
+              <a:rPr lang="en" altLang="ko-KR" dirty="0"/>
+              <a:t>caption&gt;</a:t>
+            </a:r>
+          </a:p>
+          <a:p>
+            <a:pPr marL="0" indent="0">
+              <a:buNone/>
+            </a:pPr>
+            <a:r>
+              <a:rPr lang="en" altLang="ko-KR" dirty="0"/>
+              <a:t>		&lt;</a:t>
+            </a:r>
+            <a:r>
+              <a:rPr lang="en" altLang="ko-KR" dirty="0" err="1"/>
+              <a:t>tr</a:t>
+            </a:r>
+            <a:r>
+              <a:rPr lang="en" altLang="ko-KR" dirty="0"/>
+              <a:t>&gt;&lt;td&gt;</a:t>
+            </a:r>
+            <a:r>
+              <a:rPr lang="ko-KR" altLang="en-US" dirty="0"/>
+              <a:t>글쓴이</a:t>
+            </a:r>
+            <a:r>
+              <a:rPr lang="en-US" altLang="ko-KR" dirty="0"/>
+              <a:t>&lt;/</a:t>
+            </a:r>
+            <a:r>
+              <a:rPr lang="en" altLang="ko-KR" dirty="0"/>
+              <a:t>td&gt;</a:t>
+            </a:r>
+          </a:p>
+          <a:p>
+            <a:pPr marL="0" indent="0">
+              <a:buNone/>
+            </a:pPr>
+            <a:r>
+              <a:rPr lang="en" altLang="ko-KR" dirty="0"/>
+              <a:t>		&lt;td&gt;&lt;input type=</a:t>
+            </a:r>
+            <a:r>
+              <a:rPr lang="en" altLang="ko-KR" i="1" dirty="0"/>
+              <a:t>"text"</a:t>
+            </a:r>
+            <a:r>
+              <a:rPr lang="en" altLang="ko-KR" dirty="0"/>
+              <a:t> name=</a:t>
+            </a:r>
+            <a:r>
+              <a:rPr lang="en" altLang="ko-KR" i="1" dirty="0"/>
+              <a:t>"</a:t>
+            </a:r>
+            <a:r>
+              <a:rPr lang="en" altLang="ko-KR" i="1" dirty="0" err="1"/>
+              <a:t>boardWriter</a:t>
+            </a:r>
+            <a:r>
+              <a:rPr lang="en" altLang="ko-KR" i="1" dirty="0"/>
+              <a:t>"</a:t>
+            </a:r>
+            <a:r>
+              <a:rPr lang="en" altLang="ko-KR" dirty="0"/>
+              <a:t> value=</a:t>
+            </a:r>
+            <a:r>
+              <a:rPr lang="en" altLang="ko-KR" i="1" dirty="0"/>
+              <a:t>"</a:t>
+            </a:r>
+            <a:r>
+              <a:rPr lang="en" altLang="ko-KR" dirty="0"/>
+              <a:t>${</a:t>
+            </a:r>
+            <a:r>
+              <a:rPr lang="en" altLang="ko-KR" dirty="0" err="1"/>
+              <a:t>dto.boardWriter</a:t>
+            </a:r>
+            <a:r>
+              <a:rPr lang="en" altLang="ko-KR" dirty="0"/>
+              <a:t> }</a:t>
+            </a:r>
+            <a:r>
+              <a:rPr lang="en" altLang="ko-KR" i="1" dirty="0"/>
+              <a:t>"</a:t>
+            </a:r>
+            <a:r>
+              <a:rPr lang="en" altLang="ko-KR" dirty="0"/>
+              <a:t>&gt;&lt;/td&gt;</a:t>
+            </a:r>
+          </a:p>
+          <a:p>
+            <a:pPr marL="0" indent="0">
+              <a:buNone/>
+            </a:pPr>
+            <a:r>
+              <a:rPr lang="en" altLang="ko-KR" dirty="0"/>
+              <a:t>		&lt;/</a:t>
+            </a:r>
+            <a:r>
+              <a:rPr lang="en" altLang="ko-KR" dirty="0" err="1"/>
+              <a:t>tr</a:t>
+            </a:r>
+            <a:r>
+              <a:rPr lang="en" altLang="ko-KR" dirty="0"/>
+              <a:t>&gt;</a:t>
+            </a:r>
+          </a:p>
+          <a:p>
+            <a:pPr marL="0" indent="0">
+              <a:buNone/>
+            </a:pPr>
+            <a:r>
+              <a:rPr lang="en" altLang="ko-KR" dirty="0"/>
+              <a:t>		&lt;</a:t>
+            </a:r>
+            <a:r>
+              <a:rPr lang="en" altLang="ko-KR" dirty="0" err="1"/>
+              <a:t>tr</a:t>
+            </a:r>
+            <a:r>
+              <a:rPr lang="en" altLang="ko-KR" dirty="0"/>
+              <a:t>&gt;&lt;td&gt;</a:t>
+            </a:r>
+            <a:r>
+              <a:rPr lang="ko-KR" altLang="en-US" dirty="0"/>
+              <a:t>제목</a:t>
+            </a:r>
+            <a:r>
+              <a:rPr lang="en-US" altLang="ko-KR" dirty="0"/>
+              <a:t>&lt;/</a:t>
+            </a:r>
+            <a:r>
+              <a:rPr lang="en" altLang="ko-KR" dirty="0"/>
+              <a:t>td&gt;</a:t>
+            </a:r>
+          </a:p>
+          <a:p>
+            <a:pPr marL="0" indent="0">
+              <a:buNone/>
+            </a:pPr>
+            <a:r>
+              <a:rPr lang="en" altLang="ko-KR" dirty="0"/>
+              <a:t>		&lt;td&gt;&lt;input type=</a:t>
+            </a:r>
+            <a:r>
+              <a:rPr lang="en" altLang="ko-KR" i="1" dirty="0"/>
+              <a:t>"text"</a:t>
+            </a:r>
+            <a:r>
+              <a:rPr lang="en" altLang="ko-KR" dirty="0"/>
+              <a:t> name=</a:t>
+            </a:r>
+            <a:r>
+              <a:rPr lang="en" altLang="ko-KR" i="1" dirty="0"/>
+              <a:t>"</a:t>
+            </a:r>
+            <a:r>
+              <a:rPr lang="en" altLang="ko-KR" i="1" dirty="0" err="1"/>
+              <a:t>boardSubject</a:t>
+            </a:r>
+            <a:r>
+              <a:rPr lang="en" altLang="ko-KR" i="1" dirty="0"/>
+              <a:t>"</a:t>
+            </a:r>
+            <a:r>
+              <a:rPr lang="en" altLang="ko-KR" dirty="0"/>
+              <a:t> value=</a:t>
+            </a:r>
+            <a:r>
+              <a:rPr lang="en" altLang="ko-KR" i="1" dirty="0"/>
+              <a:t>"</a:t>
+            </a:r>
+            <a:r>
+              <a:rPr lang="en" altLang="ko-KR" dirty="0"/>
+              <a:t>${</a:t>
+            </a:r>
+            <a:r>
+              <a:rPr lang="en" altLang="ko-KR" dirty="0" err="1"/>
+              <a:t>dto.boardSubject</a:t>
+            </a:r>
+            <a:r>
+              <a:rPr lang="en" altLang="ko-KR" dirty="0"/>
+              <a:t> }</a:t>
+            </a:r>
+            <a:r>
+              <a:rPr lang="en" altLang="ko-KR" i="1" dirty="0"/>
+              <a:t>"</a:t>
+            </a:r>
+            <a:r>
+              <a:rPr lang="en" altLang="ko-KR" dirty="0"/>
+              <a:t>&gt;&lt;/td&gt;</a:t>
+            </a:r>
+          </a:p>
+          <a:p>
+            <a:pPr marL="0" indent="0">
+              <a:buNone/>
+            </a:pPr>
+            <a:r>
+              <a:rPr lang="en" altLang="ko-KR" dirty="0"/>
+              <a:t>		&lt;/</a:t>
+            </a:r>
+            <a:r>
+              <a:rPr lang="en" altLang="ko-KR" dirty="0" err="1"/>
+              <a:t>tr</a:t>
+            </a:r>
+            <a:r>
+              <a:rPr lang="en" altLang="ko-KR" dirty="0"/>
+              <a:t>&gt;</a:t>
+            </a:r>
+          </a:p>
+          <a:p>
+            <a:pPr marL="0" indent="0">
+              <a:buNone/>
+            </a:pPr>
+            <a:r>
+              <a:rPr lang="en" altLang="ko-KR" dirty="0"/>
+              <a:t>		&lt;</a:t>
+            </a:r>
+            <a:r>
+              <a:rPr lang="en" altLang="ko-KR" dirty="0" err="1"/>
+              <a:t>tr</a:t>
+            </a:r>
+            <a:r>
+              <a:rPr lang="en" altLang="ko-KR" dirty="0"/>
+              <a:t>&gt;&lt;td&gt;</a:t>
+            </a:r>
+            <a:r>
+              <a:rPr lang="ko-KR" altLang="en-US" dirty="0"/>
+              <a:t>내용</a:t>
+            </a:r>
+            <a:r>
+              <a:rPr lang="en-US" altLang="ko-KR" dirty="0"/>
+              <a:t>&lt;/</a:t>
+            </a:r>
+            <a:r>
+              <a:rPr lang="en" altLang="ko-KR" dirty="0"/>
+              <a:t>td&gt;</a:t>
+            </a:r>
+          </a:p>
+          <a:p>
+            <a:pPr marL="0" indent="0">
+              <a:buNone/>
+            </a:pPr>
+            <a:r>
+              <a:rPr lang="en" altLang="ko-KR" dirty="0"/>
+              <a:t>		&lt;td&gt;&lt;</a:t>
+            </a:r>
+            <a:r>
+              <a:rPr lang="en" altLang="ko-KR" dirty="0" err="1"/>
+              <a:t>textarea</a:t>
+            </a:r>
+            <a:r>
+              <a:rPr lang="en" altLang="ko-KR" dirty="0"/>
+              <a:t> rows=</a:t>
+            </a:r>
+            <a:r>
+              <a:rPr lang="en" altLang="ko-KR" i="1" dirty="0"/>
+              <a:t>"6"</a:t>
+            </a:r>
+            <a:r>
+              <a:rPr lang="en" altLang="ko-KR" dirty="0"/>
+              <a:t> cols=</a:t>
+            </a:r>
+            <a:r>
+              <a:rPr lang="en" altLang="ko-KR" i="1" dirty="0"/>
+              <a:t>"40"</a:t>
+            </a:r>
+            <a:r>
+              <a:rPr lang="en" altLang="ko-KR" dirty="0"/>
+              <a:t> name=</a:t>
+            </a:r>
+            <a:r>
+              <a:rPr lang="en" altLang="ko-KR" i="1" dirty="0"/>
+              <a:t>"</a:t>
+            </a:r>
+            <a:r>
+              <a:rPr lang="en" altLang="ko-KR" i="1" dirty="0" err="1"/>
+              <a:t>boardContent</a:t>
+            </a:r>
+            <a:r>
+              <a:rPr lang="en" altLang="ko-KR" i="1" dirty="0"/>
+              <a:t>"</a:t>
+            </a:r>
+            <a:r>
+              <a:rPr lang="en" altLang="ko-KR" dirty="0"/>
+              <a:t>&gt;${</a:t>
+            </a:r>
+            <a:r>
+              <a:rPr lang="en" altLang="ko-KR" dirty="0" err="1"/>
+              <a:t>dto.boardContent</a:t>
+            </a:r>
+            <a:r>
+              <a:rPr lang="en" altLang="ko-KR" dirty="0"/>
+              <a:t> }&lt;/</a:t>
+            </a:r>
+            <a:r>
+              <a:rPr lang="en" altLang="ko-KR" dirty="0" err="1"/>
+              <a:t>textarea</a:t>
+            </a:r>
+            <a:r>
+              <a:rPr lang="en" altLang="ko-KR" dirty="0"/>
+              <a:t>&gt;&lt;/td&gt;</a:t>
+            </a:r>
+          </a:p>
+          <a:p>
+            <a:pPr marL="0" indent="0">
+              <a:buNone/>
+            </a:pPr>
+            <a:r>
+              <a:rPr lang="en" altLang="ko-KR" dirty="0"/>
+              <a:t>		&lt;/</a:t>
+            </a:r>
+            <a:r>
+              <a:rPr lang="en" altLang="ko-KR" dirty="0" err="1"/>
+              <a:t>tr</a:t>
+            </a:r>
+            <a:r>
+              <a:rPr lang="en" altLang="ko-KR" dirty="0"/>
+              <a:t>&gt;</a:t>
+            </a:r>
+          </a:p>
+          <a:p>
+            <a:pPr marL="0" indent="0">
+              <a:buNone/>
+            </a:pPr>
+            <a:r>
+              <a:rPr lang="en" altLang="ko-KR" dirty="0"/>
+              <a:t>		&lt;</a:t>
+            </a:r>
+            <a:r>
+              <a:rPr lang="en" altLang="ko-KR" dirty="0" err="1"/>
+              <a:t>tr</a:t>
+            </a:r>
+            <a:r>
+              <a:rPr lang="en" altLang="ko-KR" dirty="0"/>
+              <a:t>&gt;&lt;</a:t>
+            </a:r>
+            <a:r>
+              <a:rPr lang="en" altLang="ko-KR" dirty="0" err="1"/>
+              <a:t>th</a:t>
+            </a:r>
+            <a:r>
+              <a:rPr lang="en" altLang="ko-KR" dirty="0"/>
+              <a:t> </a:t>
+            </a:r>
+            <a:r>
+              <a:rPr lang="en" altLang="ko-KR" dirty="0" err="1"/>
+              <a:t>colspan</a:t>
+            </a:r>
+            <a:r>
+              <a:rPr lang="en" altLang="ko-KR" dirty="0"/>
+              <a:t>=</a:t>
+            </a:r>
+            <a:r>
+              <a:rPr lang="en" altLang="ko-KR" i="1" dirty="0"/>
+              <a:t>2</a:t>
+            </a:r>
+            <a:r>
+              <a:rPr lang="en" altLang="ko-KR" dirty="0"/>
+              <a:t>&gt;</a:t>
+            </a:r>
+          </a:p>
+          <a:p>
+            <a:pPr marL="0" indent="0">
+              <a:buNone/>
+            </a:pPr>
+            <a:r>
+              <a:rPr lang="en" altLang="ko-KR" dirty="0"/>
+              <a:t>		&lt;input type=</a:t>
+            </a:r>
+            <a:r>
+              <a:rPr lang="en" altLang="ko-KR" i="1" dirty="0"/>
+              <a:t>"submit"</a:t>
+            </a:r>
+            <a:r>
+              <a:rPr lang="en" altLang="ko-KR" dirty="0"/>
+              <a:t> value=</a:t>
+            </a:r>
+            <a:r>
+              <a:rPr lang="en" altLang="ko-KR" i="1" dirty="0"/>
+              <a:t>"</a:t>
+            </a:r>
+            <a:r>
+              <a:rPr lang="ko-KR" altLang="en-US" i="1" dirty="0" err="1"/>
+              <a:t>게시글</a:t>
+            </a:r>
+            <a:r>
+              <a:rPr lang="ko-KR" altLang="en-US" i="1" dirty="0"/>
+              <a:t> 수정 완료</a:t>
+            </a:r>
+            <a:r>
+              <a:rPr lang="en-US" altLang="ko-KR" i="1" dirty="0"/>
+              <a:t>"</a:t>
+            </a:r>
+            <a:r>
+              <a:rPr lang="ko-KR" altLang="en-US" dirty="0"/>
+              <a:t> </a:t>
+            </a:r>
+            <a:r>
+              <a:rPr lang="en-US" altLang="ko-KR" dirty="0"/>
+              <a:t>/&gt;</a:t>
+            </a:r>
+            <a:r>
+              <a:rPr lang="ko-KR" altLang="en-US" dirty="0"/>
+              <a:t> </a:t>
+            </a:r>
+          </a:p>
+          <a:p>
+            <a:pPr marL="0" indent="0">
+              <a:buNone/>
+            </a:pPr>
+            <a:r>
+              <a:rPr lang="en-US" altLang="ko-KR" dirty="0"/>
+              <a:t>		&lt;</a:t>
+            </a:r>
+            <a:r>
+              <a:rPr lang="en" altLang="ko-KR" dirty="0"/>
+              <a:t>input type=</a:t>
+            </a:r>
+            <a:r>
+              <a:rPr lang="en" altLang="ko-KR" i="1" dirty="0"/>
+              <a:t>"button"</a:t>
+            </a:r>
+            <a:r>
+              <a:rPr lang="en" altLang="ko-KR" dirty="0"/>
+              <a:t> value=</a:t>
+            </a:r>
+            <a:r>
+              <a:rPr lang="en" altLang="ko-KR" i="1" dirty="0"/>
+              <a:t>"</a:t>
+            </a:r>
+            <a:r>
+              <a:rPr lang="ko-KR" altLang="en-US" i="1" dirty="0" err="1"/>
+              <a:t>뒤로가기</a:t>
+            </a:r>
+            <a:r>
+              <a:rPr lang="en-US" altLang="ko-KR" i="1" dirty="0"/>
+              <a:t>"</a:t>
+            </a:r>
+            <a:r>
+              <a:rPr lang="ko-KR" altLang="en-US" dirty="0"/>
+              <a:t>  </a:t>
+            </a:r>
+            <a:r>
+              <a:rPr lang="en" altLang="ko-KR" dirty="0"/>
+              <a:t>onclick="</a:t>
+            </a:r>
+            <a:r>
+              <a:rPr lang="en" altLang="ko-KR" dirty="0" err="1"/>
+              <a:t>javascript:history.back</a:t>
+            </a:r>
+            <a:r>
+              <a:rPr lang="en" altLang="ko-KR" dirty="0"/>
+              <a:t>()" /&gt;</a:t>
+            </a:r>
+          </a:p>
+          <a:p>
+            <a:pPr marL="0" indent="0">
+              <a:buNone/>
+            </a:pPr>
+            <a:r>
+              <a:rPr lang="en" altLang="ko-KR" dirty="0"/>
+              <a:t>		&lt;/</a:t>
+            </a:r>
+            <a:r>
+              <a:rPr lang="en" altLang="ko-KR" dirty="0" err="1"/>
+              <a:t>th</a:t>
+            </a:r>
+            <a:r>
+              <a:rPr lang="en" altLang="ko-KR" dirty="0"/>
+              <a:t>&gt;&lt;/</a:t>
+            </a:r>
+            <a:r>
+              <a:rPr lang="en" altLang="ko-KR" dirty="0" err="1"/>
+              <a:t>tr</a:t>
+            </a:r>
+            <a:r>
+              <a:rPr lang="en" altLang="ko-KR" dirty="0"/>
+              <a:t>&gt;</a:t>
+            </a:r>
+          </a:p>
+          <a:p>
+            <a:pPr marL="0" indent="0">
+              <a:buNone/>
+            </a:pPr>
+            <a:r>
+              <a:rPr lang="en" altLang="ko-KR" dirty="0"/>
+              <a:t>	&lt;/table&gt;</a:t>
+            </a:r>
+          </a:p>
+          <a:p>
+            <a:pPr marL="0" indent="0">
+              <a:buNone/>
+            </a:pPr>
+            <a:r>
+              <a:rPr lang="en" altLang="ko-KR" dirty="0"/>
+              <a:t>&lt;/form&gt;</a:t>
+            </a:r>
+          </a:p>
+          <a:p>
+            <a:pPr marL="0" indent="0">
+              <a:buNone/>
+            </a:pPr>
+            <a:endParaRPr kumimoji="1" lang="ko-KR" altLang="en-US" dirty="0"/>
+          </a:p>
+        </p:txBody>
+      </p:sp>
+    </p:spTree>
+    <p:extLst>
+      <p:ext uri="{BB962C8B-B14F-4D97-AF65-F5344CB8AC3E}">
+        <p14:creationId xmlns:p14="http://schemas.microsoft.com/office/powerpoint/2010/main" val="1574358081"/>
+      </p:ext>
+    </p:extLst>
+  </p:cSld>
+  <p:clrMapOvr>
+    <a:masterClrMapping/>
+  </p:clrMapOvr>
+</p:sld>
+</file>
+
+<file path=ppt/slides/slide39.xml><?xml version="1.0" encoding="utf-8"?>
+<p:sld xmlns:a="http://schemas.openxmlformats.org/drawingml/2006/main" xmlns:r="http://schemas.openxmlformats.org/officeDocument/2006/relationships" xmlns:p="http://schemas.openxmlformats.org/presentationml/2006/main">
+  <p:cSld>
+    <p:spTree>
+      <p:nvGrpSpPr>
+        <p:cNvPr id="1" name=""/>
+        <p:cNvGrpSpPr/>
+        <p:nvPr/>
+      </p:nvGrpSpPr>
+      <p:grpSpPr>
+        <a:xfrm>
+          <a:off x="0" y="0"/>
+          <a:ext cx="0" cy="0"/>
+          <a:chOff x="0" y="0"/>
+          <a:chExt cx="0" cy="0"/>
+        </a:xfrm>
+      </p:grpSpPr>
+      <p:sp>
+        <p:nvSpPr>
+          <p:cNvPr id="3" name="내용 개체 틀 2">
+            <a:extLst>
+              <a:ext uri="{FF2B5EF4-FFF2-40B4-BE49-F238E27FC236}">
+                <a16:creationId xmlns:a16="http://schemas.microsoft.com/office/drawing/2014/main" id="{408F9A59-3BBB-2746-81ED-CD299FC1B199}"/>
+              </a:ext>
+            </a:extLst>
+          </p:cNvPr>
+          <p:cNvSpPr>
+            <a:spLocks noGrp="1"/>
+          </p:cNvSpPr>
+          <p:nvPr>
+            <p:ph idx="1"/>
+          </p:nvPr>
+        </p:nvSpPr>
+        <p:spPr>
+          <a:xfrm>
+            <a:off x="838200" y="523982"/>
+            <a:ext cx="10515600" cy="5652981"/>
+          </a:xfrm>
+        </p:spPr>
+        <p:txBody>
+          <a:bodyPr/>
+          <a:lstStyle/>
+          <a:p>
+            <a:pPr marL="0" indent="0">
+              <a:buNone/>
+            </a:pPr>
+            <a:r>
+              <a:rPr kumimoji="1" lang="en-US" altLang="ko-KR" dirty="0"/>
+              <a:t>Front-Controller</a:t>
+            </a:r>
+            <a:r>
+              <a:rPr kumimoji="1" lang="ko-KR" altLang="en-US" dirty="0"/>
+              <a:t>에서 </a:t>
+            </a:r>
+            <a:r>
+              <a:rPr kumimoji="1" lang="ko-KR" altLang="en-US" dirty="0" err="1"/>
+              <a:t>수정완료를</a:t>
+            </a:r>
+            <a:r>
+              <a:rPr kumimoji="1" lang="ko-KR" altLang="en-US" dirty="0"/>
+              <a:t> 위한 주소를 작성한다</a:t>
+            </a:r>
+            <a:r>
+              <a:rPr kumimoji="1" lang="en-US" altLang="ko-KR" dirty="0"/>
+              <a:t>,</a:t>
+            </a:r>
+          </a:p>
+          <a:p>
+            <a:pPr marL="0" indent="0">
+              <a:buNone/>
+            </a:pPr>
+            <a:r>
+              <a:rPr kumimoji="1" lang="ko-KR" altLang="en-US" dirty="0"/>
+              <a:t>수정이 완료가 되면 다시 </a:t>
+            </a:r>
+            <a:r>
+              <a:rPr kumimoji="1" lang="ko-KR" altLang="en-US" dirty="0" err="1"/>
+              <a:t>상세페잊로</a:t>
+            </a:r>
+            <a:r>
+              <a:rPr kumimoji="1" lang="ko-KR" altLang="en-US" dirty="0"/>
+              <a:t> 이동할 수 있게 만든다</a:t>
+            </a:r>
+            <a:r>
+              <a:rPr kumimoji="1" lang="en-US" altLang="ko-KR" dirty="0"/>
+              <a:t>.</a:t>
+            </a:r>
+          </a:p>
+          <a:p>
+            <a:pPr marL="0" indent="0">
+              <a:buNone/>
+            </a:pPr>
+            <a:endParaRPr kumimoji="1" lang="en-US" altLang="ko-KR" dirty="0"/>
+          </a:p>
+          <a:p>
+            <a:pPr marL="0" indent="0">
+              <a:buNone/>
+            </a:pPr>
+            <a:r>
+              <a:rPr lang="en" altLang="ko-KR" b="1" dirty="0"/>
+              <a:t>else</a:t>
+            </a:r>
+            <a:r>
+              <a:rPr lang="en" altLang="ko-KR" dirty="0"/>
+              <a:t> </a:t>
+            </a:r>
+            <a:r>
+              <a:rPr lang="en" altLang="ko-KR" b="1" dirty="0"/>
+              <a:t>if</a:t>
+            </a:r>
+            <a:r>
+              <a:rPr lang="en" altLang="ko-KR" dirty="0"/>
+              <a:t>(</a:t>
+            </a:r>
+            <a:r>
+              <a:rPr lang="en" altLang="ko-KR" dirty="0" err="1"/>
+              <a:t>command.equals</a:t>
+            </a:r>
+            <a:r>
+              <a:rPr lang="en" altLang="ko-KR" dirty="0"/>
+              <a:t>("/</a:t>
+            </a:r>
+            <a:r>
+              <a:rPr lang="en" altLang="ko-KR" dirty="0" err="1"/>
+              <a:t>boardModify.kosa</a:t>
+            </a:r>
+            <a:r>
+              <a:rPr lang="en" altLang="ko-KR" dirty="0"/>
+              <a:t>")) {</a:t>
+            </a:r>
+          </a:p>
+          <a:p>
+            <a:pPr marL="0" indent="0">
+              <a:buNone/>
+            </a:pPr>
+            <a:r>
+              <a:rPr lang="en" altLang="ko-KR" dirty="0"/>
+              <a:t>	</a:t>
+            </a:r>
+            <a:r>
+              <a:rPr lang="en" altLang="ko-KR" dirty="0" err="1"/>
+              <a:t>response.sendRedirect</a:t>
+            </a:r>
+            <a:r>
+              <a:rPr lang="en" altLang="ko-KR" dirty="0"/>
+              <a:t>("</a:t>
+            </a:r>
+            <a:r>
+              <a:rPr lang="en" altLang="ko-KR" dirty="0" err="1"/>
+              <a:t>boardDetail.kosa?num</a:t>
+            </a:r>
+            <a:r>
+              <a:rPr lang="en" altLang="ko-KR" dirty="0"/>
+              <a:t>="+</a:t>
+            </a:r>
+          </a:p>
+          <a:p>
+            <a:pPr marL="0" indent="0">
+              <a:buNone/>
+            </a:pPr>
+            <a:r>
+              <a:rPr lang="en" altLang="ko-KR" dirty="0"/>
+              <a:t>	</a:t>
+            </a:r>
+            <a:r>
+              <a:rPr lang="en" altLang="ko-KR" dirty="0" err="1"/>
+              <a:t>request.getParameter</a:t>
+            </a:r>
+            <a:r>
+              <a:rPr lang="en" altLang="ko-KR" dirty="0"/>
+              <a:t>("</a:t>
+            </a:r>
+            <a:r>
+              <a:rPr lang="en" altLang="ko-KR" dirty="0" err="1"/>
+              <a:t>boardNum</a:t>
+            </a:r>
+            <a:r>
+              <a:rPr lang="en" altLang="ko-KR" dirty="0"/>
+              <a:t>"));</a:t>
+            </a:r>
+          </a:p>
+          <a:p>
+            <a:pPr marL="0" indent="0">
+              <a:buNone/>
+            </a:pPr>
+            <a:r>
+              <a:rPr lang="en" altLang="ko-KR" dirty="0"/>
+              <a:t>}</a:t>
+            </a:r>
+          </a:p>
+          <a:p>
+            <a:pPr marL="0" indent="0">
+              <a:buNone/>
+            </a:pPr>
+            <a:endParaRPr kumimoji="1" lang="en-US" altLang="ko-KR" dirty="0"/>
+          </a:p>
+        </p:txBody>
+      </p:sp>
+    </p:spTree>
+    <p:extLst>
+      <p:ext uri="{BB962C8B-B14F-4D97-AF65-F5344CB8AC3E}">
+        <p14:creationId xmlns:p14="http://schemas.microsoft.com/office/powerpoint/2010/main" val="2937075532"/>
       </p:ext>
     </p:extLst>
   </p:cSld>
@@ -10757,6 +15225,3363 @@
     <p:extLst>
       <p:ext uri="{BB962C8B-B14F-4D97-AF65-F5344CB8AC3E}">
         <p14:creationId xmlns:p14="http://schemas.microsoft.com/office/powerpoint/2010/main" val="641745040"/>
+      </p:ext>
+    </p:extLst>
+  </p:cSld>
+  <p:clrMapOvr>
+    <a:masterClrMapping/>
+  </p:clrMapOvr>
+</p:sld>
+</file>
+
+<file path=ppt/slides/slide40.xml><?xml version="1.0" encoding="utf-8"?>
+<p:sld xmlns:a="http://schemas.openxmlformats.org/drawingml/2006/main" xmlns:r="http://schemas.openxmlformats.org/officeDocument/2006/relationships" xmlns:p="http://schemas.openxmlformats.org/presentationml/2006/main">
+  <p:cSld>
+    <p:spTree>
+      <p:nvGrpSpPr>
+        <p:cNvPr id="1" name=""/>
+        <p:cNvGrpSpPr/>
+        <p:nvPr/>
+      </p:nvGrpSpPr>
+      <p:grpSpPr>
+        <a:xfrm>
+          <a:off x="0" y="0"/>
+          <a:ext cx="0" cy="0"/>
+          <a:chOff x="0" y="0"/>
+          <a:chExt cx="0" cy="0"/>
+        </a:xfrm>
+      </p:grpSpPr>
+      <p:sp>
+        <p:nvSpPr>
+          <p:cNvPr id="3" name="내용 개체 틀 2">
+            <a:extLst>
+              <a:ext uri="{FF2B5EF4-FFF2-40B4-BE49-F238E27FC236}">
+                <a16:creationId xmlns:a16="http://schemas.microsoft.com/office/drawing/2014/main" id="{35F3FE06-F7C1-9E4B-AAC2-C137590AC50D}"/>
+              </a:ext>
+            </a:extLst>
+          </p:cNvPr>
+          <p:cNvSpPr>
+            <a:spLocks noGrp="1"/>
+          </p:cNvSpPr>
+          <p:nvPr>
+            <p:ph idx="1"/>
+          </p:nvPr>
+        </p:nvSpPr>
+        <p:spPr>
+          <a:xfrm>
+            <a:off x="838200" y="626724"/>
+            <a:ext cx="10515600" cy="5550239"/>
+          </a:xfrm>
+        </p:spPr>
+        <p:txBody>
+          <a:bodyPr>
+            <a:normAutofit fontScale="70000" lnSpcReduction="20000"/>
+          </a:bodyPr>
+          <a:lstStyle/>
+          <a:p>
+            <a:pPr marL="0" indent="0">
+              <a:buNone/>
+            </a:pPr>
+            <a:r>
+              <a:rPr lang="ko-KR" altLang="en-US" dirty="0"/>
+              <a:t>데이터베이스에서 수정할 수 있게 </a:t>
+            </a:r>
+            <a:r>
+              <a:rPr lang="en-US" altLang="ko-KR" dirty="0"/>
+              <a:t>page-controller</a:t>
+            </a:r>
+            <a:r>
+              <a:rPr lang="ko-KR" altLang="en-US" dirty="0" err="1"/>
+              <a:t>를</a:t>
+            </a:r>
+            <a:r>
+              <a:rPr lang="ko-KR" altLang="en-US" dirty="0"/>
+              <a:t> 만들어 준다</a:t>
+            </a:r>
+            <a:r>
+              <a:rPr lang="en-US" altLang="ko-KR" dirty="0"/>
+              <a:t>.</a:t>
+            </a:r>
+          </a:p>
+          <a:p>
+            <a:pPr marL="0" indent="0">
+              <a:buNone/>
+            </a:pPr>
+            <a:r>
+              <a:rPr lang="en" altLang="ko-KR" dirty="0" err="1"/>
+              <a:t>BoardModifyController</a:t>
+            </a:r>
+            <a:r>
+              <a:rPr lang="ko-KR" altLang="en-US" dirty="0" err="1"/>
+              <a:t>를</a:t>
+            </a:r>
+            <a:r>
+              <a:rPr lang="ko-KR" altLang="en-US" dirty="0"/>
+              <a:t> 만든다</a:t>
+            </a:r>
+            <a:r>
+              <a:rPr lang="en-US" altLang="ko-KR" dirty="0"/>
+              <a:t>.</a:t>
+            </a:r>
+          </a:p>
+          <a:p>
+            <a:pPr marL="0" indent="0">
+              <a:buNone/>
+            </a:pPr>
+            <a:r>
+              <a:rPr lang="en" altLang="ko-KR" b="1" dirty="0"/>
+              <a:t>public</a:t>
+            </a:r>
+            <a:r>
+              <a:rPr lang="en" altLang="ko-KR" dirty="0"/>
+              <a:t> </a:t>
+            </a:r>
+            <a:r>
+              <a:rPr lang="en" altLang="ko-KR" b="1" dirty="0"/>
+              <a:t>class</a:t>
+            </a:r>
+            <a:r>
+              <a:rPr lang="en" altLang="ko-KR" dirty="0"/>
+              <a:t> </a:t>
+            </a:r>
+            <a:r>
+              <a:rPr lang="en" altLang="ko-KR" dirty="0" err="1"/>
+              <a:t>BoardModifyController</a:t>
+            </a:r>
+            <a:r>
+              <a:rPr lang="en" altLang="ko-KR" dirty="0"/>
+              <a:t> {</a:t>
+            </a:r>
+          </a:p>
+          <a:p>
+            <a:pPr marL="0" indent="0">
+              <a:buNone/>
+            </a:pPr>
+            <a:r>
+              <a:rPr lang="en" altLang="ko-KR" b="1" dirty="0"/>
+              <a:t>	public</a:t>
+            </a:r>
+            <a:r>
+              <a:rPr lang="en" altLang="ko-KR" dirty="0"/>
+              <a:t> </a:t>
+            </a:r>
+            <a:r>
+              <a:rPr lang="en" altLang="ko-KR" b="1" dirty="0"/>
+              <a:t>void</a:t>
+            </a:r>
+            <a:r>
+              <a:rPr lang="en" altLang="ko-KR" dirty="0"/>
+              <a:t> execute(</a:t>
+            </a:r>
+            <a:r>
+              <a:rPr lang="en" altLang="ko-KR" u="sng" dirty="0" err="1"/>
+              <a:t>HttpServletRequest</a:t>
+            </a:r>
+            <a:r>
+              <a:rPr lang="en" altLang="ko-KR" dirty="0"/>
+              <a:t> request) {</a:t>
+            </a:r>
+          </a:p>
+          <a:p>
+            <a:pPr marL="0" indent="0">
+              <a:buNone/>
+            </a:pPr>
+            <a:r>
+              <a:rPr lang="en" altLang="ko-KR" b="1" dirty="0"/>
+              <a:t>		try</a:t>
+            </a:r>
+            <a:r>
+              <a:rPr lang="en" altLang="ko-KR" dirty="0"/>
+              <a:t> {</a:t>
+            </a:r>
+          </a:p>
+          <a:p>
+            <a:pPr marL="0" indent="0">
+              <a:buNone/>
+            </a:pPr>
+            <a:r>
+              <a:rPr lang="en" altLang="ko-KR" dirty="0"/>
+              <a:t>			</a:t>
+            </a:r>
+            <a:r>
+              <a:rPr lang="en" altLang="ko-KR" dirty="0" err="1"/>
+              <a:t>request.setCharacterEncoding</a:t>
+            </a:r>
+            <a:r>
+              <a:rPr lang="en" altLang="ko-KR" dirty="0"/>
+              <a:t>("utf-8");</a:t>
+            </a:r>
+          </a:p>
+          <a:p>
+            <a:pPr marL="0" indent="0">
+              <a:buNone/>
+            </a:pPr>
+            <a:r>
+              <a:rPr lang="en" altLang="ko-KR" dirty="0"/>
+              <a:t>		}</a:t>
+            </a:r>
+            <a:r>
+              <a:rPr lang="en" altLang="ko-KR" b="1" dirty="0"/>
+              <a:t>catch</a:t>
+            </a:r>
+            <a:r>
+              <a:rPr lang="en" altLang="ko-KR" dirty="0"/>
+              <a:t>(Exception e) {}</a:t>
+            </a:r>
+          </a:p>
+          <a:p>
+            <a:pPr marL="0" indent="0">
+              <a:buNone/>
+            </a:pPr>
+            <a:r>
+              <a:rPr lang="en" altLang="ko-KR" dirty="0"/>
+              <a:t>		</a:t>
+            </a:r>
+            <a:r>
+              <a:rPr lang="en" altLang="ko-KR" dirty="0" err="1"/>
+              <a:t>BoardDTO</a:t>
+            </a:r>
+            <a:r>
+              <a:rPr lang="en" altLang="ko-KR" dirty="0"/>
+              <a:t>  </a:t>
+            </a:r>
+            <a:r>
+              <a:rPr lang="en" altLang="ko-KR" dirty="0" err="1"/>
+              <a:t>dto</a:t>
+            </a:r>
+            <a:r>
+              <a:rPr lang="en" altLang="ko-KR" dirty="0"/>
+              <a:t> = </a:t>
+            </a:r>
+            <a:r>
+              <a:rPr lang="en" altLang="ko-KR" b="1" dirty="0"/>
+              <a:t>new</a:t>
+            </a:r>
+            <a:r>
+              <a:rPr lang="en" altLang="ko-KR" dirty="0"/>
+              <a:t> </a:t>
+            </a:r>
+            <a:r>
+              <a:rPr lang="en" altLang="ko-KR" dirty="0" err="1"/>
+              <a:t>BoardDTO</a:t>
+            </a:r>
+            <a:r>
+              <a:rPr lang="en" altLang="ko-KR" dirty="0"/>
+              <a:t>();</a:t>
+            </a:r>
+          </a:p>
+          <a:p>
+            <a:pPr marL="0" indent="0">
+              <a:buNone/>
+            </a:pPr>
+            <a:r>
+              <a:rPr lang="en" altLang="ko-KR" dirty="0"/>
+              <a:t>		</a:t>
+            </a:r>
+            <a:r>
+              <a:rPr lang="en" altLang="ko-KR" dirty="0" err="1"/>
+              <a:t>dto.setBoardContent</a:t>
+            </a:r>
+            <a:r>
+              <a:rPr lang="en" altLang="ko-KR" dirty="0"/>
+              <a:t>(</a:t>
+            </a:r>
+            <a:r>
+              <a:rPr lang="en" altLang="ko-KR" dirty="0" err="1"/>
+              <a:t>request.getParameter</a:t>
+            </a:r>
+            <a:r>
+              <a:rPr lang="en" altLang="ko-KR" dirty="0"/>
+              <a:t>("</a:t>
+            </a:r>
+            <a:r>
+              <a:rPr lang="en" altLang="ko-KR" dirty="0" err="1"/>
+              <a:t>boardContent</a:t>
+            </a:r>
+            <a:r>
+              <a:rPr lang="en" altLang="ko-KR" dirty="0"/>
+              <a:t>"));</a:t>
+            </a:r>
+          </a:p>
+          <a:p>
+            <a:pPr marL="0" indent="0">
+              <a:buNone/>
+            </a:pPr>
+            <a:r>
+              <a:rPr lang="en" altLang="ko-KR" dirty="0"/>
+              <a:t>		</a:t>
+            </a:r>
+            <a:r>
+              <a:rPr lang="en" altLang="ko-KR" dirty="0" err="1"/>
+              <a:t>dto.setBoardNum</a:t>
+            </a:r>
+            <a:r>
+              <a:rPr lang="en" altLang="ko-KR" dirty="0"/>
+              <a:t>( </a:t>
+            </a:r>
+            <a:r>
+              <a:rPr lang="en" altLang="ko-KR" dirty="0" err="1"/>
+              <a:t>Integer.</a:t>
+            </a:r>
+            <a:r>
+              <a:rPr lang="en" altLang="ko-KR" i="1" dirty="0" err="1"/>
+              <a:t>parseInt</a:t>
+            </a:r>
+            <a:r>
+              <a:rPr lang="en" altLang="ko-KR" dirty="0"/>
+              <a:t>(</a:t>
+            </a:r>
+            <a:r>
+              <a:rPr lang="en" altLang="ko-KR" dirty="0" err="1"/>
+              <a:t>request.getParameter</a:t>
+            </a:r>
+            <a:r>
+              <a:rPr lang="en" altLang="ko-KR" dirty="0"/>
+              <a:t>("</a:t>
+            </a:r>
+            <a:r>
+              <a:rPr lang="en" altLang="ko-KR" dirty="0" err="1"/>
+              <a:t>boardNum</a:t>
+            </a:r>
+            <a:r>
+              <a:rPr lang="en" altLang="ko-KR" dirty="0"/>
+              <a:t>")));</a:t>
+            </a:r>
+          </a:p>
+          <a:p>
+            <a:pPr marL="0" indent="0">
+              <a:buNone/>
+            </a:pPr>
+            <a:r>
+              <a:rPr lang="en" altLang="ko-KR" dirty="0"/>
+              <a:t>		</a:t>
+            </a:r>
+            <a:r>
+              <a:rPr lang="en" altLang="ko-KR" dirty="0" err="1"/>
+              <a:t>dto.setBoardSubject</a:t>
+            </a:r>
+            <a:r>
+              <a:rPr lang="en" altLang="ko-KR" dirty="0"/>
+              <a:t>(</a:t>
+            </a:r>
+            <a:r>
+              <a:rPr lang="en" altLang="ko-KR" dirty="0" err="1"/>
+              <a:t>request.getParameter</a:t>
+            </a:r>
+            <a:r>
+              <a:rPr lang="en" altLang="ko-KR" dirty="0"/>
+              <a:t>("</a:t>
+            </a:r>
+            <a:r>
+              <a:rPr lang="en" altLang="ko-KR" dirty="0" err="1"/>
+              <a:t>boardSubject</a:t>
+            </a:r>
+            <a:r>
+              <a:rPr lang="en" altLang="ko-KR" dirty="0"/>
+              <a:t>"));</a:t>
+            </a:r>
+          </a:p>
+          <a:p>
+            <a:pPr marL="0" indent="0">
+              <a:buNone/>
+            </a:pPr>
+            <a:r>
+              <a:rPr lang="en" altLang="ko-KR" dirty="0"/>
+              <a:t>		</a:t>
+            </a:r>
+            <a:r>
+              <a:rPr lang="en" altLang="ko-KR" dirty="0" err="1"/>
+              <a:t>dto.setBoardWriter</a:t>
+            </a:r>
+            <a:r>
+              <a:rPr lang="en" altLang="ko-KR" dirty="0"/>
+              <a:t>(</a:t>
+            </a:r>
+            <a:r>
+              <a:rPr lang="en" altLang="ko-KR" dirty="0" err="1"/>
+              <a:t>request.getParameter</a:t>
+            </a:r>
+            <a:r>
+              <a:rPr lang="en" altLang="ko-KR" dirty="0"/>
+              <a:t>("</a:t>
+            </a:r>
+            <a:r>
+              <a:rPr lang="en" altLang="ko-KR" dirty="0" err="1"/>
+              <a:t>boardWriter</a:t>
+            </a:r>
+            <a:r>
+              <a:rPr lang="en" altLang="ko-KR" dirty="0"/>
+              <a:t>"));</a:t>
+            </a:r>
+          </a:p>
+          <a:p>
+            <a:pPr marL="0" indent="0">
+              <a:buNone/>
+            </a:pPr>
+            <a:r>
+              <a:rPr lang="en" altLang="ko-KR" dirty="0"/>
+              <a:t>		</a:t>
+            </a:r>
+            <a:r>
+              <a:rPr lang="en" altLang="ko-KR" dirty="0" err="1"/>
+              <a:t>BoardDAO</a:t>
+            </a:r>
+            <a:r>
+              <a:rPr lang="en" altLang="ko-KR" dirty="0"/>
+              <a:t> </a:t>
+            </a:r>
+            <a:r>
+              <a:rPr lang="en" altLang="ko-KR" dirty="0" err="1"/>
+              <a:t>dao</a:t>
+            </a:r>
+            <a:r>
+              <a:rPr lang="en" altLang="ko-KR" dirty="0"/>
+              <a:t> = </a:t>
+            </a:r>
+            <a:r>
+              <a:rPr lang="en" altLang="ko-KR" b="1" dirty="0"/>
+              <a:t>new</a:t>
+            </a:r>
+            <a:r>
+              <a:rPr lang="en" altLang="ko-KR" dirty="0"/>
+              <a:t> </a:t>
+            </a:r>
+            <a:r>
+              <a:rPr lang="en" altLang="ko-KR" dirty="0" err="1"/>
+              <a:t>BoardDAO</a:t>
+            </a:r>
+            <a:r>
+              <a:rPr lang="en" altLang="ko-KR" dirty="0"/>
+              <a:t>();</a:t>
+            </a:r>
+          </a:p>
+          <a:p>
+            <a:pPr marL="0" indent="0">
+              <a:buNone/>
+            </a:pPr>
+            <a:r>
+              <a:rPr lang="en" altLang="ko-KR" dirty="0"/>
+              <a:t>	}</a:t>
+            </a:r>
+          </a:p>
+          <a:p>
+            <a:pPr marL="0" indent="0">
+              <a:buNone/>
+            </a:pPr>
+            <a:r>
+              <a:rPr lang="en" altLang="ko-KR" dirty="0"/>
+              <a:t>}</a:t>
+            </a:r>
+          </a:p>
+          <a:p>
+            <a:pPr marL="0" indent="0">
+              <a:buNone/>
+            </a:pPr>
+            <a:endParaRPr lang="en" altLang="ko-KR" dirty="0"/>
+          </a:p>
+          <a:p>
+            <a:pPr marL="0" indent="0">
+              <a:buNone/>
+            </a:pPr>
+            <a:endParaRPr kumimoji="1" lang="ko-KR" altLang="en-US" dirty="0"/>
+          </a:p>
+        </p:txBody>
+      </p:sp>
+    </p:spTree>
+    <p:extLst>
+      <p:ext uri="{BB962C8B-B14F-4D97-AF65-F5344CB8AC3E}">
+        <p14:creationId xmlns:p14="http://schemas.microsoft.com/office/powerpoint/2010/main" val="738494349"/>
+      </p:ext>
+    </p:extLst>
+  </p:cSld>
+  <p:clrMapOvr>
+    <a:masterClrMapping/>
+  </p:clrMapOvr>
+</p:sld>
+</file>
+
+<file path=ppt/slides/slide41.xml><?xml version="1.0" encoding="utf-8"?>
+<p:sld xmlns:a="http://schemas.openxmlformats.org/drawingml/2006/main" xmlns:r="http://schemas.openxmlformats.org/officeDocument/2006/relationships" xmlns:p="http://schemas.openxmlformats.org/presentationml/2006/main">
+  <p:cSld>
+    <p:spTree>
+      <p:nvGrpSpPr>
+        <p:cNvPr id="1" name=""/>
+        <p:cNvGrpSpPr/>
+        <p:nvPr/>
+      </p:nvGrpSpPr>
+      <p:grpSpPr>
+        <a:xfrm>
+          <a:off x="0" y="0"/>
+          <a:ext cx="0" cy="0"/>
+          <a:chOff x="0" y="0"/>
+          <a:chExt cx="0" cy="0"/>
+        </a:xfrm>
+      </p:grpSpPr>
+      <p:sp>
+        <p:nvSpPr>
+          <p:cNvPr id="3" name="내용 개체 틀 2">
+            <a:extLst>
+              <a:ext uri="{FF2B5EF4-FFF2-40B4-BE49-F238E27FC236}">
+                <a16:creationId xmlns:a16="http://schemas.microsoft.com/office/drawing/2014/main" id="{DE7B27DF-6597-8F45-8CE9-896FB7A789C4}"/>
+              </a:ext>
+            </a:extLst>
+          </p:cNvPr>
+          <p:cNvSpPr>
+            <a:spLocks noGrp="1"/>
+          </p:cNvSpPr>
+          <p:nvPr>
+            <p:ph idx="1"/>
+          </p:nvPr>
+        </p:nvSpPr>
+        <p:spPr>
+          <a:xfrm>
+            <a:off x="838200" y="431515"/>
+            <a:ext cx="10515600" cy="5745448"/>
+          </a:xfrm>
+        </p:spPr>
+        <p:txBody>
+          <a:bodyPr>
+            <a:normAutofit fontScale="55000" lnSpcReduction="20000"/>
+          </a:bodyPr>
+          <a:lstStyle/>
+          <a:p>
+            <a:pPr marL="0" indent="0">
+              <a:buNone/>
+            </a:pPr>
+            <a:r>
+              <a:rPr lang="en" altLang="ko-KR" b="1" dirty="0"/>
+              <a:t>public</a:t>
+            </a:r>
+            <a:r>
+              <a:rPr lang="en" altLang="ko-KR" dirty="0"/>
+              <a:t> </a:t>
+            </a:r>
+            <a:r>
+              <a:rPr lang="en" altLang="ko-KR" b="1" dirty="0"/>
+              <a:t>void</a:t>
+            </a:r>
+            <a:r>
+              <a:rPr lang="en" altLang="ko-KR" dirty="0"/>
+              <a:t> </a:t>
+            </a:r>
+            <a:r>
+              <a:rPr lang="en" altLang="ko-KR" dirty="0" err="1"/>
+              <a:t>boardUpdate</a:t>
+            </a:r>
+            <a:r>
+              <a:rPr lang="en" altLang="ko-KR" dirty="0"/>
+              <a:t>(</a:t>
+            </a:r>
+            <a:r>
+              <a:rPr lang="en" altLang="ko-KR" dirty="0" err="1"/>
+              <a:t>BoardDTO</a:t>
+            </a:r>
+            <a:r>
+              <a:rPr lang="en" altLang="ko-KR" dirty="0"/>
+              <a:t> </a:t>
+            </a:r>
+            <a:r>
+              <a:rPr lang="en" altLang="ko-KR" dirty="0" err="1"/>
+              <a:t>dto</a:t>
+            </a:r>
+            <a:r>
+              <a:rPr lang="en" altLang="ko-KR" dirty="0"/>
+              <a:t>) {</a:t>
+            </a:r>
+          </a:p>
+          <a:p>
+            <a:pPr marL="0" indent="0">
+              <a:buNone/>
+            </a:pPr>
+            <a:r>
+              <a:rPr lang="en" altLang="ko-KR" dirty="0"/>
+              <a:t>	con = </a:t>
+            </a:r>
+            <a:r>
+              <a:rPr lang="en" altLang="ko-KR" dirty="0" err="1"/>
+              <a:t>getConnection</a:t>
+            </a:r>
+            <a:r>
+              <a:rPr lang="en" altLang="ko-KR" dirty="0"/>
+              <a:t>();</a:t>
+            </a:r>
+          </a:p>
+          <a:p>
+            <a:pPr marL="0" indent="0">
+              <a:buNone/>
+            </a:pPr>
+            <a:r>
+              <a:rPr lang="en" altLang="ko-KR" dirty="0"/>
+              <a:t>	String </a:t>
+            </a:r>
+            <a:r>
+              <a:rPr lang="en" altLang="ko-KR" dirty="0" err="1"/>
+              <a:t>sql</a:t>
+            </a:r>
+            <a:r>
+              <a:rPr lang="en" altLang="ko-KR" dirty="0"/>
+              <a:t> = "update board"</a:t>
+            </a:r>
+          </a:p>
+          <a:p>
+            <a:pPr marL="0" indent="0">
+              <a:buNone/>
+            </a:pPr>
+            <a:r>
+              <a:rPr lang="en" altLang="ko-KR" dirty="0"/>
+              <a:t>		+ " set BOARD_WRITER = ? , BOARD_SUBJECT = ?, "</a:t>
+            </a:r>
+          </a:p>
+          <a:p>
+            <a:pPr marL="0" indent="0">
+              <a:buNone/>
+            </a:pPr>
+            <a:r>
+              <a:rPr lang="en" altLang="ko-KR" dirty="0"/>
+              <a:t>		+ "     BOARD_CONTENT = ? "</a:t>
+            </a:r>
+          </a:p>
+          <a:p>
+            <a:pPr marL="0" indent="0">
+              <a:buNone/>
+            </a:pPr>
+            <a:r>
+              <a:rPr lang="en" altLang="ko-KR" dirty="0"/>
+              <a:t>		+ " where </a:t>
+            </a:r>
+            <a:r>
+              <a:rPr lang="en" altLang="ko-KR" dirty="0" err="1"/>
+              <a:t>board_num</a:t>
+            </a:r>
+            <a:r>
+              <a:rPr lang="en" altLang="ko-KR" dirty="0"/>
+              <a:t> = ?";</a:t>
+            </a:r>
+          </a:p>
+          <a:p>
+            <a:pPr marL="0" indent="0">
+              <a:buNone/>
+            </a:pPr>
+            <a:r>
+              <a:rPr lang="en" altLang="ko-KR" b="1" dirty="0"/>
+              <a:t>	try</a:t>
+            </a:r>
+            <a:r>
+              <a:rPr lang="en" altLang="ko-KR" dirty="0"/>
+              <a:t> {</a:t>
+            </a:r>
+          </a:p>
+          <a:p>
+            <a:pPr marL="0" indent="0">
+              <a:buNone/>
+            </a:pPr>
+            <a:r>
+              <a:rPr lang="en" altLang="ko-KR" dirty="0"/>
+              <a:t>		</a:t>
+            </a:r>
+            <a:r>
+              <a:rPr lang="en" altLang="ko-KR" dirty="0" err="1"/>
+              <a:t>pstmt</a:t>
+            </a:r>
+            <a:r>
+              <a:rPr lang="en" altLang="ko-KR" dirty="0"/>
+              <a:t> = </a:t>
+            </a:r>
+            <a:r>
+              <a:rPr lang="en" altLang="ko-KR" dirty="0" err="1"/>
+              <a:t>con.prepareStatement</a:t>
+            </a:r>
+            <a:r>
+              <a:rPr lang="en" altLang="ko-KR" dirty="0"/>
+              <a:t>(</a:t>
+            </a:r>
+            <a:r>
+              <a:rPr lang="en" altLang="ko-KR" dirty="0" err="1"/>
+              <a:t>sql</a:t>
+            </a:r>
+            <a:r>
+              <a:rPr lang="en" altLang="ko-KR" dirty="0"/>
+              <a:t>);</a:t>
+            </a:r>
+          </a:p>
+          <a:p>
+            <a:pPr marL="0" indent="0">
+              <a:buNone/>
+            </a:pPr>
+            <a:r>
+              <a:rPr lang="en" altLang="ko-KR" dirty="0"/>
+              <a:t>		</a:t>
+            </a:r>
+            <a:r>
+              <a:rPr lang="en" altLang="ko-KR" dirty="0" err="1"/>
+              <a:t>pstmt.setString</a:t>
+            </a:r>
+            <a:r>
+              <a:rPr lang="en" altLang="ko-KR" dirty="0"/>
+              <a:t>(1, </a:t>
+            </a:r>
+            <a:r>
+              <a:rPr lang="en" altLang="ko-KR" dirty="0" err="1"/>
+              <a:t>dto.getBoardWriter</a:t>
+            </a:r>
+            <a:r>
+              <a:rPr lang="en" altLang="ko-KR" dirty="0"/>
+              <a:t>());</a:t>
+            </a:r>
+          </a:p>
+          <a:p>
+            <a:pPr marL="0" indent="0">
+              <a:buNone/>
+            </a:pPr>
+            <a:r>
+              <a:rPr lang="en" altLang="ko-KR" dirty="0"/>
+              <a:t>		</a:t>
+            </a:r>
+            <a:r>
+              <a:rPr lang="en" altLang="ko-KR" dirty="0" err="1"/>
+              <a:t>pstmt.setString</a:t>
+            </a:r>
+            <a:r>
+              <a:rPr lang="en" altLang="ko-KR" dirty="0"/>
+              <a:t>(2, </a:t>
+            </a:r>
+            <a:r>
+              <a:rPr lang="en" altLang="ko-KR" dirty="0" err="1"/>
+              <a:t>dto.getBoardSubject</a:t>
+            </a:r>
+            <a:r>
+              <a:rPr lang="en" altLang="ko-KR" dirty="0"/>
+              <a:t>());</a:t>
+            </a:r>
+          </a:p>
+          <a:p>
+            <a:pPr marL="0" indent="0">
+              <a:buNone/>
+            </a:pPr>
+            <a:r>
+              <a:rPr lang="en" altLang="ko-KR" dirty="0"/>
+              <a:t>		</a:t>
+            </a:r>
+            <a:r>
+              <a:rPr lang="en" altLang="ko-KR" dirty="0" err="1"/>
+              <a:t>pstmt.setString</a:t>
+            </a:r>
+            <a:r>
+              <a:rPr lang="en" altLang="ko-KR" dirty="0"/>
+              <a:t>(3, </a:t>
+            </a:r>
+            <a:r>
+              <a:rPr lang="en" altLang="ko-KR" dirty="0" err="1"/>
+              <a:t>dto.getBoardContent</a:t>
+            </a:r>
+            <a:r>
+              <a:rPr lang="en" altLang="ko-KR" dirty="0"/>
+              <a:t>());</a:t>
+            </a:r>
+          </a:p>
+          <a:p>
+            <a:pPr marL="0" indent="0">
+              <a:buNone/>
+            </a:pPr>
+            <a:r>
+              <a:rPr lang="en" altLang="ko-KR" dirty="0"/>
+              <a:t>		</a:t>
+            </a:r>
+            <a:r>
+              <a:rPr lang="en" altLang="ko-KR" dirty="0" err="1"/>
+              <a:t>pstmt.setInt</a:t>
+            </a:r>
+            <a:r>
+              <a:rPr lang="en" altLang="ko-KR" dirty="0"/>
+              <a:t>(4, </a:t>
+            </a:r>
+            <a:r>
+              <a:rPr lang="en" altLang="ko-KR" dirty="0" err="1"/>
+              <a:t>dto.getBoardNum</a:t>
+            </a:r>
+            <a:r>
+              <a:rPr lang="en" altLang="ko-KR" dirty="0"/>
+              <a:t>());</a:t>
+            </a:r>
+          </a:p>
+          <a:p>
+            <a:pPr marL="0" indent="0">
+              <a:buNone/>
+            </a:pPr>
+            <a:r>
+              <a:rPr lang="en" altLang="ko-KR" b="1" dirty="0"/>
+              <a:t>		</a:t>
+            </a:r>
+            <a:r>
+              <a:rPr lang="en" altLang="ko-KR" b="1" dirty="0" err="1"/>
+              <a:t>int</a:t>
+            </a:r>
+            <a:r>
+              <a:rPr lang="en" altLang="ko-KR" dirty="0"/>
+              <a:t> </a:t>
+            </a:r>
+            <a:r>
+              <a:rPr lang="en" altLang="ko-KR" dirty="0" err="1"/>
+              <a:t>i</a:t>
+            </a:r>
+            <a:r>
+              <a:rPr lang="en" altLang="ko-KR" dirty="0"/>
+              <a:t> = </a:t>
+            </a:r>
+            <a:r>
+              <a:rPr lang="en" altLang="ko-KR" dirty="0" err="1"/>
+              <a:t>pstmt.executeUpdate</a:t>
+            </a:r>
+            <a:r>
+              <a:rPr lang="en" altLang="ko-KR" dirty="0"/>
+              <a:t>();</a:t>
+            </a:r>
+          </a:p>
+          <a:p>
+            <a:pPr marL="0" indent="0">
+              <a:buNone/>
+            </a:pPr>
+            <a:r>
+              <a:rPr lang="en" altLang="ko-KR" dirty="0"/>
+              <a:t>		</a:t>
+            </a:r>
+            <a:r>
+              <a:rPr lang="en" altLang="ko-KR" dirty="0" err="1"/>
+              <a:t>System.</a:t>
+            </a:r>
+            <a:r>
+              <a:rPr lang="en" altLang="ko-KR" b="1" i="1" dirty="0" err="1"/>
+              <a:t>out</a:t>
+            </a:r>
+            <a:r>
+              <a:rPr lang="en" altLang="ko-KR" dirty="0" err="1"/>
+              <a:t>.println</a:t>
+            </a:r>
+            <a:r>
+              <a:rPr lang="en" altLang="ko-KR" dirty="0"/>
+              <a:t>(</a:t>
+            </a:r>
+            <a:r>
+              <a:rPr lang="en" altLang="ko-KR" dirty="0" err="1"/>
+              <a:t>i</a:t>
+            </a:r>
+            <a:r>
+              <a:rPr lang="en" altLang="ko-KR" dirty="0"/>
+              <a:t> + "</a:t>
+            </a:r>
+            <a:r>
+              <a:rPr lang="ko-KR" altLang="en-US" dirty="0"/>
+              <a:t>개 행이</a:t>
+            </a:r>
+            <a:r>
+              <a:rPr lang="en-US" altLang="ko-KR" dirty="0"/>
+              <a:t>(</a:t>
+            </a:r>
+            <a:r>
+              <a:rPr lang="ko-KR" altLang="en-US" dirty="0"/>
+              <a:t>가</a:t>
+            </a:r>
+            <a:r>
+              <a:rPr lang="en-US" altLang="ko-KR" dirty="0"/>
+              <a:t>) </a:t>
+            </a:r>
+            <a:r>
+              <a:rPr lang="ko-KR" altLang="en-US" dirty="0"/>
+              <a:t>수정되었습니다</a:t>
+            </a:r>
+            <a:r>
+              <a:rPr lang="en-US" altLang="ko-KR" dirty="0"/>
+              <a:t>.");</a:t>
+            </a:r>
+          </a:p>
+          <a:p>
+            <a:pPr marL="0" indent="0">
+              <a:buNone/>
+            </a:pPr>
+            <a:r>
+              <a:rPr lang="en-US" altLang="ko-KR" dirty="0"/>
+              <a:t>	}</a:t>
+            </a:r>
+            <a:r>
+              <a:rPr lang="en" altLang="ko-KR" b="1" dirty="0"/>
+              <a:t>catch</a:t>
+            </a:r>
+            <a:r>
+              <a:rPr lang="en" altLang="ko-KR" dirty="0"/>
+              <a:t>(Exception e) {</a:t>
+            </a:r>
+            <a:r>
+              <a:rPr lang="en" altLang="ko-KR" dirty="0" err="1"/>
+              <a:t>e.printStackTrace</a:t>
+            </a:r>
+            <a:r>
+              <a:rPr lang="en" altLang="ko-KR" dirty="0"/>
+              <a:t>(); </a:t>
+            </a:r>
+          </a:p>
+          <a:p>
+            <a:pPr marL="457200" lvl="1" indent="0">
+              <a:buNone/>
+            </a:pPr>
+            <a:r>
+              <a:rPr lang="en" altLang="ko-KR" dirty="0"/>
+              <a:t>	}</a:t>
+            </a:r>
+            <a:r>
+              <a:rPr lang="en" altLang="ko-KR" b="1" dirty="0"/>
+              <a:t>finally</a:t>
+            </a:r>
+            <a:r>
+              <a:rPr lang="en" altLang="ko-KR" dirty="0"/>
+              <a:t> {</a:t>
+            </a:r>
+          </a:p>
+          <a:p>
+            <a:pPr marL="0" indent="0">
+              <a:buNone/>
+            </a:pPr>
+            <a:r>
+              <a:rPr lang="en" altLang="ko-KR" b="1" dirty="0"/>
+              <a:t>		if</a:t>
+            </a:r>
+            <a:r>
+              <a:rPr lang="en" altLang="ko-KR" dirty="0"/>
+              <a:t>(</a:t>
+            </a:r>
+            <a:r>
+              <a:rPr lang="en" altLang="ko-KR" dirty="0" err="1"/>
+              <a:t>pstmt</a:t>
+            </a:r>
+            <a:r>
+              <a:rPr lang="en" altLang="ko-KR" dirty="0"/>
+              <a:t> != </a:t>
+            </a:r>
+            <a:r>
+              <a:rPr lang="en" altLang="ko-KR" b="1" dirty="0"/>
+              <a:t>null</a:t>
+            </a:r>
+            <a:r>
+              <a:rPr lang="en" altLang="ko-KR" dirty="0"/>
+              <a:t>) </a:t>
+            </a:r>
+            <a:r>
+              <a:rPr lang="en" altLang="ko-KR" b="1" dirty="0"/>
+              <a:t>try</a:t>
+            </a:r>
+            <a:r>
+              <a:rPr lang="en" altLang="ko-KR" dirty="0"/>
+              <a:t>{</a:t>
+            </a:r>
+            <a:r>
+              <a:rPr lang="en" altLang="ko-KR" dirty="0" err="1"/>
+              <a:t>pstmt.close</a:t>
+            </a:r>
+            <a:r>
+              <a:rPr lang="en" altLang="ko-KR" dirty="0"/>
+              <a:t>();}</a:t>
+            </a:r>
+            <a:r>
+              <a:rPr lang="en" altLang="ko-KR" b="1" dirty="0"/>
+              <a:t>catch</a:t>
+            </a:r>
+            <a:r>
+              <a:rPr lang="en" altLang="ko-KR" dirty="0"/>
+              <a:t>(Exception e) {}</a:t>
+            </a:r>
+          </a:p>
+          <a:p>
+            <a:pPr marL="0" indent="0">
+              <a:buNone/>
+            </a:pPr>
+            <a:r>
+              <a:rPr lang="en" altLang="ko-KR" b="1" dirty="0"/>
+              <a:t>		if</a:t>
+            </a:r>
+            <a:r>
+              <a:rPr lang="en" altLang="ko-KR" dirty="0"/>
+              <a:t>(con != </a:t>
+            </a:r>
+            <a:r>
+              <a:rPr lang="en" altLang="ko-KR" b="1" dirty="0"/>
+              <a:t>null</a:t>
+            </a:r>
+            <a:r>
+              <a:rPr lang="en" altLang="ko-KR" dirty="0"/>
+              <a:t>) </a:t>
+            </a:r>
+            <a:r>
+              <a:rPr lang="en" altLang="ko-KR" b="1" dirty="0"/>
+              <a:t>try</a:t>
+            </a:r>
+            <a:r>
+              <a:rPr lang="en" altLang="ko-KR" dirty="0"/>
+              <a:t>{</a:t>
+            </a:r>
+            <a:r>
+              <a:rPr lang="en" altLang="ko-KR" dirty="0" err="1"/>
+              <a:t>con.close</a:t>
+            </a:r>
+            <a:r>
+              <a:rPr lang="en" altLang="ko-KR" dirty="0"/>
+              <a:t>();}</a:t>
+            </a:r>
+            <a:r>
+              <a:rPr lang="en" altLang="ko-KR" b="1" dirty="0"/>
+              <a:t>catch</a:t>
+            </a:r>
+            <a:r>
+              <a:rPr lang="en" altLang="ko-KR" dirty="0"/>
+              <a:t>(Exception e) {}</a:t>
+            </a:r>
+          </a:p>
+          <a:p>
+            <a:pPr marL="0" indent="0">
+              <a:buNone/>
+            </a:pPr>
+            <a:r>
+              <a:rPr lang="en" altLang="ko-KR" dirty="0"/>
+              <a:t>	}</a:t>
+            </a:r>
+          </a:p>
+          <a:p>
+            <a:pPr marL="0" indent="0">
+              <a:buNone/>
+            </a:pPr>
+            <a:r>
+              <a:rPr lang="en" altLang="ko-KR" dirty="0"/>
+              <a:t>}</a:t>
+            </a:r>
+          </a:p>
+          <a:p>
+            <a:pPr marL="0" indent="0">
+              <a:buNone/>
+            </a:pPr>
+            <a:endParaRPr kumimoji="1" lang="ko-KR" altLang="en-US" dirty="0"/>
+          </a:p>
+        </p:txBody>
+      </p:sp>
+    </p:spTree>
+    <p:extLst>
+      <p:ext uri="{BB962C8B-B14F-4D97-AF65-F5344CB8AC3E}">
+        <p14:creationId xmlns:p14="http://schemas.microsoft.com/office/powerpoint/2010/main" val="2462001169"/>
+      </p:ext>
+    </p:extLst>
+  </p:cSld>
+  <p:clrMapOvr>
+    <a:masterClrMapping/>
+  </p:clrMapOvr>
+</p:sld>
+</file>
+
+<file path=ppt/slides/slide42.xml><?xml version="1.0" encoding="utf-8"?>
+<p:sld xmlns:a="http://schemas.openxmlformats.org/drawingml/2006/main" xmlns:r="http://schemas.openxmlformats.org/officeDocument/2006/relationships" xmlns:p="http://schemas.openxmlformats.org/presentationml/2006/main">
+  <p:cSld>
+    <p:spTree>
+      <p:nvGrpSpPr>
+        <p:cNvPr id="1" name=""/>
+        <p:cNvGrpSpPr/>
+        <p:nvPr/>
+      </p:nvGrpSpPr>
+      <p:grpSpPr>
+        <a:xfrm>
+          <a:off x="0" y="0"/>
+          <a:ext cx="0" cy="0"/>
+          <a:chOff x="0" y="0"/>
+          <a:chExt cx="0" cy="0"/>
+        </a:xfrm>
+      </p:grpSpPr>
+      <p:sp>
+        <p:nvSpPr>
+          <p:cNvPr id="3" name="내용 개체 틀 2">
+            <a:extLst>
+              <a:ext uri="{FF2B5EF4-FFF2-40B4-BE49-F238E27FC236}">
+                <a16:creationId xmlns:a16="http://schemas.microsoft.com/office/drawing/2014/main" id="{BCF23317-52A9-394A-AB99-516F7A566F8F}"/>
+              </a:ext>
+            </a:extLst>
+          </p:cNvPr>
+          <p:cNvSpPr>
+            <a:spLocks noGrp="1"/>
+          </p:cNvSpPr>
+          <p:nvPr>
+            <p:ph idx="1"/>
+          </p:nvPr>
+        </p:nvSpPr>
+        <p:spPr>
+          <a:xfrm>
+            <a:off x="838200" y="431515"/>
+            <a:ext cx="10515600" cy="5745448"/>
+          </a:xfrm>
+        </p:spPr>
+        <p:txBody>
+          <a:bodyPr>
+            <a:normAutofit lnSpcReduction="10000"/>
+          </a:bodyPr>
+          <a:lstStyle/>
+          <a:p>
+            <a:pPr marL="0" indent="0">
+              <a:buNone/>
+            </a:pPr>
+            <a:r>
+              <a:rPr lang="en" altLang="ko-KR" b="1" dirty="0"/>
+              <a:t>public</a:t>
+            </a:r>
+            <a:r>
+              <a:rPr lang="en" altLang="ko-KR" dirty="0"/>
+              <a:t> </a:t>
+            </a:r>
+            <a:r>
+              <a:rPr lang="en" altLang="ko-KR" b="1" dirty="0"/>
+              <a:t>class</a:t>
+            </a:r>
+            <a:r>
+              <a:rPr lang="en" altLang="ko-KR" dirty="0"/>
+              <a:t> </a:t>
+            </a:r>
+            <a:r>
+              <a:rPr lang="en" altLang="ko-KR" dirty="0" err="1"/>
+              <a:t>BoardModifyController</a:t>
+            </a:r>
+            <a:r>
+              <a:rPr lang="en" altLang="ko-KR" dirty="0"/>
+              <a:t> {</a:t>
+            </a:r>
+          </a:p>
+          <a:p>
+            <a:pPr marL="0" indent="0">
+              <a:buNone/>
+            </a:pPr>
+            <a:r>
+              <a:rPr lang="en" altLang="ko-KR" b="1" dirty="0"/>
+              <a:t>	public</a:t>
+            </a:r>
+            <a:r>
+              <a:rPr lang="en" altLang="ko-KR" dirty="0"/>
+              <a:t> </a:t>
+            </a:r>
+            <a:r>
+              <a:rPr lang="en" altLang="ko-KR" b="1" dirty="0"/>
+              <a:t>void</a:t>
+            </a:r>
+            <a:r>
+              <a:rPr lang="en" altLang="ko-KR" dirty="0"/>
+              <a:t> execute(</a:t>
+            </a:r>
+            <a:r>
+              <a:rPr lang="en" altLang="ko-KR" u="sng" dirty="0" err="1"/>
+              <a:t>HttpServletRequest</a:t>
+            </a:r>
+            <a:r>
+              <a:rPr lang="en" altLang="ko-KR" dirty="0"/>
+              <a:t> request) {</a:t>
+            </a:r>
+          </a:p>
+          <a:p>
+            <a:pPr marL="0" indent="0">
+              <a:buNone/>
+            </a:pPr>
+            <a:r>
+              <a:rPr lang="en" altLang="ko-KR" b="1" dirty="0"/>
+              <a:t>		try</a:t>
+            </a:r>
+            <a:r>
+              <a:rPr lang="en" altLang="ko-KR" dirty="0"/>
+              <a:t> {</a:t>
+            </a:r>
+          </a:p>
+          <a:p>
+            <a:pPr marL="0" indent="0">
+              <a:buNone/>
+            </a:pPr>
+            <a:r>
+              <a:rPr lang="en" altLang="ko-KR" dirty="0"/>
+              <a:t>			</a:t>
+            </a:r>
+            <a:r>
+              <a:rPr lang="en" altLang="ko-KR" dirty="0" err="1"/>
+              <a:t>request.setCharacterEncoding</a:t>
+            </a:r>
+            <a:r>
+              <a:rPr lang="en" altLang="ko-KR" dirty="0"/>
+              <a:t>("utf-8");</a:t>
+            </a:r>
+          </a:p>
+          <a:p>
+            <a:pPr marL="0" indent="0">
+              <a:buNone/>
+            </a:pPr>
+            <a:r>
+              <a:rPr lang="en" altLang="ko-KR" dirty="0"/>
+              <a:t>		}</a:t>
+            </a:r>
+            <a:r>
+              <a:rPr lang="en" altLang="ko-KR" b="1" dirty="0"/>
+              <a:t>catch</a:t>
+            </a:r>
+            <a:r>
+              <a:rPr lang="en" altLang="ko-KR" dirty="0"/>
+              <a:t>(Exception e) {}</a:t>
+            </a:r>
+          </a:p>
+          <a:p>
+            <a:pPr marL="0" indent="0">
+              <a:buNone/>
+            </a:pPr>
+            <a:r>
+              <a:rPr lang="en" altLang="ko-KR" dirty="0"/>
+              <a:t>		</a:t>
+            </a:r>
+            <a:r>
+              <a:rPr lang="en" altLang="ko-KR" dirty="0" err="1"/>
+              <a:t>BoardDTO</a:t>
+            </a:r>
+            <a:r>
+              <a:rPr lang="en" altLang="ko-KR" dirty="0"/>
+              <a:t>  </a:t>
+            </a:r>
+            <a:r>
+              <a:rPr lang="en" altLang="ko-KR" dirty="0" err="1"/>
+              <a:t>dto</a:t>
+            </a:r>
+            <a:r>
+              <a:rPr lang="en" altLang="ko-KR" dirty="0"/>
+              <a:t> = </a:t>
+            </a:r>
+            <a:r>
+              <a:rPr lang="en" altLang="ko-KR" b="1" dirty="0"/>
+              <a:t>new</a:t>
+            </a:r>
+            <a:r>
+              <a:rPr lang="en" altLang="ko-KR" dirty="0"/>
+              <a:t> </a:t>
+            </a:r>
+            <a:r>
+              <a:rPr lang="en" altLang="ko-KR" dirty="0" err="1"/>
+              <a:t>BoardDTO</a:t>
+            </a:r>
+            <a:r>
+              <a:rPr lang="en" altLang="ko-KR" dirty="0"/>
+              <a:t>();</a:t>
+            </a:r>
+          </a:p>
+          <a:p>
+            <a:pPr marL="0" indent="0">
+              <a:buNone/>
+            </a:pPr>
+            <a:r>
+              <a:rPr lang="en-US" altLang="ko-KR" dirty="0"/>
+              <a:t>		…</a:t>
+            </a:r>
+            <a:endParaRPr lang="en" altLang="ko-KR" dirty="0"/>
+          </a:p>
+          <a:p>
+            <a:pPr marL="0" indent="0">
+              <a:buNone/>
+            </a:pPr>
+            <a:r>
+              <a:rPr lang="en" altLang="ko-KR" dirty="0"/>
+              <a:t>		</a:t>
+            </a:r>
+            <a:r>
+              <a:rPr lang="en" altLang="ko-KR" dirty="0" err="1"/>
+              <a:t>BoardDAO</a:t>
+            </a:r>
+            <a:r>
+              <a:rPr lang="en" altLang="ko-KR" dirty="0"/>
+              <a:t> </a:t>
+            </a:r>
+            <a:r>
+              <a:rPr lang="en" altLang="ko-KR" dirty="0" err="1"/>
+              <a:t>dao</a:t>
+            </a:r>
+            <a:r>
+              <a:rPr lang="en" altLang="ko-KR" dirty="0"/>
+              <a:t> = </a:t>
+            </a:r>
+            <a:r>
+              <a:rPr lang="en" altLang="ko-KR" b="1" dirty="0"/>
+              <a:t>new</a:t>
+            </a:r>
+            <a:r>
+              <a:rPr lang="en" altLang="ko-KR" dirty="0"/>
+              <a:t> </a:t>
+            </a:r>
+            <a:r>
+              <a:rPr lang="en" altLang="ko-KR" dirty="0" err="1"/>
+              <a:t>BoardDAO</a:t>
+            </a:r>
+            <a:r>
+              <a:rPr lang="en" altLang="ko-KR" dirty="0"/>
+              <a:t>();</a:t>
+            </a:r>
+          </a:p>
+          <a:p>
+            <a:pPr marL="0" indent="0">
+              <a:buNone/>
+            </a:pPr>
+            <a:r>
+              <a:rPr lang="en-US" altLang="ko-KR" dirty="0"/>
+              <a:t>		///</a:t>
+            </a:r>
+            <a:r>
+              <a:rPr lang="ko-KR" altLang="en-US" dirty="0"/>
+              <a:t> 추가</a:t>
+            </a:r>
+            <a:endParaRPr lang="en" altLang="ko-KR" dirty="0"/>
+          </a:p>
+          <a:p>
+            <a:pPr marL="0" indent="0">
+              <a:buNone/>
+            </a:pPr>
+            <a:r>
+              <a:rPr lang="en" altLang="ko-KR" dirty="0"/>
+              <a:t>		</a:t>
+            </a:r>
+            <a:r>
+              <a:rPr lang="en" altLang="ko-KR" dirty="0" err="1"/>
+              <a:t>dao.boardUpdate</a:t>
+            </a:r>
+            <a:r>
+              <a:rPr lang="en" altLang="ko-KR" dirty="0"/>
+              <a:t>(</a:t>
+            </a:r>
+            <a:r>
+              <a:rPr lang="en" altLang="ko-KR" dirty="0" err="1"/>
+              <a:t>dto</a:t>
+            </a:r>
+            <a:r>
+              <a:rPr lang="en" altLang="ko-KR" dirty="0"/>
+              <a:t>); </a:t>
+            </a:r>
+          </a:p>
+          <a:p>
+            <a:pPr marL="0" indent="0">
+              <a:buNone/>
+            </a:pPr>
+            <a:r>
+              <a:rPr lang="en" altLang="ko-KR" dirty="0"/>
+              <a:t>	}</a:t>
+            </a:r>
+          </a:p>
+          <a:p>
+            <a:pPr marL="0" indent="0">
+              <a:buNone/>
+            </a:pPr>
+            <a:r>
+              <a:rPr lang="en" altLang="ko-KR" dirty="0"/>
+              <a:t>}</a:t>
+            </a:r>
+          </a:p>
+          <a:p>
+            <a:pPr marL="0" indent="0">
+              <a:buNone/>
+            </a:pPr>
+            <a:endParaRPr kumimoji="1" lang="ko-KR" altLang="en-US" dirty="0"/>
+          </a:p>
+        </p:txBody>
+      </p:sp>
+    </p:spTree>
+    <p:extLst>
+      <p:ext uri="{BB962C8B-B14F-4D97-AF65-F5344CB8AC3E}">
+        <p14:creationId xmlns:p14="http://schemas.microsoft.com/office/powerpoint/2010/main" val="389265808"/>
+      </p:ext>
+    </p:extLst>
+  </p:cSld>
+  <p:clrMapOvr>
+    <a:masterClrMapping/>
+  </p:clrMapOvr>
+</p:sld>
+</file>
+
+<file path=ppt/slides/slide43.xml><?xml version="1.0" encoding="utf-8"?>
+<p:sld xmlns:a="http://schemas.openxmlformats.org/drawingml/2006/main" xmlns:r="http://schemas.openxmlformats.org/officeDocument/2006/relationships" xmlns:p="http://schemas.openxmlformats.org/presentationml/2006/main">
+  <p:cSld>
+    <p:spTree>
+      <p:nvGrpSpPr>
+        <p:cNvPr id="1" name=""/>
+        <p:cNvGrpSpPr/>
+        <p:nvPr/>
+      </p:nvGrpSpPr>
+      <p:grpSpPr>
+        <a:xfrm>
+          <a:off x="0" y="0"/>
+          <a:ext cx="0" cy="0"/>
+          <a:chOff x="0" y="0"/>
+          <a:chExt cx="0" cy="0"/>
+        </a:xfrm>
+      </p:grpSpPr>
+      <p:sp>
+        <p:nvSpPr>
+          <p:cNvPr id="3" name="내용 개체 틀 2">
+            <a:extLst>
+              <a:ext uri="{FF2B5EF4-FFF2-40B4-BE49-F238E27FC236}">
+                <a16:creationId xmlns:a16="http://schemas.microsoft.com/office/drawing/2014/main" id="{13A9C37D-88BF-BD40-BFEB-6CA2FCF491C8}"/>
+              </a:ext>
+            </a:extLst>
+          </p:cNvPr>
+          <p:cNvSpPr>
+            <a:spLocks noGrp="1"/>
+          </p:cNvSpPr>
+          <p:nvPr>
+            <p:ph idx="1"/>
+          </p:nvPr>
+        </p:nvSpPr>
+        <p:spPr>
+          <a:xfrm>
+            <a:off x="838200" y="493160"/>
+            <a:ext cx="10515600" cy="5683803"/>
+          </a:xfrm>
+        </p:spPr>
+        <p:txBody>
+          <a:bodyPr/>
+          <a:lstStyle/>
+          <a:p>
+            <a:pPr marL="0" indent="0">
+              <a:buNone/>
+            </a:pPr>
+            <a:r>
+              <a:rPr kumimoji="1" lang="en-US" altLang="ko-KR" dirty="0"/>
+              <a:t>Front-</a:t>
+            </a:r>
+            <a:r>
+              <a:rPr kumimoji="1" lang="en-US" altLang="ko-KR" dirty="0" err="1"/>
+              <a:t>Comntroller</a:t>
+            </a:r>
+            <a:r>
+              <a:rPr kumimoji="1" lang="ko-KR" altLang="en-US" dirty="0"/>
+              <a:t> 에 추가한다</a:t>
+            </a:r>
+            <a:r>
+              <a:rPr kumimoji="1" lang="en-US" altLang="ko-KR" dirty="0"/>
+              <a:t>.</a:t>
+            </a:r>
+          </a:p>
+          <a:p>
+            <a:pPr marL="0" indent="0">
+              <a:buNone/>
+            </a:pPr>
+            <a:r>
+              <a:rPr lang="en" altLang="ko-KR" b="1" dirty="0"/>
+              <a:t>else</a:t>
+            </a:r>
+            <a:r>
+              <a:rPr lang="en" altLang="ko-KR" dirty="0"/>
+              <a:t> </a:t>
+            </a:r>
+            <a:r>
+              <a:rPr lang="en" altLang="ko-KR" b="1" dirty="0"/>
+              <a:t>if</a:t>
+            </a:r>
+            <a:r>
+              <a:rPr lang="en" altLang="ko-KR" dirty="0"/>
+              <a:t>(</a:t>
+            </a:r>
+            <a:r>
+              <a:rPr lang="en" altLang="ko-KR" dirty="0" err="1"/>
+              <a:t>command.equals</a:t>
+            </a:r>
+            <a:r>
+              <a:rPr lang="en" altLang="ko-KR" dirty="0"/>
+              <a:t>("/</a:t>
+            </a:r>
+            <a:r>
+              <a:rPr lang="en" altLang="ko-KR" dirty="0" err="1"/>
+              <a:t>boardModify.kosa</a:t>
+            </a:r>
+            <a:r>
+              <a:rPr lang="en" altLang="ko-KR" dirty="0"/>
+              <a:t>")) {</a:t>
+            </a:r>
+          </a:p>
+          <a:p>
+            <a:pPr marL="0" indent="0">
+              <a:buNone/>
+            </a:pPr>
+            <a:r>
+              <a:rPr lang="en" altLang="ko-KR" dirty="0"/>
+              <a:t>	</a:t>
+            </a:r>
+            <a:r>
+              <a:rPr lang="en-US" altLang="ko-KR" dirty="0"/>
+              <a:t>////</a:t>
+            </a:r>
+            <a:r>
+              <a:rPr lang="ko-KR" altLang="en-US" dirty="0"/>
+              <a:t> 추가</a:t>
+            </a:r>
+            <a:endParaRPr lang="en" altLang="ko-KR" dirty="0"/>
+          </a:p>
+          <a:p>
+            <a:pPr marL="0" indent="0">
+              <a:buNone/>
+            </a:pPr>
+            <a:r>
+              <a:rPr lang="en-US" altLang="ko-KR" dirty="0"/>
+              <a:t>	</a:t>
+            </a:r>
+            <a:r>
+              <a:rPr lang="en" altLang="ko-KR" dirty="0" err="1"/>
+              <a:t>BoardModifyController</a:t>
+            </a:r>
+            <a:r>
+              <a:rPr lang="en" altLang="ko-KR" dirty="0"/>
+              <a:t> action = </a:t>
+            </a:r>
+            <a:r>
+              <a:rPr lang="en" altLang="ko-KR" b="1" dirty="0"/>
+              <a:t>new</a:t>
+            </a:r>
+            <a:r>
+              <a:rPr lang="ko-KR" altLang="en-US" b="1" dirty="0"/>
+              <a:t> </a:t>
+            </a:r>
+            <a:r>
+              <a:rPr lang="en" altLang="ko-KR" b="1" dirty="0"/>
+              <a:t>				</a:t>
+            </a:r>
+          </a:p>
+          <a:p>
+            <a:pPr marL="0" indent="0">
+              <a:buNone/>
+            </a:pPr>
+            <a:r>
+              <a:rPr lang="en" altLang="ko-KR" b="1" dirty="0"/>
+              <a:t>				</a:t>
+            </a:r>
+            <a:r>
+              <a:rPr lang="en" altLang="ko-KR" dirty="0" err="1"/>
+              <a:t>BoardModifyController</a:t>
+            </a:r>
+            <a:r>
+              <a:rPr lang="en" altLang="ko-KR" dirty="0"/>
+              <a:t>();</a:t>
+            </a:r>
+          </a:p>
+          <a:p>
+            <a:pPr marL="0" indent="0">
+              <a:buNone/>
+            </a:pPr>
+            <a:r>
+              <a:rPr lang="en" altLang="ko-KR" dirty="0"/>
+              <a:t>	</a:t>
+            </a:r>
+            <a:r>
+              <a:rPr lang="en" altLang="ko-KR" dirty="0" err="1"/>
+              <a:t>action.execute</a:t>
+            </a:r>
+            <a:r>
+              <a:rPr lang="en" altLang="ko-KR" dirty="0"/>
+              <a:t>(request);</a:t>
+            </a:r>
+          </a:p>
+          <a:p>
+            <a:pPr marL="0" indent="0">
+              <a:buNone/>
+            </a:pPr>
+            <a:r>
+              <a:rPr lang="ko-KR" altLang="en-US" dirty="0"/>
+              <a:t>       </a:t>
+            </a:r>
+            <a:r>
+              <a:rPr lang="en-US" altLang="ko-KR" dirty="0"/>
+              <a:t>/////</a:t>
+            </a:r>
+            <a:endParaRPr lang="en" altLang="ko-KR" dirty="0"/>
+          </a:p>
+          <a:p>
+            <a:pPr marL="0" indent="0">
+              <a:buNone/>
+            </a:pPr>
+            <a:endParaRPr lang="en" altLang="ko-KR" dirty="0"/>
+          </a:p>
+          <a:p>
+            <a:pPr marL="0" indent="0">
+              <a:buNone/>
+            </a:pPr>
+            <a:r>
+              <a:rPr lang="en" altLang="ko-KR" dirty="0"/>
+              <a:t>	</a:t>
+            </a:r>
+            <a:r>
+              <a:rPr lang="en" altLang="ko-KR" dirty="0" err="1"/>
+              <a:t>response.sendRedirect</a:t>
+            </a:r>
+            <a:r>
+              <a:rPr lang="en" altLang="ko-KR" dirty="0"/>
+              <a:t>("</a:t>
+            </a:r>
+            <a:r>
+              <a:rPr lang="en" altLang="ko-KR" dirty="0" err="1"/>
+              <a:t>boardDetail.kosa?num</a:t>
+            </a:r>
+            <a:r>
+              <a:rPr lang="en" altLang="ko-KR" dirty="0"/>
+              <a:t>="+</a:t>
+            </a:r>
+          </a:p>
+          <a:p>
+            <a:pPr marL="0" indent="0">
+              <a:buNone/>
+            </a:pPr>
+            <a:r>
+              <a:rPr lang="en" altLang="ko-KR" dirty="0"/>
+              <a:t>		</a:t>
+            </a:r>
+            <a:r>
+              <a:rPr lang="en" altLang="ko-KR" dirty="0" err="1"/>
+              <a:t>request.getParameter</a:t>
+            </a:r>
+            <a:r>
+              <a:rPr lang="en" altLang="ko-KR" dirty="0"/>
+              <a:t>("</a:t>
+            </a:r>
+            <a:r>
+              <a:rPr lang="en" altLang="ko-KR" dirty="0" err="1"/>
+              <a:t>boardNum</a:t>
+            </a:r>
+            <a:r>
+              <a:rPr lang="en" altLang="ko-KR" dirty="0"/>
+              <a:t>"));</a:t>
+            </a:r>
+          </a:p>
+          <a:p>
+            <a:pPr marL="0" indent="0">
+              <a:buNone/>
+            </a:pPr>
+            <a:r>
+              <a:rPr lang="en" altLang="ko-KR" dirty="0"/>
+              <a:t>}</a:t>
+            </a:r>
+          </a:p>
+          <a:p>
+            <a:pPr marL="0" indent="0">
+              <a:buNone/>
+            </a:pPr>
+            <a:endParaRPr kumimoji="1" lang="ko-KR" altLang="en-US" dirty="0"/>
+          </a:p>
+        </p:txBody>
+      </p:sp>
+    </p:spTree>
+    <p:extLst>
+      <p:ext uri="{BB962C8B-B14F-4D97-AF65-F5344CB8AC3E}">
+        <p14:creationId xmlns:p14="http://schemas.microsoft.com/office/powerpoint/2010/main" val="1311105547"/>
+      </p:ext>
+    </p:extLst>
+  </p:cSld>
+  <p:clrMapOvr>
+    <a:masterClrMapping/>
+  </p:clrMapOvr>
+</p:sld>
+</file>
+
+<file path=ppt/slides/slide44.xml><?xml version="1.0" encoding="utf-8"?>
+<p:sld xmlns:a="http://schemas.openxmlformats.org/drawingml/2006/main" xmlns:r="http://schemas.openxmlformats.org/officeDocument/2006/relationships" xmlns:p="http://schemas.openxmlformats.org/presentationml/2006/main">
+  <p:cSld>
+    <p:spTree>
+      <p:nvGrpSpPr>
+        <p:cNvPr id="1" name=""/>
+        <p:cNvGrpSpPr/>
+        <p:nvPr/>
+      </p:nvGrpSpPr>
+      <p:grpSpPr>
+        <a:xfrm>
+          <a:off x="0" y="0"/>
+          <a:ext cx="0" cy="0"/>
+          <a:chOff x="0" y="0"/>
+          <a:chExt cx="0" cy="0"/>
+        </a:xfrm>
+      </p:grpSpPr>
+      <p:sp>
+        <p:nvSpPr>
+          <p:cNvPr id="3" name="내용 개체 틀 2">
+            <a:extLst>
+              <a:ext uri="{FF2B5EF4-FFF2-40B4-BE49-F238E27FC236}">
+                <a16:creationId xmlns:a16="http://schemas.microsoft.com/office/drawing/2014/main" id="{327DC405-F9FE-C64F-85CE-BD5A31638AD6}"/>
+              </a:ext>
+            </a:extLst>
+          </p:cNvPr>
+          <p:cNvSpPr>
+            <a:spLocks noGrp="1"/>
+          </p:cNvSpPr>
+          <p:nvPr>
+            <p:ph idx="1"/>
+          </p:nvPr>
+        </p:nvSpPr>
+        <p:spPr>
+          <a:xfrm>
+            <a:off x="838200" y="359596"/>
+            <a:ext cx="10515600" cy="5817367"/>
+          </a:xfrm>
+        </p:spPr>
+        <p:txBody>
+          <a:bodyPr>
+            <a:normAutofit/>
+          </a:bodyPr>
+          <a:lstStyle/>
+          <a:p>
+            <a:pPr marL="0" indent="0">
+              <a:buNone/>
+            </a:pPr>
+            <a:r>
+              <a:rPr lang="en" altLang="ko-KR" dirty="0"/>
+              <a:t>/board/</a:t>
+            </a:r>
+            <a:r>
+              <a:rPr lang="en" altLang="ko-KR" dirty="0" err="1"/>
+              <a:t>boardInfo.jsp</a:t>
+            </a:r>
+            <a:r>
+              <a:rPr lang="ko-KR" altLang="en-US" dirty="0"/>
+              <a:t>에 삭제를 할 수 있게 링크를 만들어준다</a:t>
+            </a:r>
+            <a:r>
+              <a:rPr lang="en-US" altLang="ko-KR" dirty="0"/>
+              <a:t>.</a:t>
+            </a:r>
+            <a:endParaRPr lang="en" altLang="ko-KR" dirty="0"/>
+          </a:p>
+          <a:p>
+            <a:pPr marL="0" indent="0">
+              <a:buNone/>
+            </a:pPr>
+            <a:r>
+              <a:rPr lang="en" altLang="ko-KR" dirty="0"/>
+              <a:t>&lt;body&gt;</a:t>
+            </a:r>
+          </a:p>
+          <a:p>
+            <a:pPr marL="0" indent="0">
+              <a:buNone/>
+            </a:pPr>
+            <a:r>
+              <a:rPr lang="ko-KR" altLang="en-US" dirty="0"/>
+              <a:t>상세페이지  </a:t>
+            </a:r>
+            <a:r>
+              <a:rPr lang="en-US" altLang="ko-KR" dirty="0"/>
+              <a:t>|  </a:t>
+            </a:r>
+            <a:r>
+              <a:rPr lang="ko-KR" altLang="en-US" dirty="0"/>
+              <a:t>조회수 </a:t>
+            </a:r>
+            <a:r>
+              <a:rPr lang="en-US" altLang="ko-KR" dirty="0"/>
+              <a:t>: ${</a:t>
+            </a:r>
+            <a:r>
+              <a:rPr lang="en" altLang="ko-KR" dirty="0" err="1"/>
+              <a:t>dto.visitCount</a:t>
+            </a:r>
+            <a:r>
+              <a:rPr lang="en" altLang="ko-KR" dirty="0"/>
+              <a:t> } | ${</a:t>
+            </a:r>
+            <a:r>
+              <a:rPr lang="en" altLang="ko-KR" dirty="0" err="1"/>
+              <a:t>dto.writerIp</a:t>
+            </a:r>
+            <a:r>
+              <a:rPr lang="en" altLang="ko-KR" dirty="0"/>
+              <a:t> }&lt;</a:t>
+            </a:r>
+            <a:r>
+              <a:rPr lang="en" altLang="ko-KR" dirty="0" err="1"/>
+              <a:t>br</a:t>
+            </a:r>
+            <a:r>
+              <a:rPr lang="en" altLang="ko-KR" dirty="0"/>
+              <a:t> /&gt;</a:t>
+            </a:r>
+          </a:p>
+          <a:p>
+            <a:pPr marL="0" indent="0">
+              <a:buNone/>
+            </a:pPr>
+            <a:r>
+              <a:rPr lang="ko-KR" altLang="en-US" dirty="0" err="1"/>
+              <a:t>글번호</a:t>
+            </a:r>
+            <a:r>
+              <a:rPr lang="ko-KR" altLang="en-US" dirty="0"/>
+              <a:t> </a:t>
+            </a:r>
+            <a:r>
+              <a:rPr lang="en-US" altLang="ko-KR" dirty="0"/>
+              <a:t>: ${</a:t>
+            </a:r>
+            <a:r>
+              <a:rPr lang="en" altLang="ko-KR" dirty="0" err="1"/>
+              <a:t>dto.boardNum</a:t>
+            </a:r>
+            <a:r>
+              <a:rPr lang="en" altLang="ko-KR" dirty="0"/>
+              <a:t>}&lt;</a:t>
+            </a:r>
+            <a:r>
+              <a:rPr lang="en" altLang="ko-KR" dirty="0" err="1"/>
+              <a:t>br</a:t>
+            </a:r>
+            <a:r>
+              <a:rPr lang="en" altLang="ko-KR" dirty="0"/>
+              <a:t> /&gt;</a:t>
+            </a:r>
+          </a:p>
+          <a:p>
+            <a:pPr marL="0" indent="0">
+              <a:buNone/>
+            </a:pPr>
+            <a:r>
+              <a:rPr lang="ko-KR" altLang="en-US" dirty="0"/>
+              <a:t>글쓴이 </a:t>
+            </a:r>
+            <a:r>
+              <a:rPr lang="en-US" altLang="ko-KR" dirty="0"/>
+              <a:t>: ${</a:t>
+            </a:r>
+            <a:r>
+              <a:rPr lang="en" altLang="ko-KR" dirty="0" err="1"/>
+              <a:t>dto.boardWriter</a:t>
+            </a:r>
+            <a:r>
+              <a:rPr lang="en" altLang="ko-KR" dirty="0"/>
+              <a:t> }&lt;</a:t>
+            </a:r>
+            <a:r>
+              <a:rPr lang="en" altLang="ko-KR" dirty="0" err="1"/>
+              <a:t>br</a:t>
+            </a:r>
+            <a:r>
+              <a:rPr lang="en" altLang="ko-KR" dirty="0"/>
+              <a:t> /&gt;</a:t>
+            </a:r>
+          </a:p>
+          <a:p>
+            <a:pPr marL="0" indent="0">
+              <a:buNone/>
+            </a:pPr>
+            <a:r>
+              <a:rPr lang="ko-KR" altLang="en-US" dirty="0"/>
+              <a:t>제목 </a:t>
+            </a:r>
+            <a:r>
+              <a:rPr lang="en-US" altLang="ko-KR" dirty="0"/>
+              <a:t>: ${</a:t>
+            </a:r>
+            <a:r>
+              <a:rPr lang="en" altLang="ko-KR" dirty="0" err="1"/>
+              <a:t>dto.boardSubject</a:t>
+            </a:r>
+            <a:r>
+              <a:rPr lang="en" altLang="ko-KR" dirty="0"/>
+              <a:t> }&lt;</a:t>
+            </a:r>
+            <a:r>
+              <a:rPr lang="en" altLang="ko-KR" dirty="0" err="1"/>
+              <a:t>br</a:t>
+            </a:r>
+            <a:r>
+              <a:rPr lang="en" altLang="ko-KR" dirty="0"/>
+              <a:t> /&gt;</a:t>
+            </a:r>
+          </a:p>
+          <a:p>
+            <a:pPr marL="0" indent="0">
+              <a:buNone/>
+            </a:pPr>
+            <a:r>
+              <a:rPr lang="ko-KR" altLang="en-US" dirty="0"/>
+              <a:t>내용 </a:t>
+            </a:r>
+            <a:r>
+              <a:rPr lang="en-US" altLang="ko-KR" dirty="0"/>
+              <a:t>: ${</a:t>
+            </a:r>
+            <a:r>
+              <a:rPr lang="en" altLang="ko-KR" dirty="0" err="1"/>
+              <a:t>dto.boardContent</a:t>
+            </a:r>
+            <a:r>
+              <a:rPr lang="en" altLang="ko-KR" dirty="0"/>
+              <a:t> }&lt;</a:t>
+            </a:r>
+            <a:r>
+              <a:rPr lang="en" altLang="ko-KR" dirty="0" err="1"/>
+              <a:t>br</a:t>
+            </a:r>
+            <a:r>
+              <a:rPr lang="en" altLang="ko-KR" dirty="0"/>
+              <a:t> /&gt;</a:t>
+            </a:r>
+          </a:p>
+          <a:p>
+            <a:pPr marL="0" indent="0">
+              <a:buNone/>
+            </a:pPr>
+            <a:r>
+              <a:rPr lang="en" altLang="ko-KR" dirty="0"/>
+              <a:t>&lt;a </a:t>
+            </a:r>
+            <a:r>
+              <a:rPr lang="en" altLang="ko-KR" dirty="0" err="1"/>
+              <a:t>href</a:t>
+            </a:r>
+            <a:r>
+              <a:rPr lang="en" altLang="ko-KR" dirty="0"/>
+              <a:t>=</a:t>
+            </a:r>
+            <a:r>
+              <a:rPr lang="en" altLang="ko-KR" i="1" dirty="0"/>
+              <a:t>"</a:t>
+            </a:r>
+            <a:r>
+              <a:rPr lang="en" altLang="ko-KR" i="1" dirty="0" err="1"/>
+              <a:t>boardUpdate</a:t>
+            </a:r>
+            <a:r>
+              <a:rPr lang="en" altLang="ko-KR" i="1" dirty="0"/>
+              <a:t>.</a:t>
+            </a:r>
+            <a:r>
+              <a:rPr lang="en-US" altLang="ko-KR" i="1" dirty="0"/>
+              <a:t>board</a:t>
+            </a:r>
+            <a:r>
+              <a:rPr lang="en" altLang="ko-KR" i="1" dirty="0"/>
+              <a:t>?</a:t>
+            </a:r>
+            <a:r>
+              <a:rPr lang="en" altLang="ko-KR" i="1" dirty="0" err="1"/>
+              <a:t>num</a:t>
+            </a:r>
+            <a:r>
+              <a:rPr lang="en" altLang="ko-KR" i="1" dirty="0"/>
+              <a:t>=</a:t>
+            </a:r>
+            <a:r>
+              <a:rPr lang="en" altLang="ko-KR" dirty="0"/>
+              <a:t>${</a:t>
+            </a:r>
+            <a:r>
+              <a:rPr lang="en" altLang="ko-KR" dirty="0" err="1"/>
+              <a:t>dto.boardNum</a:t>
+            </a:r>
+            <a:r>
+              <a:rPr lang="en" altLang="ko-KR" dirty="0"/>
+              <a:t>}</a:t>
+            </a:r>
+            <a:r>
+              <a:rPr lang="en" altLang="ko-KR" i="1" dirty="0"/>
+              <a:t>"</a:t>
+            </a:r>
+            <a:r>
+              <a:rPr lang="en" altLang="ko-KR" dirty="0"/>
+              <a:t>&gt;</a:t>
+            </a:r>
+            <a:r>
+              <a:rPr lang="ko-KR" altLang="en-US" dirty="0"/>
+              <a:t>수정</a:t>
+            </a:r>
+            <a:r>
+              <a:rPr lang="en-US" altLang="ko-KR" dirty="0"/>
+              <a:t>&lt;/</a:t>
+            </a:r>
+            <a:r>
+              <a:rPr lang="en" altLang="ko-KR" dirty="0"/>
+              <a:t>a&gt; | &lt;a </a:t>
+            </a:r>
+            <a:r>
+              <a:rPr lang="en" altLang="ko-KR" dirty="0" err="1"/>
+              <a:t>href</a:t>
+            </a:r>
+            <a:r>
+              <a:rPr lang="en" altLang="ko-KR" dirty="0"/>
+              <a:t>=</a:t>
+            </a:r>
+            <a:r>
+              <a:rPr lang="en" altLang="ko-KR" i="1" dirty="0"/>
+              <a:t>"</a:t>
+            </a:r>
+            <a:r>
+              <a:rPr lang="en" altLang="ko-KR" i="1" dirty="0" err="1"/>
+              <a:t>boardDel</a:t>
+            </a:r>
+            <a:r>
+              <a:rPr lang="en" altLang="ko-KR" i="1" dirty="0"/>
+              <a:t>.</a:t>
+            </a:r>
+            <a:r>
+              <a:rPr lang="en-US" altLang="ko-KR" i="1" dirty="0"/>
+              <a:t>board</a:t>
+            </a:r>
+            <a:r>
+              <a:rPr lang="en" altLang="ko-KR" i="1" dirty="0"/>
+              <a:t>?</a:t>
+            </a:r>
+            <a:r>
+              <a:rPr lang="en" altLang="ko-KR" i="1" dirty="0" err="1"/>
+              <a:t>num</a:t>
+            </a:r>
+            <a:r>
+              <a:rPr lang="en" altLang="ko-KR" i="1" dirty="0"/>
+              <a:t>=</a:t>
+            </a:r>
+            <a:r>
+              <a:rPr lang="en" altLang="ko-KR" dirty="0"/>
+              <a:t>${</a:t>
+            </a:r>
+            <a:r>
+              <a:rPr lang="en" altLang="ko-KR" dirty="0" err="1"/>
+              <a:t>dto.boardNum</a:t>
+            </a:r>
+            <a:r>
+              <a:rPr lang="en" altLang="ko-KR" dirty="0"/>
+              <a:t>}</a:t>
+            </a:r>
+            <a:r>
+              <a:rPr lang="en" altLang="ko-KR" i="1" dirty="0"/>
+              <a:t>"</a:t>
+            </a:r>
+            <a:r>
+              <a:rPr lang="en" altLang="ko-KR" dirty="0"/>
+              <a:t>&gt;</a:t>
+            </a:r>
+            <a:r>
+              <a:rPr lang="ko-KR" altLang="en-US" dirty="0"/>
+              <a:t>삭제</a:t>
+            </a:r>
+            <a:r>
+              <a:rPr lang="en-US" altLang="ko-KR" dirty="0"/>
+              <a:t>&lt;/</a:t>
+            </a:r>
+            <a:r>
+              <a:rPr lang="en" altLang="ko-KR" dirty="0"/>
+              <a:t>a&gt; | </a:t>
+            </a:r>
+            <a:r>
+              <a:rPr lang="ko-KR" altLang="en-US" dirty="0" err="1"/>
+              <a:t>게시글</a:t>
+            </a:r>
+            <a:r>
+              <a:rPr lang="ko-KR" altLang="en-US" dirty="0"/>
+              <a:t> 리스트</a:t>
+            </a:r>
+            <a:endParaRPr lang="en" altLang="ko-KR" dirty="0"/>
+          </a:p>
+          <a:p>
+            <a:pPr marL="0" indent="0">
+              <a:buNone/>
+            </a:pPr>
+            <a:r>
+              <a:rPr lang="en" altLang="ko-KR" dirty="0"/>
+              <a:t>&lt;/body&gt;</a:t>
+            </a:r>
+          </a:p>
+          <a:p>
+            <a:pPr marL="0" indent="0">
+              <a:buNone/>
+            </a:pPr>
+            <a:endParaRPr kumimoji="1" lang="ko-KR" altLang="en-US" dirty="0"/>
+          </a:p>
+        </p:txBody>
+      </p:sp>
+    </p:spTree>
+    <p:extLst>
+      <p:ext uri="{BB962C8B-B14F-4D97-AF65-F5344CB8AC3E}">
+        <p14:creationId xmlns:p14="http://schemas.microsoft.com/office/powerpoint/2010/main" val="3234810354"/>
+      </p:ext>
+    </p:extLst>
+  </p:cSld>
+  <p:clrMapOvr>
+    <a:masterClrMapping/>
+  </p:clrMapOvr>
+</p:sld>
+</file>
+
+<file path=ppt/slides/slide45.xml><?xml version="1.0" encoding="utf-8"?>
+<p:sld xmlns:a="http://schemas.openxmlformats.org/drawingml/2006/main" xmlns:r="http://schemas.openxmlformats.org/officeDocument/2006/relationships" xmlns:p="http://schemas.openxmlformats.org/presentationml/2006/main">
+  <p:cSld>
+    <p:spTree>
+      <p:nvGrpSpPr>
+        <p:cNvPr id="1" name=""/>
+        <p:cNvGrpSpPr/>
+        <p:nvPr/>
+      </p:nvGrpSpPr>
+      <p:grpSpPr>
+        <a:xfrm>
+          <a:off x="0" y="0"/>
+          <a:ext cx="0" cy="0"/>
+          <a:chOff x="0" y="0"/>
+          <a:chExt cx="0" cy="0"/>
+        </a:xfrm>
+      </p:grpSpPr>
+      <p:sp>
+        <p:nvSpPr>
+          <p:cNvPr id="3" name="내용 개체 틀 2">
+            <a:extLst>
+              <a:ext uri="{FF2B5EF4-FFF2-40B4-BE49-F238E27FC236}">
+                <a16:creationId xmlns:a16="http://schemas.microsoft.com/office/drawing/2014/main" id="{086CCCDB-906B-5C46-A741-64D0F635465C}"/>
+              </a:ext>
+            </a:extLst>
+          </p:cNvPr>
+          <p:cNvSpPr>
+            <a:spLocks noGrp="1"/>
+          </p:cNvSpPr>
+          <p:nvPr>
+            <p:ph idx="1"/>
+          </p:nvPr>
+        </p:nvSpPr>
+        <p:spPr>
+          <a:xfrm>
+            <a:off x="838200" y="277402"/>
+            <a:ext cx="10515600" cy="5899561"/>
+          </a:xfrm>
+        </p:spPr>
+        <p:txBody>
+          <a:bodyPr>
+            <a:normAutofit/>
+          </a:bodyPr>
+          <a:lstStyle/>
+          <a:p>
+            <a:pPr marL="0" indent="0">
+              <a:buNone/>
+            </a:pPr>
+            <a:r>
+              <a:rPr kumimoji="1" lang="en-US" altLang="ko-KR" dirty="0"/>
+              <a:t>Front-Controller</a:t>
+            </a:r>
+            <a:r>
+              <a:rPr kumimoji="1" lang="ko-KR" altLang="en-US" dirty="0"/>
+              <a:t>에서 삭제가 되면 목록 페이지로 </a:t>
+            </a:r>
+            <a:r>
+              <a:rPr kumimoji="1" lang="ko-KR" altLang="en-US" dirty="0" err="1"/>
+              <a:t>이동하도록한다</a:t>
+            </a:r>
+            <a:r>
+              <a:rPr kumimoji="1" lang="en-US" altLang="ko-KR" dirty="0"/>
+              <a:t>.</a:t>
+            </a:r>
+          </a:p>
+          <a:p>
+            <a:pPr marL="0" indent="0">
+              <a:buNone/>
+            </a:pPr>
+            <a:r>
+              <a:rPr lang="en" altLang="ko-KR" b="1" dirty="0"/>
+              <a:t>else</a:t>
+            </a:r>
+            <a:r>
+              <a:rPr lang="en" altLang="ko-KR" dirty="0"/>
+              <a:t> </a:t>
+            </a:r>
+            <a:r>
+              <a:rPr lang="en" altLang="ko-KR" b="1" dirty="0"/>
+              <a:t>if</a:t>
+            </a:r>
+            <a:r>
+              <a:rPr lang="en" altLang="ko-KR" dirty="0"/>
+              <a:t>(</a:t>
+            </a:r>
+            <a:r>
+              <a:rPr lang="en" altLang="ko-KR" dirty="0" err="1"/>
+              <a:t>command.equals</a:t>
+            </a:r>
+            <a:r>
+              <a:rPr lang="en" altLang="ko-KR" dirty="0"/>
+              <a:t>("/</a:t>
+            </a:r>
+            <a:r>
+              <a:rPr lang="en" altLang="ko-KR" dirty="0" err="1"/>
+              <a:t>boardDel.kosa</a:t>
+            </a:r>
+            <a:r>
+              <a:rPr lang="en" altLang="ko-KR" dirty="0"/>
+              <a:t>")) {</a:t>
+            </a:r>
+          </a:p>
+          <a:p>
+            <a:pPr marL="0" indent="0">
+              <a:buNone/>
+            </a:pPr>
+            <a:r>
+              <a:rPr lang="en" altLang="ko-KR" dirty="0"/>
+              <a:t>	</a:t>
+            </a:r>
+            <a:r>
+              <a:rPr lang="en" altLang="ko-KR" dirty="0" err="1"/>
+              <a:t>response.sendRedirect</a:t>
+            </a:r>
+            <a:r>
+              <a:rPr lang="en" altLang="ko-KR" dirty="0"/>
+              <a:t>("</a:t>
+            </a:r>
+            <a:r>
+              <a:rPr lang="en" altLang="ko-KR" dirty="0" err="1"/>
+              <a:t>boardList.kosa</a:t>
+            </a:r>
+            <a:r>
+              <a:rPr lang="en" altLang="ko-KR" dirty="0"/>
+              <a:t>");</a:t>
+            </a:r>
+          </a:p>
+          <a:p>
+            <a:pPr marL="0" indent="0">
+              <a:buNone/>
+            </a:pPr>
+            <a:r>
+              <a:rPr lang="en" altLang="ko-KR" dirty="0"/>
+              <a:t>}</a:t>
+            </a:r>
+          </a:p>
+          <a:p>
+            <a:pPr marL="0" indent="0">
+              <a:buNone/>
+            </a:pPr>
+            <a:r>
+              <a:rPr lang="ko-KR" altLang="en-US" dirty="0"/>
+              <a:t>데이터베이스에서 삭제가 되도록 </a:t>
+            </a:r>
+            <a:r>
+              <a:rPr lang="en-US" altLang="ko-KR" dirty="0"/>
+              <a:t>page-controller</a:t>
+            </a:r>
+            <a:r>
+              <a:rPr lang="ko-KR" altLang="en-US" dirty="0" err="1"/>
+              <a:t>를</a:t>
+            </a:r>
+            <a:r>
+              <a:rPr lang="ko-KR" altLang="en-US" dirty="0"/>
+              <a:t> 만들어준다</a:t>
+            </a:r>
+            <a:r>
+              <a:rPr lang="en-US" altLang="ko-KR" dirty="0"/>
+              <a:t>.</a:t>
+            </a:r>
+            <a:endParaRPr lang="en" altLang="ko-KR" dirty="0"/>
+          </a:p>
+          <a:p>
+            <a:pPr marL="0" indent="0">
+              <a:buNone/>
+            </a:pPr>
+            <a:r>
+              <a:rPr lang="en" altLang="ko-KR" b="1" dirty="0"/>
+              <a:t>public</a:t>
+            </a:r>
+            <a:r>
+              <a:rPr lang="en" altLang="ko-KR" dirty="0"/>
+              <a:t> </a:t>
+            </a:r>
+            <a:r>
+              <a:rPr lang="en" altLang="ko-KR" b="1" dirty="0"/>
+              <a:t>class</a:t>
+            </a:r>
+            <a:r>
+              <a:rPr lang="en" altLang="ko-KR" dirty="0"/>
+              <a:t> </a:t>
+            </a:r>
+            <a:r>
+              <a:rPr lang="en" altLang="ko-KR" dirty="0" err="1"/>
+              <a:t>BoardDelController</a:t>
+            </a:r>
+            <a:r>
+              <a:rPr lang="en" altLang="ko-KR" dirty="0"/>
+              <a:t> {</a:t>
+            </a:r>
+          </a:p>
+          <a:p>
+            <a:pPr marL="0" indent="0">
+              <a:buNone/>
+            </a:pPr>
+            <a:r>
+              <a:rPr lang="en" altLang="ko-KR" b="1" dirty="0"/>
+              <a:t>	public</a:t>
+            </a:r>
+            <a:r>
+              <a:rPr lang="en" altLang="ko-KR" dirty="0"/>
+              <a:t> </a:t>
+            </a:r>
+            <a:r>
+              <a:rPr lang="en" altLang="ko-KR" b="1" dirty="0"/>
+              <a:t>void</a:t>
+            </a:r>
+            <a:r>
+              <a:rPr lang="en" altLang="ko-KR" dirty="0"/>
+              <a:t> execute(</a:t>
+            </a:r>
+            <a:r>
+              <a:rPr lang="en" altLang="ko-KR" u="sng" dirty="0" err="1"/>
+              <a:t>HttpServletRequest</a:t>
+            </a:r>
+            <a:r>
+              <a:rPr lang="en" altLang="ko-KR" dirty="0"/>
+              <a:t> request) {</a:t>
+            </a:r>
+          </a:p>
+          <a:p>
+            <a:pPr marL="0" indent="0">
+              <a:buNone/>
+            </a:pPr>
+            <a:r>
+              <a:rPr lang="en" altLang="ko-KR" dirty="0"/>
+              <a:t>		String </a:t>
+            </a:r>
+            <a:r>
+              <a:rPr lang="en" altLang="ko-KR" dirty="0" err="1"/>
+              <a:t>num</a:t>
+            </a:r>
+            <a:r>
+              <a:rPr lang="en" altLang="ko-KR" dirty="0"/>
+              <a:t> = </a:t>
+            </a:r>
+            <a:r>
+              <a:rPr lang="en" altLang="ko-KR" dirty="0" err="1"/>
+              <a:t>request.getParameter</a:t>
+            </a:r>
+            <a:r>
+              <a:rPr lang="en" altLang="ko-KR" dirty="0"/>
+              <a:t>("</a:t>
+            </a:r>
+            <a:r>
+              <a:rPr lang="en" altLang="ko-KR" dirty="0" err="1"/>
+              <a:t>num</a:t>
+            </a:r>
+            <a:r>
+              <a:rPr lang="en" altLang="ko-KR" dirty="0"/>
+              <a:t>");</a:t>
+            </a:r>
+          </a:p>
+          <a:p>
+            <a:pPr marL="0" indent="0">
+              <a:buNone/>
+            </a:pPr>
+            <a:r>
+              <a:rPr lang="en" altLang="ko-KR" dirty="0"/>
+              <a:t>		</a:t>
+            </a:r>
+            <a:r>
+              <a:rPr lang="en" altLang="ko-KR" dirty="0" err="1"/>
+              <a:t>BoardDAO</a:t>
+            </a:r>
+            <a:r>
+              <a:rPr lang="en" altLang="ko-KR" dirty="0"/>
+              <a:t> </a:t>
+            </a:r>
+            <a:r>
+              <a:rPr lang="en" altLang="ko-KR" dirty="0" err="1"/>
+              <a:t>dao</a:t>
+            </a:r>
+            <a:r>
+              <a:rPr lang="en" altLang="ko-KR" dirty="0"/>
+              <a:t> = </a:t>
+            </a:r>
+            <a:r>
+              <a:rPr lang="en" altLang="ko-KR" b="1" dirty="0"/>
+              <a:t>new</a:t>
+            </a:r>
+            <a:r>
+              <a:rPr lang="en" altLang="ko-KR" dirty="0"/>
+              <a:t> </a:t>
+            </a:r>
+            <a:r>
+              <a:rPr lang="en" altLang="ko-KR" dirty="0" err="1"/>
+              <a:t>BoardDAO</a:t>
+            </a:r>
+            <a:r>
+              <a:rPr lang="en" altLang="ko-KR" dirty="0"/>
+              <a:t>();</a:t>
+            </a:r>
+          </a:p>
+          <a:p>
+            <a:pPr marL="0" indent="0">
+              <a:buNone/>
+            </a:pPr>
+            <a:r>
+              <a:rPr lang="en" altLang="ko-KR" dirty="0"/>
+              <a:t>	}</a:t>
+            </a:r>
+          </a:p>
+          <a:p>
+            <a:pPr marL="0" indent="0">
+              <a:buNone/>
+            </a:pPr>
+            <a:r>
+              <a:rPr lang="en" altLang="ko-KR" dirty="0"/>
+              <a:t>}</a:t>
+            </a:r>
+          </a:p>
+          <a:p>
+            <a:pPr marL="0" indent="0">
+              <a:buNone/>
+            </a:pPr>
+            <a:endParaRPr kumimoji="1" lang="ko-KR" altLang="en-US" dirty="0"/>
+          </a:p>
+        </p:txBody>
+      </p:sp>
+    </p:spTree>
+    <p:extLst>
+      <p:ext uri="{BB962C8B-B14F-4D97-AF65-F5344CB8AC3E}">
+        <p14:creationId xmlns:p14="http://schemas.microsoft.com/office/powerpoint/2010/main" val="280810006"/>
+      </p:ext>
+    </p:extLst>
+  </p:cSld>
+  <p:clrMapOvr>
+    <a:masterClrMapping/>
+  </p:clrMapOvr>
+</p:sld>
+</file>
+
+<file path=ppt/slides/slide46.xml><?xml version="1.0" encoding="utf-8"?>
+<p:sld xmlns:a="http://schemas.openxmlformats.org/drawingml/2006/main" xmlns:r="http://schemas.openxmlformats.org/officeDocument/2006/relationships" xmlns:p="http://schemas.openxmlformats.org/presentationml/2006/main">
+  <p:cSld>
+    <p:spTree>
+      <p:nvGrpSpPr>
+        <p:cNvPr id="1" name=""/>
+        <p:cNvGrpSpPr/>
+        <p:nvPr/>
+      </p:nvGrpSpPr>
+      <p:grpSpPr>
+        <a:xfrm>
+          <a:off x="0" y="0"/>
+          <a:ext cx="0" cy="0"/>
+          <a:chOff x="0" y="0"/>
+          <a:chExt cx="0" cy="0"/>
+        </a:xfrm>
+      </p:grpSpPr>
+      <p:sp>
+        <p:nvSpPr>
+          <p:cNvPr id="3" name="내용 개체 틀 2">
+            <a:extLst>
+              <a:ext uri="{FF2B5EF4-FFF2-40B4-BE49-F238E27FC236}">
+                <a16:creationId xmlns:a16="http://schemas.microsoft.com/office/drawing/2014/main" id="{C8CEBE4C-FC38-A149-BF7D-A67D54A223F5}"/>
+              </a:ext>
+            </a:extLst>
+          </p:cNvPr>
+          <p:cNvSpPr>
+            <a:spLocks noGrp="1"/>
+          </p:cNvSpPr>
+          <p:nvPr>
+            <p:ph idx="1"/>
+          </p:nvPr>
+        </p:nvSpPr>
+        <p:spPr>
+          <a:xfrm>
+            <a:off x="838200" y="482885"/>
+            <a:ext cx="10515600" cy="5694078"/>
+          </a:xfrm>
+        </p:spPr>
+        <p:txBody>
+          <a:bodyPr>
+            <a:normAutofit fontScale="70000" lnSpcReduction="20000"/>
+          </a:bodyPr>
+          <a:lstStyle/>
+          <a:p>
+            <a:pPr marL="0" indent="0">
+              <a:buNone/>
+            </a:pPr>
+            <a:r>
+              <a:rPr lang="en" altLang="ko-KR" b="1" dirty="0"/>
+              <a:t>DAO</a:t>
+            </a:r>
+            <a:r>
+              <a:rPr lang="ko-KR" altLang="en-US" b="1" dirty="0"/>
+              <a:t>에 메서드를  추가해준다</a:t>
+            </a:r>
+            <a:r>
+              <a:rPr lang="en-US" altLang="ko-KR" b="1" dirty="0"/>
+              <a:t>.</a:t>
+            </a:r>
+            <a:endParaRPr lang="en" altLang="ko-KR" b="1" dirty="0"/>
+          </a:p>
+          <a:p>
+            <a:pPr marL="0" indent="0">
+              <a:buNone/>
+            </a:pPr>
+            <a:endParaRPr lang="en" altLang="ko-KR" b="1" dirty="0"/>
+          </a:p>
+          <a:p>
+            <a:pPr marL="0" indent="0">
+              <a:buNone/>
+            </a:pPr>
+            <a:r>
+              <a:rPr lang="en" altLang="ko-KR" b="1" dirty="0"/>
+              <a:t>public</a:t>
+            </a:r>
+            <a:r>
+              <a:rPr lang="en" altLang="ko-KR" dirty="0"/>
+              <a:t> </a:t>
+            </a:r>
+            <a:r>
+              <a:rPr lang="en" altLang="ko-KR" b="1" dirty="0"/>
+              <a:t>void</a:t>
+            </a:r>
+            <a:r>
+              <a:rPr lang="en" altLang="ko-KR" dirty="0"/>
+              <a:t> </a:t>
+            </a:r>
+            <a:r>
+              <a:rPr lang="en" altLang="ko-KR" dirty="0" err="1"/>
+              <a:t>boardDel</a:t>
+            </a:r>
+            <a:r>
+              <a:rPr lang="en" altLang="ko-KR" dirty="0"/>
+              <a:t>(String </a:t>
+            </a:r>
+            <a:r>
+              <a:rPr lang="en" altLang="ko-KR" dirty="0" err="1"/>
+              <a:t>num</a:t>
+            </a:r>
+            <a:r>
+              <a:rPr lang="en" altLang="ko-KR" dirty="0"/>
+              <a:t>) {</a:t>
+            </a:r>
+          </a:p>
+          <a:p>
+            <a:pPr marL="0" indent="0">
+              <a:buNone/>
+            </a:pPr>
+            <a:r>
+              <a:rPr lang="en" altLang="ko-KR" dirty="0"/>
+              <a:t>	con = </a:t>
+            </a:r>
+            <a:r>
+              <a:rPr lang="en" altLang="ko-KR" dirty="0" err="1"/>
+              <a:t>getConnection</a:t>
+            </a:r>
+            <a:r>
+              <a:rPr lang="en" altLang="ko-KR" dirty="0"/>
+              <a:t>();</a:t>
+            </a:r>
+          </a:p>
+          <a:p>
+            <a:pPr marL="0" indent="0">
+              <a:buNone/>
+            </a:pPr>
+            <a:r>
+              <a:rPr lang="en" altLang="ko-KR" dirty="0"/>
+              <a:t>	String </a:t>
+            </a:r>
+            <a:r>
+              <a:rPr lang="en" altLang="ko-KR" dirty="0" err="1"/>
+              <a:t>sql</a:t>
+            </a:r>
+            <a:r>
+              <a:rPr lang="en" altLang="ko-KR" dirty="0"/>
+              <a:t> = "delete from board where </a:t>
+            </a:r>
+            <a:r>
+              <a:rPr lang="en" altLang="ko-KR" dirty="0" err="1"/>
+              <a:t>board_num</a:t>
+            </a:r>
+            <a:r>
+              <a:rPr lang="en" altLang="ko-KR" dirty="0"/>
+              <a:t> = ?";</a:t>
+            </a:r>
+          </a:p>
+          <a:p>
+            <a:pPr marL="0" indent="0">
+              <a:buNone/>
+            </a:pPr>
+            <a:r>
+              <a:rPr lang="en" altLang="ko-KR" b="1" dirty="0"/>
+              <a:t>	try</a:t>
+            </a:r>
+            <a:r>
+              <a:rPr lang="en" altLang="ko-KR" dirty="0"/>
+              <a:t> {</a:t>
+            </a:r>
+          </a:p>
+          <a:p>
+            <a:pPr marL="0" indent="0">
+              <a:buNone/>
+            </a:pPr>
+            <a:r>
+              <a:rPr lang="en" altLang="ko-KR" dirty="0"/>
+              <a:t>		</a:t>
+            </a:r>
+            <a:r>
+              <a:rPr lang="en" altLang="ko-KR" dirty="0" err="1"/>
+              <a:t>pstmt</a:t>
+            </a:r>
+            <a:r>
+              <a:rPr lang="en" altLang="ko-KR" dirty="0"/>
+              <a:t> = </a:t>
+            </a:r>
+            <a:r>
+              <a:rPr lang="en" altLang="ko-KR" dirty="0" err="1"/>
+              <a:t>con.prepareStatement</a:t>
+            </a:r>
+            <a:r>
+              <a:rPr lang="en" altLang="ko-KR" dirty="0"/>
+              <a:t>(</a:t>
+            </a:r>
+            <a:r>
+              <a:rPr lang="en" altLang="ko-KR" dirty="0" err="1"/>
+              <a:t>sql</a:t>
+            </a:r>
+            <a:r>
+              <a:rPr lang="en" altLang="ko-KR" dirty="0"/>
+              <a:t>);</a:t>
+            </a:r>
+          </a:p>
+          <a:p>
+            <a:pPr marL="0" indent="0">
+              <a:buNone/>
+            </a:pPr>
+            <a:r>
+              <a:rPr lang="en" altLang="ko-KR" dirty="0"/>
+              <a:t>		</a:t>
+            </a:r>
+            <a:r>
+              <a:rPr lang="en" altLang="ko-KR" dirty="0" err="1"/>
+              <a:t>pstmt.setString</a:t>
+            </a:r>
+            <a:r>
+              <a:rPr lang="en" altLang="ko-KR" dirty="0"/>
+              <a:t>(1, </a:t>
+            </a:r>
+            <a:r>
+              <a:rPr lang="en" altLang="ko-KR" dirty="0" err="1"/>
+              <a:t>num</a:t>
+            </a:r>
+            <a:r>
+              <a:rPr lang="en" altLang="ko-KR" dirty="0"/>
+              <a:t>);</a:t>
+            </a:r>
+          </a:p>
+          <a:p>
+            <a:pPr marL="0" indent="0">
+              <a:buNone/>
+            </a:pPr>
+            <a:r>
+              <a:rPr lang="en" altLang="ko-KR" b="1" dirty="0"/>
+              <a:t>		</a:t>
+            </a:r>
+            <a:r>
+              <a:rPr lang="en-US" altLang="ko-KR" b="1" dirty="0" err="1"/>
+              <a:t>i</a:t>
+            </a:r>
+            <a:r>
+              <a:rPr lang="en" altLang="ko-KR" b="1" dirty="0" err="1"/>
+              <a:t>nt</a:t>
+            </a:r>
+            <a:r>
+              <a:rPr lang="en" altLang="ko-KR" dirty="0"/>
+              <a:t> </a:t>
+            </a:r>
+            <a:r>
+              <a:rPr lang="en" altLang="ko-KR" dirty="0" err="1"/>
+              <a:t>i</a:t>
+            </a:r>
+            <a:r>
+              <a:rPr lang="en" altLang="ko-KR" dirty="0"/>
+              <a:t> = </a:t>
+            </a:r>
+            <a:r>
+              <a:rPr lang="en" altLang="ko-KR" dirty="0" err="1"/>
+              <a:t>pstmt.executeUpdate</a:t>
+            </a:r>
+            <a:r>
+              <a:rPr lang="en" altLang="ko-KR" dirty="0"/>
+              <a:t>();</a:t>
+            </a:r>
+          </a:p>
+          <a:p>
+            <a:pPr marL="0" indent="0">
+              <a:buNone/>
+            </a:pPr>
+            <a:r>
+              <a:rPr lang="en" altLang="ko-KR" dirty="0"/>
+              <a:t>		</a:t>
+            </a:r>
+            <a:r>
+              <a:rPr lang="en" altLang="ko-KR" dirty="0" err="1"/>
+              <a:t>System.</a:t>
+            </a:r>
+            <a:r>
+              <a:rPr lang="en" altLang="ko-KR" b="1" i="1" dirty="0" err="1"/>
+              <a:t>out</a:t>
+            </a:r>
+            <a:r>
+              <a:rPr lang="en" altLang="ko-KR" dirty="0" err="1"/>
+              <a:t>.println</a:t>
+            </a:r>
+            <a:r>
+              <a:rPr lang="en" altLang="ko-KR" dirty="0"/>
+              <a:t>(</a:t>
+            </a:r>
+            <a:r>
+              <a:rPr lang="en" altLang="ko-KR" dirty="0" err="1"/>
+              <a:t>i</a:t>
+            </a:r>
+            <a:r>
+              <a:rPr lang="en" altLang="ko-KR" dirty="0"/>
+              <a:t> +" </a:t>
+            </a:r>
+            <a:r>
+              <a:rPr lang="ko-KR" altLang="en-US" dirty="0"/>
+              <a:t>개 행이</a:t>
+            </a:r>
+            <a:r>
+              <a:rPr lang="en-US" altLang="ko-KR" dirty="0"/>
+              <a:t>(</a:t>
+            </a:r>
+            <a:r>
+              <a:rPr lang="ko-KR" altLang="en-US" dirty="0"/>
+              <a:t>가</a:t>
+            </a:r>
+            <a:r>
+              <a:rPr lang="en-US" altLang="ko-KR" dirty="0"/>
+              <a:t>) </a:t>
+            </a:r>
+            <a:r>
+              <a:rPr lang="ko-KR" altLang="en-US" dirty="0"/>
+              <a:t>삭제되었습니다</a:t>
+            </a:r>
+            <a:r>
+              <a:rPr lang="en-US" altLang="ko-KR" dirty="0"/>
+              <a:t>.");</a:t>
+            </a:r>
+          </a:p>
+          <a:p>
+            <a:pPr marL="0" indent="0">
+              <a:buNone/>
+            </a:pPr>
+            <a:r>
+              <a:rPr lang="en-US" altLang="ko-KR" dirty="0"/>
+              <a:t>	}</a:t>
+            </a:r>
+            <a:r>
+              <a:rPr lang="en" altLang="ko-KR" b="1" dirty="0"/>
+              <a:t>catch</a:t>
+            </a:r>
+            <a:r>
+              <a:rPr lang="en" altLang="ko-KR" dirty="0"/>
+              <a:t>(Exception e) {</a:t>
+            </a:r>
+            <a:r>
+              <a:rPr lang="en" altLang="ko-KR" dirty="0" err="1"/>
+              <a:t>e.printStackTrace</a:t>
+            </a:r>
+            <a:r>
+              <a:rPr lang="en" altLang="ko-KR" dirty="0"/>
+              <a:t>();</a:t>
+            </a:r>
+          </a:p>
+          <a:p>
+            <a:pPr marL="0" indent="0">
+              <a:buNone/>
+            </a:pPr>
+            <a:r>
+              <a:rPr lang="en" altLang="ko-KR" dirty="0"/>
+              <a:t>	} </a:t>
+            </a:r>
+            <a:r>
+              <a:rPr lang="en" altLang="ko-KR" b="1" dirty="0"/>
+              <a:t>finally</a:t>
+            </a:r>
+            <a:r>
+              <a:rPr lang="en" altLang="ko-KR" dirty="0"/>
+              <a:t> {</a:t>
+            </a:r>
+          </a:p>
+          <a:p>
+            <a:pPr marL="0" indent="0">
+              <a:buNone/>
+            </a:pPr>
+            <a:r>
+              <a:rPr lang="en" altLang="ko-KR" b="1" dirty="0"/>
+              <a:t>		if</a:t>
+            </a:r>
+            <a:r>
+              <a:rPr lang="en" altLang="ko-KR" dirty="0"/>
+              <a:t>(</a:t>
+            </a:r>
+            <a:r>
+              <a:rPr lang="en" altLang="ko-KR" dirty="0" err="1"/>
+              <a:t>pstmt</a:t>
+            </a:r>
+            <a:r>
+              <a:rPr lang="en" altLang="ko-KR" dirty="0"/>
+              <a:t> != </a:t>
+            </a:r>
+            <a:r>
+              <a:rPr lang="en" altLang="ko-KR" b="1" dirty="0"/>
+              <a:t>null</a:t>
+            </a:r>
+            <a:r>
+              <a:rPr lang="en" altLang="ko-KR" dirty="0"/>
+              <a:t>) </a:t>
+            </a:r>
+            <a:r>
+              <a:rPr lang="en" altLang="ko-KR" b="1" dirty="0"/>
+              <a:t>try</a:t>
+            </a:r>
+            <a:r>
+              <a:rPr lang="en" altLang="ko-KR" dirty="0"/>
+              <a:t>{</a:t>
+            </a:r>
+            <a:r>
+              <a:rPr lang="en" altLang="ko-KR" dirty="0" err="1"/>
+              <a:t>pstmt.close</a:t>
+            </a:r>
+            <a:r>
+              <a:rPr lang="en" altLang="ko-KR" dirty="0"/>
+              <a:t>();}</a:t>
+            </a:r>
+            <a:r>
+              <a:rPr lang="en" altLang="ko-KR" b="1" dirty="0"/>
+              <a:t>catch</a:t>
+            </a:r>
+            <a:r>
+              <a:rPr lang="en" altLang="ko-KR" dirty="0"/>
+              <a:t>(Exception e) {}</a:t>
+            </a:r>
+          </a:p>
+          <a:p>
+            <a:pPr marL="0" indent="0">
+              <a:buNone/>
+            </a:pPr>
+            <a:r>
+              <a:rPr lang="en" altLang="ko-KR" b="1" dirty="0"/>
+              <a:t>		if</a:t>
+            </a:r>
+            <a:r>
+              <a:rPr lang="en" altLang="ko-KR" dirty="0"/>
+              <a:t>(con != </a:t>
+            </a:r>
+            <a:r>
+              <a:rPr lang="en" altLang="ko-KR" b="1" dirty="0"/>
+              <a:t>null</a:t>
+            </a:r>
+            <a:r>
+              <a:rPr lang="en" altLang="ko-KR" dirty="0"/>
+              <a:t>) </a:t>
+            </a:r>
+            <a:r>
+              <a:rPr lang="en" altLang="ko-KR" b="1" dirty="0"/>
+              <a:t>try</a:t>
+            </a:r>
+            <a:r>
+              <a:rPr lang="en" altLang="ko-KR" dirty="0"/>
+              <a:t>{</a:t>
+            </a:r>
+            <a:r>
+              <a:rPr lang="en" altLang="ko-KR" dirty="0" err="1"/>
+              <a:t>con.close</a:t>
+            </a:r>
+            <a:r>
+              <a:rPr lang="en" altLang="ko-KR" dirty="0"/>
+              <a:t>();}</a:t>
+            </a:r>
+            <a:r>
+              <a:rPr lang="en" altLang="ko-KR" b="1" dirty="0"/>
+              <a:t>catch</a:t>
+            </a:r>
+            <a:r>
+              <a:rPr lang="en" altLang="ko-KR" dirty="0"/>
+              <a:t>(Exception e) {}</a:t>
+            </a:r>
+          </a:p>
+          <a:p>
+            <a:pPr marL="0" indent="0">
+              <a:buNone/>
+            </a:pPr>
+            <a:r>
+              <a:rPr lang="en" altLang="ko-KR" dirty="0"/>
+              <a:t>	}</a:t>
+            </a:r>
+          </a:p>
+          <a:p>
+            <a:pPr marL="0" indent="0">
+              <a:buNone/>
+            </a:pPr>
+            <a:r>
+              <a:rPr lang="en" altLang="ko-KR" dirty="0"/>
+              <a:t>}</a:t>
+            </a:r>
+          </a:p>
+          <a:p>
+            <a:pPr marL="0" indent="0">
+              <a:buNone/>
+            </a:pPr>
+            <a:endParaRPr kumimoji="1" lang="ko-KR" altLang="en-US" dirty="0"/>
+          </a:p>
+        </p:txBody>
+      </p:sp>
+    </p:spTree>
+    <p:extLst>
+      <p:ext uri="{BB962C8B-B14F-4D97-AF65-F5344CB8AC3E}">
+        <p14:creationId xmlns:p14="http://schemas.microsoft.com/office/powerpoint/2010/main" val="533425860"/>
+      </p:ext>
+    </p:extLst>
+  </p:cSld>
+  <p:clrMapOvr>
+    <a:masterClrMapping/>
+  </p:clrMapOvr>
+</p:sld>
+</file>
+
+<file path=ppt/slides/slide47.xml><?xml version="1.0" encoding="utf-8"?>
+<p:sld xmlns:a="http://schemas.openxmlformats.org/drawingml/2006/main" xmlns:r="http://schemas.openxmlformats.org/officeDocument/2006/relationships" xmlns:p="http://schemas.openxmlformats.org/presentationml/2006/main">
+  <p:cSld>
+    <p:spTree>
+      <p:nvGrpSpPr>
+        <p:cNvPr id="1" name=""/>
+        <p:cNvGrpSpPr/>
+        <p:nvPr/>
+      </p:nvGrpSpPr>
+      <p:grpSpPr>
+        <a:xfrm>
+          <a:off x="0" y="0"/>
+          <a:ext cx="0" cy="0"/>
+          <a:chOff x="0" y="0"/>
+          <a:chExt cx="0" cy="0"/>
+        </a:xfrm>
+      </p:grpSpPr>
+      <p:sp>
+        <p:nvSpPr>
+          <p:cNvPr id="3" name="내용 개체 틀 2">
+            <a:extLst>
+              <a:ext uri="{FF2B5EF4-FFF2-40B4-BE49-F238E27FC236}">
+                <a16:creationId xmlns:a16="http://schemas.microsoft.com/office/drawing/2014/main" id="{65CF46B5-BFD1-214C-B4FB-EF258757235A}"/>
+              </a:ext>
+            </a:extLst>
+          </p:cNvPr>
+          <p:cNvSpPr>
+            <a:spLocks noGrp="1"/>
+          </p:cNvSpPr>
+          <p:nvPr>
+            <p:ph idx="1"/>
+          </p:nvPr>
+        </p:nvSpPr>
+        <p:spPr>
+          <a:xfrm>
+            <a:off x="838200" y="400692"/>
+            <a:ext cx="10515600" cy="5776271"/>
+          </a:xfrm>
+        </p:spPr>
+        <p:txBody>
+          <a:bodyPr>
+            <a:normAutofit fontScale="55000" lnSpcReduction="20000"/>
+          </a:bodyPr>
+          <a:lstStyle/>
+          <a:p>
+            <a:pPr marL="0" indent="0">
+              <a:buNone/>
+            </a:pPr>
+            <a:r>
+              <a:rPr lang="ko-KR" altLang="en-US" dirty="0"/>
+              <a:t> </a:t>
+            </a:r>
+            <a:r>
+              <a:rPr lang="en-US" altLang="ko-KR" dirty="0"/>
+              <a:t>page-controller</a:t>
+            </a:r>
+            <a:r>
+              <a:rPr lang="ko-KR" altLang="en-US" dirty="0"/>
+              <a:t>메서드를 호출할 수 있게 추가해준다</a:t>
+            </a:r>
+            <a:r>
+              <a:rPr lang="en-US" altLang="ko-KR" dirty="0"/>
+              <a:t>.</a:t>
+            </a:r>
+            <a:endParaRPr lang="en" altLang="ko-KR" dirty="0"/>
+          </a:p>
+          <a:p>
+            <a:pPr marL="0" indent="0">
+              <a:buNone/>
+            </a:pPr>
+            <a:r>
+              <a:rPr lang="en" altLang="ko-KR" b="1" dirty="0"/>
+              <a:t>public</a:t>
+            </a:r>
+            <a:r>
+              <a:rPr lang="en" altLang="ko-KR" dirty="0"/>
+              <a:t> </a:t>
+            </a:r>
+            <a:r>
+              <a:rPr lang="en" altLang="ko-KR" b="1" dirty="0"/>
+              <a:t>class</a:t>
+            </a:r>
+            <a:r>
+              <a:rPr lang="en" altLang="ko-KR" dirty="0"/>
+              <a:t> </a:t>
+            </a:r>
+            <a:r>
+              <a:rPr lang="en" altLang="ko-KR" dirty="0" err="1"/>
+              <a:t>BoardDelController</a:t>
+            </a:r>
+            <a:r>
+              <a:rPr lang="en" altLang="ko-KR" dirty="0"/>
+              <a:t> {</a:t>
+            </a:r>
+          </a:p>
+          <a:p>
+            <a:pPr marL="0" indent="0">
+              <a:buNone/>
+            </a:pPr>
+            <a:r>
+              <a:rPr lang="en" altLang="ko-KR" b="1" dirty="0"/>
+              <a:t>	public</a:t>
+            </a:r>
+            <a:r>
+              <a:rPr lang="en" altLang="ko-KR" dirty="0"/>
+              <a:t> </a:t>
+            </a:r>
+            <a:r>
+              <a:rPr lang="en" altLang="ko-KR" b="1" dirty="0"/>
+              <a:t>void</a:t>
+            </a:r>
+            <a:r>
+              <a:rPr lang="en" altLang="ko-KR" dirty="0"/>
+              <a:t> execute(</a:t>
+            </a:r>
+            <a:r>
+              <a:rPr lang="en" altLang="ko-KR" u="sng" dirty="0" err="1"/>
+              <a:t>HttpServletRequest</a:t>
+            </a:r>
+            <a:r>
+              <a:rPr lang="en" altLang="ko-KR" dirty="0"/>
+              <a:t> request) {</a:t>
+            </a:r>
+          </a:p>
+          <a:p>
+            <a:pPr marL="0" indent="0">
+              <a:buNone/>
+            </a:pPr>
+            <a:r>
+              <a:rPr lang="en" altLang="ko-KR" dirty="0"/>
+              <a:t>		String </a:t>
+            </a:r>
+            <a:r>
+              <a:rPr lang="en" altLang="ko-KR" dirty="0" err="1"/>
+              <a:t>num</a:t>
+            </a:r>
+            <a:r>
+              <a:rPr lang="en" altLang="ko-KR" dirty="0"/>
+              <a:t> = </a:t>
+            </a:r>
+            <a:r>
+              <a:rPr lang="en" altLang="ko-KR" dirty="0" err="1"/>
+              <a:t>request.getParameter</a:t>
+            </a:r>
+            <a:r>
+              <a:rPr lang="en" altLang="ko-KR" dirty="0"/>
+              <a:t>("</a:t>
+            </a:r>
+            <a:r>
+              <a:rPr lang="en" altLang="ko-KR" dirty="0" err="1"/>
+              <a:t>num</a:t>
+            </a:r>
+            <a:r>
+              <a:rPr lang="en" altLang="ko-KR" dirty="0"/>
+              <a:t>");</a:t>
+            </a:r>
+          </a:p>
+          <a:p>
+            <a:pPr marL="0" indent="0">
+              <a:buNone/>
+            </a:pPr>
+            <a:r>
+              <a:rPr lang="en" altLang="ko-KR" dirty="0"/>
+              <a:t>		</a:t>
+            </a:r>
+            <a:r>
+              <a:rPr lang="en" altLang="ko-KR" dirty="0" err="1"/>
+              <a:t>BoardDAO</a:t>
+            </a:r>
+            <a:r>
+              <a:rPr lang="en" altLang="ko-KR" dirty="0"/>
+              <a:t> </a:t>
+            </a:r>
+            <a:r>
+              <a:rPr lang="en" altLang="ko-KR" dirty="0" err="1"/>
+              <a:t>dao</a:t>
+            </a:r>
+            <a:r>
+              <a:rPr lang="en" altLang="ko-KR" dirty="0"/>
+              <a:t> = </a:t>
+            </a:r>
+            <a:r>
+              <a:rPr lang="en" altLang="ko-KR" b="1" dirty="0"/>
+              <a:t>new</a:t>
+            </a:r>
+            <a:r>
+              <a:rPr lang="en" altLang="ko-KR" dirty="0"/>
+              <a:t> </a:t>
+            </a:r>
+            <a:r>
+              <a:rPr lang="en" altLang="ko-KR" dirty="0" err="1"/>
+              <a:t>BoardDAO</a:t>
+            </a:r>
+            <a:r>
+              <a:rPr lang="en" altLang="ko-KR" dirty="0"/>
+              <a:t>();</a:t>
+            </a:r>
+          </a:p>
+          <a:p>
+            <a:pPr marL="0" indent="0">
+              <a:buNone/>
+            </a:pPr>
+            <a:r>
+              <a:rPr lang="en" altLang="ko-KR" dirty="0"/>
+              <a:t>		/// </a:t>
+            </a:r>
+            <a:r>
+              <a:rPr lang="ko-KR" altLang="en-US" dirty="0"/>
+              <a:t>추가</a:t>
+            </a:r>
+            <a:endParaRPr lang="en" altLang="ko-KR" dirty="0"/>
+          </a:p>
+          <a:p>
+            <a:pPr marL="0" indent="0">
+              <a:buNone/>
+            </a:pPr>
+            <a:r>
+              <a:rPr lang="en" altLang="ko-KR" dirty="0"/>
+              <a:t>		 </a:t>
+            </a:r>
+            <a:r>
+              <a:rPr lang="en" altLang="ko-KR" dirty="0" err="1"/>
+              <a:t>dao.boardDel</a:t>
+            </a:r>
+            <a:r>
+              <a:rPr lang="en" altLang="ko-KR" dirty="0"/>
+              <a:t>(</a:t>
+            </a:r>
+            <a:r>
+              <a:rPr lang="en" altLang="ko-KR" dirty="0" err="1"/>
+              <a:t>num</a:t>
+            </a:r>
+            <a:r>
+              <a:rPr lang="en" altLang="ko-KR" dirty="0"/>
+              <a:t>);</a:t>
+            </a:r>
+          </a:p>
+          <a:p>
+            <a:pPr marL="0" indent="0">
+              <a:buNone/>
+            </a:pPr>
+            <a:r>
+              <a:rPr lang="en" altLang="ko-KR" dirty="0"/>
+              <a:t>	}</a:t>
+            </a:r>
+          </a:p>
+          <a:p>
+            <a:pPr marL="0" indent="0">
+              <a:buNone/>
+            </a:pPr>
+            <a:r>
+              <a:rPr lang="en" altLang="ko-KR" dirty="0"/>
+              <a:t>}</a:t>
+            </a:r>
+          </a:p>
+          <a:p>
+            <a:pPr marL="0" indent="0">
+              <a:buNone/>
+            </a:pPr>
+            <a:endParaRPr kumimoji="1" lang="en-US" altLang="ko-KR" dirty="0"/>
+          </a:p>
+          <a:p>
+            <a:pPr marL="0" indent="0">
+              <a:buNone/>
+            </a:pPr>
+            <a:r>
+              <a:rPr kumimoji="1" lang="en-US" altLang="ko-KR" dirty="0"/>
+              <a:t>Front-Controller</a:t>
+            </a:r>
+            <a:r>
+              <a:rPr kumimoji="1" lang="ko-KR" altLang="en-US" dirty="0"/>
+              <a:t>에서 </a:t>
+            </a:r>
+            <a:r>
+              <a:rPr lang="en" altLang="ko-KR" dirty="0" err="1"/>
+              <a:t>BoardDelController</a:t>
+            </a:r>
+            <a:r>
+              <a:rPr lang="ko-KR" altLang="en-US" dirty="0"/>
+              <a:t>의 메서드를 추가한다</a:t>
+            </a:r>
+            <a:r>
+              <a:rPr lang="en-US" altLang="ko-KR" dirty="0"/>
+              <a:t>.</a:t>
+            </a:r>
+            <a:endParaRPr kumimoji="1" lang="en-US" altLang="ko-KR" dirty="0"/>
+          </a:p>
+          <a:p>
+            <a:pPr marL="0" indent="0">
+              <a:buNone/>
+            </a:pPr>
+            <a:r>
+              <a:rPr lang="en" altLang="ko-KR" b="1" dirty="0"/>
+              <a:t>else</a:t>
+            </a:r>
+            <a:r>
+              <a:rPr lang="en" altLang="ko-KR" dirty="0"/>
+              <a:t> </a:t>
+            </a:r>
+            <a:r>
+              <a:rPr lang="en" altLang="ko-KR" b="1" dirty="0"/>
+              <a:t>if</a:t>
+            </a:r>
+            <a:r>
+              <a:rPr lang="en" altLang="ko-KR" dirty="0"/>
+              <a:t>(</a:t>
+            </a:r>
+            <a:r>
+              <a:rPr lang="en" altLang="ko-KR" dirty="0" err="1"/>
+              <a:t>command.equals</a:t>
+            </a:r>
+            <a:r>
+              <a:rPr lang="en" altLang="ko-KR" dirty="0"/>
+              <a:t>("/</a:t>
+            </a:r>
+            <a:r>
+              <a:rPr lang="en" altLang="ko-KR" dirty="0" err="1"/>
+              <a:t>boardDel.kosa</a:t>
+            </a:r>
+            <a:r>
+              <a:rPr lang="en" altLang="ko-KR" dirty="0"/>
+              <a:t>")) {</a:t>
+            </a:r>
+          </a:p>
+          <a:p>
+            <a:pPr marL="0" indent="0">
+              <a:buNone/>
+            </a:pPr>
+            <a:r>
+              <a:rPr lang="ko-KR" altLang="en-US" dirty="0"/>
+              <a:t>          </a:t>
+            </a:r>
+            <a:r>
+              <a:rPr lang="en-US" altLang="ko-KR" dirty="0"/>
+              <a:t>////</a:t>
+            </a:r>
+            <a:r>
+              <a:rPr lang="ko-KR" altLang="en-US" dirty="0"/>
+              <a:t> 추가</a:t>
+            </a:r>
+            <a:endParaRPr lang="en" altLang="ko-KR" dirty="0"/>
+          </a:p>
+          <a:p>
+            <a:pPr marL="0" indent="0">
+              <a:buNone/>
+            </a:pPr>
+            <a:r>
+              <a:rPr lang="ko-KR" altLang="en-US" dirty="0"/>
+              <a:t> </a:t>
+            </a:r>
+            <a:r>
+              <a:rPr lang="en-US" altLang="ko-KR" dirty="0"/>
+              <a:t>	</a:t>
+            </a:r>
+            <a:r>
+              <a:rPr lang="en" altLang="ko-KR" dirty="0" err="1"/>
+              <a:t>BoardDelController</a:t>
+            </a:r>
+            <a:r>
+              <a:rPr lang="ko-KR" altLang="en-US" dirty="0"/>
+              <a:t> </a:t>
+            </a:r>
+            <a:r>
+              <a:rPr lang="en-US" altLang="ko-KR" dirty="0"/>
+              <a:t>action = new </a:t>
+            </a:r>
+            <a:r>
+              <a:rPr lang="en" altLang="ko-KR" dirty="0" err="1"/>
+              <a:t>BoardDelController</a:t>
+            </a:r>
+            <a:r>
+              <a:rPr lang="en" altLang="ko-KR" dirty="0"/>
+              <a:t>();</a:t>
+            </a:r>
+          </a:p>
+          <a:p>
+            <a:pPr marL="0" indent="0">
+              <a:buNone/>
+            </a:pPr>
+            <a:r>
+              <a:rPr lang="ko-KR" altLang="en-US" dirty="0"/>
+              <a:t> </a:t>
+            </a:r>
+            <a:r>
+              <a:rPr lang="en-US" altLang="ko-KR" dirty="0"/>
+              <a:t>	</a:t>
+            </a:r>
+            <a:r>
+              <a:rPr lang="en" altLang="ko-KR" dirty="0" err="1"/>
+              <a:t>action.execute</a:t>
+            </a:r>
+            <a:r>
+              <a:rPr lang="en" altLang="ko-KR" dirty="0"/>
+              <a:t>(request);</a:t>
+            </a:r>
+          </a:p>
+          <a:p>
+            <a:pPr marL="0" indent="0">
+              <a:buNone/>
+            </a:pPr>
+            <a:r>
+              <a:rPr lang="ko-KR" altLang="en-US" dirty="0"/>
+              <a:t>           </a:t>
+            </a:r>
+            <a:r>
+              <a:rPr lang="en-US" altLang="ko-KR"/>
+              <a:t>////</a:t>
+            </a:r>
+          </a:p>
+          <a:p>
+            <a:pPr marL="0" indent="0">
+              <a:buNone/>
+            </a:pPr>
+            <a:endParaRPr lang="en" altLang="ko-KR" dirty="0"/>
+          </a:p>
+          <a:p>
+            <a:pPr marL="0" indent="0">
+              <a:buNone/>
+            </a:pPr>
+            <a:r>
+              <a:rPr lang="en" altLang="ko-KR" dirty="0"/>
+              <a:t>	</a:t>
+            </a:r>
+            <a:r>
+              <a:rPr lang="en" altLang="ko-KR" dirty="0" err="1"/>
+              <a:t>response.sendRedirect</a:t>
+            </a:r>
+            <a:r>
+              <a:rPr lang="en" altLang="ko-KR" dirty="0"/>
+              <a:t>("</a:t>
+            </a:r>
+            <a:r>
+              <a:rPr lang="en" altLang="ko-KR" dirty="0" err="1"/>
+              <a:t>boardList.kosa</a:t>
+            </a:r>
+            <a:r>
+              <a:rPr lang="en" altLang="ko-KR" dirty="0"/>
+              <a:t>");</a:t>
+            </a:r>
+          </a:p>
+          <a:p>
+            <a:pPr marL="0" indent="0">
+              <a:buNone/>
+            </a:pPr>
+            <a:r>
+              <a:rPr lang="en" altLang="ko-KR" dirty="0"/>
+              <a:t>}</a:t>
+            </a:r>
+          </a:p>
+          <a:p>
+            <a:pPr marL="0" indent="0">
+              <a:buNone/>
+            </a:pPr>
+            <a:endParaRPr kumimoji="1" lang="ko-KR" altLang="en-US" dirty="0"/>
+          </a:p>
+        </p:txBody>
+      </p:sp>
+    </p:spTree>
+    <p:extLst>
+      <p:ext uri="{BB962C8B-B14F-4D97-AF65-F5344CB8AC3E}">
+        <p14:creationId xmlns:p14="http://schemas.microsoft.com/office/powerpoint/2010/main" val="2728364910"/>
       </p:ext>
     </p:extLst>
   </p:cSld>

--- a/WEB/JSP/board.pptx
+++ b/WEB/JSP/board.pptx
@@ -305,7 +305,7 @@
           <a:p>
             <a:fld id="{94CE0F77-A640-5D46-B7F1-742F5846536B}" type="datetimeFigureOut">
               <a:rPr kumimoji="1" lang="ko-KR" altLang="en-US" smtClean="0"/>
-              <a:t>2022. 11. 8.</a:t>
+              <a:t>2022. 11. 9.</a:t>
             </a:fld>
             <a:endParaRPr kumimoji="1" lang="ko-KR" altLang="en-US"/>
           </a:p>
@@ -478,7 +478,7 @@
           <a:p>
             <a:fld id="{94CE0F77-A640-5D46-B7F1-742F5846536B}" type="datetimeFigureOut">
               <a:rPr kumimoji="1" lang="ko-KR" altLang="en-US" smtClean="0"/>
-              <a:t>2022. 11. 8.</a:t>
+              <a:t>2022. 11. 9.</a:t>
             </a:fld>
             <a:endParaRPr kumimoji="1" lang="ko-KR" altLang="en-US"/>
           </a:p>
@@ -661,7 +661,7 @@
           <a:p>
             <a:fld id="{94CE0F77-A640-5D46-B7F1-742F5846536B}" type="datetimeFigureOut">
               <a:rPr kumimoji="1" lang="ko-KR" altLang="en-US" smtClean="0"/>
-              <a:t>2022. 11. 8.</a:t>
+              <a:t>2022. 11. 9.</a:t>
             </a:fld>
             <a:endParaRPr kumimoji="1" lang="ko-KR" altLang="en-US"/>
           </a:p>
@@ -834,7 +834,7 @@
           <a:p>
             <a:fld id="{94CE0F77-A640-5D46-B7F1-742F5846536B}" type="datetimeFigureOut">
               <a:rPr kumimoji="1" lang="ko-KR" altLang="en-US" smtClean="0"/>
-              <a:t>2022. 11. 8.</a:t>
+              <a:t>2022. 11. 9.</a:t>
             </a:fld>
             <a:endParaRPr kumimoji="1" lang="ko-KR" altLang="en-US"/>
           </a:p>
@@ -1112,7 +1112,7 @@
           <a:p>
             <a:fld id="{94CE0F77-A640-5D46-B7F1-742F5846536B}" type="datetimeFigureOut">
               <a:rPr kumimoji="1" lang="ko-KR" altLang="en-US" smtClean="0"/>
-              <a:t>2022. 11. 8.</a:t>
+              <a:t>2022. 11. 9.</a:t>
             </a:fld>
             <a:endParaRPr kumimoji="1" lang="ko-KR" altLang="en-US"/>
           </a:p>
@@ -1327,7 +1327,7 @@
           <a:p>
             <a:fld id="{94CE0F77-A640-5D46-B7F1-742F5846536B}" type="datetimeFigureOut">
               <a:rPr kumimoji="1" lang="ko-KR" altLang="en-US" smtClean="0"/>
-              <a:t>2022. 11. 8.</a:t>
+              <a:t>2022. 11. 9.</a:t>
             </a:fld>
             <a:endParaRPr kumimoji="1" lang="ko-KR" altLang="en-US"/>
           </a:p>
@@ -1695,7 +1695,7 @@
           <a:p>
             <a:fld id="{94CE0F77-A640-5D46-B7F1-742F5846536B}" type="datetimeFigureOut">
               <a:rPr kumimoji="1" lang="ko-KR" altLang="en-US" smtClean="0"/>
-              <a:t>2022. 11. 8.</a:t>
+              <a:t>2022. 11. 9.</a:t>
             </a:fld>
             <a:endParaRPr kumimoji="1" lang="ko-KR" altLang="en-US"/>
           </a:p>
@@ -1836,7 +1836,7 @@
           <a:p>
             <a:fld id="{94CE0F77-A640-5D46-B7F1-742F5846536B}" type="datetimeFigureOut">
               <a:rPr kumimoji="1" lang="ko-KR" altLang="en-US" smtClean="0"/>
-              <a:t>2022. 11. 8.</a:t>
+              <a:t>2022. 11. 9.</a:t>
             </a:fld>
             <a:endParaRPr kumimoji="1" lang="ko-KR" altLang="en-US"/>
           </a:p>
@@ -1949,7 +1949,7 @@
           <a:p>
             <a:fld id="{94CE0F77-A640-5D46-B7F1-742F5846536B}" type="datetimeFigureOut">
               <a:rPr kumimoji="1" lang="ko-KR" altLang="en-US" smtClean="0"/>
-              <a:t>2022. 11. 8.</a:t>
+              <a:t>2022. 11. 9.</a:t>
             </a:fld>
             <a:endParaRPr kumimoji="1" lang="ko-KR" altLang="en-US"/>
           </a:p>
@@ -2238,7 +2238,7 @@
           <a:p>
             <a:fld id="{94CE0F77-A640-5D46-B7F1-742F5846536B}" type="datetimeFigureOut">
               <a:rPr kumimoji="1" lang="ko-KR" altLang="en-US" smtClean="0"/>
-              <a:t>2022. 11. 8.</a:t>
+              <a:t>2022. 11. 9.</a:t>
             </a:fld>
             <a:endParaRPr kumimoji="1" lang="ko-KR" altLang="en-US"/>
           </a:p>
@@ -2529,7 +2529,7 @@
           <a:p>
             <a:fld id="{94CE0F77-A640-5D46-B7F1-742F5846536B}" type="datetimeFigureOut">
               <a:rPr kumimoji="1" lang="ko-KR" altLang="en-US" smtClean="0"/>
-              <a:t>2022. 11. 8.</a:t>
+              <a:t>2022. 11. 9.</a:t>
             </a:fld>
             <a:endParaRPr kumimoji="1" lang="ko-KR" altLang="en-US"/>
           </a:p>
@@ -2745,7 +2745,7 @@
           <a:p>
             <a:fld id="{94CE0F77-A640-5D46-B7F1-742F5846536B}" type="datetimeFigureOut">
               <a:rPr kumimoji="1" lang="ko-KR" altLang="en-US" smtClean="0"/>
-              <a:t>2022. 11. 8.</a:t>
+              <a:t>2022. 11. 9.</a:t>
             </a:fld>
             <a:endParaRPr kumimoji="1" lang="ko-KR" altLang="en-US"/>
           </a:p>
@@ -12963,7 +12963,7 @@
             </a:r>
             <a:r>
               <a:rPr lang="en" altLang="ko-KR" dirty="0" err="1"/>
-              <a:t>boardDetail.kosa</a:t>
+              <a:t>boardDetail.board</a:t>
             </a:r>
             <a:r>
               <a:rPr lang="en" altLang="ko-KR" dirty="0"/>
@@ -13659,7 +13659,7 @@
             </a:r>
             <a:r>
               <a:rPr lang="en" altLang="ko-KR" dirty="0" err="1"/>
-              <a:t>boardUpdate.kosa</a:t>
+              <a:t>boardUpdate.board</a:t>
             </a:r>
             <a:r>
               <a:rPr lang="en" altLang="ko-KR" dirty="0"/>
@@ -14644,7 +14644,7 @@
             </a:r>
             <a:r>
               <a:rPr lang="en" altLang="ko-KR" dirty="0" err="1"/>
-              <a:t>boardModify.kosa</a:t>
+              <a:t>boardModify.board</a:t>
             </a:r>
             <a:r>
               <a:rPr lang="en" altLang="ko-KR" dirty="0"/>
@@ -14669,7 +14669,7 @@
             </a:r>
             <a:r>
               <a:rPr lang="en" altLang="ko-KR" dirty="0" err="1"/>
-              <a:t>boardDetail.kosa?num</a:t>
+              <a:t>boardDetail.board?num</a:t>
             </a:r>
             <a:r>
               <a:rPr lang="en" altLang="ko-KR" dirty="0"/>

--- a/WEB/JSP/board.pptx
+++ b/WEB/JSP/board.pptx
@@ -9,49 +9,48 @@
     <p:sldId id="258" r:id="rId3"/>
     <p:sldId id="259" r:id="rId4"/>
     <p:sldId id="257" r:id="rId5"/>
-    <p:sldId id="260" r:id="rId6"/>
-    <p:sldId id="261" r:id="rId7"/>
-    <p:sldId id="262" r:id="rId8"/>
-    <p:sldId id="263" r:id="rId9"/>
-    <p:sldId id="264" r:id="rId10"/>
-    <p:sldId id="265" r:id="rId11"/>
-    <p:sldId id="266" r:id="rId12"/>
-    <p:sldId id="267" r:id="rId13"/>
-    <p:sldId id="268" r:id="rId14"/>
-    <p:sldId id="269" r:id="rId15"/>
-    <p:sldId id="270" r:id="rId16"/>
-    <p:sldId id="271" r:id="rId17"/>
-    <p:sldId id="272" r:id="rId18"/>
-    <p:sldId id="275" r:id="rId19"/>
-    <p:sldId id="273" r:id="rId20"/>
-    <p:sldId id="274" r:id="rId21"/>
-    <p:sldId id="276" r:id="rId22"/>
-    <p:sldId id="277" r:id="rId23"/>
-    <p:sldId id="278" r:id="rId24"/>
-    <p:sldId id="279" r:id="rId25"/>
-    <p:sldId id="280" r:id="rId26"/>
-    <p:sldId id="281" r:id="rId27"/>
-    <p:sldId id="282" r:id="rId28"/>
-    <p:sldId id="283" r:id="rId29"/>
-    <p:sldId id="284" r:id="rId30"/>
-    <p:sldId id="285" r:id="rId31"/>
-    <p:sldId id="286" r:id="rId32"/>
-    <p:sldId id="287" r:id="rId33"/>
-    <p:sldId id="290" r:id="rId34"/>
-    <p:sldId id="288" r:id="rId35"/>
-    <p:sldId id="289" r:id="rId36"/>
-    <p:sldId id="291" r:id="rId37"/>
-    <p:sldId id="292" r:id="rId38"/>
-    <p:sldId id="293" r:id="rId39"/>
-    <p:sldId id="294" r:id="rId40"/>
-    <p:sldId id="295" r:id="rId41"/>
-    <p:sldId id="296" r:id="rId42"/>
-    <p:sldId id="297" r:id="rId43"/>
-    <p:sldId id="298" r:id="rId44"/>
-    <p:sldId id="299" r:id="rId45"/>
-    <p:sldId id="300" r:id="rId46"/>
-    <p:sldId id="301" r:id="rId47"/>
-    <p:sldId id="302" r:id="rId48"/>
+    <p:sldId id="261" r:id="rId6"/>
+    <p:sldId id="262" r:id="rId7"/>
+    <p:sldId id="263" r:id="rId8"/>
+    <p:sldId id="264" r:id="rId9"/>
+    <p:sldId id="265" r:id="rId10"/>
+    <p:sldId id="266" r:id="rId11"/>
+    <p:sldId id="267" r:id="rId12"/>
+    <p:sldId id="268" r:id="rId13"/>
+    <p:sldId id="269" r:id="rId14"/>
+    <p:sldId id="270" r:id="rId15"/>
+    <p:sldId id="271" r:id="rId16"/>
+    <p:sldId id="272" r:id="rId17"/>
+    <p:sldId id="275" r:id="rId18"/>
+    <p:sldId id="273" r:id="rId19"/>
+    <p:sldId id="274" r:id="rId20"/>
+    <p:sldId id="276" r:id="rId21"/>
+    <p:sldId id="277" r:id="rId22"/>
+    <p:sldId id="278" r:id="rId23"/>
+    <p:sldId id="279" r:id="rId24"/>
+    <p:sldId id="280" r:id="rId25"/>
+    <p:sldId id="281" r:id="rId26"/>
+    <p:sldId id="282" r:id="rId27"/>
+    <p:sldId id="283" r:id="rId28"/>
+    <p:sldId id="284" r:id="rId29"/>
+    <p:sldId id="285" r:id="rId30"/>
+    <p:sldId id="286" r:id="rId31"/>
+    <p:sldId id="287" r:id="rId32"/>
+    <p:sldId id="290" r:id="rId33"/>
+    <p:sldId id="288" r:id="rId34"/>
+    <p:sldId id="289" r:id="rId35"/>
+    <p:sldId id="291" r:id="rId36"/>
+    <p:sldId id="292" r:id="rId37"/>
+    <p:sldId id="293" r:id="rId38"/>
+    <p:sldId id="294" r:id="rId39"/>
+    <p:sldId id="295" r:id="rId40"/>
+    <p:sldId id="296" r:id="rId41"/>
+    <p:sldId id="297" r:id="rId42"/>
+    <p:sldId id="298" r:id="rId43"/>
+    <p:sldId id="299" r:id="rId44"/>
+    <p:sldId id="300" r:id="rId45"/>
+    <p:sldId id="301" r:id="rId46"/>
+    <p:sldId id="302" r:id="rId47"/>
   </p:sldIdLst>
   <p:sldSz cx="12192000" cy="6858000"/>
   <p:notesSz cx="6858000" cy="9144000"/>
@@ -305,7 +304,7 @@
           <a:p>
             <a:fld id="{94CE0F77-A640-5D46-B7F1-742F5846536B}" type="datetimeFigureOut">
               <a:rPr kumimoji="1" lang="ko-KR" altLang="en-US" smtClean="0"/>
-              <a:t>2022. 11. 9.</a:t>
+              <a:t>2022-11-16</a:t>
             </a:fld>
             <a:endParaRPr kumimoji="1" lang="ko-KR" altLang="en-US"/>
           </a:p>
@@ -478,7 +477,7 @@
           <a:p>
             <a:fld id="{94CE0F77-A640-5D46-B7F1-742F5846536B}" type="datetimeFigureOut">
               <a:rPr kumimoji="1" lang="ko-KR" altLang="en-US" smtClean="0"/>
-              <a:t>2022. 11. 9.</a:t>
+              <a:t>2022-11-16</a:t>
             </a:fld>
             <a:endParaRPr kumimoji="1" lang="ko-KR" altLang="en-US"/>
           </a:p>
@@ -661,7 +660,7 @@
           <a:p>
             <a:fld id="{94CE0F77-A640-5D46-B7F1-742F5846536B}" type="datetimeFigureOut">
               <a:rPr kumimoji="1" lang="ko-KR" altLang="en-US" smtClean="0"/>
-              <a:t>2022. 11. 9.</a:t>
+              <a:t>2022-11-16</a:t>
             </a:fld>
             <a:endParaRPr kumimoji="1" lang="ko-KR" altLang="en-US"/>
           </a:p>
@@ -834,7 +833,7 @@
           <a:p>
             <a:fld id="{94CE0F77-A640-5D46-B7F1-742F5846536B}" type="datetimeFigureOut">
               <a:rPr kumimoji="1" lang="ko-KR" altLang="en-US" smtClean="0"/>
-              <a:t>2022. 11. 9.</a:t>
+              <a:t>2022-11-16</a:t>
             </a:fld>
             <a:endParaRPr kumimoji="1" lang="ko-KR" altLang="en-US"/>
           </a:p>
@@ -1112,7 +1111,7 @@
           <a:p>
             <a:fld id="{94CE0F77-A640-5D46-B7F1-742F5846536B}" type="datetimeFigureOut">
               <a:rPr kumimoji="1" lang="ko-KR" altLang="en-US" smtClean="0"/>
-              <a:t>2022. 11. 9.</a:t>
+              <a:t>2022-11-16</a:t>
             </a:fld>
             <a:endParaRPr kumimoji="1" lang="ko-KR" altLang="en-US"/>
           </a:p>
@@ -1327,7 +1326,7 @@
           <a:p>
             <a:fld id="{94CE0F77-A640-5D46-B7F1-742F5846536B}" type="datetimeFigureOut">
               <a:rPr kumimoji="1" lang="ko-KR" altLang="en-US" smtClean="0"/>
-              <a:t>2022. 11. 9.</a:t>
+              <a:t>2022-11-16</a:t>
             </a:fld>
             <a:endParaRPr kumimoji="1" lang="ko-KR" altLang="en-US"/>
           </a:p>
@@ -1695,7 +1694,7 @@
           <a:p>
             <a:fld id="{94CE0F77-A640-5D46-B7F1-742F5846536B}" type="datetimeFigureOut">
               <a:rPr kumimoji="1" lang="ko-KR" altLang="en-US" smtClean="0"/>
-              <a:t>2022. 11. 9.</a:t>
+              <a:t>2022-11-16</a:t>
             </a:fld>
             <a:endParaRPr kumimoji="1" lang="ko-KR" altLang="en-US"/>
           </a:p>
@@ -1836,7 +1835,7 @@
           <a:p>
             <a:fld id="{94CE0F77-A640-5D46-B7F1-742F5846536B}" type="datetimeFigureOut">
               <a:rPr kumimoji="1" lang="ko-KR" altLang="en-US" smtClean="0"/>
-              <a:t>2022. 11. 9.</a:t>
+              <a:t>2022-11-16</a:t>
             </a:fld>
             <a:endParaRPr kumimoji="1" lang="ko-KR" altLang="en-US"/>
           </a:p>
@@ -1949,7 +1948,7 @@
           <a:p>
             <a:fld id="{94CE0F77-A640-5D46-B7F1-742F5846536B}" type="datetimeFigureOut">
               <a:rPr kumimoji="1" lang="ko-KR" altLang="en-US" smtClean="0"/>
-              <a:t>2022. 11. 9.</a:t>
+              <a:t>2022-11-16</a:t>
             </a:fld>
             <a:endParaRPr kumimoji="1" lang="ko-KR" altLang="en-US"/>
           </a:p>
@@ -2238,7 +2237,7 @@
           <a:p>
             <a:fld id="{94CE0F77-A640-5D46-B7F1-742F5846536B}" type="datetimeFigureOut">
               <a:rPr kumimoji="1" lang="ko-KR" altLang="en-US" smtClean="0"/>
-              <a:t>2022. 11. 9.</a:t>
+              <a:t>2022-11-16</a:t>
             </a:fld>
             <a:endParaRPr kumimoji="1" lang="ko-KR" altLang="en-US"/>
           </a:p>
@@ -2529,7 +2528,7 @@
           <a:p>
             <a:fld id="{94CE0F77-A640-5D46-B7F1-742F5846536B}" type="datetimeFigureOut">
               <a:rPr kumimoji="1" lang="ko-KR" altLang="en-US" smtClean="0"/>
-              <a:t>2022. 11. 9.</a:t>
+              <a:t>2022-11-16</a:t>
             </a:fld>
             <a:endParaRPr kumimoji="1" lang="ko-KR" altLang="en-US"/>
           </a:p>
@@ -2745,7 +2744,7 @@
           <a:p>
             <a:fld id="{94CE0F77-A640-5D46-B7F1-742F5846536B}" type="datetimeFigureOut">
               <a:rPr kumimoji="1" lang="ko-KR" altLang="en-US" smtClean="0"/>
-              <a:t>2022. 11. 9.</a:t>
+              <a:t>2022-11-16</a:t>
             </a:fld>
             <a:endParaRPr kumimoji="1" lang="ko-KR" altLang="en-US"/>
           </a:p>
@@ -3250,600 +3249,6 @@
           <p:cNvPr id="3" name="내용 개체 틀 2">
             <a:extLst>
               <a:ext uri="{FF2B5EF4-FFF2-40B4-BE49-F238E27FC236}">
-                <a16:creationId xmlns:a16="http://schemas.microsoft.com/office/drawing/2014/main" id="{CA0EA590-849B-4945-8F56-730DA71C8923}"/>
-              </a:ext>
-            </a:extLst>
-          </p:cNvPr>
-          <p:cNvSpPr>
-            <a:spLocks noGrp="1"/>
-          </p:cNvSpPr>
-          <p:nvPr>
-            <p:ph idx="1"/>
-          </p:nvPr>
-        </p:nvSpPr>
-        <p:spPr>
-          <a:xfrm>
-            <a:off x="838200" y="503434"/>
-            <a:ext cx="10515600" cy="5673529"/>
-          </a:xfrm>
-        </p:spPr>
-        <p:txBody>
-          <a:bodyPr>
-            <a:normAutofit fontScale="55000" lnSpcReduction="20000"/>
-          </a:bodyPr>
-          <a:lstStyle/>
-          <a:p>
-            <a:pPr marL="0" indent="0">
-              <a:buNone/>
-            </a:pPr>
-            <a:r>
-              <a:rPr kumimoji="1" lang="ko-KR" altLang="en-US" dirty="0"/>
-              <a:t>먼저 </a:t>
-            </a:r>
-            <a:r>
-              <a:rPr kumimoji="1" lang="en-US" altLang="ko-KR" dirty="0"/>
-              <a:t>“</a:t>
-            </a:r>
-            <a:r>
-              <a:rPr lang="en-US" altLang="ko-KR" dirty="0" err="1"/>
-              <a:t>boardWrite.board</a:t>
-            </a:r>
-            <a:r>
-              <a:rPr lang="en-US" altLang="ko-KR" dirty="0"/>
-              <a:t>”</a:t>
-            </a:r>
-            <a:r>
-              <a:rPr lang="ko-KR" altLang="en-US" dirty="0"/>
-              <a:t>주소에서 열릴 </a:t>
-            </a:r>
-            <a:r>
-              <a:rPr lang="en-US" altLang="ko-KR" dirty="0" err="1"/>
-              <a:t>boardForm.jsp</a:t>
-            </a:r>
-            <a:r>
-              <a:rPr lang="ko-KR" altLang="en-US" dirty="0"/>
-              <a:t>파일을 만들어야 할 것이다</a:t>
-            </a:r>
-            <a:r>
-              <a:rPr lang="en-US" altLang="ko-KR" dirty="0"/>
-              <a:t>.</a:t>
-            </a:r>
-          </a:p>
-          <a:p>
-            <a:pPr marL="0" indent="0">
-              <a:buNone/>
-            </a:pPr>
-            <a:r>
-              <a:rPr lang="en-US" altLang="ko-KR" dirty="0" err="1"/>
-              <a:t>Webapps</a:t>
-            </a:r>
-            <a:r>
-              <a:rPr lang="en-US" altLang="ko-KR" dirty="0"/>
-              <a:t> </a:t>
-            </a:r>
-            <a:r>
-              <a:rPr lang="ko-KR" altLang="en-US" dirty="0"/>
-              <a:t>밑에</a:t>
-            </a:r>
-            <a:r>
-              <a:rPr lang="en-US" altLang="ko-KR" dirty="0" err="1"/>
-              <a:t>boardFrom.jsp</a:t>
-            </a:r>
-            <a:r>
-              <a:rPr lang="ko-KR" altLang="en-US" dirty="0" err="1"/>
-              <a:t>를</a:t>
-            </a:r>
-            <a:r>
-              <a:rPr lang="ko-KR" altLang="en-US" dirty="0"/>
-              <a:t> 만든다</a:t>
-            </a:r>
-            <a:r>
-              <a:rPr lang="en-US" altLang="ko-KR" dirty="0"/>
-              <a:t>.</a:t>
-            </a:r>
-          </a:p>
-          <a:p>
-            <a:pPr marL="0" indent="0">
-              <a:buNone/>
-            </a:pPr>
-            <a:r>
-              <a:rPr lang="en" altLang="ko-KR" dirty="0"/>
-              <a:t>&lt;form action=</a:t>
-            </a:r>
-            <a:r>
-              <a:rPr lang="en" altLang="ko-KR" i="1" dirty="0"/>
-              <a:t>"</a:t>
-            </a:r>
-            <a:r>
-              <a:rPr lang="en" altLang="ko-KR" i="1" dirty="0" err="1"/>
-              <a:t>boardRegist.board</a:t>
-            </a:r>
-            <a:r>
-              <a:rPr lang="en" altLang="ko-KR" i="1" dirty="0"/>
-              <a:t>"</a:t>
-            </a:r>
-            <a:r>
-              <a:rPr lang="en" altLang="ko-KR" dirty="0"/>
-              <a:t> method=</a:t>
-            </a:r>
-            <a:r>
-              <a:rPr lang="en" altLang="ko-KR" i="1" dirty="0"/>
-              <a:t>"get"</a:t>
-            </a:r>
-            <a:r>
-              <a:rPr lang="en" altLang="ko-KR" dirty="0"/>
-              <a:t>&gt;</a:t>
-            </a:r>
-          </a:p>
-          <a:p>
-            <a:pPr marL="0" indent="0">
-              <a:buNone/>
-            </a:pPr>
-            <a:r>
-              <a:rPr lang="en" altLang="ko-KR" dirty="0"/>
-              <a:t>	&lt;table&gt;</a:t>
-            </a:r>
-          </a:p>
-          <a:p>
-            <a:pPr marL="0" indent="0">
-              <a:buNone/>
-            </a:pPr>
-            <a:r>
-              <a:rPr lang="en" altLang="ko-KR" dirty="0"/>
-              <a:t>		&lt;caption&gt;</a:t>
-            </a:r>
-            <a:r>
-              <a:rPr lang="ko-KR" altLang="en-US" dirty="0" err="1"/>
-              <a:t>게시글</a:t>
-            </a:r>
-            <a:r>
-              <a:rPr lang="ko-KR" altLang="en-US" dirty="0"/>
-              <a:t> 쓰기</a:t>
-            </a:r>
-            <a:r>
-              <a:rPr lang="en-US" altLang="ko-KR" dirty="0"/>
-              <a:t>&lt;/</a:t>
-            </a:r>
-            <a:r>
-              <a:rPr lang="en" altLang="ko-KR" dirty="0"/>
-              <a:t>caption&gt;</a:t>
-            </a:r>
-          </a:p>
-          <a:p>
-            <a:pPr marL="0" indent="0">
-              <a:buNone/>
-            </a:pPr>
-            <a:r>
-              <a:rPr lang="en" altLang="ko-KR" dirty="0"/>
-              <a:t>		&lt;</a:t>
-            </a:r>
-            <a:r>
-              <a:rPr lang="en" altLang="ko-KR" dirty="0" err="1"/>
-              <a:t>tr</a:t>
-            </a:r>
-            <a:r>
-              <a:rPr lang="en" altLang="ko-KR" dirty="0"/>
-              <a:t>&gt;&lt;td&gt;</a:t>
-            </a:r>
-            <a:r>
-              <a:rPr lang="ko-KR" altLang="en-US" dirty="0"/>
-              <a:t>글쓴이</a:t>
-            </a:r>
-            <a:r>
-              <a:rPr lang="en-US" altLang="ko-KR" dirty="0"/>
-              <a:t>&lt;/</a:t>
-            </a:r>
-            <a:r>
-              <a:rPr lang="en" altLang="ko-KR" dirty="0"/>
-              <a:t>td&gt;</a:t>
-            </a:r>
-          </a:p>
-          <a:p>
-            <a:pPr marL="0" indent="0">
-              <a:buNone/>
-            </a:pPr>
-            <a:r>
-              <a:rPr lang="en" altLang="ko-KR" dirty="0"/>
-              <a:t>			&lt;td&gt;&lt;input type=</a:t>
-            </a:r>
-            <a:r>
-              <a:rPr lang="en" altLang="ko-KR" i="1" dirty="0"/>
-              <a:t>"text"</a:t>
-            </a:r>
-            <a:r>
-              <a:rPr lang="en" altLang="ko-KR" dirty="0"/>
-              <a:t> name=</a:t>
-            </a:r>
-            <a:r>
-              <a:rPr lang="en" altLang="ko-KR" i="1" dirty="0"/>
-              <a:t>"</a:t>
-            </a:r>
-            <a:r>
-              <a:rPr lang="en" altLang="ko-KR" i="1" dirty="0" err="1"/>
-              <a:t>boardWriter</a:t>
-            </a:r>
-            <a:r>
-              <a:rPr lang="en" altLang="ko-KR" i="1" dirty="0"/>
-              <a:t>"</a:t>
-            </a:r>
-            <a:r>
-              <a:rPr lang="en" altLang="ko-KR" dirty="0"/>
-              <a:t>&gt;&lt;/td&gt;</a:t>
-            </a:r>
-          </a:p>
-          <a:p>
-            <a:pPr marL="0" indent="0">
-              <a:buNone/>
-            </a:pPr>
-            <a:r>
-              <a:rPr lang="en" altLang="ko-KR" dirty="0"/>
-              <a:t>		&lt;/</a:t>
-            </a:r>
-            <a:r>
-              <a:rPr lang="en" altLang="ko-KR" dirty="0" err="1"/>
-              <a:t>tr</a:t>
-            </a:r>
-            <a:r>
-              <a:rPr lang="en" altLang="ko-KR" dirty="0"/>
-              <a:t>&gt;</a:t>
-            </a:r>
-          </a:p>
-          <a:p>
-            <a:pPr marL="0" indent="0">
-              <a:buNone/>
-            </a:pPr>
-            <a:r>
-              <a:rPr lang="en" altLang="ko-KR" dirty="0"/>
-              <a:t>		&lt;</a:t>
-            </a:r>
-            <a:r>
-              <a:rPr lang="en" altLang="ko-KR" dirty="0" err="1"/>
-              <a:t>tr</a:t>
-            </a:r>
-            <a:r>
-              <a:rPr lang="en" altLang="ko-KR" dirty="0"/>
-              <a:t>&gt;&lt;td&gt;</a:t>
-            </a:r>
-            <a:r>
-              <a:rPr lang="ko-KR" altLang="en-US" dirty="0"/>
-              <a:t>제목</a:t>
-            </a:r>
-            <a:r>
-              <a:rPr lang="en-US" altLang="ko-KR" dirty="0"/>
-              <a:t>&lt;/</a:t>
-            </a:r>
-            <a:r>
-              <a:rPr lang="en" altLang="ko-KR" dirty="0"/>
-              <a:t>td&gt;</a:t>
-            </a:r>
-          </a:p>
-          <a:p>
-            <a:pPr marL="0" indent="0">
-              <a:buNone/>
-            </a:pPr>
-            <a:r>
-              <a:rPr lang="en" altLang="ko-KR" dirty="0"/>
-              <a:t>			&lt;td&gt;&lt;input type=</a:t>
-            </a:r>
-            <a:r>
-              <a:rPr lang="en" altLang="ko-KR" i="1" dirty="0"/>
-              <a:t>"text"</a:t>
-            </a:r>
-            <a:r>
-              <a:rPr lang="en" altLang="ko-KR" dirty="0"/>
-              <a:t> name=</a:t>
-            </a:r>
-            <a:r>
-              <a:rPr lang="en" altLang="ko-KR" i="1" dirty="0"/>
-              <a:t>"</a:t>
-            </a:r>
-            <a:r>
-              <a:rPr lang="en" altLang="ko-KR" i="1" dirty="0" err="1"/>
-              <a:t>boardSubject</a:t>
-            </a:r>
-            <a:r>
-              <a:rPr lang="en" altLang="ko-KR" i="1" dirty="0"/>
-              <a:t>"</a:t>
-            </a:r>
-            <a:r>
-              <a:rPr lang="en" altLang="ko-KR" dirty="0"/>
-              <a:t>&gt;&lt;/td&gt;</a:t>
-            </a:r>
-          </a:p>
-          <a:p>
-            <a:pPr marL="0" indent="0">
-              <a:buNone/>
-            </a:pPr>
-            <a:r>
-              <a:rPr lang="en" altLang="ko-KR" dirty="0"/>
-              <a:t>		&lt;/</a:t>
-            </a:r>
-            <a:r>
-              <a:rPr lang="en" altLang="ko-KR" dirty="0" err="1"/>
-              <a:t>tr</a:t>
-            </a:r>
-            <a:r>
-              <a:rPr lang="en" altLang="ko-KR" dirty="0"/>
-              <a:t>&gt;</a:t>
-            </a:r>
-          </a:p>
-          <a:p>
-            <a:pPr marL="0" indent="0">
-              <a:buNone/>
-            </a:pPr>
-            <a:r>
-              <a:rPr lang="en" altLang="ko-KR" dirty="0"/>
-              <a:t>		&lt;</a:t>
-            </a:r>
-            <a:r>
-              <a:rPr lang="en" altLang="ko-KR" dirty="0" err="1"/>
-              <a:t>tr</a:t>
-            </a:r>
-            <a:r>
-              <a:rPr lang="en" altLang="ko-KR" dirty="0"/>
-              <a:t>&gt;&lt;td&gt;</a:t>
-            </a:r>
-            <a:r>
-              <a:rPr lang="ko-KR" altLang="en-US" dirty="0"/>
-              <a:t>내용</a:t>
-            </a:r>
-            <a:r>
-              <a:rPr lang="en-US" altLang="ko-KR" dirty="0"/>
-              <a:t>&lt;/</a:t>
-            </a:r>
-            <a:r>
-              <a:rPr lang="en" altLang="ko-KR" dirty="0"/>
-              <a:t>td&gt;</a:t>
-            </a:r>
-          </a:p>
-          <a:p>
-            <a:pPr marL="0" indent="0">
-              <a:buNone/>
-            </a:pPr>
-            <a:r>
-              <a:rPr lang="en" altLang="ko-KR" dirty="0"/>
-              <a:t>			&lt;td&gt;&lt;</a:t>
-            </a:r>
-            <a:r>
-              <a:rPr lang="en" altLang="ko-KR" dirty="0" err="1"/>
-              <a:t>textarea</a:t>
-            </a:r>
-            <a:r>
-              <a:rPr lang="en" altLang="ko-KR" dirty="0"/>
-              <a:t> rows=</a:t>
-            </a:r>
-            <a:r>
-              <a:rPr lang="en" altLang="ko-KR" i="1" dirty="0"/>
-              <a:t>"6"</a:t>
-            </a:r>
-            <a:r>
-              <a:rPr lang="en" altLang="ko-KR" dirty="0"/>
-              <a:t> cols=</a:t>
-            </a:r>
-            <a:r>
-              <a:rPr lang="en" altLang="ko-KR" i="1" dirty="0"/>
-              <a:t>"40"</a:t>
-            </a:r>
-            <a:r>
-              <a:rPr lang="en" altLang="ko-KR" dirty="0"/>
-              <a:t> name=</a:t>
-            </a:r>
-            <a:r>
-              <a:rPr lang="en" altLang="ko-KR" i="1" dirty="0"/>
-              <a:t>"</a:t>
-            </a:r>
-            <a:r>
-              <a:rPr lang="en" altLang="ko-KR" i="1" dirty="0" err="1"/>
-              <a:t>boardContent</a:t>
-            </a:r>
-            <a:r>
-              <a:rPr lang="en" altLang="ko-KR" i="1" dirty="0"/>
-              <a:t>"</a:t>
-            </a:r>
-            <a:r>
-              <a:rPr lang="en" altLang="ko-KR" dirty="0"/>
-              <a:t>&gt;&lt;/</a:t>
-            </a:r>
-            <a:r>
-              <a:rPr lang="en" altLang="ko-KR" dirty="0" err="1"/>
-              <a:t>textarea</a:t>
-            </a:r>
-            <a:r>
-              <a:rPr lang="en" altLang="ko-KR" dirty="0"/>
-              <a:t>&gt;&lt;/td&gt;</a:t>
-            </a:r>
-          </a:p>
-          <a:p>
-            <a:pPr marL="0" indent="0">
-              <a:buNone/>
-            </a:pPr>
-            <a:r>
-              <a:rPr lang="en" altLang="ko-KR" dirty="0"/>
-              <a:t>		&lt;/</a:t>
-            </a:r>
-            <a:r>
-              <a:rPr lang="en" altLang="ko-KR" dirty="0" err="1"/>
-              <a:t>tr</a:t>
-            </a:r>
-            <a:r>
-              <a:rPr lang="en" altLang="ko-KR" dirty="0"/>
-              <a:t>&gt;</a:t>
-            </a:r>
-          </a:p>
-          <a:p>
-            <a:pPr marL="0" indent="0">
-              <a:buNone/>
-            </a:pPr>
-            <a:r>
-              <a:rPr lang="en" altLang="ko-KR" dirty="0"/>
-              <a:t>		&lt;</a:t>
-            </a:r>
-            <a:r>
-              <a:rPr lang="en" altLang="ko-KR" dirty="0" err="1"/>
-              <a:t>tr</a:t>
-            </a:r>
-            <a:r>
-              <a:rPr lang="en" altLang="ko-KR" dirty="0"/>
-              <a:t>&gt;&lt;</a:t>
-            </a:r>
-            <a:r>
-              <a:rPr lang="en" altLang="ko-KR" dirty="0" err="1"/>
-              <a:t>th</a:t>
-            </a:r>
-            <a:r>
-              <a:rPr lang="en" altLang="ko-KR" dirty="0"/>
-              <a:t> </a:t>
-            </a:r>
-            <a:r>
-              <a:rPr lang="en" altLang="ko-KR" dirty="0" err="1"/>
-              <a:t>colspan</a:t>
-            </a:r>
-            <a:r>
-              <a:rPr lang="en" altLang="ko-KR" dirty="0"/>
-              <a:t>=</a:t>
-            </a:r>
-            <a:r>
-              <a:rPr lang="en" altLang="ko-KR" i="1" dirty="0"/>
-              <a:t>2</a:t>
-            </a:r>
-            <a:r>
-              <a:rPr lang="en" altLang="ko-KR" dirty="0"/>
-              <a:t>&gt;</a:t>
-            </a:r>
-          </a:p>
-          <a:p>
-            <a:pPr marL="0" indent="0">
-              <a:buNone/>
-            </a:pPr>
-            <a:r>
-              <a:rPr lang="en" altLang="ko-KR" dirty="0"/>
-              <a:t>			&lt;input type=</a:t>
-            </a:r>
-            <a:r>
-              <a:rPr lang="en" altLang="ko-KR" i="1" dirty="0"/>
-              <a:t>"submit"</a:t>
-            </a:r>
-            <a:r>
-              <a:rPr lang="en" altLang="ko-KR" dirty="0"/>
-              <a:t> value=</a:t>
-            </a:r>
-            <a:r>
-              <a:rPr lang="en" altLang="ko-KR" i="1" dirty="0"/>
-              <a:t>"</a:t>
-            </a:r>
-            <a:r>
-              <a:rPr lang="ko-KR" altLang="en-US" i="1" dirty="0" err="1"/>
-              <a:t>게시글</a:t>
-            </a:r>
-            <a:r>
-              <a:rPr lang="ko-KR" altLang="en-US" i="1" dirty="0"/>
-              <a:t> 등록</a:t>
-            </a:r>
-            <a:r>
-              <a:rPr lang="en-US" altLang="ko-KR" i="1" dirty="0"/>
-              <a:t>"</a:t>
-            </a:r>
-            <a:r>
-              <a:rPr lang="en-US" altLang="ko-KR" dirty="0"/>
-              <a:t>&gt;</a:t>
-            </a:r>
-            <a:r>
-              <a:rPr lang="ko-KR" altLang="en-US" dirty="0"/>
-              <a:t> </a:t>
-            </a:r>
-          </a:p>
-          <a:p>
-            <a:pPr marL="0" indent="0">
-              <a:buNone/>
-            </a:pPr>
-            <a:r>
-              <a:rPr lang="en-US" altLang="ko-KR" dirty="0"/>
-              <a:t>		&lt;/</a:t>
-            </a:r>
-            <a:r>
-              <a:rPr lang="en" altLang="ko-KR" dirty="0" err="1"/>
-              <a:t>th</a:t>
-            </a:r>
-            <a:r>
-              <a:rPr lang="en" altLang="ko-KR" dirty="0"/>
-              <a:t>&gt;&lt;/</a:t>
-            </a:r>
-            <a:r>
-              <a:rPr lang="en" altLang="ko-KR" dirty="0" err="1"/>
-              <a:t>tr</a:t>
-            </a:r>
-            <a:r>
-              <a:rPr lang="en" altLang="ko-KR" dirty="0"/>
-              <a:t>&gt;</a:t>
-            </a:r>
-          </a:p>
-          <a:p>
-            <a:pPr marL="0" indent="0">
-              <a:buNone/>
-            </a:pPr>
-            <a:r>
-              <a:rPr lang="en" altLang="ko-KR" dirty="0"/>
-              <a:t>	&lt;/table&gt;</a:t>
-            </a:r>
-          </a:p>
-          <a:p>
-            <a:pPr marL="0" indent="0">
-              <a:buNone/>
-            </a:pPr>
-            <a:r>
-              <a:rPr lang="en" altLang="ko-KR" dirty="0"/>
-              <a:t>&lt;/form&gt;</a:t>
-            </a:r>
-          </a:p>
-          <a:p>
-            <a:pPr marL="0" indent="0">
-              <a:buNone/>
-            </a:pPr>
-            <a:endParaRPr lang="en-US" altLang="ko-KR" dirty="0"/>
-          </a:p>
-          <a:p>
-            <a:pPr marL="0" indent="0">
-              <a:buNone/>
-            </a:pPr>
-            <a:endParaRPr kumimoji="1" lang="ko-KR" altLang="en-US" dirty="0"/>
-          </a:p>
-        </p:txBody>
-      </p:sp>
-    </p:spTree>
-    <p:extLst>
-      <p:ext uri="{BB962C8B-B14F-4D97-AF65-F5344CB8AC3E}">
-        <p14:creationId xmlns:p14="http://schemas.microsoft.com/office/powerpoint/2010/main" val="2641430204"/>
-      </p:ext>
-    </p:extLst>
-  </p:cSld>
-  <p:clrMapOvr>
-    <a:masterClrMapping/>
-  </p:clrMapOvr>
-</p:sld>
-</file>
-
-<file path=ppt/slides/slide11.xml><?xml version="1.0" encoding="utf-8"?>
-<p:sld xmlns:a="http://schemas.openxmlformats.org/drawingml/2006/main" xmlns:r="http://schemas.openxmlformats.org/officeDocument/2006/relationships" xmlns:p="http://schemas.openxmlformats.org/presentationml/2006/main">
-  <p:cSld>
-    <p:spTree>
-      <p:nvGrpSpPr>
-        <p:cNvPr id="1" name=""/>
-        <p:cNvGrpSpPr/>
-        <p:nvPr/>
-      </p:nvGrpSpPr>
-      <p:grpSpPr>
-        <a:xfrm>
-          <a:off x="0" y="0"/>
-          <a:ext cx="0" cy="0"/>
-          <a:chOff x="0" y="0"/>
-          <a:chExt cx="0" cy="0"/>
-        </a:xfrm>
-      </p:grpSpPr>
-      <p:sp>
-        <p:nvSpPr>
-          <p:cNvPr id="3" name="내용 개체 틀 2">
-            <a:extLst>
-              <a:ext uri="{FF2B5EF4-FFF2-40B4-BE49-F238E27FC236}">
                 <a16:creationId xmlns:a16="http://schemas.microsoft.com/office/drawing/2014/main" id="{EF4077C2-D5EF-5843-9C64-C7761C85C924}"/>
               </a:ext>
             </a:extLst>
@@ -4236,7 +3641,7 @@
 </p:sld>
 </file>
 
-<file path=ppt/slides/slide12.xml><?xml version="1.0" encoding="utf-8"?>
+<file path=ppt/slides/slide11.xml><?xml version="1.0" encoding="utf-8"?>
 <p:sld xmlns:a="http://schemas.openxmlformats.org/drawingml/2006/main" xmlns:r="http://schemas.openxmlformats.org/officeDocument/2006/relationships" xmlns:p="http://schemas.openxmlformats.org/presentationml/2006/main">
   <p:cSld>
     <p:spTree>
@@ -4533,7 +3938,7 @@
 </p:sld>
 </file>
 
-<file path=ppt/slides/slide13.xml><?xml version="1.0" encoding="utf-8"?>
+<file path=ppt/slides/slide12.xml><?xml version="1.0" encoding="utf-8"?>
 <p:sld xmlns:a="http://schemas.openxmlformats.org/drawingml/2006/main" xmlns:r="http://schemas.openxmlformats.org/officeDocument/2006/relationships" xmlns:p="http://schemas.openxmlformats.org/presentationml/2006/main">
   <p:cSld>
     <p:spTree>
@@ -4838,7 +4243,7 @@
 </p:sld>
 </file>
 
-<file path=ppt/slides/slide14.xml><?xml version="1.0" encoding="utf-8"?>
+<file path=ppt/slides/slide13.xml><?xml version="1.0" encoding="utf-8"?>
 <p:sld xmlns:a="http://schemas.openxmlformats.org/drawingml/2006/main" xmlns:r="http://schemas.openxmlformats.org/officeDocument/2006/relationships" xmlns:p="http://schemas.openxmlformats.org/presentationml/2006/main">
   <p:cSld>
     <p:spTree>
@@ -5060,7 +4465,7 @@
 </p:sld>
 </file>
 
-<file path=ppt/slides/slide15.xml><?xml version="1.0" encoding="utf-8"?>
+<file path=ppt/slides/slide14.xml><?xml version="1.0" encoding="utf-8"?>
 <p:sld xmlns:a="http://schemas.openxmlformats.org/drawingml/2006/main" xmlns:r="http://schemas.openxmlformats.org/officeDocument/2006/relationships" xmlns:p="http://schemas.openxmlformats.org/presentationml/2006/main">
   <p:cSld>
     <p:spTree>
@@ -5469,7 +4874,7 @@
 </p:sld>
 </file>
 
-<file path=ppt/slides/slide16.xml><?xml version="1.0" encoding="utf-8"?>
+<file path=ppt/slides/slide15.xml><?xml version="1.0" encoding="utf-8"?>
 <p:sld xmlns:a="http://schemas.openxmlformats.org/drawingml/2006/main" xmlns:r="http://schemas.openxmlformats.org/officeDocument/2006/relationships" xmlns:p="http://schemas.openxmlformats.org/presentationml/2006/main">
   <p:cSld>
     <p:spTree>
@@ -5754,7 +5159,7 @@
 </p:sld>
 </file>
 
-<file path=ppt/slides/slide17.xml><?xml version="1.0" encoding="utf-8"?>
+<file path=ppt/slides/slide16.xml><?xml version="1.0" encoding="utf-8"?>
 <p:sld xmlns:a="http://schemas.openxmlformats.org/drawingml/2006/main" xmlns:r="http://schemas.openxmlformats.org/officeDocument/2006/relationships" xmlns:p="http://schemas.openxmlformats.org/presentationml/2006/main">
   <p:cSld>
     <p:spTree>
@@ -6112,7 +5517,7 @@
 </p:sld>
 </file>
 
-<file path=ppt/slides/slide18.xml><?xml version="1.0" encoding="utf-8"?>
+<file path=ppt/slides/slide17.xml><?xml version="1.0" encoding="utf-8"?>
 <p:sld xmlns:a="http://schemas.openxmlformats.org/drawingml/2006/main" xmlns:r="http://schemas.openxmlformats.org/officeDocument/2006/relationships" xmlns:p="http://schemas.openxmlformats.org/presentationml/2006/main">
   <p:cSld>
     <p:spTree>
@@ -6343,7 +5748,7 @@
 </p:sld>
 </file>
 
-<file path=ppt/slides/slide19.xml><?xml version="1.0" encoding="utf-8"?>
+<file path=ppt/slides/slide18.xml><?xml version="1.0" encoding="utf-8"?>
 <p:sld xmlns:a="http://schemas.openxmlformats.org/drawingml/2006/main" xmlns:r="http://schemas.openxmlformats.org/officeDocument/2006/relationships" xmlns:p="http://schemas.openxmlformats.org/presentationml/2006/main">
   <p:cSld>
     <p:spTree>
@@ -6813,6 +6218,624 @@
     <p:extLst>
       <p:ext uri="{BB962C8B-B14F-4D97-AF65-F5344CB8AC3E}">
         <p14:creationId xmlns:p14="http://schemas.microsoft.com/office/powerpoint/2010/main" val="1962871422"/>
+      </p:ext>
+    </p:extLst>
+  </p:cSld>
+  <p:clrMapOvr>
+    <a:masterClrMapping/>
+  </p:clrMapOvr>
+</p:sld>
+</file>
+
+<file path=ppt/slides/slide19.xml><?xml version="1.0" encoding="utf-8"?>
+<p:sld xmlns:a="http://schemas.openxmlformats.org/drawingml/2006/main" xmlns:r="http://schemas.openxmlformats.org/officeDocument/2006/relationships" xmlns:p="http://schemas.openxmlformats.org/presentationml/2006/main">
+  <p:cSld>
+    <p:spTree>
+      <p:nvGrpSpPr>
+        <p:cNvPr id="1" name=""/>
+        <p:cNvGrpSpPr/>
+        <p:nvPr/>
+      </p:nvGrpSpPr>
+      <p:grpSpPr>
+        <a:xfrm>
+          <a:off x="0" y="0"/>
+          <a:ext cx="0" cy="0"/>
+          <a:chOff x="0" y="0"/>
+          <a:chExt cx="0" cy="0"/>
+        </a:xfrm>
+      </p:grpSpPr>
+      <p:sp>
+        <p:nvSpPr>
+          <p:cNvPr id="3" name="내용 개체 틀 2">
+            <a:extLst>
+              <a:ext uri="{FF2B5EF4-FFF2-40B4-BE49-F238E27FC236}">
+                <a16:creationId xmlns:a16="http://schemas.microsoft.com/office/drawing/2014/main" id="{009D8058-A56E-F543-93A7-986AB7BD7558}"/>
+              </a:ext>
+            </a:extLst>
+          </p:cNvPr>
+          <p:cNvSpPr>
+            <a:spLocks noGrp="1"/>
+          </p:cNvSpPr>
+          <p:nvPr>
+            <p:ph idx="1"/>
+          </p:nvPr>
+        </p:nvSpPr>
+        <p:spPr>
+          <a:xfrm>
+            <a:off x="838200" y="339048"/>
+            <a:ext cx="10515600" cy="5837916"/>
+          </a:xfrm>
+        </p:spPr>
+        <p:txBody>
+          <a:bodyPr>
+            <a:normAutofit fontScale="47500" lnSpcReduction="20000"/>
+          </a:bodyPr>
+          <a:lstStyle/>
+          <a:p>
+            <a:pPr marL="0" indent="0">
+              <a:buNone/>
+            </a:pPr>
+            <a:r>
+              <a:rPr kumimoji="1" lang="ko-KR" altLang="en-US" dirty="0"/>
+              <a:t>그리고 데이터를 </a:t>
+            </a:r>
+            <a:r>
+              <a:rPr lang="en" altLang="ko-KR" dirty="0" err="1"/>
+              <a:t>BoardWriteContoller</a:t>
+            </a:r>
+            <a:r>
+              <a:rPr kumimoji="1" lang="ko-KR" altLang="en-US" dirty="0"/>
+              <a:t>에서 </a:t>
+            </a:r>
+            <a:r>
+              <a:rPr kumimoji="1" lang="en-US" altLang="ko-KR" dirty="0"/>
+              <a:t>DTO</a:t>
+            </a:r>
+            <a:r>
+              <a:rPr kumimoji="1" lang="ko-KR" altLang="en-US" dirty="0"/>
+              <a:t>로 전달 받은 값을 저장하기 위한 메서드를 추가한다</a:t>
+            </a:r>
+            <a:r>
+              <a:rPr kumimoji="1" lang="en-US" altLang="ko-KR" dirty="0"/>
+              <a:t>.</a:t>
+            </a:r>
+          </a:p>
+          <a:p>
+            <a:pPr marL="0" indent="0">
+              <a:buNone/>
+            </a:pPr>
+            <a:r>
+              <a:rPr lang="en" altLang="ko-KR" b="1" dirty="0"/>
+              <a:t>public</a:t>
+            </a:r>
+            <a:r>
+              <a:rPr lang="en" altLang="ko-KR" dirty="0"/>
+              <a:t> </a:t>
+            </a:r>
+            <a:r>
+              <a:rPr lang="en" altLang="ko-KR" b="1" dirty="0"/>
+              <a:t>void</a:t>
+            </a:r>
+            <a:r>
+              <a:rPr lang="en" altLang="ko-KR" dirty="0"/>
+              <a:t> </a:t>
+            </a:r>
+            <a:r>
+              <a:rPr lang="en" altLang="ko-KR" dirty="0" err="1"/>
+              <a:t>boardInsert</a:t>
+            </a:r>
+            <a:r>
+              <a:rPr lang="en" altLang="ko-KR" dirty="0"/>
+              <a:t>(</a:t>
+            </a:r>
+            <a:r>
+              <a:rPr lang="en" altLang="ko-KR" dirty="0" err="1"/>
+              <a:t>BoardDTO</a:t>
+            </a:r>
+            <a:r>
+              <a:rPr lang="en" altLang="ko-KR" dirty="0"/>
+              <a:t> </a:t>
+            </a:r>
+            <a:r>
+              <a:rPr lang="en" altLang="ko-KR" dirty="0" err="1"/>
+              <a:t>dto</a:t>
+            </a:r>
+            <a:r>
+              <a:rPr lang="en" altLang="ko-KR" dirty="0"/>
+              <a:t>) {</a:t>
+            </a:r>
+          </a:p>
+          <a:p>
+            <a:pPr marL="0" indent="0">
+              <a:buNone/>
+            </a:pPr>
+            <a:r>
+              <a:rPr lang="en" altLang="ko-KR" dirty="0"/>
+              <a:t>	con = </a:t>
+            </a:r>
+            <a:r>
+              <a:rPr lang="en" altLang="ko-KR" dirty="0" err="1"/>
+              <a:t>getConnection</a:t>
+            </a:r>
+            <a:r>
+              <a:rPr lang="en" altLang="ko-KR" dirty="0"/>
+              <a:t>();</a:t>
+            </a:r>
+          </a:p>
+          <a:p>
+            <a:pPr marL="0" indent="0">
+              <a:buNone/>
+            </a:pPr>
+            <a:r>
+              <a:rPr lang="en" altLang="ko-KR" dirty="0"/>
+              <a:t>	String </a:t>
+            </a:r>
+            <a:r>
+              <a:rPr lang="en" altLang="ko-KR" dirty="0" err="1"/>
+              <a:t>sql</a:t>
+            </a:r>
+            <a:r>
+              <a:rPr lang="en" altLang="ko-KR" dirty="0"/>
+              <a:t> = " insert into board(BOARD_NUM,BOARD_WRITER,BOARD_SUBJECT,"</a:t>
+            </a:r>
+          </a:p>
+          <a:p>
+            <a:pPr marL="0" indent="0">
+              <a:buNone/>
+            </a:pPr>
+            <a:r>
+              <a:rPr lang="en" altLang="ko-KR" dirty="0"/>
+              <a:t>		+ " BOARD_CONTENT, WRITER_IP)"</a:t>
+            </a:r>
+          </a:p>
+          <a:p>
+            <a:pPr marL="0" indent="0">
+              <a:buNone/>
+            </a:pPr>
+            <a:r>
+              <a:rPr lang="en" altLang="ko-KR" dirty="0"/>
+              <a:t>		+ " values((select </a:t>
+            </a:r>
+            <a:r>
+              <a:rPr lang="en" altLang="ko-KR" dirty="0" err="1"/>
+              <a:t>nvl</a:t>
+            </a:r>
+            <a:r>
+              <a:rPr lang="en" altLang="ko-KR" dirty="0"/>
+              <a:t>(max(</a:t>
+            </a:r>
+            <a:r>
+              <a:rPr lang="en" altLang="ko-KR" dirty="0" err="1"/>
+              <a:t>board_num</a:t>
+            </a:r>
+            <a:r>
+              <a:rPr lang="en" altLang="ko-KR" dirty="0"/>
+              <a:t>),0)+1 from board)"</a:t>
+            </a:r>
+          </a:p>
+          <a:p>
+            <a:pPr marL="0" indent="0">
+              <a:buNone/>
+            </a:pPr>
+            <a:r>
+              <a:rPr lang="en" altLang="ko-KR" dirty="0"/>
+              <a:t>		+ " ,?,?,?,?)";</a:t>
+            </a:r>
+          </a:p>
+          <a:p>
+            <a:pPr marL="0" indent="0">
+              <a:buNone/>
+            </a:pPr>
+            <a:r>
+              <a:rPr lang="en" altLang="ko-KR" b="1" dirty="0"/>
+              <a:t>	try</a:t>
+            </a:r>
+            <a:r>
+              <a:rPr lang="en" altLang="ko-KR" dirty="0"/>
+              <a:t> {</a:t>
+            </a:r>
+          </a:p>
+          <a:p>
+            <a:pPr marL="0" indent="0">
+              <a:buNone/>
+            </a:pPr>
+            <a:r>
+              <a:rPr lang="en" altLang="ko-KR" dirty="0"/>
+              <a:t>		</a:t>
+            </a:r>
+            <a:r>
+              <a:rPr lang="en" altLang="ko-KR" dirty="0" err="1"/>
+              <a:t>pstmt</a:t>
+            </a:r>
+            <a:r>
+              <a:rPr lang="en" altLang="ko-KR" dirty="0"/>
+              <a:t>= </a:t>
+            </a:r>
+            <a:r>
+              <a:rPr lang="en" altLang="ko-KR" dirty="0" err="1"/>
+              <a:t>con.prepareStatement</a:t>
+            </a:r>
+            <a:r>
+              <a:rPr lang="en" altLang="ko-KR" dirty="0"/>
+              <a:t>(</a:t>
+            </a:r>
+            <a:r>
+              <a:rPr lang="en" altLang="ko-KR" dirty="0" err="1"/>
+              <a:t>sql</a:t>
+            </a:r>
+            <a:r>
+              <a:rPr lang="en" altLang="ko-KR" dirty="0"/>
+              <a:t>);</a:t>
+            </a:r>
+          </a:p>
+          <a:p>
+            <a:pPr marL="0" indent="0">
+              <a:buNone/>
+            </a:pPr>
+            <a:r>
+              <a:rPr lang="en" altLang="ko-KR" dirty="0"/>
+              <a:t>		</a:t>
+            </a:r>
+            <a:r>
+              <a:rPr lang="en" altLang="ko-KR" dirty="0" err="1"/>
+              <a:t>pstmt.setString</a:t>
+            </a:r>
+            <a:r>
+              <a:rPr lang="en" altLang="ko-KR" dirty="0"/>
+              <a:t>(1, </a:t>
+            </a:r>
+            <a:r>
+              <a:rPr lang="en" altLang="ko-KR" dirty="0" err="1"/>
+              <a:t>dto.getBoardWriter</a:t>
+            </a:r>
+            <a:r>
+              <a:rPr lang="en" altLang="ko-KR" dirty="0"/>
+              <a:t>());</a:t>
+            </a:r>
+          </a:p>
+          <a:p>
+            <a:pPr marL="0" indent="0">
+              <a:buNone/>
+            </a:pPr>
+            <a:r>
+              <a:rPr lang="en" altLang="ko-KR" dirty="0"/>
+              <a:t>		</a:t>
+            </a:r>
+            <a:r>
+              <a:rPr lang="en" altLang="ko-KR" dirty="0" err="1"/>
+              <a:t>pstmt.setString</a:t>
+            </a:r>
+            <a:r>
+              <a:rPr lang="en" altLang="ko-KR" dirty="0"/>
+              <a:t>(2, </a:t>
+            </a:r>
+            <a:r>
+              <a:rPr lang="en" altLang="ko-KR" dirty="0" err="1"/>
+              <a:t>dto.getBoardSubject</a:t>
+            </a:r>
+            <a:r>
+              <a:rPr lang="en" altLang="ko-KR" dirty="0"/>
+              <a:t>());</a:t>
+            </a:r>
+          </a:p>
+          <a:p>
+            <a:pPr marL="0" indent="0">
+              <a:buNone/>
+            </a:pPr>
+            <a:r>
+              <a:rPr lang="en" altLang="ko-KR" dirty="0"/>
+              <a:t>		</a:t>
+            </a:r>
+            <a:r>
+              <a:rPr lang="en" altLang="ko-KR" dirty="0" err="1"/>
+              <a:t>pstmt.setString</a:t>
+            </a:r>
+            <a:r>
+              <a:rPr lang="en" altLang="ko-KR" dirty="0"/>
+              <a:t>(3, </a:t>
+            </a:r>
+            <a:r>
+              <a:rPr lang="en" altLang="ko-KR" dirty="0" err="1"/>
+              <a:t>dto.getBoardContent</a:t>
+            </a:r>
+            <a:r>
+              <a:rPr lang="en" altLang="ko-KR" dirty="0"/>
+              <a:t>());</a:t>
+            </a:r>
+          </a:p>
+          <a:p>
+            <a:pPr marL="0" indent="0">
+              <a:buNone/>
+            </a:pPr>
+            <a:r>
+              <a:rPr lang="en" altLang="ko-KR" dirty="0"/>
+              <a:t>		</a:t>
+            </a:r>
+            <a:r>
+              <a:rPr lang="en" altLang="ko-KR" dirty="0" err="1"/>
+              <a:t>pstmt.setString</a:t>
+            </a:r>
+            <a:r>
+              <a:rPr lang="en" altLang="ko-KR" dirty="0"/>
+              <a:t>(4, </a:t>
+            </a:r>
+            <a:r>
+              <a:rPr lang="en" altLang="ko-KR" dirty="0" err="1"/>
+              <a:t>dto.getWriterIp</a:t>
+            </a:r>
+            <a:r>
+              <a:rPr lang="en" altLang="ko-KR" dirty="0"/>
+              <a:t>());</a:t>
+            </a:r>
+          </a:p>
+          <a:p>
+            <a:pPr marL="0" indent="0">
+              <a:buNone/>
+            </a:pPr>
+            <a:r>
+              <a:rPr lang="en" altLang="ko-KR" b="1" dirty="0"/>
+              <a:t>		</a:t>
+            </a:r>
+            <a:r>
+              <a:rPr lang="en" altLang="ko-KR" b="1" dirty="0" err="1"/>
+              <a:t>int</a:t>
+            </a:r>
+            <a:r>
+              <a:rPr lang="en" altLang="ko-KR" dirty="0"/>
+              <a:t> </a:t>
+            </a:r>
+            <a:r>
+              <a:rPr lang="en" altLang="ko-KR" dirty="0" err="1"/>
+              <a:t>i</a:t>
+            </a:r>
+            <a:r>
+              <a:rPr lang="en" altLang="ko-KR" dirty="0"/>
+              <a:t> = </a:t>
+            </a:r>
+            <a:r>
+              <a:rPr lang="en" altLang="ko-KR" dirty="0" err="1"/>
+              <a:t>pstmt.executeUpdate</a:t>
+            </a:r>
+            <a:r>
+              <a:rPr lang="en" altLang="ko-KR" dirty="0"/>
+              <a:t>();</a:t>
+            </a:r>
+          </a:p>
+          <a:p>
+            <a:pPr marL="0" indent="0">
+              <a:buNone/>
+            </a:pPr>
+            <a:r>
+              <a:rPr lang="en" altLang="ko-KR" dirty="0"/>
+              <a:t>		</a:t>
+            </a:r>
+            <a:r>
+              <a:rPr lang="en" altLang="ko-KR" dirty="0" err="1"/>
+              <a:t>System.</a:t>
+            </a:r>
+            <a:r>
+              <a:rPr lang="en" altLang="ko-KR" b="1" i="1" dirty="0" err="1"/>
+              <a:t>out</a:t>
+            </a:r>
+            <a:r>
+              <a:rPr lang="en" altLang="ko-KR" dirty="0" err="1"/>
+              <a:t>.println</a:t>
+            </a:r>
+            <a:r>
+              <a:rPr lang="en" altLang="ko-KR" dirty="0"/>
+              <a:t>(</a:t>
+            </a:r>
+            <a:r>
+              <a:rPr lang="en" altLang="ko-KR" dirty="0" err="1"/>
+              <a:t>i</a:t>
+            </a:r>
+            <a:r>
+              <a:rPr lang="en" altLang="ko-KR" dirty="0"/>
+              <a:t> + " </a:t>
+            </a:r>
+            <a:r>
+              <a:rPr lang="ko-KR" altLang="en-US" dirty="0"/>
+              <a:t>개 행이</a:t>
+            </a:r>
+            <a:r>
+              <a:rPr lang="en-US" altLang="ko-KR" dirty="0"/>
+              <a:t>(</a:t>
+            </a:r>
+            <a:r>
+              <a:rPr lang="ko-KR" altLang="en-US" dirty="0"/>
+              <a:t>가</a:t>
+            </a:r>
+            <a:r>
+              <a:rPr lang="en-US" altLang="ko-KR" dirty="0"/>
+              <a:t>) </a:t>
+            </a:r>
+            <a:r>
+              <a:rPr lang="ko-KR" altLang="en-US" dirty="0"/>
+              <a:t>삽입되었습니다</a:t>
+            </a:r>
+            <a:r>
+              <a:rPr lang="en-US" altLang="ko-KR" dirty="0"/>
+              <a:t>.");</a:t>
+            </a:r>
+          </a:p>
+          <a:p>
+            <a:pPr marL="0" indent="0">
+              <a:buNone/>
+            </a:pPr>
+            <a:r>
+              <a:rPr lang="en-US" altLang="ko-KR" dirty="0"/>
+              <a:t>	} </a:t>
+            </a:r>
+            <a:r>
+              <a:rPr lang="en" altLang="ko-KR" b="1" dirty="0"/>
+              <a:t>catch</a:t>
+            </a:r>
+            <a:r>
+              <a:rPr lang="en" altLang="ko-KR" dirty="0"/>
+              <a:t> (</a:t>
+            </a:r>
+            <a:r>
+              <a:rPr lang="en" altLang="ko-KR" dirty="0" err="1"/>
+              <a:t>SQLException</a:t>
+            </a:r>
+            <a:r>
+              <a:rPr lang="en" altLang="ko-KR" dirty="0"/>
+              <a:t> e) {</a:t>
+            </a:r>
+            <a:r>
+              <a:rPr lang="en" altLang="ko-KR" dirty="0" err="1"/>
+              <a:t>e.printStackTrace</a:t>
+            </a:r>
+            <a:r>
+              <a:rPr lang="en" altLang="ko-KR" dirty="0"/>
+              <a:t>();</a:t>
+            </a:r>
+          </a:p>
+          <a:p>
+            <a:pPr marL="0" indent="0">
+              <a:buNone/>
+            </a:pPr>
+            <a:r>
+              <a:rPr lang="en" altLang="ko-KR" dirty="0"/>
+              <a:t>	} </a:t>
+            </a:r>
+            <a:r>
+              <a:rPr lang="en" altLang="ko-KR" b="1" dirty="0"/>
+              <a:t>finally</a:t>
+            </a:r>
+            <a:r>
+              <a:rPr lang="en" altLang="ko-KR" dirty="0"/>
+              <a:t> {</a:t>
+            </a:r>
+          </a:p>
+          <a:p>
+            <a:pPr marL="0" indent="0">
+              <a:buNone/>
+            </a:pPr>
+            <a:r>
+              <a:rPr lang="en" altLang="ko-KR" b="1" dirty="0"/>
+              <a:t>		if</a:t>
+            </a:r>
+            <a:r>
+              <a:rPr lang="en" altLang="ko-KR" dirty="0"/>
+              <a:t>(</a:t>
+            </a:r>
+            <a:r>
+              <a:rPr lang="en" altLang="ko-KR" dirty="0" err="1"/>
+              <a:t>pstmt</a:t>
+            </a:r>
+            <a:r>
+              <a:rPr lang="en" altLang="ko-KR" dirty="0"/>
+              <a:t> != </a:t>
+            </a:r>
+            <a:r>
+              <a:rPr lang="en" altLang="ko-KR" b="1" dirty="0"/>
+              <a:t>null</a:t>
+            </a:r>
+            <a:r>
+              <a:rPr lang="en" altLang="ko-KR" dirty="0"/>
+              <a:t>) </a:t>
+            </a:r>
+            <a:r>
+              <a:rPr lang="en" altLang="ko-KR" b="1" dirty="0"/>
+              <a:t>try</a:t>
+            </a:r>
+            <a:r>
+              <a:rPr lang="en" altLang="ko-KR" dirty="0"/>
+              <a:t>{</a:t>
+            </a:r>
+            <a:r>
+              <a:rPr lang="en" altLang="ko-KR" dirty="0" err="1"/>
+              <a:t>pstmt.close</a:t>
+            </a:r>
+            <a:r>
+              <a:rPr lang="en" altLang="ko-KR" dirty="0"/>
+              <a:t>();}</a:t>
+            </a:r>
+            <a:r>
+              <a:rPr lang="en" altLang="ko-KR" b="1" dirty="0"/>
+              <a:t>catch</a:t>
+            </a:r>
+            <a:r>
+              <a:rPr lang="en" altLang="ko-KR" dirty="0"/>
+              <a:t>(Exception e) {}</a:t>
+            </a:r>
+          </a:p>
+          <a:p>
+            <a:pPr marL="0" indent="0">
+              <a:buNone/>
+            </a:pPr>
+            <a:r>
+              <a:rPr lang="en" altLang="ko-KR" b="1" dirty="0"/>
+              <a:t>		if</a:t>
+            </a:r>
+            <a:r>
+              <a:rPr lang="en" altLang="ko-KR" dirty="0"/>
+              <a:t>(con != </a:t>
+            </a:r>
+            <a:r>
+              <a:rPr lang="en" altLang="ko-KR" b="1" dirty="0"/>
+              <a:t>null</a:t>
+            </a:r>
+            <a:r>
+              <a:rPr lang="en" altLang="ko-KR" dirty="0"/>
+              <a:t>) </a:t>
+            </a:r>
+            <a:r>
+              <a:rPr lang="en" altLang="ko-KR" b="1" dirty="0"/>
+              <a:t>try</a:t>
+            </a:r>
+            <a:r>
+              <a:rPr lang="en" altLang="ko-KR" dirty="0"/>
+              <a:t>{</a:t>
+            </a:r>
+            <a:r>
+              <a:rPr lang="en" altLang="ko-KR" dirty="0" err="1"/>
+              <a:t>con.close</a:t>
+            </a:r>
+            <a:r>
+              <a:rPr lang="en" altLang="ko-KR" dirty="0"/>
+              <a:t>();}</a:t>
+            </a:r>
+            <a:r>
+              <a:rPr lang="en" altLang="ko-KR" b="1" dirty="0"/>
+              <a:t>catch</a:t>
+            </a:r>
+            <a:r>
+              <a:rPr lang="en" altLang="ko-KR" dirty="0"/>
+              <a:t>(Exception e) {}</a:t>
+            </a:r>
+          </a:p>
+          <a:p>
+            <a:pPr marL="0" indent="0">
+              <a:buNone/>
+            </a:pPr>
+            <a:r>
+              <a:rPr lang="en" altLang="ko-KR" dirty="0"/>
+              <a:t>	}</a:t>
+            </a:r>
+          </a:p>
+          <a:p>
+            <a:pPr marL="0" indent="0">
+              <a:buNone/>
+            </a:pPr>
+            <a:r>
+              <a:rPr lang="en" altLang="ko-KR" dirty="0"/>
+              <a:t>}</a:t>
+            </a:r>
+          </a:p>
+          <a:p>
+            <a:pPr marL="0" indent="0">
+              <a:buNone/>
+            </a:pPr>
+            <a:endParaRPr lang="en" altLang="ko-KR" dirty="0"/>
+          </a:p>
+        </p:txBody>
+      </p:sp>
+    </p:spTree>
+    <p:extLst>
+      <p:ext uri="{BB962C8B-B14F-4D97-AF65-F5344CB8AC3E}">
+        <p14:creationId xmlns:p14="http://schemas.microsoft.com/office/powerpoint/2010/main" val="2569044864"/>
       </p:ext>
     </p:extLst>
   </p:cSld>
@@ -7087,624 +7110,6 @@
           <p:cNvPr id="3" name="내용 개체 틀 2">
             <a:extLst>
               <a:ext uri="{FF2B5EF4-FFF2-40B4-BE49-F238E27FC236}">
-                <a16:creationId xmlns:a16="http://schemas.microsoft.com/office/drawing/2014/main" id="{009D8058-A56E-F543-93A7-986AB7BD7558}"/>
-              </a:ext>
-            </a:extLst>
-          </p:cNvPr>
-          <p:cNvSpPr>
-            <a:spLocks noGrp="1"/>
-          </p:cNvSpPr>
-          <p:nvPr>
-            <p:ph idx="1"/>
-          </p:nvPr>
-        </p:nvSpPr>
-        <p:spPr>
-          <a:xfrm>
-            <a:off x="838200" y="339048"/>
-            <a:ext cx="10515600" cy="5837916"/>
-          </a:xfrm>
-        </p:spPr>
-        <p:txBody>
-          <a:bodyPr>
-            <a:normAutofit fontScale="47500" lnSpcReduction="20000"/>
-          </a:bodyPr>
-          <a:lstStyle/>
-          <a:p>
-            <a:pPr marL="0" indent="0">
-              <a:buNone/>
-            </a:pPr>
-            <a:r>
-              <a:rPr kumimoji="1" lang="ko-KR" altLang="en-US" dirty="0"/>
-              <a:t>그리고 데이터를 </a:t>
-            </a:r>
-            <a:r>
-              <a:rPr lang="en" altLang="ko-KR" dirty="0" err="1"/>
-              <a:t>BoardWriteContoller</a:t>
-            </a:r>
-            <a:r>
-              <a:rPr kumimoji="1" lang="ko-KR" altLang="en-US" dirty="0"/>
-              <a:t>에서 </a:t>
-            </a:r>
-            <a:r>
-              <a:rPr kumimoji="1" lang="en-US" altLang="ko-KR" dirty="0"/>
-              <a:t>DTO</a:t>
-            </a:r>
-            <a:r>
-              <a:rPr kumimoji="1" lang="ko-KR" altLang="en-US" dirty="0"/>
-              <a:t>로 전달 받은 값을 저장하기 위한 메서드를 추가한다</a:t>
-            </a:r>
-            <a:r>
-              <a:rPr kumimoji="1" lang="en-US" altLang="ko-KR" dirty="0"/>
-              <a:t>.</a:t>
-            </a:r>
-          </a:p>
-          <a:p>
-            <a:pPr marL="0" indent="0">
-              <a:buNone/>
-            </a:pPr>
-            <a:r>
-              <a:rPr lang="en" altLang="ko-KR" b="1" dirty="0"/>
-              <a:t>public</a:t>
-            </a:r>
-            <a:r>
-              <a:rPr lang="en" altLang="ko-KR" dirty="0"/>
-              <a:t> </a:t>
-            </a:r>
-            <a:r>
-              <a:rPr lang="en" altLang="ko-KR" b="1" dirty="0"/>
-              <a:t>void</a:t>
-            </a:r>
-            <a:r>
-              <a:rPr lang="en" altLang="ko-KR" dirty="0"/>
-              <a:t> </a:t>
-            </a:r>
-            <a:r>
-              <a:rPr lang="en" altLang="ko-KR" dirty="0" err="1"/>
-              <a:t>boardInsert</a:t>
-            </a:r>
-            <a:r>
-              <a:rPr lang="en" altLang="ko-KR" dirty="0"/>
-              <a:t>(</a:t>
-            </a:r>
-            <a:r>
-              <a:rPr lang="en" altLang="ko-KR" dirty="0" err="1"/>
-              <a:t>BoardDTO</a:t>
-            </a:r>
-            <a:r>
-              <a:rPr lang="en" altLang="ko-KR" dirty="0"/>
-              <a:t> </a:t>
-            </a:r>
-            <a:r>
-              <a:rPr lang="en" altLang="ko-KR" dirty="0" err="1"/>
-              <a:t>dto</a:t>
-            </a:r>
-            <a:r>
-              <a:rPr lang="en" altLang="ko-KR" dirty="0"/>
-              <a:t>) {</a:t>
-            </a:r>
-          </a:p>
-          <a:p>
-            <a:pPr marL="0" indent="0">
-              <a:buNone/>
-            </a:pPr>
-            <a:r>
-              <a:rPr lang="en" altLang="ko-KR" dirty="0"/>
-              <a:t>	con = </a:t>
-            </a:r>
-            <a:r>
-              <a:rPr lang="en" altLang="ko-KR" dirty="0" err="1"/>
-              <a:t>getConnection</a:t>
-            </a:r>
-            <a:r>
-              <a:rPr lang="en" altLang="ko-KR" dirty="0"/>
-              <a:t>();</a:t>
-            </a:r>
-          </a:p>
-          <a:p>
-            <a:pPr marL="0" indent="0">
-              <a:buNone/>
-            </a:pPr>
-            <a:r>
-              <a:rPr lang="en" altLang="ko-KR" dirty="0"/>
-              <a:t>	String </a:t>
-            </a:r>
-            <a:r>
-              <a:rPr lang="en" altLang="ko-KR" dirty="0" err="1"/>
-              <a:t>sql</a:t>
-            </a:r>
-            <a:r>
-              <a:rPr lang="en" altLang="ko-KR" dirty="0"/>
-              <a:t> = " insert into board(BOARD_NUM,BOARD_WRITER,BOARD_SUBJECT,"</a:t>
-            </a:r>
-          </a:p>
-          <a:p>
-            <a:pPr marL="0" indent="0">
-              <a:buNone/>
-            </a:pPr>
-            <a:r>
-              <a:rPr lang="en" altLang="ko-KR" dirty="0"/>
-              <a:t>		+ " BOARD_CONTENT, WRITER_IP)"</a:t>
-            </a:r>
-          </a:p>
-          <a:p>
-            <a:pPr marL="0" indent="0">
-              <a:buNone/>
-            </a:pPr>
-            <a:r>
-              <a:rPr lang="en" altLang="ko-KR" dirty="0"/>
-              <a:t>		+ " values((select </a:t>
-            </a:r>
-            <a:r>
-              <a:rPr lang="en" altLang="ko-KR" dirty="0" err="1"/>
-              <a:t>nvl</a:t>
-            </a:r>
-            <a:r>
-              <a:rPr lang="en" altLang="ko-KR" dirty="0"/>
-              <a:t>(max(</a:t>
-            </a:r>
-            <a:r>
-              <a:rPr lang="en" altLang="ko-KR" dirty="0" err="1"/>
-              <a:t>board_num</a:t>
-            </a:r>
-            <a:r>
-              <a:rPr lang="en" altLang="ko-KR" dirty="0"/>
-              <a:t>),0)+1 from board)"</a:t>
-            </a:r>
-          </a:p>
-          <a:p>
-            <a:pPr marL="0" indent="0">
-              <a:buNone/>
-            </a:pPr>
-            <a:r>
-              <a:rPr lang="en" altLang="ko-KR" dirty="0"/>
-              <a:t>		+ " ,?,?,?,?)";</a:t>
-            </a:r>
-          </a:p>
-          <a:p>
-            <a:pPr marL="0" indent="0">
-              <a:buNone/>
-            </a:pPr>
-            <a:r>
-              <a:rPr lang="en" altLang="ko-KR" b="1" dirty="0"/>
-              <a:t>	try</a:t>
-            </a:r>
-            <a:r>
-              <a:rPr lang="en" altLang="ko-KR" dirty="0"/>
-              <a:t> {</a:t>
-            </a:r>
-          </a:p>
-          <a:p>
-            <a:pPr marL="0" indent="0">
-              <a:buNone/>
-            </a:pPr>
-            <a:r>
-              <a:rPr lang="en" altLang="ko-KR" dirty="0"/>
-              <a:t>		</a:t>
-            </a:r>
-            <a:r>
-              <a:rPr lang="en" altLang="ko-KR" dirty="0" err="1"/>
-              <a:t>pstmt</a:t>
-            </a:r>
-            <a:r>
-              <a:rPr lang="en" altLang="ko-KR" dirty="0"/>
-              <a:t>= </a:t>
-            </a:r>
-            <a:r>
-              <a:rPr lang="en" altLang="ko-KR" dirty="0" err="1"/>
-              <a:t>con.prepareStatement</a:t>
-            </a:r>
-            <a:r>
-              <a:rPr lang="en" altLang="ko-KR" dirty="0"/>
-              <a:t>(</a:t>
-            </a:r>
-            <a:r>
-              <a:rPr lang="en" altLang="ko-KR" dirty="0" err="1"/>
-              <a:t>sql</a:t>
-            </a:r>
-            <a:r>
-              <a:rPr lang="en" altLang="ko-KR" dirty="0"/>
-              <a:t>);</a:t>
-            </a:r>
-          </a:p>
-          <a:p>
-            <a:pPr marL="0" indent="0">
-              <a:buNone/>
-            </a:pPr>
-            <a:r>
-              <a:rPr lang="en" altLang="ko-KR" dirty="0"/>
-              <a:t>		</a:t>
-            </a:r>
-            <a:r>
-              <a:rPr lang="en" altLang="ko-KR" dirty="0" err="1"/>
-              <a:t>pstmt.setString</a:t>
-            </a:r>
-            <a:r>
-              <a:rPr lang="en" altLang="ko-KR" dirty="0"/>
-              <a:t>(1, </a:t>
-            </a:r>
-            <a:r>
-              <a:rPr lang="en" altLang="ko-KR" dirty="0" err="1"/>
-              <a:t>dto.getBoardWriter</a:t>
-            </a:r>
-            <a:r>
-              <a:rPr lang="en" altLang="ko-KR" dirty="0"/>
-              <a:t>());</a:t>
-            </a:r>
-          </a:p>
-          <a:p>
-            <a:pPr marL="0" indent="0">
-              <a:buNone/>
-            </a:pPr>
-            <a:r>
-              <a:rPr lang="en" altLang="ko-KR" dirty="0"/>
-              <a:t>		</a:t>
-            </a:r>
-            <a:r>
-              <a:rPr lang="en" altLang="ko-KR" dirty="0" err="1"/>
-              <a:t>pstmt.setString</a:t>
-            </a:r>
-            <a:r>
-              <a:rPr lang="en" altLang="ko-KR" dirty="0"/>
-              <a:t>(2, </a:t>
-            </a:r>
-            <a:r>
-              <a:rPr lang="en" altLang="ko-KR" dirty="0" err="1"/>
-              <a:t>dto.getBoardSubject</a:t>
-            </a:r>
-            <a:r>
-              <a:rPr lang="en" altLang="ko-KR" dirty="0"/>
-              <a:t>());</a:t>
-            </a:r>
-          </a:p>
-          <a:p>
-            <a:pPr marL="0" indent="0">
-              <a:buNone/>
-            </a:pPr>
-            <a:r>
-              <a:rPr lang="en" altLang="ko-KR" dirty="0"/>
-              <a:t>		</a:t>
-            </a:r>
-            <a:r>
-              <a:rPr lang="en" altLang="ko-KR" dirty="0" err="1"/>
-              <a:t>pstmt.setString</a:t>
-            </a:r>
-            <a:r>
-              <a:rPr lang="en" altLang="ko-KR" dirty="0"/>
-              <a:t>(3, </a:t>
-            </a:r>
-            <a:r>
-              <a:rPr lang="en" altLang="ko-KR" dirty="0" err="1"/>
-              <a:t>dto.getBoardContent</a:t>
-            </a:r>
-            <a:r>
-              <a:rPr lang="en" altLang="ko-KR" dirty="0"/>
-              <a:t>());</a:t>
-            </a:r>
-          </a:p>
-          <a:p>
-            <a:pPr marL="0" indent="0">
-              <a:buNone/>
-            </a:pPr>
-            <a:r>
-              <a:rPr lang="en" altLang="ko-KR" dirty="0"/>
-              <a:t>		</a:t>
-            </a:r>
-            <a:r>
-              <a:rPr lang="en" altLang="ko-KR" dirty="0" err="1"/>
-              <a:t>pstmt.setString</a:t>
-            </a:r>
-            <a:r>
-              <a:rPr lang="en" altLang="ko-KR" dirty="0"/>
-              <a:t>(4, </a:t>
-            </a:r>
-            <a:r>
-              <a:rPr lang="en" altLang="ko-KR" dirty="0" err="1"/>
-              <a:t>dto.getWriterIp</a:t>
-            </a:r>
-            <a:r>
-              <a:rPr lang="en" altLang="ko-KR" dirty="0"/>
-              <a:t>());</a:t>
-            </a:r>
-          </a:p>
-          <a:p>
-            <a:pPr marL="0" indent="0">
-              <a:buNone/>
-            </a:pPr>
-            <a:r>
-              <a:rPr lang="en" altLang="ko-KR" b="1" dirty="0"/>
-              <a:t>		</a:t>
-            </a:r>
-            <a:r>
-              <a:rPr lang="en" altLang="ko-KR" b="1" dirty="0" err="1"/>
-              <a:t>int</a:t>
-            </a:r>
-            <a:r>
-              <a:rPr lang="en" altLang="ko-KR" dirty="0"/>
-              <a:t> </a:t>
-            </a:r>
-            <a:r>
-              <a:rPr lang="en" altLang="ko-KR" dirty="0" err="1"/>
-              <a:t>i</a:t>
-            </a:r>
-            <a:r>
-              <a:rPr lang="en" altLang="ko-KR" dirty="0"/>
-              <a:t> = </a:t>
-            </a:r>
-            <a:r>
-              <a:rPr lang="en" altLang="ko-KR" dirty="0" err="1"/>
-              <a:t>pstmt.executeUpdate</a:t>
-            </a:r>
-            <a:r>
-              <a:rPr lang="en" altLang="ko-KR" dirty="0"/>
-              <a:t>();</a:t>
-            </a:r>
-          </a:p>
-          <a:p>
-            <a:pPr marL="0" indent="0">
-              <a:buNone/>
-            </a:pPr>
-            <a:r>
-              <a:rPr lang="en" altLang="ko-KR" dirty="0"/>
-              <a:t>		</a:t>
-            </a:r>
-            <a:r>
-              <a:rPr lang="en" altLang="ko-KR" dirty="0" err="1"/>
-              <a:t>System.</a:t>
-            </a:r>
-            <a:r>
-              <a:rPr lang="en" altLang="ko-KR" b="1" i="1" dirty="0" err="1"/>
-              <a:t>out</a:t>
-            </a:r>
-            <a:r>
-              <a:rPr lang="en" altLang="ko-KR" dirty="0" err="1"/>
-              <a:t>.println</a:t>
-            </a:r>
-            <a:r>
-              <a:rPr lang="en" altLang="ko-KR" dirty="0"/>
-              <a:t>(</a:t>
-            </a:r>
-            <a:r>
-              <a:rPr lang="en" altLang="ko-KR" dirty="0" err="1"/>
-              <a:t>i</a:t>
-            </a:r>
-            <a:r>
-              <a:rPr lang="en" altLang="ko-KR" dirty="0"/>
-              <a:t> + " </a:t>
-            </a:r>
-            <a:r>
-              <a:rPr lang="ko-KR" altLang="en-US" dirty="0"/>
-              <a:t>개 행이</a:t>
-            </a:r>
-            <a:r>
-              <a:rPr lang="en-US" altLang="ko-KR" dirty="0"/>
-              <a:t>(</a:t>
-            </a:r>
-            <a:r>
-              <a:rPr lang="ko-KR" altLang="en-US" dirty="0"/>
-              <a:t>가</a:t>
-            </a:r>
-            <a:r>
-              <a:rPr lang="en-US" altLang="ko-KR" dirty="0"/>
-              <a:t>) </a:t>
-            </a:r>
-            <a:r>
-              <a:rPr lang="ko-KR" altLang="en-US" dirty="0"/>
-              <a:t>삽입되었습니다</a:t>
-            </a:r>
-            <a:r>
-              <a:rPr lang="en-US" altLang="ko-KR" dirty="0"/>
-              <a:t>.");</a:t>
-            </a:r>
-          </a:p>
-          <a:p>
-            <a:pPr marL="0" indent="0">
-              <a:buNone/>
-            </a:pPr>
-            <a:r>
-              <a:rPr lang="en-US" altLang="ko-KR" dirty="0"/>
-              <a:t>	} </a:t>
-            </a:r>
-            <a:r>
-              <a:rPr lang="en" altLang="ko-KR" b="1" dirty="0"/>
-              <a:t>catch</a:t>
-            </a:r>
-            <a:r>
-              <a:rPr lang="en" altLang="ko-KR" dirty="0"/>
-              <a:t> (</a:t>
-            </a:r>
-            <a:r>
-              <a:rPr lang="en" altLang="ko-KR" dirty="0" err="1"/>
-              <a:t>SQLException</a:t>
-            </a:r>
-            <a:r>
-              <a:rPr lang="en" altLang="ko-KR" dirty="0"/>
-              <a:t> e) {</a:t>
-            </a:r>
-            <a:r>
-              <a:rPr lang="en" altLang="ko-KR" dirty="0" err="1"/>
-              <a:t>e.printStackTrace</a:t>
-            </a:r>
-            <a:r>
-              <a:rPr lang="en" altLang="ko-KR" dirty="0"/>
-              <a:t>();</a:t>
-            </a:r>
-          </a:p>
-          <a:p>
-            <a:pPr marL="0" indent="0">
-              <a:buNone/>
-            </a:pPr>
-            <a:r>
-              <a:rPr lang="en" altLang="ko-KR" dirty="0"/>
-              <a:t>	} </a:t>
-            </a:r>
-            <a:r>
-              <a:rPr lang="en" altLang="ko-KR" b="1" dirty="0"/>
-              <a:t>finally</a:t>
-            </a:r>
-            <a:r>
-              <a:rPr lang="en" altLang="ko-KR" dirty="0"/>
-              <a:t> {</a:t>
-            </a:r>
-          </a:p>
-          <a:p>
-            <a:pPr marL="0" indent="0">
-              <a:buNone/>
-            </a:pPr>
-            <a:r>
-              <a:rPr lang="en" altLang="ko-KR" b="1" dirty="0"/>
-              <a:t>		if</a:t>
-            </a:r>
-            <a:r>
-              <a:rPr lang="en" altLang="ko-KR" dirty="0"/>
-              <a:t>(</a:t>
-            </a:r>
-            <a:r>
-              <a:rPr lang="en" altLang="ko-KR" dirty="0" err="1"/>
-              <a:t>pstmt</a:t>
-            </a:r>
-            <a:r>
-              <a:rPr lang="en" altLang="ko-KR" dirty="0"/>
-              <a:t> != </a:t>
-            </a:r>
-            <a:r>
-              <a:rPr lang="en" altLang="ko-KR" b="1" dirty="0"/>
-              <a:t>null</a:t>
-            </a:r>
-            <a:r>
-              <a:rPr lang="en" altLang="ko-KR" dirty="0"/>
-              <a:t>) </a:t>
-            </a:r>
-            <a:r>
-              <a:rPr lang="en" altLang="ko-KR" b="1" dirty="0"/>
-              <a:t>try</a:t>
-            </a:r>
-            <a:r>
-              <a:rPr lang="en" altLang="ko-KR" dirty="0"/>
-              <a:t>{</a:t>
-            </a:r>
-            <a:r>
-              <a:rPr lang="en" altLang="ko-KR" dirty="0" err="1"/>
-              <a:t>pstmt.close</a:t>
-            </a:r>
-            <a:r>
-              <a:rPr lang="en" altLang="ko-KR" dirty="0"/>
-              <a:t>();}</a:t>
-            </a:r>
-            <a:r>
-              <a:rPr lang="en" altLang="ko-KR" b="1" dirty="0"/>
-              <a:t>catch</a:t>
-            </a:r>
-            <a:r>
-              <a:rPr lang="en" altLang="ko-KR" dirty="0"/>
-              <a:t>(Exception e) {}</a:t>
-            </a:r>
-          </a:p>
-          <a:p>
-            <a:pPr marL="0" indent="0">
-              <a:buNone/>
-            </a:pPr>
-            <a:r>
-              <a:rPr lang="en" altLang="ko-KR" b="1" dirty="0"/>
-              <a:t>		if</a:t>
-            </a:r>
-            <a:r>
-              <a:rPr lang="en" altLang="ko-KR" dirty="0"/>
-              <a:t>(con != </a:t>
-            </a:r>
-            <a:r>
-              <a:rPr lang="en" altLang="ko-KR" b="1" dirty="0"/>
-              <a:t>null</a:t>
-            </a:r>
-            <a:r>
-              <a:rPr lang="en" altLang="ko-KR" dirty="0"/>
-              <a:t>) </a:t>
-            </a:r>
-            <a:r>
-              <a:rPr lang="en" altLang="ko-KR" b="1" dirty="0"/>
-              <a:t>try</a:t>
-            </a:r>
-            <a:r>
-              <a:rPr lang="en" altLang="ko-KR" dirty="0"/>
-              <a:t>{</a:t>
-            </a:r>
-            <a:r>
-              <a:rPr lang="en" altLang="ko-KR" dirty="0" err="1"/>
-              <a:t>con.close</a:t>
-            </a:r>
-            <a:r>
-              <a:rPr lang="en" altLang="ko-KR" dirty="0"/>
-              <a:t>();}</a:t>
-            </a:r>
-            <a:r>
-              <a:rPr lang="en" altLang="ko-KR" b="1" dirty="0"/>
-              <a:t>catch</a:t>
-            </a:r>
-            <a:r>
-              <a:rPr lang="en" altLang="ko-KR" dirty="0"/>
-              <a:t>(Exception e) {}</a:t>
-            </a:r>
-          </a:p>
-          <a:p>
-            <a:pPr marL="0" indent="0">
-              <a:buNone/>
-            </a:pPr>
-            <a:r>
-              <a:rPr lang="en" altLang="ko-KR" dirty="0"/>
-              <a:t>	}</a:t>
-            </a:r>
-          </a:p>
-          <a:p>
-            <a:pPr marL="0" indent="0">
-              <a:buNone/>
-            </a:pPr>
-            <a:r>
-              <a:rPr lang="en" altLang="ko-KR" dirty="0"/>
-              <a:t>}</a:t>
-            </a:r>
-          </a:p>
-          <a:p>
-            <a:pPr marL="0" indent="0">
-              <a:buNone/>
-            </a:pPr>
-            <a:endParaRPr lang="en" altLang="ko-KR" dirty="0"/>
-          </a:p>
-        </p:txBody>
-      </p:sp>
-    </p:spTree>
-    <p:extLst>
-      <p:ext uri="{BB962C8B-B14F-4D97-AF65-F5344CB8AC3E}">
-        <p14:creationId xmlns:p14="http://schemas.microsoft.com/office/powerpoint/2010/main" val="2569044864"/>
-      </p:ext>
-    </p:extLst>
-  </p:cSld>
-  <p:clrMapOvr>
-    <a:masterClrMapping/>
-  </p:clrMapOvr>
-</p:sld>
-</file>
-
-<file path=ppt/slides/slide21.xml><?xml version="1.0" encoding="utf-8"?>
-<p:sld xmlns:a="http://schemas.openxmlformats.org/drawingml/2006/main" xmlns:r="http://schemas.openxmlformats.org/officeDocument/2006/relationships" xmlns:p="http://schemas.openxmlformats.org/presentationml/2006/main">
-  <p:cSld>
-    <p:spTree>
-      <p:nvGrpSpPr>
-        <p:cNvPr id="1" name=""/>
-        <p:cNvGrpSpPr/>
-        <p:nvPr/>
-      </p:nvGrpSpPr>
-      <p:grpSpPr>
-        <a:xfrm>
-          <a:off x="0" y="0"/>
-          <a:ext cx="0" cy="0"/>
-          <a:chOff x="0" y="0"/>
-          <a:chExt cx="0" cy="0"/>
-        </a:xfrm>
-      </p:grpSpPr>
-      <p:sp>
-        <p:nvSpPr>
-          <p:cNvPr id="3" name="내용 개체 틀 2">
-            <a:extLst>
-              <a:ext uri="{FF2B5EF4-FFF2-40B4-BE49-F238E27FC236}">
                 <a16:creationId xmlns:a16="http://schemas.microsoft.com/office/drawing/2014/main" id="{E0D240C2-D13F-A24D-9CF8-56A6E5889068}"/>
               </a:ext>
             </a:extLst>
@@ -8102,7 +7507,7 @@
 </p:sld>
 </file>
 
-<file path=ppt/slides/slide22.xml><?xml version="1.0" encoding="utf-8"?>
+<file path=ppt/slides/slide21.xml><?xml version="1.0" encoding="utf-8"?>
 <p:sld xmlns:a="http://schemas.openxmlformats.org/drawingml/2006/main" xmlns:r="http://schemas.openxmlformats.org/officeDocument/2006/relationships" xmlns:p="http://schemas.openxmlformats.org/presentationml/2006/main">
   <p:cSld>
     <p:spTree>
@@ -8279,7 +7684,7 @@
 </p:sld>
 </file>
 
-<file path=ppt/slides/slide23.xml><?xml version="1.0" encoding="utf-8"?>
+<file path=ppt/slides/slide22.xml><?xml version="1.0" encoding="utf-8"?>
 <p:sld xmlns:a="http://schemas.openxmlformats.org/drawingml/2006/main" xmlns:r="http://schemas.openxmlformats.org/officeDocument/2006/relationships" xmlns:p="http://schemas.openxmlformats.org/presentationml/2006/main">
   <p:cSld>
     <p:spTree>
@@ -8526,7 +7931,7 @@
 </p:sld>
 </file>
 
-<file path=ppt/slides/slide24.xml><?xml version="1.0" encoding="utf-8"?>
+<file path=ppt/slides/slide23.xml><?xml version="1.0" encoding="utf-8"?>
 <p:sld xmlns:a="http://schemas.openxmlformats.org/drawingml/2006/main" xmlns:r="http://schemas.openxmlformats.org/officeDocument/2006/relationships" xmlns:p="http://schemas.openxmlformats.org/presentationml/2006/main">
   <p:cSld>
     <p:spTree>
@@ -8962,7 +8367,7 @@
 </p:sld>
 </file>
 
-<file path=ppt/slides/slide25.xml><?xml version="1.0" encoding="utf-8"?>
+<file path=ppt/slides/slide24.xml><?xml version="1.0" encoding="utf-8"?>
 <p:sld xmlns:a="http://schemas.openxmlformats.org/drawingml/2006/main" xmlns:r="http://schemas.openxmlformats.org/officeDocument/2006/relationships" xmlns:p="http://schemas.openxmlformats.org/presentationml/2006/main">
   <p:cSld>
     <p:spTree>
@@ -9192,7 +8597,7 @@
 </p:sld>
 </file>
 
-<file path=ppt/slides/slide26.xml><?xml version="1.0" encoding="utf-8"?>
+<file path=ppt/slides/slide25.xml><?xml version="1.0" encoding="utf-8"?>
 <p:sld xmlns:a="http://schemas.openxmlformats.org/drawingml/2006/main" xmlns:r="http://schemas.openxmlformats.org/officeDocument/2006/relationships" xmlns:p="http://schemas.openxmlformats.org/presentationml/2006/main">
   <p:cSld>
     <p:spTree>
@@ -9449,7 +8854,7 @@
 </p:sld>
 </file>
 
-<file path=ppt/slides/slide27.xml><?xml version="1.0" encoding="utf-8"?>
+<file path=ppt/slides/slide26.xml><?xml version="1.0" encoding="utf-8"?>
 <p:sld xmlns:a="http://schemas.openxmlformats.org/drawingml/2006/main" xmlns:r="http://schemas.openxmlformats.org/officeDocument/2006/relationships" xmlns:p="http://schemas.openxmlformats.org/presentationml/2006/main">
   <p:cSld>
     <p:spTree>
@@ -10109,7 +9514,7 @@
 </p:sld>
 </file>
 
-<file path=ppt/slides/slide28.xml><?xml version="1.0" encoding="utf-8"?>
+<file path=ppt/slides/slide27.xml><?xml version="1.0" encoding="utf-8"?>
 <p:sld xmlns:a="http://schemas.openxmlformats.org/drawingml/2006/main" xmlns:r="http://schemas.openxmlformats.org/officeDocument/2006/relationships" xmlns:p="http://schemas.openxmlformats.org/presentationml/2006/main">
   <p:cSld>
     <p:spTree>
@@ -10320,7 +9725,7 @@
 </p:sld>
 </file>
 
-<file path=ppt/slides/slide29.xml><?xml version="1.0" encoding="utf-8"?>
+<file path=ppt/slides/slide28.xml><?xml version="1.0" encoding="utf-8"?>
 <p:sld xmlns:a="http://schemas.openxmlformats.org/drawingml/2006/main" xmlns:r="http://schemas.openxmlformats.org/officeDocument/2006/relationships" xmlns:p="http://schemas.openxmlformats.org/presentationml/2006/main">
   <p:cSld>
     <p:spTree>
@@ -10723,6 +10128,328 @@
     <p:extLst>
       <p:ext uri="{BB962C8B-B14F-4D97-AF65-F5344CB8AC3E}">
         <p14:creationId xmlns:p14="http://schemas.microsoft.com/office/powerpoint/2010/main" val="3574378508"/>
+      </p:ext>
+    </p:extLst>
+  </p:cSld>
+  <p:clrMapOvr>
+    <a:masterClrMapping/>
+  </p:clrMapOvr>
+</p:sld>
+</file>
+
+<file path=ppt/slides/slide29.xml><?xml version="1.0" encoding="utf-8"?>
+<p:sld xmlns:a="http://schemas.openxmlformats.org/drawingml/2006/main" xmlns:r="http://schemas.openxmlformats.org/officeDocument/2006/relationships" xmlns:p="http://schemas.openxmlformats.org/presentationml/2006/main">
+  <p:cSld>
+    <p:spTree>
+      <p:nvGrpSpPr>
+        <p:cNvPr id="1" name=""/>
+        <p:cNvGrpSpPr/>
+        <p:nvPr/>
+      </p:nvGrpSpPr>
+      <p:grpSpPr>
+        <a:xfrm>
+          <a:off x="0" y="0"/>
+          <a:ext cx="0" cy="0"/>
+          <a:chOff x="0" y="0"/>
+          <a:chExt cx="0" cy="0"/>
+        </a:xfrm>
+      </p:grpSpPr>
+      <p:sp>
+        <p:nvSpPr>
+          <p:cNvPr id="3" name="내용 개체 틀 2">
+            <a:extLst>
+              <a:ext uri="{FF2B5EF4-FFF2-40B4-BE49-F238E27FC236}">
+                <a16:creationId xmlns:a16="http://schemas.microsoft.com/office/drawing/2014/main" id="{0539D08A-3F84-C74E-9F4A-E87AB1EB9F0E}"/>
+              </a:ext>
+            </a:extLst>
+          </p:cNvPr>
+          <p:cNvSpPr>
+            <a:spLocks noGrp="1"/>
+          </p:cNvSpPr>
+          <p:nvPr>
+            <p:ph idx="1"/>
+          </p:nvPr>
+        </p:nvSpPr>
+        <p:spPr>
+          <a:xfrm>
+            <a:off x="838200" y="431515"/>
+            <a:ext cx="10515600" cy="5745448"/>
+          </a:xfrm>
+        </p:spPr>
+        <p:txBody>
+          <a:bodyPr>
+            <a:normAutofit lnSpcReduction="10000"/>
+          </a:bodyPr>
+          <a:lstStyle/>
+          <a:p>
+            <a:pPr marL="0" indent="0">
+              <a:buNone/>
+            </a:pPr>
+            <a:r>
+              <a:rPr lang="en" altLang="ko-KR" dirty="0" err="1"/>
+              <a:t>BoardFrontController</a:t>
+            </a:r>
+            <a:r>
+              <a:rPr lang="ko-KR" altLang="en-US" dirty="0"/>
+              <a:t>의 </a:t>
+            </a:r>
+            <a:r>
+              <a:rPr lang="en" altLang="ko-KR" dirty="0" err="1"/>
+              <a:t>boardDetail</a:t>
+            </a:r>
+            <a:r>
+              <a:rPr lang="en" altLang="ko-KR" dirty="0"/>
+              <a:t>.</a:t>
+            </a:r>
+            <a:r>
+              <a:rPr lang="en-US" altLang="ko-KR" dirty="0"/>
+              <a:t>board</a:t>
+            </a:r>
+            <a:r>
+              <a:rPr lang="ko-KR" altLang="en-US" dirty="0"/>
+              <a:t>에 데이터를 가지고 </a:t>
+            </a:r>
+            <a:r>
+              <a:rPr lang="ko-KR" altLang="en-US" dirty="0" err="1"/>
+              <a:t>올수</a:t>
+            </a:r>
+            <a:r>
+              <a:rPr lang="ko-KR" altLang="en-US" dirty="0"/>
+              <a:t> 있게 </a:t>
+            </a:r>
+            <a:r>
+              <a:rPr lang="en-US" altLang="ko-KR" dirty="0"/>
+              <a:t>page-controller</a:t>
+            </a:r>
+            <a:r>
+              <a:rPr lang="ko-KR" altLang="en-US" dirty="0"/>
+              <a:t>가 있어야 한다</a:t>
+            </a:r>
+            <a:r>
+              <a:rPr lang="en-US" altLang="ko-KR" dirty="0"/>
+              <a:t>.</a:t>
+            </a:r>
+          </a:p>
+          <a:p>
+            <a:pPr marL="0" indent="0">
+              <a:buNone/>
+            </a:pPr>
+            <a:r>
+              <a:rPr lang="en" altLang="ko-KR" dirty="0" err="1"/>
+              <a:t>BoardDetailController</a:t>
+            </a:r>
+            <a:r>
+              <a:rPr lang="ko-KR" altLang="en-US" dirty="0" err="1"/>
+              <a:t>를</a:t>
+            </a:r>
+            <a:r>
+              <a:rPr lang="ko-KR" altLang="en-US" dirty="0"/>
+              <a:t> 만들어 상세정보를 가지고 </a:t>
+            </a:r>
+            <a:r>
+              <a:rPr lang="ko-KR" altLang="en-US" dirty="0" err="1"/>
+              <a:t>오도록한다</a:t>
+            </a:r>
+            <a:r>
+              <a:rPr lang="en-US" altLang="ko-KR" dirty="0"/>
+              <a:t>.</a:t>
+            </a:r>
+          </a:p>
+          <a:p>
+            <a:pPr marL="0" indent="0">
+              <a:buNone/>
+            </a:pPr>
+            <a:endParaRPr lang="en-US" altLang="ko-KR" dirty="0"/>
+          </a:p>
+          <a:p>
+            <a:pPr marL="0" indent="0">
+              <a:buNone/>
+            </a:pPr>
+            <a:r>
+              <a:rPr lang="ko-KR" altLang="en-US" dirty="0"/>
+              <a:t>쿼리스트링으로 받아온 </a:t>
+            </a:r>
+            <a:r>
+              <a:rPr lang="en-US" altLang="ko-KR" dirty="0" err="1"/>
+              <a:t>num</a:t>
+            </a:r>
+            <a:r>
+              <a:rPr lang="ko-KR" altLang="en-US" dirty="0"/>
+              <a:t>값을 이용해서 상세정보를 가지고 오자</a:t>
+            </a:r>
+            <a:r>
+              <a:rPr lang="en-US" altLang="ko-KR" dirty="0"/>
+              <a:t>.</a:t>
+            </a:r>
+          </a:p>
+          <a:p>
+            <a:pPr marL="0" indent="0">
+              <a:buNone/>
+            </a:pPr>
+            <a:r>
+              <a:rPr lang="en" altLang="ko-KR" b="1" dirty="0"/>
+              <a:t>public</a:t>
+            </a:r>
+            <a:r>
+              <a:rPr lang="en" altLang="ko-KR" dirty="0"/>
+              <a:t> </a:t>
+            </a:r>
+            <a:r>
+              <a:rPr lang="en" altLang="ko-KR" b="1" dirty="0"/>
+              <a:t>class</a:t>
+            </a:r>
+            <a:r>
+              <a:rPr lang="en" altLang="ko-KR" dirty="0"/>
+              <a:t> </a:t>
+            </a:r>
+            <a:r>
+              <a:rPr lang="en" altLang="ko-KR" dirty="0" err="1"/>
+              <a:t>BoardDetailController</a:t>
+            </a:r>
+            <a:r>
+              <a:rPr lang="en" altLang="ko-KR" dirty="0"/>
+              <a:t> {</a:t>
+            </a:r>
+          </a:p>
+          <a:p>
+            <a:pPr marL="0" indent="0">
+              <a:buNone/>
+            </a:pPr>
+            <a:r>
+              <a:rPr lang="en" altLang="ko-KR" b="1" dirty="0"/>
+              <a:t>	public</a:t>
+            </a:r>
+            <a:r>
+              <a:rPr lang="en" altLang="ko-KR" dirty="0"/>
+              <a:t> </a:t>
+            </a:r>
+            <a:r>
+              <a:rPr lang="en" altLang="ko-KR" b="1" dirty="0"/>
+              <a:t>void</a:t>
+            </a:r>
+            <a:r>
+              <a:rPr lang="en" altLang="ko-KR" dirty="0"/>
+              <a:t> execute(</a:t>
+            </a:r>
+            <a:r>
+              <a:rPr lang="en" altLang="ko-KR" u="sng" dirty="0" err="1"/>
+              <a:t>HttpServletRequest</a:t>
+            </a:r>
+            <a:r>
+              <a:rPr lang="en" altLang="ko-KR" dirty="0"/>
+              <a:t> request) {</a:t>
+            </a:r>
+          </a:p>
+          <a:p>
+            <a:pPr marL="0" indent="0">
+              <a:buNone/>
+            </a:pPr>
+            <a:r>
+              <a:rPr lang="en" altLang="ko-KR" dirty="0"/>
+              <a:t>		String </a:t>
+            </a:r>
+            <a:r>
+              <a:rPr lang="en" altLang="ko-KR" dirty="0" err="1"/>
+              <a:t>num</a:t>
+            </a:r>
+            <a:r>
+              <a:rPr lang="en" altLang="ko-KR" dirty="0"/>
+              <a:t> = </a:t>
+            </a:r>
+            <a:r>
+              <a:rPr lang="en" altLang="ko-KR" dirty="0" err="1"/>
+              <a:t>request.getParameter</a:t>
+            </a:r>
+            <a:r>
+              <a:rPr lang="en" altLang="ko-KR" dirty="0"/>
+              <a:t>("</a:t>
+            </a:r>
+            <a:r>
+              <a:rPr lang="en" altLang="ko-KR" dirty="0" err="1"/>
+              <a:t>num</a:t>
+            </a:r>
+            <a:r>
+              <a:rPr lang="en" altLang="ko-KR" dirty="0"/>
+              <a:t>");</a:t>
+            </a:r>
+          </a:p>
+          <a:p>
+            <a:pPr marL="0" indent="0">
+              <a:buNone/>
+            </a:pPr>
+            <a:r>
+              <a:rPr lang="en" altLang="ko-KR" dirty="0"/>
+              <a:t>		</a:t>
+            </a:r>
+            <a:r>
+              <a:rPr lang="en" altLang="ko-KR" dirty="0" err="1"/>
+              <a:t>BoardDAO</a:t>
+            </a:r>
+            <a:r>
+              <a:rPr lang="en" altLang="ko-KR" dirty="0"/>
+              <a:t> </a:t>
+            </a:r>
+            <a:r>
+              <a:rPr lang="en" altLang="ko-KR" dirty="0" err="1"/>
+              <a:t>dao</a:t>
+            </a:r>
+            <a:r>
+              <a:rPr lang="en" altLang="ko-KR" dirty="0"/>
+              <a:t> = </a:t>
+            </a:r>
+            <a:r>
+              <a:rPr lang="en" altLang="ko-KR" b="1" dirty="0"/>
+              <a:t>new</a:t>
+            </a:r>
+            <a:r>
+              <a:rPr lang="en" altLang="ko-KR" dirty="0"/>
+              <a:t> </a:t>
+            </a:r>
+            <a:r>
+              <a:rPr lang="en" altLang="ko-KR" dirty="0" err="1"/>
+              <a:t>BoardDAO</a:t>
+            </a:r>
+            <a:r>
+              <a:rPr lang="en" altLang="ko-KR" dirty="0"/>
+              <a:t>();</a:t>
+            </a:r>
+          </a:p>
+          <a:p>
+            <a:pPr marL="0" indent="0">
+              <a:buNone/>
+            </a:pPr>
+            <a:r>
+              <a:rPr lang="en" altLang="ko-KR" dirty="0"/>
+              <a:t>	}</a:t>
+            </a:r>
+          </a:p>
+          <a:p>
+            <a:pPr marL="0" indent="0">
+              <a:buNone/>
+            </a:pPr>
+            <a:r>
+              <a:rPr lang="en" altLang="ko-KR" dirty="0"/>
+              <a:t>}</a:t>
+            </a:r>
+          </a:p>
+          <a:p>
+            <a:pPr marL="0" indent="0">
+              <a:buNone/>
+            </a:pPr>
+            <a:endParaRPr lang="en" altLang="ko-KR" b="1" dirty="0"/>
+          </a:p>
+          <a:p>
+            <a:pPr marL="0" indent="0">
+              <a:buNone/>
+            </a:pPr>
+            <a:endParaRPr kumimoji="1" lang="ko-KR" altLang="en-US" dirty="0"/>
+          </a:p>
+        </p:txBody>
+      </p:sp>
+    </p:spTree>
+    <p:extLst>
+      <p:ext uri="{BB962C8B-B14F-4D97-AF65-F5344CB8AC3E}">
+        <p14:creationId xmlns:p14="http://schemas.microsoft.com/office/powerpoint/2010/main" val="573038030"/>
       </p:ext>
     </p:extLst>
   </p:cSld>
@@ -10964,328 +10691,6 @@
           <p:cNvPr id="3" name="내용 개체 틀 2">
             <a:extLst>
               <a:ext uri="{FF2B5EF4-FFF2-40B4-BE49-F238E27FC236}">
-                <a16:creationId xmlns:a16="http://schemas.microsoft.com/office/drawing/2014/main" id="{0539D08A-3F84-C74E-9F4A-E87AB1EB9F0E}"/>
-              </a:ext>
-            </a:extLst>
-          </p:cNvPr>
-          <p:cNvSpPr>
-            <a:spLocks noGrp="1"/>
-          </p:cNvSpPr>
-          <p:nvPr>
-            <p:ph idx="1"/>
-          </p:nvPr>
-        </p:nvSpPr>
-        <p:spPr>
-          <a:xfrm>
-            <a:off x="838200" y="431515"/>
-            <a:ext cx="10515600" cy="5745448"/>
-          </a:xfrm>
-        </p:spPr>
-        <p:txBody>
-          <a:bodyPr>
-            <a:normAutofit lnSpcReduction="10000"/>
-          </a:bodyPr>
-          <a:lstStyle/>
-          <a:p>
-            <a:pPr marL="0" indent="0">
-              <a:buNone/>
-            </a:pPr>
-            <a:r>
-              <a:rPr lang="en" altLang="ko-KR" dirty="0" err="1"/>
-              <a:t>BoardFrontController</a:t>
-            </a:r>
-            <a:r>
-              <a:rPr lang="ko-KR" altLang="en-US" dirty="0"/>
-              <a:t>의 </a:t>
-            </a:r>
-            <a:r>
-              <a:rPr lang="en" altLang="ko-KR" dirty="0" err="1"/>
-              <a:t>boardDetail</a:t>
-            </a:r>
-            <a:r>
-              <a:rPr lang="en" altLang="ko-KR" dirty="0"/>
-              <a:t>.</a:t>
-            </a:r>
-            <a:r>
-              <a:rPr lang="en-US" altLang="ko-KR" dirty="0"/>
-              <a:t>board</a:t>
-            </a:r>
-            <a:r>
-              <a:rPr lang="ko-KR" altLang="en-US" dirty="0"/>
-              <a:t>에 데이터를 가지고 </a:t>
-            </a:r>
-            <a:r>
-              <a:rPr lang="ko-KR" altLang="en-US" dirty="0" err="1"/>
-              <a:t>올수</a:t>
-            </a:r>
-            <a:r>
-              <a:rPr lang="ko-KR" altLang="en-US" dirty="0"/>
-              <a:t> 있게 </a:t>
-            </a:r>
-            <a:r>
-              <a:rPr lang="en-US" altLang="ko-KR" dirty="0"/>
-              <a:t>page-controller</a:t>
-            </a:r>
-            <a:r>
-              <a:rPr lang="ko-KR" altLang="en-US" dirty="0"/>
-              <a:t>가 있어야 한다</a:t>
-            </a:r>
-            <a:r>
-              <a:rPr lang="en-US" altLang="ko-KR" dirty="0"/>
-              <a:t>.</a:t>
-            </a:r>
-          </a:p>
-          <a:p>
-            <a:pPr marL="0" indent="0">
-              <a:buNone/>
-            </a:pPr>
-            <a:r>
-              <a:rPr lang="en" altLang="ko-KR" dirty="0" err="1"/>
-              <a:t>BoardDetailController</a:t>
-            </a:r>
-            <a:r>
-              <a:rPr lang="ko-KR" altLang="en-US" dirty="0" err="1"/>
-              <a:t>를</a:t>
-            </a:r>
-            <a:r>
-              <a:rPr lang="ko-KR" altLang="en-US" dirty="0"/>
-              <a:t> 만들어 상세정보를 가지고 </a:t>
-            </a:r>
-            <a:r>
-              <a:rPr lang="ko-KR" altLang="en-US" dirty="0" err="1"/>
-              <a:t>오도록한다</a:t>
-            </a:r>
-            <a:r>
-              <a:rPr lang="en-US" altLang="ko-KR" dirty="0"/>
-              <a:t>.</a:t>
-            </a:r>
-          </a:p>
-          <a:p>
-            <a:pPr marL="0" indent="0">
-              <a:buNone/>
-            </a:pPr>
-            <a:endParaRPr lang="en-US" altLang="ko-KR" dirty="0"/>
-          </a:p>
-          <a:p>
-            <a:pPr marL="0" indent="0">
-              <a:buNone/>
-            </a:pPr>
-            <a:r>
-              <a:rPr lang="ko-KR" altLang="en-US" dirty="0"/>
-              <a:t>쿼리스트링으로 받아온 </a:t>
-            </a:r>
-            <a:r>
-              <a:rPr lang="en-US" altLang="ko-KR" dirty="0" err="1"/>
-              <a:t>num</a:t>
-            </a:r>
-            <a:r>
-              <a:rPr lang="ko-KR" altLang="en-US" dirty="0"/>
-              <a:t>값을 이용해서 상세정보를 가지고 오자</a:t>
-            </a:r>
-            <a:r>
-              <a:rPr lang="en-US" altLang="ko-KR" dirty="0"/>
-              <a:t>.</a:t>
-            </a:r>
-          </a:p>
-          <a:p>
-            <a:pPr marL="0" indent="0">
-              <a:buNone/>
-            </a:pPr>
-            <a:r>
-              <a:rPr lang="en" altLang="ko-KR" b="1" dirty="0"/>
-              <a:t>public</a:t>
-            </a:r>
-            <a:r>
-              <a:rPr lang="en" altLang="ko-KR" dirty="0"/>
-              <a:t> </a:t>
-            </a:r>
-            <a:r>
-              <a:rPr lang="en" altLang="ko-KR" b="1" dirty="0"/>
-              <a:t>class</a:t>
-            </a:r>
-            <a:r>
-              <a:rPr lang="en" altLang="ko-KR" dirty="0"/>
-              <a:t> </a:t>
-            </a:r>
-            <a:r>
-              <a:rPr lang="en" altLang="ko-KR" dirty="0" err="1"/>
-              <a:t>BoardDetailController</a:t>
-            </a:r>
-            <a:r>
-              <a:rPr lang="en" altLang="ko-KR" dirty="0"/>
-              <a:t> {</a:t>
-            </a:r>
-          </a:p>
-          <a:p>
-            <a:pPr marL="0" indent="0">
-              <a:buNone/>
-            </a:pPr>
-            <a:r>
-              <a:rPr lang="en" altLang="ko-KR" b="1" dirty="0"/>
-              <a:t>	public</a:t>
-            </a:r>
-            <a:r>
-              <a:rPr lang="en" altLang="ko-KR" dirty="0"/>
-              <a:t> </a:t>
-            </a:r>
-            <a:r>
-              <a:rPr lang="en" altLang="ko-KR" b="1" dirty="0"/>
-              <a:t>void</a:t>
-            </a:r>
-            <a:r>
-              <a:rPr lang="en" altLang="ko-KR" dirty="0"/>
-              <a:t> execute(</a:t>
-            </a:r>
-            <a:r>
-              <a:rPr lang="en" altLang="ko-KR" u="sng" dirty="0" err="1"/>
-              <a:t>HttpServletRequest</a:t>
-            </a:r>
-            <a:r>
-              <a:rPr lang="en" altLang="ko-KR" dirty="0"/>
-              <a:t> request) {</a:t>
-            </a:r>
-          </a:p>
-          <a:p>
-            <a:pPr marL="0" indent="0">
-              <a:buNone/>
-            </a:pPr>
-            <a:r>
-              <a:rPr lang="en" altLang="ko-KR" dirty="0"/>
-              <a:t>		String </a:t>
-            </a:r>
-            <a:r>
-              <a:rPr lang="en" altLang="ko-KR" dirty="0" err="1"/>
-              <a:t>num</a:t>
-            </a:r>
-            <a:r>
-              <a:rPr lang="en" altLang="ko-KR" dirty="0"/>
-              <a:t> = </a:t>
-            </a:r>
-            <a:r>
-              <a:rPr lang="en" altLang="ko-KR" dirty="0" err="1"/>
-              <a:t>request.getParameter</a:t>
-            </a:r>
-            <a:r>
-              <a:rPr lang="en" altLang="ko-KR" dirty="0"/>
-              <a:t>("</a:t>
-            </a:r>
-            <a:r>
-              <a:rPr lang="en" altLang="ko-KR" dirty="0" err="1"/>
-              <a:t>num</a:t>
-            </a:r>
-            <a:r>
-              <a:rPr lang="en" altLang="ko-KR" dirty="0"/>
-              <a:t>");</a:t>
-            </a:r>
-          </a:p>
-          <a:p>
-            <a:pPr marL="0" indent="0">
-              <a:buNone/>
-            </a:pPr>
-            <a:r>
-              <a:rPr lang="en" altLang="ko-KR" dirty="0"/>
-              <a:t>		</a:t>
-            </a:r>
-            <a:r>
-              <a:rPr lang="en" altLang="ko-KR" dirty="0" err="1"/>
-              <a:t>BoardDAO</a:t>
-            </a:r>
-            <a:r>
-              <a:rPr lang="en" altLang="ko-KR" dirty="0"/>
-              <a:t> </a:t>
-            </a:r>
-            <a:r>
-              <a:rPr lang="en" altLang="ko-KR" dirty="0" err="1"/>
-              <a:t>dao</a:t>
-            </a:r>
-            <a:r>
-              <a:rPr lang="en" altLang="ko-KR" dirty="0"/>
-              <a:t> = </a:t>
-            </a:r>
-            <a:r>
-              <a:rPr lang="en" altLang="ko-KR" b="1" dirty="0"/>
-              <a:t>new</a:t>
-            </a:r>
-            <a:r>
-              <a:rPr lang="en" altLang="ko-KR" dirty="0"/>
-              <a:t> </a:t>
-            </a:r>
-            <a:r>
-              <a:rPr lang="en" altLang="ko-KR" dirty="0" err="1"/>
-              <a:t>BoardDAO</a:t>
-            </a:r>
-            <a:r>
-              <a:rPr lang="en" altLang="ko-KR" dirty="0"/>
-              <a:t>();</a:t>
-            </a:r>
-          </a:p>
-          <a:p>
-            <a:pPr marL="0" indent="0">
-              <a:buNone/>
-            </a:pPr>
-            <a:r>
-              <a:rPr lang="en" altLang="ko-KR" dirty="0"/>
-              <a:t>	}</a:t>
-            </a:r>
-          </a:p>
-          <a:p>
-            <a:pPr marL="0" indent="0">
-              <a:buNone/>
-            </a:pPr>
-            <a:r>
-              <a:rPr lang="en" altLang="ko-KR" dirty="0"/>
-              <a:t>}</a:t>
-            </a:r>
-          </a:p>
-          <a:p>
-            <a:pPr marL="0" indent="0">
-              <a:buNone/>
-            </a:pPr>
-            <a:endParaRPr lang="en" altLang="ko-KR" b="1" dirty="0"/>
-          </a:p>
-          <a:p>
-            <a:pPr marL="0" indent="0">
-              <a:buNone/>
-            </a:pPr>
-            <a:endParaRPr kumimoji="1" lang="ko-KR" altLang="en-US" dirty="0"/>
-          </a:p>
-        </p:txBody>
-      </p:sp>
-    </p:spTree>
-    <p:extLst>
-      <p:ext uri="{BB962C8B-B14F-4D97-AF65-F5344CB8AC3E}">
-        <p14:creationId xmlns:p14="http://schemas.microsoft.com/office/powerpoint/2010/main" val="573038030"/>
-      </p:ext>
-    </p:extLst>
-  </p:cSld>
-  <p:clrMapOvr>
-    <a:masterClrMapping/>
-  </p:clrMapOvr>
-</p:sld>
-</file>
-
-<file path=ppt/slides/slide31.xml><?xml version="1.0" encoding="utf-8"?>
-<p:sld xmlns:a="http://schemas.openxmlformats.org/drawingml/2006/main" xmlns:r="http://schemas.openxmlformats.org/officeDocument/2006/relationships" xmlns:p="http://schemas.openxmlformats.org/presentationml/2006/main">
-  <p:cSld>
-    <p:spTree>
-      <p:nvGrpSpPr>
-        <p:cNvPr id="1" name=""/>
-        <p:cNvGrpSpPr/>
-        <p:nvPr/>
-      </p:nvGrpSpPr>
-      <p:grpSpPr>
-        <a:xfrm>
-          <a:off x="0" y="0"/>
-          <a:ext cx="0" cy="0"/>
-          <a:chOff x="0" y="0"/>
-          <a:chExt cx="0" cy="0"/>
-        </a:xfrm>
-      </p:grpSpPr>
-      <p:sp>
-        <p:nvSpPr>
-          <p:cNvPr id="3" name="내용 개체 틀 2">
-            <a:extLst>
-              <a:ext uri="{FF2B5EF4-FFF2-40B4-BE49-F238E27FC236}">
                 <a16:creationId xmlns:a16="http://schemas.microsoft.com/office/drawing/2014/main" id="{0BEC3E62-B3BE-5C4E-9FB1-92883554FDBF}"/>
               </a:ext>
             </a:extLst>
@@ -11510,7 +10915,7 @@
 </p:sld>
 </file>
 
-<file path=ppt/slides/slide32.xml><?xml version="1.0" encoding="utf-8"?>
+<file path=ppt/slides/slide31.xml><?xml version="1.0" encoding="utf-8"?>
 <p:sld xmlns:a="http://schemas.openxmlformats.org/drawingml/2006/main" xmlns:r="http://schemas.openxmlformats.org/officeDocument/2006/relationships" xmlns:p="http://schemas.openxmlformats.org/presentationml/2006/main">
   <p:cSld>
     <p:spTree>
@@ -12065,7 +11470,7 @@
 </p:sld>
 </file>
 
-<file path=ppt/slides/slide33.xml><?xml version="1.0" encoding="utf-8"?>
+<file path=ppt/slides/slide32.xml><?xml version="1.0" encoding="utf-8"?>
 <p:sld xmlns:a="http://schemas.openxmlformats.org/drawingml/2006/main" xmlns:r="http://schemas.openxmlformats.org/officeDocument/2006/relationships" xmlns:p="http://schemas.openxmlformats.org/presentationml/2006/main">
   <p:cSld>
     <p:spTree>
@@ -12562,7 +11967,7 @@
 </p:sld>
 </file>
 
-<file path=ppt/slides/slide34.xml><?xml version="1.0" encoding="utf-8"?>
+<file path=ppt/slides/slide33.xml><?xml version="1.0" encoding="utf-8"?>
 <p:sld xmlns:a="http://schemas.openxmlformats.org/drawingml/2006/main" xmlns:r="http://schemas.openxmlformats.org/officeDocument/2006/relationships" xmlns:p="http://schemas.openxmlformats.org/presentationml/2006/main">
   <p:cSld>
     <p:spTree>
@@ -12891,7 +12296,7 @@
 </p:sld>
 </file>
 
-<file path=ppt/slides/slide35.xml><?xml version="1.0" encoding="utf-8"?>
+<file path=ppt/slides/slide34.xml><?xml version="1.0" encoding="utf-8"?>
 <p:sld xmlns:a="http://schemas.openxmlformats.org/drawingml/2006/main" xmlns:r="http://schemas.openxmlformats.org/officeDocument/2006/relationships" xmlns:p="http://schemas.openxmlformats.org/presentationml/2006/main">
   <p:cSld>
     <p:spTree>
@@ -13142,7 +12547,7 @@
 </p:sld>
 </file>
 
-<file path=ppt/slides/slide36.xml><?xml version="1.0" encoding="utf-8"?>
+<file path=ppt/slides/slide35.xml><?xml version="1.0" encoding="utf-8"?>
 <p:sld xmlns:a="http://schemas.openxmlformats.org/drawingml/2006/main" xmlns:r="http://schemas.openxmlformats.org/officeDocument/2006/relationships" xmlns:p="http://schemas.openxmlformats.org/presentationml/2006/main">
   <p:cSld>
     <p:spTree>
@@ -13500,7 +12905,7 @@
 </p:sld>
 </file>
 
-<file path=ppt/slides/slide37.xml><?xml version="1.0" encoding="utf-8"?>
+<file path=ppt/slides/slide36.xml><?xml version="1.0" encoding="utf-8"?>
 <p:sld xmlns:a="http://schemas.openxmlformats.org/drawingml/2006/main" xmlns:r="http://schemas.openxmlformats.org/officeDocument/2006/relationships" xmlns:p="http://schemas.openxmlformats.org/presentationml/2006/main">
   <p:cSld>
     <p:spTree>
@@ -13805,7 +13210,7 @@
 </p:sld>
 </file>
 
-<file path=ppt/slides/slide38.xml><?xml version="1.0" encoding="utf-8"?>
+<file path=ppt/slides/slide37.xml><?xml version="1.0" encoding="utf-8"?>
 <p:sld xmlns:a="http://schemas.openxmlformats.org/drawingml/2006/main" xmlns:r="http://schemas.openxmlformats.org/officeDocument/2006/relationships" xmlns:p="http://schemas.openxmlformats.org/presentationml/2006/main">
   <p:cSld>
     <p:spTree>
@@ -14520,7 +13925,7 @@
 </p:sld>
 </file>
 
-<file path=ppt/slides/slide39.xml><?xml version="1.0" encoding="utf-8"?>
+<file path=ppt/slides/slide38.xml><?xml version="1.0" encoding="utf-8"?>
 <p:sld xmlns:a="http://schemas.openxmlformats.org/drawingml/2006/main" xmlns:r="http://schemas.openxmlformats.org/officeDocument/2006/relationships" xmlns:p="http://schemas.openxmlformats.org/presentationml/2006/main">
   <p:cSld>
     <p:spTree>
@@ -14722,6 +14127,472 @@
     <p:extLst>
       <p:ext uri="{BB962C8B-B14F-4D97-AF65-F5344CB8AC3E}">
         <p14:creationId xmlns:p14="http://schemas.microsoft.com/office/powerpoint/2010/main" val="2937075532"/>
+      </p:ext>
+    </p:extLst>
+  </p:cSld>
+  <p:clrMapOvr>
+    <a:masterClrMapping/>
+  </p:clrMapOvr>
+</p:sld>
+</file>
+
+<file path=ppt/slides/slide39.xml><?xml version="1.0" encoding="utf-8"?>
+<p:sld xmlns:a="http://schemas.openxmlformats.org/drawingml/2006/main" xmlns:r="http://schemas.openxmlformats.org/officeDocument/2006/relationships" xmlns:p="http://schemas.openxmlformats.org/presentationml/2006/main">
+  <p:cSld>
+    <p:spTree>
+      <p:nvGrpSpPr>
+        <p:cNvPr id="1" name=""/>
+        <p:cNvGrpSpPr/>
+        <p:nvPr/>
+      </p:nvGrpSpPr>
+      <p:grpSpPr>
+        <a:xfrm>
+          <a:off x="0" y="0"/>
+          <a:ext cx="0" cy="0"/>
+          <a:chOff x="0" y="0"/>
+          <a:chExt cx="0" cy="0"/>
+        </a:xfrm>
+      </p:grpSpPr>
+      <p:sp>
+        <p:nvSpPr>
+          <p:cNvPr id="3" name="내용 개체 틀 2">
+            <a:extLst>
+              <a:ext uri="{FF2B5EF4-FFF2-40B4-BE49-F238E27FC236}">
+                <a16:creationId xmlns:a16="http://schemas.microsoft.com/office/drawing/2014/main" id="{35F3FE06-F7C1-9E4B-AAC2-C137590AC50D}"/>
+              </a:ext>
+            </a:extLst>
+          </p:cNvPr>
+          <p:cNvSpPr>
+            <a:spLocks noGrp="1"/>
+          </p:cNvSpPr>
+          <p:nvPr>
+            <p:ph idx="1"/>
+          </p:nvPr>
+        </p:nvSpPr>
+        <p:spPr>
+          <a:xfrm>
+            <a:off x="838200" y="626724"/>
+            <a:ext cx="10515600" cy="5550239"/>
+          </a:xfrm>
+        </p:spPr>
+        <p:txBody>
+          <a:bodyPr>
+            <a:normAutofit fontScale="70000" lnSpcReduction="20000"/>
+          </a:bodyPr>
+          <a:lstStyle/>
+          <a:p>
+            <a:pPr marL="0" indent="0">
+              <a:buNone/>
+            </a:pPr>
+            <a:r>
+              <a:rPr lang="ko-KR" altLang="en-US" dirty="0"/>
+              <a:t>데이터베이스에서 수정할 수 있게 </a:t>
+            </a:r>
+            <a:r>
+              <a:rPr lang="en-US" altLang="ko-KR" dirty="0"/>
+              <a:t>page-controller</a:t>
+            </a:r>
+            <a:r>
+              <a:rPr lang="ko-KR" altLang="en-US" dirty="0" err="1"/>
+              <a:t>를</a:t>
+            </a:r>
+            <a:r>
+              <a:rPr lang="ko-KR" altLang="en-US" dirty="0"/>
+              <a:t> 만들어 준다</a:t>
+            </a:r>
+            <a:r>
+              <a:rPr lang="en-US" altLang="ko-KR" dirty="0"/>
+              <a:t>.</a:t>
+            </a:r>
+          </a:p>
+          <a:p>
+            <a:pPr marL="0" indent="0">
+              <a:buNone/>
+            </a:pPr>
+            <a:r>
+              <a:rPr lang="en" altLang="ko-KR" dirty="0" err="1"/>
+              <a:t>BoardModifyController</a:t>
+            </a:r>
+            <a:r>
+              <a:rPr lang="ko-KR" altLang="en-US" dirty="0" err="1"/>
+              <a:t>를</a:t>
+            </a:r>
+            <a:r>
+              <a:rPr lang="ko-KR" altLang="en-US" dirty="0"/>
+              <a:t> 만든다</a:t>
+            </a:r>
+            <a:r>
+              <a:rPr lang="en-US" altLang="ko-KR" dirty="0"/>
+              <a:t>.</a:t>
+            </a:r>
+          </a:p>
+          <a:p>
+            <a:pPr marL="0" indent="0">
+              <a:buNone/>
+            </a:pPr>
+            <a:r>
+              <a:rPr lang="en" altLang="ko-KR" b="1" dirty="0"/>
+              <a:t>public</a:t>
+            </a:r>
+            <a:r>
+              <a:rPr lang="en" altLang="ko-KR" dirty="0"/>
+              <a:t> </a:t>
+            </a:r>
+            <a:r>
+              <a:rPr lang="en" altLang="ko-KR" b="1" dirty="0"/>
+              <a:t>class</a:t>
+            </a:r>
+            <a:r>
+              <a:rPr lang="en" altLang="ko-KR" dirty="0"/>
+              <a:t> </a:t>
+            </a:r>
+            <a:r>
+              <a:rPr lang="en" altLang="ko-KR" dirty="0" err="1"/>
+              <a:t>BoardModifyController</a:t>
+            </a:r>
+            <a:r>
+              <a:rPr lang="en" altLang="ko-KR" dirty="0"/>
+              <a:t> {</a:t>
+            </a:r>
+          </a:p>
+          <a:p>
+            <a:pPr marL="0" indent="0">
+              <a:buNone/>
+            </a:pPr>
+            <a:r>
+              <a:rPr lang="en" altLang="ko-KR" b="1" dirty="0"/>
+              <a:t>	public</a:t>
+            </a:r>
+            <a:r>
+              <a:rPr lang="en" altLang="ko-KR" dirty="0"/>
+              <a:t> </a:t>
+            </a:r>
+            <a:r>
+              <a:rPr lang="en" altLang="ko-KR" b="1" dirty="0"/>
+              <a:t>void</a:t>
+            </a:r>
+            <a:r>
+              <a:rPr lang="en" altLang="ko-KR" dirty="0"/>
+              <a:t> execute(</a:t>
+            </a:r>
+            <a:r>
+              <a:rPr lang="en" altLang="ko-KR" u="sng" dirty="0" err="1"/>
+              <a:t>HttpServletRequest</a:t>
+            </a:r>
+            <a:r>
+              <a:rPr lang="en" altLang="ko-KR" dirty="0"/>
+              <a:t> request) {</a:t>
+            </a:r>
+          </a:p>
+          <a:p>
+            <a:pPr marL="0" indent="0">
+              <a:buNone/>
+            </a:pPr>
+            <a:r>
+              <a:rPr lang="en" altLang="ko-KR" b="1" dirty="0"/>
+              <a:t>		try</a:t>
+            </a:r>
+            <a:r>
+              <a:rPr lang="en" altLang="ko-KR" dirty="0"/>
+              <a:t> {</a:t>
+            </a:r>
+          </a:p>
+          <a:p>
+            <a:pPr marL="0" indent="0">
+              <a:buNone/>
+            </a:pPr>
+            <a:r>
+              <a:rPr lang="en" altLang="ko-KR" dirty="0"/>
+              <a:t>			</a:t>
+            </a:r>
+            <a:r>
+              <a:rPr lang="en" altLang="ko-KR" dirty="0" err="1"/>
+              <a:t>request.setCharacterEncoding</a:t>
+            </a:r>
+            <a:r>
+              <a:rPr lang="en" altLang="ko-KR" dirty="0"/>
+              <a:t>("utf-8");</a:t>
+            </a:r>
+          </a:p>
+          <a:p>
+            <a:pPr marL="0" indent="0">
+              <a:buNone/>
+            </a:pPr>
+            <a:r>
+              <a:rPr lang="en" altLang="ko-KR" dirty="0"/>
+              <a:t>		}</a:t>
+            </a:r>
+            <a:r>
+              <a:rPr lang="en" altLang="ko-KR" b="1" dirty="0"/>
+              <a:t>catch</a:t>
+            </a:r>
+            <a:r>
+              <a:rPr lang="en" altLang="ko-KR" dirty="0"/>
+              <a:t>(Exception e) {}</a:t>
+            </a:r>
+          </a:p>
+          <a:p>
+            <a:pPr marL="0" indent="0">
+              <a:buNone/>
+            </a:pPr>
+            <a:r>
+              <a:rPr lang="en" altLang="ko-KR" dirty="0"/>
+              <a:t>		</a:t>
+            </a:r>
+            <a:r>
+              <a:rPr lang="en" altLang="ko-KR" dirty="0" err="1"/>
+              <a:t>BoardDTO</a:t>
+            </a:r>
+            <a:r>
+              <a:rPr lang="en" altLang="ko-KR" dirty="0"/>
+              <a:t>  </a:t>
+            </a:r>
+            <a:r>
+              <a:rPr lang="en" altLang="ko-KR" dirty="0" err="1"/>
+              <a:t>dto</a:t>
+            </a:r>
+            <a:r>
+              <a:rPr lang="en" altLang="ko-KR" dirty="0"/>
+              <a:t> = </a:t>
+            </a:r>
+            <a:r>
+              <a:rPr lang="en" altLang="ko-KR" b="1" dirty="0"/>
+              <a:t>new</a:t>
+            </a:r>
+            <a:r>
+              <a:rPr lang="en" altLang="ko-KR" dirty="0"/>
+              <a:t> </a:t>
+            </a:r>
+            <a:r>
+              <a:rPr lang="en" altLang="ko-KR" dirty="0" err="1"/>
+              <a:t>BoardDTO</a:t>
+            </a:r>
+            <a:r>
+              <a:rPr lang="en" altLang="ko-KR" dirty="0"/>
+              <a:t>();</a:t>
+            </a:r>
+          </a:p>
+          <a:p>
+            <a:pPr marL="0" indent="0">
+              <a:buNone/>
+            </a:pPr>
+            <a:r>
+              <a:rPr lang="en" altLang="ko-KR" dirty="0"/>
+              <a:t>		</a:t>
+            </a:r>
+            <a:r>
+              <a:rPr lang="en" altLang="ko-KR" dirty="0" err="1"/>
+              <a:t>dto.setBoardContent</a:t>
+            </a:r>
+            <a:r>
+              <a:rPr lang="en" altLang="ko-KR" dirty="0"/>
+              <a:t>(</a:t>
+            </a:r>
+            <a:r>
+              <a:rPr lang="en" altLang="ko-KR" dirty="0" err="1"/>
+              <a:t>request.getParameter</a:t>
+            </a:r>
+            <a:r>
+              <a:rPr lang="en" altLang="ko-KR" dirty="0"/>
+              <a:t>("</a:t>
+            </a:r>
+            <a:r>
+              <a:rPr lang="en" altLang="ko-KR" dirty="0" err="1"/>
+              <a:t>boardContent</a:t>
+            </a:r>
+            <a:r>
+              <a:rPr lang="en" altLang="ko-KR" dirty="0"/>
+              <a:t>"));</a:t>
+            </a:r>
+          </a:p>
+          <a:p>
+            <a:pPr marL="0" indent="0">
+              <a:buNone/>
+            </a:pPr>
+            <a:r>
+              <a:rPr lang="en" altLang="ko-KR" dirty="0"/>
+              <a:t>		</a:t>
+            </a:r>
+            <a:r>
+              <a:rPr lang="en" altLang="ko-KR" dirty="0" err="1"/>
+              <a:t>dto.setBoardNum</a:t>
+            </a:r>
+            <a:r>
+              <a:rPr lang="en" altLang="ko-KR" dirty="0"/>
+              <a:t>( </a:t>
+            </a:r>
+            <a:r>
+              <a:rPr lang="en" altLang="ko-KR" dirty="0" err="1"/>
+              <a:t>Integer.</a:t>
+            </a:r>
+            <a:r>
+              <a:rPr lang="en" altLang="ko-KR" i="1" dirty="0" err="1"/>
+              <a:t>parseInt</a:t>
+            </a:r>
+            <a:r>
+              <a:rPr lang="en" altLang="ko-KR" dirty="0"/>
+              <a:t>(</a:t>
+            </a:r>
+            <a:r>
+              <a:rPr lang="en" altLang="ko-KR" dirty="0" err="1"/>
+              <a:t>request.getParameter</a:t>
+            </a:r>
+            <a:r>
+              <a:rPr lang="en" altLang="ko-KR" dirty="0"/>
+              <a:t>("</a:t>
+            </a:r>
+            <a:r>
+              <a:rPr lang="en" altLang="ko-KR" dirty="0" err="1"/>
+              <a:t>boardNum</a:t>
+            </a:r>
+            <a:r>
+              <a:rPr lang="en" altLang="ko-KR" dirty="0"/>
+              <a:t>")));</a:t>
+            </a:r>
+          </a:p>
+          <a:p>
+            <a:pPr marL="0" indent="0">
+              <a:buNone/>
+            </a:pPr>
+            <a:r>
+              <a:rPr lang="en" altLang="ko-KR" dirty="0"/>
+              <a:t>		</a:t>
+            </a:r>
+            <a:r>
+              <a:rPr lang="en" altLang="ko-KR" dirty="0" err="1"/>
+              <a:t>dto.setBoardSubject</a:t>
+            </a:r>
+            <a:r>
+              <a:rPr lang="en" altLang="ko-KR" dirty="0"/>
+              <a:t>(</a:t>
+            </a:r>
+            <a:r>
+              <a:rPr lang="en" altLang="ko-KR" dirty="0" err="1"/>
+              <a:t>request.getParameter</a:t>
+            </a:r>
+            <a:r>
+              <a:rPr lang="en" altLang="ko-KR" dirty="0"/>
+              <a:t>("</a:t>
+            </a:r>
+            <a:r>
+              <a:rPr lang="en" altLang="ko-KR" dirty="0" err="1"/>
+              <a:t>boardSubject</a:t>
+            </a:r>
+            <a:r>
+              <a:rPr lang="en" altLang="ko-KR" dirty="0"/>
+              <a:t>"));</a:t>
+            </a:r>
+          </a:p>
+          <a:p>
+            <a:pPr marL="0" indent="0">
+              <a:buNone/>
+            </a:pPr>
+            <a:r>
+              <a:rPr lang="en" altLang="ko-KR" dirty="0"/>
+              <a:t>		</a:t>
+            </a:r>
+            <a:r>
+              <a:rPr lang="en" altLang="ko-KR" dirty="0" err="1"/>
+              <a:t>dto.setBoardWriter</a:t>
+            </a:r>
+            <a:r>
+              <a:rPr lang="en" altLang="ko-KR" dirty="0"/>
+              <a:t>(</a:t>
+            </a:r>
+            <a:r>
+              <a:rPr lang="en" altLang="ko-KR" dirty="0" err="1"/>
+              <a:t>request.getParameter</a:t>
+            </a:r>
+            <a:r>
+              <a:rPr lang="en" altLang="ko-KR" dirty="0"/>
+              <a:t>("</a:t>
+            </a:r>
+            <a:r>
+              <a:rPr lang="en" altLang="ko-KR" dirty="0" err="1"/>
+              <a:t>boardWriter</a:t>
+            </a:r>
+            <a:r>
+              <a:rPr lang="en" altLang="ko-KR" dirty="0"/>
+              <a:t>"));</a:t>
+            </a:r>
+          </a:p>
+          <a:p>
+            <a:pPr marL="0" indent="0">
+              <a:buNone/>
+            </a:pPr>
+            <a:r>
+              <a:rPr lang="en" altLang="ko-KR" dirty="0"/>
+              <a:t>		</a:t>
+            </a:r>
+            <a:r>
+              <a:rPr lang="en" altLang="ko-KR" dirty="0" err="1"/>
+              <a:t>BoardDAO</a:t>
+            </a:r>
+            <a:r>
+              <a:rPr lang="en" altLang="ko-KR" dirty="0"/>
+              <a:t> </a:t>
+            </a:r>
+            <a:r>
+              <a:rPr lang="en" altLang="ko-KR" dirty="0" err="1"/>
+              <a:t>dao</a:t>
+            </a:r>
+            <a:r>
+              <a:rPr lang="en" altLang="ko-KR" dirty="0"/>
+              <a:t> = </a:t>
+            </a:r>
+            <a:r>
+              <a:rPr lang="en" altLang="ko-KR" b="1" dirty="0"/>
+              <a:t>new</a:t>
+            </a:r>
+            <a:r>
+              <a:rPr lang="en" altLang="ko-KR" dirty="0"/>
+              <a:t> </a:t>
+            </a:r>
+            <a:r>
+              <a:rPr lang="en" altLang="ko-KR" dirty="0" err="1"/>
+              <a:t>BoardDAO</a:t>
+            </a:r>
+            <a:r>
+              <a:rPr lang="en" altLang="ko-KR" dirty="0"/>
+              <a:t>();</a:t>
+            </a:r>
+          </a:p>
+          <a:p>
+            <a:pPr marL="0" indent="0">
+              <a:buNone/>
+            </a:pPr>
+            <a:r>
+              <a:rPr lang="en" altLang="ko-KR" dirty="0"/>
+              <a:t>	}</a:t>
+            </a:r>
+          </a:p>
+          <a:p>
+            <a:pPr marL="0" indent="0">
+              <a:buNone/>
+            </a:pPr>
+            <a:r>
+              <a:rPr lang="en" altLang="ko-KR" dirty="0"/>
+              <a:t>}</a:t>
+            </a:r>
+          </a:p>
+          <a:p>
+            <a:pPr marL="0" indent="0">
+              <a:buNone/>
+            </a:pPr>
+            <a:endParaRPr lang="en" altLang="ko-KR" dirty="0"/>
+          </a:p>
+          <a:p>
+            <a:pPr marL="0" indent="0">
+              <a:buNone/>
+            </a:pPr>
+            <a:endParaRPr kumimoji="1" lang="ko-KR" altLang="en-US" dirty="0"/>
+          </a:p>
+        </p:txBody>
+      </p:sp>
+    </p:spTree>
+    <p:extLst>
+      <p:ext uri="{BB962C8B-B14F-4D97-AF65-F5344CB8AC3E}">
+        <p14:creationId xmlns:p14="http://schemas.microsoft.com/office/powerpoint/2010/main" val="738494349"/>
       </p:ext>
     </p:extLst>
   </p:cSld>
@@ -15256,472 +15127,6 @@
           <p:cNvPr id="3" name="내용 개체 틀 2">
             <a:extLst>
               <a:ext uri="{FF2B5EF4-FFF2-40B4-BE49-F238E27FC236}">
-                <a16:creationId xmlns:a16="http://schemas.microsoft.com/office/drawing/2014/main" id="{35F3FE06-F7C1-9E4B-AAC2-C137590AC50D}"/>
-              </a:ext>
-            </a:extLst>
-          </p:cNvPr>
-          <p:cNvSpPr>
-            <a:spLocks noGrp="1"/>
-          </p:cNvSpPr>
-          <p:nvPr>
-            <p:ph idx="1"/>
-          </p:nvPr>
-        </p:nvSpPr>
-        <p:spPr>
-          <a:xfrm>
-            <a:off x="838200" y="626724"/>
-            <a:ext cx="10515600" cy="5550239"/>
-          </a:xfrm>
-        </p:spPr>
-        <p:txBody>
-          <a:bodyPr>
-            <a:normAutofit fontScale="70000" lnSpcReduction="20000"/>
-          </a:bodyPr>
-          <a:lstStyle/>
-          <a:p>
-            <a:pPr marL="0" indent="0">
-              <a:buNone/>
-            </a:pPr>
-            <a:r>
-              <a:rPr lang="ko-KR" altLang="en-US" dirty="0"/>
-              <a:t>데이터베이스에서 수정할 수 있게 </a:t>
-            </a:r>
-            <a:r>
-              <a:rPr lang="en-US" altLang="ko-KR" dirty="0"/>
-              <a:t>page-controller</a:t>
-            </a:r>
-            <a:r>
-              <a:rPr lang="ko-KR" altLang="en-US" dirty="0" err="1"/>
-              <a:t>를</a:t>
-            </a:r>
-            <a:r>
-              <a:rPr lang="ko-KR" altLang="en-US" dirty="0"/>
-              <a:t> 만들어 준다</a:t>
-            </a:r>
-            <a:r>
-              <a:rPr lang="en-US" altLang="ko-KR" dirty="0"/>
-              <a:t>.</a:t>
-            </a:r>
-          </a:p>
-          <a:p>
-            <a:pPr marL="0" indent="0">
-              <a:buNone/>
-            </a:pPr>
-            <a:r>
-              <a:rPr lang="en" altLang="ko-KR" dirty="0" err="1"/>
-              <a:t>BoardModifyController</a:t>
-            </a:r>
-            <a:r>
-              <a:rPr lang="ko-KR" altLang="en-US" dirty="0" err="1"/>
-              <a:t>를</a:t>
-            </a:r>
-            <a:r>
-              <a:rPr lang="ko-KR" altLang="en-US" dirty="0"/>
-              <a:t> 만든다</a:t>
-            </a:r>
-            <a:r>
-              <a:rPr lang="en-US" altLang="ko-KR" dirty="0"/>
-              <a:t>.</a:t>
-            </a:r>
-          </a:p>
-          <a:p>
-            <a:pPr marL="0" indent="0">
-              <a:buNone/>
-            </a:pPr>
-            <a:r>
-              <a:rPr lang="en" altLang="ko-KR" b="1" dirty="0"/>
-              <a:t>public</a:t>
-            </a:r>
-            <a:r>
-              <a:rPr lang="en" altLang="ko-KR" dirty="0"/>
-              <a:t> </a:t>
-            </a:r>
-            <a:r>
-              <a:rPr lang="en" altLang="ko-KR" b="1" dirty="0"/>
-              <a:t>class</a:t>
-            </a:r>
-            <a:r>
-              <a:rPr lang="en" altLang="ko-KR" dirty="0"/>
-              <a:t> </a:t>
-            </a:r>
-            <a:r>
-              <a:rPr lang="en" altLang="ko-KR" dirty="0" err="1"/>
-              <a:t>BoardModifyController</a:t>
-            </a:r>
-            <a:r>
-              <a:rPr lang="en" altLang="ko-KR" dirty="0"/>
-              <a:t> {</a:t>
-            </a:r>
-          </a:p>
-          <a:p>
-            <a:pPr marL="0" indent="0">
-              <a:buNone/>
-            </a:pPr>
-            <a:r>
-              <a:rPr lang="en" altLang="ko-KR" b="1" dirty="0"/>
-              <a:t>	public</a:t>
-            </a:r>
-            <a:r>
-              <a:rPr lang="en" altLang="ko-KR" dirty="0"/>
-              <a:t> </a:t>
-            </a:r>
-            <a:r>
-              <a:rPr lang="en" altLang="ko-KR" b="1" dirty="0"/>
-              <a:t>void</a:t>
-            </a:r>
-            <a:r>
-              <a:rPr lang="en" altLang="ko-KR" dirty="0"/>
-              <a:t> execute(</a:t>
-            </a:r>
-            <a:r>
-              <a:rPr lang="en" altLang="ko-KR" u="sng" dirty="0" err="1"/>
-              <a:t>HttpServletRequest</a:t>
-            </a:r>
-            <a:r>
-              <a:rPr lang="en" altLang="ko-KR" dirty="0"/>
-              <a:t> request) {</a:t>
-            </a:r>
-          </a:p>
-          <a:p>
-            <a:pPr marL="0" indent="0">
-              <a:buNone/>
-            </a:pPr>
-            <a:r>
-              <a:rPr lang="en" altLang="ko-KR" b="1" dirty="0"/>
-              <a:t>		try</a:t>
-            </a:r>
-            <a:r>
-              <a:rPr lang="en" altLang="ko-KR" dirty="0"/>
-              <a:t> {</a:t>
-            </a:r>
-          </a:p>
-          <a:p>
-            <a:pPr marL="0" indent="0">
-              <a:buNone/>
-            </a:pPr>
-            <a:r>
-              <a:rPr lang="en" altLang="ko-KR" dirty="0"/>
-              <a:t>			</a:t>
-            </a:r>
-            <a:r>
-              <a:rPr lang="en" altLang="ko-KR" dirty="0" err="1"/>
-              <a:t>request.setCharacterEncoding</a:t>
-            </a:r>
-            <a:r>
-              <a:rPr lang="en" altLang="ko-KR" dirty="0"/>
-              <a:t>("utf-8");</a:t>
-            </a:r>
-          </a:p>
-          <a:p>
-            <a:pPr marL="0" indent="0">
-              <a:buNone/>
-            </a:pPr>
-            <a:r>
-              <a:rPr lang="en" altLang="ko-KR" dirty="0"/>
-              <a:t>		}</a:t>
-            </a:r>
-            <a:r>
-              <a:rPr lang="en" altLang="ko-KR" b="1" dirty="0"/>
-              <a:t>catch</a:t>
-            </a:r>
-            <a:r>
-              <a:rPr lang="en" altLang="ko-KR" dirty="0"/>
-              <a:t>(Exception e) {}</a:t>
-            </a:r>
-          </a:p>
-          <a:p>
-            <a:pPr marL="0" indent="0">
-              <a:buNone/>
-            </a:pPr>
-            <a:r>
-              <a:rPr lang="en" altLang="ko-KR" dirty="0"/>
-              <a:t>		</a:t>
-            </a:r>
-            <a:r>
-              <a:rPr lang="en" altLang="ko-KR" dirty="0" err="1"/>
-              <a:t>BoardDTO</a:t>
-            </a:r>
-            <a:r>
-              <a:rPr lang="en" altLang="ko-KR" dirty="0"/>
-              <a:t>  </a:t>
-            </a:r>
-            <a:r>
-              <a:rPr lang="en" altLang="ko-KR" dirty="0" err="1"/>
-              <a:t>dto</a:t>
-            </a:r>
-            <a:r>
-              <a:rPr lang="en" altLang="ko-KR" dirty="0"/>
-              <a:t> = </a:t>
-            </a:r>
-            <a:r>
-              <a:rPr lang="en" altLang="ko-KR" b="1" dirty="0"/>
-              <a:t>new</a:t>
-            </a:r>
-            <a:r>
-              <a:rPr lang="en" altLang="ko-KR" dirty="0"/>
-              <a:t> </a:t>
-            </a:r>
-            <a:r>
-              <a:rPr lang="en" altLang="ko-KR" dirty="0" err="1"/>
-              <a:t>BoardDTO</a:t>
-            </a:r>
-            <a:r>
-              <a:rPr lang="en" altLang="ko-KR" dirty="0"/>
-              <a:t>();</a:t>
-            </a:r>
-          </a:p>
-          <a:p>
-            <a:pPr marL="0" indent="0">
-              <a:buNone/>
-            </a:pPr>
-            <a:r>
-              <a:rPr lang="en" altLang="ko-KR" dirty="0"/>
-              <a:t>		</a:t>
-            </a:r>
-            <a:r>
-              <a:rPr lang="en" altLang="ko-KR" dirty="0" err="1"/>
-              <a:t>dto.setBoardContent</a:t>
-            </a:r>
-            <a:r>
-              <a:rPr lang="en" altLang="ko-KR" dirty="0"/>
-              <a:t>(</a:t>
-            </a:r>
-            <a:r>
-              <a:rPr lang="en" altLang="ko-KR" dirty="0" err="1"/>
-              <a:t>request.getParameter</a:t>
-            </a:r>
-            <a:r>
-              <a:rPr lang="en" altLang="ko-KR" dirty="0"/>
-              <a:t>("</a:t>
-            </a:r>
-            <a:r>
-              <a:rPr lang="en" altLang="ko-KR" dirty="0" err="1"/>
-              <a:t>boardContent</a:t>
-            </a:r>
-            <a:r>
-              <a:rPr lang="en" altLang="ko-KR" dirty="0"/>
-              <a:t>"));</a:t>
-            </a:r>
-          </a:p>
-          <a:p>
-            <a:pPr marL="0" indent="0">
-              <a:buNone/>
-            </a:pPr>
-            <a:r>
-              <a:rPr lang="en" altLang="ko-KR" dirty="0"/>
-              <a:t>		</a:t>
-            </a:r>
-            <a:r>
-              <a:rPr lang="en" altLang="ko-KR" dirty="0" err="1"/>
-              <a:t>dto.setBoardNum</a:t>
-            </a:r>
-            <a:r>
-              <a:rPr lang="en" altLang="ko-KR" dirty="0"/>
-              <a:t>( </a:t>
-            </a:r>
-            <a:r>
-              <a:rPr lang="en" altLang="ko-KR" dirty="0" err="1"/>
-              <a:t>Integer.</a:t>
-            </a:r>
-            <a:r>
-              <a:rPr lang="en" altLang="ko-KR" i="1" dirty="0" err="1"/>
-              <a:t>parseInt</a:t>
-            </a:r>
-            <a:r>
-              <a:rPr lang="en" altLang="ko-KR" dirty="0"/>
-              <a:t>(</a:t>
-            </a:r>
-            <a:r>
-              <a:rPr lang="en" altLang="ko-KR" dirty="0" err="1"/>
-              <a:t>request.getParameter</a:t>
-            </a:r>
-            <a:r>
-              <a:rPr lang="en" altLang="ko-KR" dirty="0"/>
-              <a:t>("</a:t>
-            </a:r>
-            <a:r>
-              <a:rPr lang="en" altLang="ko-KR" dirty="0" err="1"/>
-              <a:t>boardNum</a:t>
-            </a:r>
-            <a:r>
-              <a:rPr lang="en" altLang="ko-KR" dirty="0"/>
-              <a:t>")));</a:t>
-            </a:r>
-          </a:p>
-          <a:p>
-            <a:pPr marL="0" indent="0">
-              <a:buNone/>
-            </a:pPr>
-            <a:r>
-              <a:rPr lang="en" altLang="ko-KR" dirty="0"/>
-              <a:t>		</a:t>
-            </a:r>
-            <a:r>
-              <a:rPr lang="en" altLang="ko-KR" dirty="0" err="1"/>
-              <a:t>dto.setBoardSubject</a:t>
-            </a:r>
-            <a:r>
-              <a:rPr lang="en" altLang="ko-KR" dirty="0"/>
-              <a:t>(</a:t>
-            </a:r>
-            <a:r>
-              <a:rPr lang="en" altLang="ko-KR" dirty="0" err="1"/>
-              <a:t>request.getParameter</a:t>
-            </a:r>
-            <a:r>
-              <a:rPr lang="en" altLang="ko-KR" dirty="0"/>
-              <a:t>("</a:t>
-            </a:r>
-            <a:r>
-              <a:rPr lang="en" altLang="ko-KR" dirty="0" err="1"/>
-              <a:t>boardSubject</a:t>
-            </a:r>
-            <a:r>
-              <a:rPr lang="en" altLang="ko-KR" dirty="0"/>
-              <a:t>"));</a:t>
-            </a:r>
-          </a:p>
-          <a:p>
-            <a:pPr marL="0" indent="0">
-              <a:buNone/>
-            </a:pPr>
-            <a:r>
-              <a:rPr lang="en" altLang="ko-KR" dirty="0"/>
-              <a:t>		</a:t>
-            </a:r>
-            <a:r>
-              <a:rPr lang="en" altLang="ko-KR" dirty="0" err="1"/>
-              <a:t>dto.setBoardWriter</a:t>
-            </a:r>
-            <a:r>
-              <a:rPr lang="en" altLang="ko-KR" dirty="0"/>
-              <a:t>(</a:t>
-            </a:r>
-            <a:r>
-              <a:rPr lang="en" altLang="ko-KR" dirty="0" err="1"/>
-              <a:t>request.getParameter</a:t>
-            </a:r>
-            <a:r>
-              <a:rPr lang="en" altLang="ko-KR" dirty="0"/>
-              <a:t>("</a:t>
-            </a:r>
-            <a:r>
-              <a:rPr lang="en" altLang="ko-KR" dirty="0" err="1"/>
-              <a:t>boardWriter</a:t>
-            </a:r>
-            <a:r>
-              <a:rPr lang="en" altLang="ko-KR" dirty="0"/>
-              <a:t>"));</a:t>
-            </a:r>
-          </a:p>
-          <a:p>
-            <a:pPr marL="0" indent="0">
-              <a:buNone/>
-            </a:pPr>
-            <a:r>
-              <a:rPr lang="en" altLang="ko-KR" dirty="0"/>
-              <a:t>		</a:t>
-            </a:r>
-            <a:r>
-              <a:rPr lang="en" altLang="ko-KR" dirty="0" err="1"/>
-              <a:t>BoardDAO</a:t>
-            </a:r>
-            <a:r>
-              <a:rPr lang="en" altLang="ko-KR" dirty="0"/>
-              <a:t> </a:t>
-            </a:r>
-            <a:r>
-              <a:rPr lang="en" altLang="ko-KR" dirty="0" err="1"/>
-              <a:t>dao</a:t>
-            </a:r>
-            <a:r>
-              <a:rPr lang="en" altLang="ko-KR" dirty="0"/>
-              <a:t> = </a:t>
-            </a:r>
-            <a:r>
-              <a:rPr lang="en" altLang="ko-KR" b="1" dirty="0"/>
-              <a:t>new</a:t>
-            </a:r>
-            <a:r>
-              <a:rPr lang="en" altLang="ko-KR" dirty="0"/>
-              <a:t> </a:t>
-            </a:r>
-            <a:r>
-              <a:rPr lang="en" altLang="ko-KR" dirty="0" err="1"/>
-              <a:t>BoardDAO</a:t>
-            </a:r>
-            <a:r>
-              <a:rPr lang="en" altLang="ko-KR" dirty="0"/>
-              <a:t>();</a:t>
-            </a:r>
-          </a:p>
-          <a:p>
-            <a:pPr marL="0" indent="0">
-              <a:buNone/>
-            </a:pPr>
-            <a:r>
-              <a:rPr lang="en" altLang="ko-KR" dirty="0"/>
-              <a:t>	}</a:t>
-            </a:r>
-          </a:p>
-          <a:p>
-            <a:pPr marL="0" indent="0">
-              <a:buNone/>
-            </a:pPr>
-            <a:r>
-              <a:rPr lang="en" altLang="ko-KR" dirty="0"/>
-              <a:t>}</a:t>
-            </a:r>
-          </a:p>
-          <a:p>
-            <a:pPr marL="0" indent="0">
-              <a:buNone/>
-            </a:pPr>
-            <a:endParaRPr lang="en" altLang="ko-KR" dirty="0"/>
-          </a:p>
-          <a:p>
-            <a:pPr marL="0" indent="0">
-              <a:buNone/>
-            </a:pPr>
-            <a:endParaRPr kumimoji="1" lang="ko-KR" altLang="en-US" dirty="0"/>
-          </a:p>
-        </p:txBody>
-      </p:sp>
-    </p:spTree>
-    <p:extLst>
-      <p:ext uri="{BB962C8B-B14F-4D97-AF65-F5344CB8AC3E}">
-        <p14:creationId xmlns:p14="http://schemas.microsoft.com/office/powerpoint/2010/main" val="738494349"/>
-      </p:ext>
-    </p:extLst>
-  </p:cSld>
-  <p:clrMapOvr>
-    <a:masterClrMapping/>
-  </p:clrMapOvr>
-</p:sld>
-</file>
-
-<file path=ppt/slides/slide41.xml><?xml version="1.0" encoding="utf-8"?>
-<p:sld xmlns:a="http://schemas.openxmlformats.org/drawingml/2006/main" xmlns:r="http://schemas.openxmlformats.org/officeDocument/2006/relationships" xmlns:p="http://schemas.openxmlformats.org/presentationml/2006/main">
-  <p:cSld>
-    <p:spTree>
-      <p:nvGrpSpPr>
-        <p:cNvPr id="1" name=""/>
-        <p:cNvGrpSpPr/>
-        <p:nvPr/>
-      </p:nvGrpSpPr>
-      <p:grpSpPr>
-        <a:xfrm>
-          <a:off x="0" y="0"/>
-          <a:ext cx="0" cy="0"/>
-          <a:chOff x="0" y="0"/>
-          <a:chExt cx="0" cy="0"/>
-        </a:xfrm>
-      </p:grpSpPr>
-      <p:sp>
-        <p:nvSpPr>
-          <p:cNvPr id="3" name="내용 개체 틀 2">
-            <a:extLst>
-              <a:ext uri="{FF2B5EF4-FFF2-40B4-BE49-F238E27FC236}">
                 <a16:creationId xmlns:a16="http://schemas.microsoft.com/office/drawing/2014/main" id="{DE7B27DF-6597-8F45-8CE9-896FB7A789C4}"/>
               </a:ext>
             </a:extLst>
@@ -16273,7 +15678,7 @@
 </p:sld>
 </file>
 
-<file path=ppt/slides/slide42.xml><?xml version="1.0" encoding="utf-8"?>
+<file path=ppt/slides/slide41.xml><?xml version="1.0" encoding="utf-8"?>
 <p:sld xmlns:a="http://schemas.openxmlformats.org/drawingml/2006/main" xmlns:r="http://schemas.openxmlformats.org/officeDocument/2006/relationships" xmlns:p="http://schemas.openxmlformats.org/presentationml/2006/main">
   <p:cSld>
     <p:spTree>
@@ -16592,7 +15997,7 @@
 </p:sld>
 </file>
 
-<file path=ppt/slides/slide43.xml><?xml version="1.0" encoding="utf-8"?>
+<file path=ppt/slides/slide42.xml><?xml version="1.0" encoding="utf-8"?>
 <p:sld xmlns:a="http://schemas.openxmlformats.org/drawingml/2006/main" xmlns:r="http://schemas.openxmlformats.org/officeDocument/2006/relationships" xmlns:p="http://schemas.openxmlformats.org/presentationml/2006/main">
   <p:cSld>
     <p:spTree>
@@ -16873,7 +16278,7 @@
 </p:sld>
 </file>
 
-<file path=ppt/slides/slide44.xml><?xml version="1.0" encoding="utf-8"?>
+<file path=ppt/slides/slide43.xml><?xml version="1.0" encoding="utf-8"?>
 <p:sld xmlns:a="http://schemas.openxmlformats.org/drawingml/2006/main" xmlns:r="http://schemas.openxmlformats.org/officeDocument/2006/relationships" xmlns:p="http://schemas.openxmlformats.org/presentationml/2006/main">
   <p:cSld>
     <p:spTree>
@@ -17297,7 +16702,7 @@
 </p:sld>
 </file>
 
-<file path=ppt/slides/slide45.xml><?xml version="1.0" encoding="utf-8"?>
+<file path=ppt/slides/slide44.xml><?xml version="1.0" encoding="utf-8"?>
 <p:sld xmlns:a="http://schemas.openxmlformats.org/drawingml/2006/main" xmlns:r="http://schemas.openxmlformats.org/officeDocument/2006/relationships" xmlns:p="http://schemas.openxmlformats.org/presentationml/2006/main">
   <p:cSld>
     <p:spTree>
@@ -17630,7 +17035,7 @@
 </p:sld>
 </file>
 
-<file path=ppt/slides/slide46.xml><?xml version="1.0" encoding="utf-8"?>
+<file path=ppt/slides/slide45.xml><?xml version="1.0" encoding="utf-8"?>
 <p:sld xmlns:a="http://schemas.openxmlformats.org/drawingml/2006/main" xmlns:r="http://schemas.openxmlformats.org/officeDocument/2006/relationships" xmlns:p="http://schemas.openxmlformats.org/presentationml/2006/main">
   <p:cSld>
     <p:spTree>
@@ -18121,7 +17526,7 @@
 </p:sld>
 </file>
 
-<file path=ppt/slides/slide47.xml><?xml version="1.0" encoding="utf-8"?>
+<file path=ppt/slides/slide46.xml><?xml version="1.0" encoding="utf-8"?>
 <p:sld xmlns:a="http://schemas.openxmlformats.org/drawingml/2006/main" xmlns:r="http://schemas.openxmlformats.org/officeDocument/2006/relationships" xmlns:p="http://schemas.openxmlformats.org/presentationml/2006/main">
   <p:cSld>
     <p:spTree>
@@ -18613,418 +18018,6 @@
           <p:cNvPr id="3" name="내용 개체 틀 2">
             <a:extLst>
               <a:ext uri="{FF2B5EF4-FFF2-40B4-BE49-F238E27FC236}">
-                <a16:creationId xmlns:a16="http://schemas.microsoft.com/office/drawing/2014/main" id="{AD771102-C0BA-E04E-8DF0-27660694AA41}"/>
-              </a:ext>
-            </a:extLst>
-          </p:cNvPr>
-          <p:cNvSpPr>
-            <a:spLocks noGrp="1"/>
-          </p:cNvSpPr>
-          <p:nvPr>
-            <p:ph idx="1"/>
-          </p:nvPr>
-        </p:nvSpPr>
-        <p:spPr>
-          <a:xfrm>
-            <a:off x="838200" y="410966"/>
-            <a:ext cx="10515600" cy="5765997"/>
-          </a:xfrm>
-        </p:spPr>
-        <p:txBody>
-          <a:bodyPr>
-            <a:normAutofit fontScale="70000" lnSpcReduction="20000"/>
-          </a:bodyPr>
-          <a:lstStyle/>
-          <a:p>
-            <a:pPr marL="0" indent="0">
-              <a:buNone/>
-            </a:pPr>
-            <a:r>
-              <a:rPr kumimoji="1" lang="ko-KR" altLang="en-US" dirty="0"/>
-              <a:t>만든 클래스 파일에서 </a:t>
-            </a:r>
-            <a:r>
-              <a:rPr kumimoji="1" lang="en-US" altLang="ko-KR" dirty="0"/>
-              <a:t>ctrl + space</a:t>
-            </a:r>
-            <a:r>
-              <a:rPr kumimoji="1" lang="ko-KR" altLang="en-US" dirty="0" err="1"/>
-              <a:t>를</a:t>
-            </a:r>
-            <a:r>
-              <a:rPr kumimoji="1" lang="ko-KR" altLang="en-US" dirty="0"/>
-              <a:t> 하여</a:t>
-            </a:r>
-            <a:endParaRPr kumimoji="1" lang="en-US" altLang="ko-KR" dirty="0"/>
-          </a:p>
-          <a:p>
-            <a:pPr marL="0" indent="0">
-              <a:buNone/>
-            </a:pPr>
-            <a:r>
-              <a:rPr lang="en" altLang="ko-KR" b="1" dirty="0"/>
-              <a:t>public</a:t>
-            </a:r>
-            <a:r>
-              <a:rPr lang="en" altLang="ko-KR" dirty="0"/>
-              <a:t> </a:t>
-            </a:r>
-            <a:r>
-              <a:rPr lang="en" altLang="ko-KR" b="1" dirty="0"/>
-              <a:t>class</a:t>
-            </a:r>
-            <a:r>
-              <a:rPr lang="en" altLang="ko-KR" dirty="0"/>
-              <a:t> </a:t>
-            </a:r>
-            <a:r>
-              <a:rPr lang="en" altLang="ko-KR" dirty="0" err="1"/>
-              <a:t>BoardFrontController</a:t>
-            </a:r>
-            <a:r>
-              <a:rPr lang="en" altLang="ko-KR" dirty="0"/>
-              <a:t> </a:t>
-            </a:r>
-            <a:r>
-              <a:rPr lang="ko-KR" altLang="en-US" dirty="0"/>
-              <a:t> </a:t>
-            </a:r>
-            <a:r>
-              <a:rPr lang="en" altLang="ko-KR" b="1" dirty="0"/>
-              <a:t>extends</a:t>
-            </a:r>
-            <a:r>
-              <a:rPr lang="en" altLang="ko-KR" dirty="0"/>
-              <a:t> </a:t>
-            </a:r>
-            <a:r>
-              <a:rPr lang="en" altLang="ko-KR" u="sng" dirty="0" err="1"/>
-              <a:t>HttpServlet</a:t>
-            </a:r>
-            <a:r>
-              <a:rPr kumimoji="1" lang="ko-KR" altLang="en-US" dirty="0"/>
-              <a:t>        </a:t>
-            </a:r>
-            <a:r>
-              <a:rPr kumimoji="1" lang="en-US" altLang="ko-KR" dirty="0"/>
-              <a:t>	</a:t>
-            </a:r>
-          </a:p>
-          <a:p>
-            <a:pPr marL="0" indent="0">
-              <a:buNone/>
-            </a:pPr>
-            <a:r>
-              <a:rPr lang="ko-KR" altLang="en-US" b="1" dirty="0"/>
-              <a:t>       </a:t>
-            </a:r>
-            <a:r>
-              <a:rPr lang="en" altLang="ko-KR" b="1" dirty="0"/>
-              <a:t>implements</a:t>
-            </a:r>
-            <a:r>
-              <a:rPr lang="en" altLang="ko-KR" dirty="0"/>
-              <a:t> </a:t>
-            </a:r>
-            <a:r>
-              <a:rPr lang="en" altLang="ko-KR" u="sng" dirty="0" err="1"/>
-              <a:t>javax.servlet</a:t>
-            </a:r>
-            <a:r>
-              <a:rPr lang="en" altLang="ko-KR" dirty="0" err="1"/>
-              <a:t>.Servlet</a:t>
-            </a:r>
-            <a:r>
-              <a:rPr lang="en" altLang="ko-KR" dirty="0"/>
-              <a:t>{</a:t>
-            </a:r>
-          </a:p>
-          <a:p>
-            <a:pPr marL="0" indent="0">
-              <a:buNone/>
-            </a:pPr>
-            <a:r>
-              <a:rPr lang="en" altLang="ko-KR" dirty="0"/>
-              <a:t>	@Override</a:t>
-            </a:r>
-          </a:p>
-          <a:p>
-            <a:pPr marL="0" indent="0">
-              <a:buNone/>
-            </a:pPr>
-            <a:r>
-              <a:rPr lang="en" altLang="ko-KR" b="1" dirty="0"/>
-              <a:t>	protected</a:t>
-            </a:r>
-            <a:r>
-              <a:rPr lang="en" altLang="ko-KR" dirty="0"/>
-              <a:t> </a:t>
-            </a:r>
-            <a:r>
-              <a:rPr lang="en" altLang="ko-KR" b="1" dirty="0"/>
-              <a:t>void</a:t>
-            </a:r>
-            <a:r>
-              <a:rPr lang="en" altLang="ko-KR" dirty="0"/>
-              <a:t> </a:t>
-            </a:r>
-            <a:r>
-              <a:rPr lang="en" altLang="ko-KR" dirty="0" err="1"/>
-              <a:t>doGet</a:t>
-            </a:r>
-            <a:r>
-              <a:rPr lang="en" altLang="ko-KR" dirty="0"/>
-              <a:t>(</a:t>
-            </a:r>
-            <a:r>
-              <a:rPr lang="en" altLang="ko-KR" u="sng" dirty="0" err="1"/>
-              <a:t>HttpServletRequest</a:t>
-            </a:r>
-            <a:r>
-              <a:rPr lang="en" altLang="ko-KR" dirty="0"/>
-              <a:t> request, </a:t>
-            </a:r>
-          </a:p>
-          <a:p>
-            <a:pPr marL="0" indent="0">
-              <a:buNone/>
-            </a:pPr>
-            <a:r>
-              <a:rPr lang="ko-KR" altLang="en-US" dirty="0"/>
-              <a:t>                  </a:t>
-            </a:r>
-            <a:r>
-              <a:rPr lang="en" altLang="ko-KR" u="sng" dirty="0" err="1"/>
-              <a:t>HttpServletResponse</a:t>
-            </a:r>
-            <a:r>
-              <a:rPr lang="en" altLang="ko-KR" dirty="0"/>
-              <a:t> response) </a:t>
-            </a:r>
-            <a:r>
-              <a:rPr lang="en" altLang="ko-KR" b="1" dirty="0"/>
-              <a:t>throws</a:t>
-            </a:r>
-            <a:r>
-              <a:rPr lang="en" altLang="ko-KR" dirty="0"/>
-              <a:t> </a:t>
-            </a:r>
-            <a:r>
-              <a:rPr lang="en" altLang="ko-KR" u="sng" dirty="0" err="1"/>
-              <a:t>ServletException</a:t>
-            </a:r>
-            <a:r>
-              <a:rPr lang="en" altLang="ko-KR" dirty="0"/>
-              <a:t>, </a:t>
-            </a:r>
-            <a:r>
-              <a:rPr lang="en" altLang="ko-KR" dirty="0" err="1"/>
-              <a:t>IOException</a:t>
-            </a:r>
-            <a:r>
-              <a:rPr lang="en" altLang="ko-KR" dirty="0"/>
-              <a:t> {</a:t>
-            </a:r>
-          </a:p>
-          <a:p>
-            <a:pPr marL="0" indent="0">
-              <a:buNone/>
-            </a:pPr>
-            <a:endParaRPr lang="en" altLang="ko-KR" dirty="0"/>
-          </a:p>
-          <a:p>
-            <a:pPr marL="0" indent="0">
-              <a:buNone/>
-            </a:pPr>
-            <a:r>
-              <a:rPr lang="ko-KR" altLang="en-US" dirty="0"/>
-              <a:t>           </a:t>
-            </a:r>
-            <a:r>
-              <a:rPr lang="en" altLang="ko-KR" dirty="0"/>
-              <a:t>}</a:t>
-            </a:r>
-            <a:r>
-              <a:rPr lang="en-US" altLang="ko-KR" dirty="0"/>
-              <a:t> </a:t>
-            </a:r>
-            <a:r>
-              <a:rPr lang="ko-KR" altLang="en-US" dirty="0"/>
-              <a:t>                        </a:t>
-            </a:r>
-            <a:endParaRPr lang="en" altLang="ko-KR" dirty="0"/>
-          </a:p>
-          <a:p>
-            <a:pPr marL="0" indent="0">
-              <a:buNone/>
-            </a:pPr>
-            <a:r>
-              <a:rPr lang="en" altLang="ko-KR" dirty="0"/>
-              <a:t>	@Override</a:t>
-            </a:r>
-          </a:p>
-          <a:p>
-            <a:pPr marL="0" indent="0">
-              <a:buNone/>
-            </a:pPr>
-            <a:r>
-              <a:rPr lang="en" altLang="ko-KR" b="1" dirty="0"/>
-              <a:t>	protected</a:t>
-            </a:r>
-            <a:r>
-              <a:rPr lang="en" altLang="ko-KR" dirty="0"/>
-              <a:t> </a:t>
-            </a:r>
-            <a:r>
-              <a:rPr lang="en" altLang="ko-KR" b="1" dirty="0"/>
-              <a:t>void</a:t>
-            </a:r>
-            <a:r>
-              <a:rPr lang="en" altLang="ko-KR" dirty="0"/>
-              <a:t> </a:t>
-            </a:r>
-            <a:r>
-              <a:rPr lang="en" altLang="ko-KR" dirty="0" err="1"/>
-              <a:t>doPost</a:t>
-            </a:r>
-            <a:r>
-              <a:rPr lang="en" altLang="ko-KR" dirty="0"/>
-              <a:t>(</a:t>
-            </a:r>
-            <a:r>
-              <a:rPr lang="en" altLang="ko-KR" u="sng" dirty="0" err="1"/>
-              <a:t>HttpServletRequest</a:t>
-            </a:r>
-            <a:r>
-              <a:rPr lang="en" altLang="ko-KR" dirty="0"/>
-              <a:t> request, </a:t>
-            </a:r>
-          </a:p>
-          <a:p>
-            <a:pPr marL="0" indent="0">
-              <a:buNone/>
-            </a:pPr>
-            <a:r>
-              <a:rPr lang="ko-KR" altLang="en-US" dirty="0"/>
-              <a:t>                  </a:t>
-            </a:r>
-            <a:r>
-              <a:rPr lang="en" altLang="ko-KR" u="sng" dirty="0" err="1"/>
-              <a:t>HttpServletResponse</a:t>
-            </a:r>
-            <a:r>
-              <a:rPr lang="en" altLang="ko-KR" dirty="0"/>
-              <a:t> response) </a:t>
-            </a:r>
-            <a:r>
-              <a:rPr lang="en" altLang="ko-KR" b="1" dirty="0"/>
-              <a:t>throws</a:t>
-            </a:r>
-            <a:r>
-              <a:rPr lang="en" altLang="ko-KR" dirty="0"/>
-              <a:t> </a:t>
-            </a:r>
-            <a:r>
-              <a:rPr lang="en" altLang="ko-KR" u="sng" dirty="0" err="1"/>
-              <a:t>ServletException</a:t>
-            </a:r>
-            <a:r>
-              <a:rPr lang="en" altLang="ko-KR" dirty="0"/>
-              <a:t>, </a:t>
-            </a:r>
-            <a:r>
-              <a:rPr lang="en" altLang="ko-KR" dirty="0" err="1"/>
-              <a:t>IOException</a:t>
-            </a:r>
-            <a:r>
-              <a:rPr lang="en" altLang="ko-KR" dirty="0"/>
-              <a:t> {</a:t>
-            </a:r>
-          </a:p>
-          <a:p>
-            <a:pPr marL="0" indent="0">
-              <a:buNone/>
-            </a:pPr>
-            <a:endParaRPr lang="en" altLang="ko-KR" dirty="0"/>
-          </a:p>
-          <a:p>
-            <a:pPr marL="0" indent="0">
-              <a:buNone/>
-            </a:pPr>
-            <a:r>
-              <a:rPr lang="en" altLang="ko-KR" dirty="0"/>
-              <a:t>	}</a:t>
-            </a:r>
-            <a:endParaRPr kumimoji="1" lang="en-US" altLang="ko-KR" dirty="0"/>
-          </a:p>
-          <a:p>
-            <a:pPr marL="0" indent="0">
-              <a:buNone/>
-            </a:pPr>
-            <a:r>
-              <a:rPr kumimoji="1" lang="en-US" altLang="ko-KR" dirty="0"/>
-              <a:t>} </a:t>
-            </a:r>
-            <a:endParaRPr kumimoji="1" lang="ko-KR" altLang="en-US" dirty="0"/>
-          </a:p>
-          <a:p>
-            <a:pPr marL="0" indent="0">
-              <a:buNone/>
-            </a:pPr>
-            <a:r>
-              <a:rPr kumimoji="1" lang="ko-KR" altLang="en-US" dirty="0" err="1"/>
-              <a:t>를</a:t>
-            </a:r>
-            <a:r>
-              <a:rPr kumimoji="1" lang="ko-KR" altLang="en-US" dirty="0"/>
-              <a:t> 추가한다</a:t>
-            </a:r>
-            <a:r>
-              <a:rPr kumimoji="1" lang="en-US" altLang="ko-KR" dirty="0"/>
-              <a:t>.</a:t>
-            </a:r>
-            <a:br>
-              <a:rPr kumimoji="1" lang="en-US" altLang="ko-KR" dirty="0"/>
-            </a:br>
-            <a:endParaRPr kumimoji="1" lang="ko-KR" altLang="en-US" dirty="0"/>
-          </a:p>
-        </p:txBody>
-      </p:sp>
-    </p:spTree>
-    <p:extLst>
-      <p:ext uri="{BB962C8B-B14F-4D97-AF65-F5344CB8AC3E}">
-        <p14:creationId xmlns:p14="http://schemas.microsoft.com/office/powerpoint/2010/main" val="3546736170"/>
-      </p:ext>
-    </p:extLst>
-  </p:cSld>
-  <p:clrMapOvr>
-    <a:masterClrMapping/>
-  </p:clrMapOvr>
-</p:sld>
-</file>
-
-<file path=ppt/slides/slide6.xml><?xml version="1.0" encoding="utf-8"?>
-<p:sld xmlns:a="http://schemas.openxmlformats.org/drawingml/2006/main" xmlns:r="http://schemas.openxmlformats.org/officeDocument/2006/relationships" xmlns:p="http://schemas.openxmlformats.org/presentationml/2006/main">
-  <p:cSld>
-    <p:spTree>
-      <p:nvGrpSpPr>
-        <p:cNvPr id="1" name=""/>
-        <p:cNvGrpSpPr/>
-        <p:nvPr/>
-      </p:nvGrpSpPr>
-      <p:grpSpPr>
-        <a:xfrm>
-          <a:off x="0" y="0"/>
-          <a:ext cx="0" cy="0"/>
-          <a:chOff x="0" y="0"/>
-          <a:chExt cx="0" cy="0"/>
-        </a:xfrm>
-      </p:grpSpPr>
-      <p:sp>
-        <p:nvSpPr>
-          <p:cNvPr id="3" name="내용 개체 틀 2">
-            <a:extLst>
-              <a:ext uri="{FF2B5EF4-FFF2-40B4-BE49-F238E27FC236}">
                 <a16:creationId xmlns:a16="http://schemas.microsoft.com/office/drawing/2014/main" id="{CD4EC2E8-0FA0-8F45-8B42-873432038B5B}"/>
               </a:ext>
             </a:extLst>
@@ -19390,7 +18383,7 @@
 </p:sld>
 </file>
 
-<file path=ppt/slides/slide7.xml><?xml version="1.0" encoding="utf-8"?>
+<file path=ppt/slides/slide6.xml><?xml version="1.0" encoding="utf-8"?>
 <p:sld xmlns:a="http://schemas.openxmlformats.org/drawingml/2006/main" xmlns:r="http://schemas.openxmlformats.org/officeDocument/2006/relationships" xmlns:p="http://schemas.openxmlformats.org/presentationml/2006/main">
   <p:cSld>
     <p:spTree>
@@ -19444,19 +18437,11 @@
             </a:r>
             <a:r>
               <a:rPr lang="en" altLang="ko-KR" dirty="0"/>
-              <a:t>/</a:t>
-            </a:r>
-            <a:r>
-              <a:rPr lang="en" altLang="ko-KR" dirty="0" err="1"/>
-              <a:t>boardList</a:t>
-            </a:r>
-            <a:r>
-              <a:rPr lang="en" altLang="ko-KR" dirty="0"/>
-              <a:t>.</a:t>
-            </a:r>
-            <a:r>
-              <a:rPr lang="en-US" altLang="ko-KR" dirty="0" err="1"/>
-              <a:t>hk</a:t>
+              <a:t>/boardList.</a:t>
+            </a:r>
+            <a:r>
+              <a:rPr lang="en-US" altLang="ko-KR" dirty="0"/>
+              <a:t>board</a:t>
             </a:r>
             <a:r>
               <a:rPr lang="ko-KR" altLang="en-US" dirty="0"/>
@@ -19468,21 +18453,7 @@
             </a:r>
             <a:r>
               <a:rPr lang="ko-KR" altLang="en-US" dirty="0"/>
-              <a:t> 있게 </a:t>
-            </a:r>
-            <a:r>
-              <a:rPr lang="ko-KR" altLang="en-US" dirty="0" err="1"/>
-              <a:t>조건문</a:t>
-            </a:r>
-            <a:endParaRPr lang="en-US" altLang="ko-KR" dirty="0"/>
-          </a:p>
-          <a:p>
-            <a:pPr marL="0" indent="0">
-              <a:buNone/>
-            </a:pPr>
-            <a:r>
-              <a:rPr lang="ko-KR" altLang="en-US" dirty="0"/>
-              <a:t>을 사용한다</a:t>
+              <a:t> 있게 조건문을 사용한다</a:t>
             </a:r>
             <a:r>
               <a:rPr lang="en-US" altLang="ko-KR" dirty="0"/>
@@ -19758,7 +18729,7 @@
 </p:sld>
 </file>
 
-<file path=ppt/slides/slide8.xml><?xml version="1.0" encoding="utf-8"?>
+<file path=ppt/slides/slide7.xml><?xml version="1.0" encoding="utf-8"?>
 <p:sld xmlns:a="http://schemas.openxmlformats.org/drawingml/2006/main" xmlns:r="http://schemas.openxmlformats.org/officeDocument/2006/relationships" xmlns:p="http://schemas.openxmlformats.org/presentationml/2006/main">
   <p:cSld>
     <p:spTree>
@@ -19946,7 +18917,7 @@
 </p:sld>
 </file>
 
-<file path=ppt/slides/slide9.xml><?xml version="1.0" encoding="utf-8"?>
+<file path=ppt/slides/slide8.xml><?xml version="1.0" encoding="utf-8"?>
 <p:sld xmlns:a="http://schemas.openxmlformats.org/drawingml/2006/main" xmlns:r="http://schemas.openxmlformats.org/officeDocument/2006/relationships" xmlns:p="http://schemas.openxmlformats.org/presentationml/2006/main">
   <p:cSld>
     <p:spTree>
@@ -20187,6 +19158,600 @@
     <p:extLst>
       <p:ext uri="{BB962C8B-B14F-4D97-AF65-F5344CB8AC3E}">
         <p14:creationId xmlns:p14="http://schemas.microsoft.com/office/powerpoint/2010/main" val="3301152176"/>
+      </p:ext>
+    </p:extLst>
+  </p:cSld>
+  <p:clrMapOvr>
+    <a:masterClrMapping/>
+  </p:clrMapOvr>
+</p:sld>
+</file>
+
+<file path=ppt/slides/slide9.xml><?xml version="1.0" encoding="utf-8"?>
+<p:sld xmlns:a="http://schemas.openxmlformats.org/drawingml/2006/main" xmlns:r="http://schemas.openxmlformats.org/officeDocument/2006/relationships" xmlns:p="http://schemas.openxmlformats.org/presentationml/2006/main">
+  <p:cSld>
+    <p:spTree>
+      <p:nvGrpSpPr>
+        <p:cNvPr id="1" name=""/>
+        <p:cNvGrpSpPr/>
+        <p:nvPr/>
+      </p:nvGrpSpPr>
+      <p:grpSpPr>
+        <a:xfrm>
+          <a:off x="0" y="0"/>
+          <a:ext cx="0" cy="0"/>
+          <a:chOff x="0" y="0"/>
+          <a:chExt cx="0" cy="0"/>
+        </a:xfrm>
+      </p:grpSpPr>
+      <p:sp>
+        <p:nvSpPr>
+          <p:cNvPr id="3" name="내용 개체 틀 2">
+            <a:extLst>
+              <a:ext uri="{FF2B5EF4-FFF2-40B4-BE49-F238E27FC236}">
+                <a16:creationId xmlns:a16="http://schemas.microsoft.com/office/drawing/2014/main" id="{CA0EA590-849B-4945-8F56-730DA71C8923}"/>
+              </a:ext>
+            </a:extLst>
+          </p:cNvPr>
+          <p:cNvSpPr>
+            <a:spLocks noGrp="1"/>
+          </p:cNvSpPr>
+          <p:nvPr>
+            <p:ph idx="1"/>
+          </p:nvPr>
+        </p:nvSpPr>
+        <p:spPr>
+          <a:xfrm>
+            <a:off x="838200" y="503434"/>
+            <a:ext cx="10515600" cy="5673529"/>
+          </a:xfrm>
+        </p:spPr>
+        <p:txBody>
+          <a:bodyPr>
+            <a:normAutofit fontScale="55000" lnSpcReduction="20000"/>
+          </a:bodyPr>
+          <a:lstStyle/>
+          <a:p>
+            <a:pPr marL="0" indent="0">
+              <a:buNone/>
+            </a:pPr>
+            <a:r>
+              <a:rPr kumimoji="1" lang="ko-KR" altLang="en-US" dirty="0"/>
+              <a:t>먼저 </a:t>
+            </a:r>
+            <a:r>
+              <a:rPr kumimoji="1" lang="en-US" altLang="ko-KR" dirty="0"/>
+              <a:t>“</a:t>
+            </a:r>
+            <a:r>
+              <a:rPr lang="en-US" altLang="ko-KR" dirty="0" err="1"/>
+              <a:t>boardWrite.board</a:t>
+            </a:r>
+            <a:r>
+              <a:rPr lang="en-US" altLang="ko-KR" dirty="0"/>
+              <a:t>”</a:t>
+            </a:r>
+            <a:r>
+              <a:rPr lang="ko-KR" altLang="en-US" dirty="0"/>
+              <a:t>주소에서 열릴 </a:t>
+            </a:r>
+            <a:r>
+              <a:rPr lang="en-US" altLang="ko-KR" dirty="0" err="1"/>
+              <a:t>boardForm.jsp</a:t>
+            </a:r>
+            <a:r>
+              <a:rPr lang="ko-KR" altLang="en-US" dirty="0"/>
+              <a:t>파일을 만들어야 할 것이다</a:t>
+            </a:r>
+            <a:r>
+              <a:rPr lang="en-US" altLang="ko-KR" dirty="0"/>
+              <a:t>.</a:t>
+            </a:r>
+          </a:p>
+          <a:p>
+            <a:pPr marL="0" indent="0">
+              <a:buNone/>
+            </a:pPr>
+            <a:r>
+              <a:rPr lang="en-US" altLang="ko-KR" dirty="0" err="1"/>
+              <a:t>Webapps</a:t>
+            </a:r>
+            <a:r>
+              <a:rPr lang="en-US" altLang="ko-KR" dirty="0"/>
+              <a:t> </a:t>
+            </a:r>
+            <a:r>
+              <a:rPr lang="ko-KR" altLang="en-US" dirty="0"/>
+              <a:t>밑에</a:t>
+            </a:r>
+            <a:r>
+              <a:rPr lang="en-US" altLang="ko-KR" dirty="0" err="1"/>
+              <a:t>boardFrom.jsp</a:t>
+            </a:r>
+            <a:r>
+              <a:rPr lang="ko-KR" altLang="en-US" dirty="0" err="1"/>
+              <a:t>를</a:t>
+            </a:r>
+            <a:r>
+              <a:rPr lang="ko-KR" altLang="en-US" dirty="0"/>
+              <a:t> 만든다</a:t>
+            </a:r>
+            <a:r>
+              <a:rPr lang="en-US" altLang="ko-KR" dirty="0"/>
+              <a:t>.</a:t>
+            </a:r>
+          </a:p>
+          <a:p>
+            <a:pPr marL="0" indent="0">
+              <a:buNone/>
+            </a:pPr>
+            <a:r>
+              <a:rPr lang="en" altLang="ko-KR" dirty="0"/>
+              <a:t>&lt;form action=</a:t>
+            </a:r>
+            <a:r>
+              <a:rPr lang="en" altLang="ko-KR" i="1" dirty="0"/>
+              <a:t>"</a:t>
+            </a:r>
+            <a:r>
+              <a:rPr lang="en" altLang="ko-KR" i="1" dirty="0" err="1"/>
+              <a:t>boardRegist.board</a:t>
+            </a:r>
+            <a:r>
+              <a:rPr lang="en" altLang="ko-KR" i="1" dirty="0"/>
+              <a:t>"</a:t>
+            </a:r>
+            <a:r>
+              <a:rPr lang="en" altLang="ko-KR" dirty="0"/>
+              <a:t> method=</a:t>
+            </a:r>
+            <a:r>
+              <a:rPr lang="en" altLang="ko-KR" i="1" dirty="0"/>
+              <a:t>"get"</a:t>
+            </a:r>
+            <a:r>
+              <a:rPr lang="en" altLang="ko-KR" dirty="0"/>
+              <a:t>&gt;</a:t>
+            </a:r>
+          </a:p>
+          <a:p>
+            <a:pPr marL="0" indent="0">
+              <a:buNone/>
+            </a:pPr>
+            <a:r>
+              <a:rPr lang="en" altLang="ko-KR" dirty="0"/>
+              <a:t>	&lt;table&gt;</a:t>
+            </a:r>
+          </a:p>
+          <a:p>
+            <a:pPr marL="0" indent="0">
+              <a:buNone/>
+            </a:pPr>
+            <a:r>
+              <a:rPr lang="en" altLang="ko-KR" dirty="0"/>
+              <a:t>		&lt;caption&gt;</a:t>
+            </a:r>
+            <a:r>
+              <a:rPr lang="ko-KR" altLang="en-US" dirty="0" err="1"/>
+              <a:t>게시글</a:t>
+            </a:r>
+            <a:r>
+              <a:rPr lang="ko-KR" altLang="en-US" dirty="0"/>
+              <a:t> 쓰기</a:t>
+            </a:r>
+            <a:r>
+              <a:rPr lang="en-US" altLang="ko-KR" dirty="0"/>
+              <a:t>&lt;/</a:t>
+            </a:r>
+            <a:r>
+              <a:rPr lang="en" altLang="ko-KR" dirty="0"/>
+              <a:t>caption&gt;</a:t>
+            </a:r>
+          </a:p>
+          <a:p>
+            <a:pPr marL="0" indent="0">
+              <a:buNone/>
+            </a:pPr>
+            <a:r>
+              <a:rPr lang="en" altLang="ko-KR" dirty="0"/>
+              <a:t>		&lt;</a:t>
+            </a:r>
+            <a:r>
+              <a:rPr lang="en" altLang="ko-KR" dirty="0" err="1"/>
+              <a:t>tr</a:t>
+            </a:r>
+            <a:r>
+              <a:rPr lang="en" altLang="ko-KR" dirty="0"/>
+              <a:t>&gt;&lt;td&gt;</a:t>
+            </a:r>
+            <a:r>
+              <a:rPr lang="ko-KR" altLang="en-US" dirty="0"/>
+              <a:t>글쓴이</a:t>
+            </a:r>
+            <a:r>
+              <a:rPr lang="en-US" altLang="ko-KR" dirty="0"/>
+              <a:t>&lt;/</a:t>
+            </a:r>
+            <a:r>
+              <a:rPr lang="en" altLang="ko-KR" dirty="0"/>
+              <a:t>td&gt;</a:t>
+            </a:r>
+          </a:p>
+          <a:p>
+            <a:pPr marL="0" indent="0">
+              <a:buNone/>
+            </a:pPr>
+            <a:r>
+              <a:rPr lang="en" altLang="ko-KR" dirty="0"/>
+              <a:t>			&lt;td&gt;&lt;input type=</a:t>
+            </a:r>
+            <a:r>
+              <a:rPr lang="en" altLang="ko-KR" i="1" dirty="0"/>
+              <a:t>"text"</a:t>
+            </a:r>
+            <a:r>
+              <a:rPr lang="en" altLang="ko-KR" dirty="0"/>
+              <a:t> name=</a:t>
+            </a:r>
+            <a:r>
+              <a:rPr lang="en" altLang="ko-KR" i="1" dirty="0"/>
+              <a:t>"</a:t>
+            </a:r>
+            <a:r>
+              <a:rPr lang="en" altLang="ko-KR" i="1" dirty="0" err="1"/>
+              <a:t>boardWriter</a:t>
+            </a:r>
+            <a:r>
+              <a:rPr lang="en" altLang="ko-KR" i="1" dirty="0"/>
+              <a:t>"</a:t>
+            </a:r>
+            <a:r>
+              <a:rPr lang="en" altLang="ko-KR" dirty="0"/>
+              <a:t>&gt;&lt;/td&gt;</a:t>
+            </a:r>
+          </a:p>
+          <a:p>
+            <a:pPr marL="0" indent="0">
+              <a:buNone/>
+            </a:pPr>
+            <a:r>
+              <a:rPr lang="en" altLang="ko-KR" dirty="0"/>
+              <a:t>		&lt;/</a:t>
+            </a:r>
+            <a:r>
+              <a:rPr lang="en" altLang="ko-KR" dirty="0" err="1"/>
+              <a:t>tr</a:t>
+            </a:r>
+            <a:r>
+              <a:rPr lang="en" altLang="ko-KR" dirty="0"/>
+              <a:t>&gt;</a:t>
+            </a:r>
+          </a:p>
+          <a:p>
+            <a:pPr marL="0" indent="0">
+              <a:buNone/>
+            </a:pPr>
+            <a:r>
+              <a:rPr lang="en" altLang="ko-KR" dirty="0"/>
+              <a:t>		&lt;</a:t>
+            </a:r>
+            <a:r>
+              <a:rPr lang="en" altLang="ko-KR" dirty="0" err="1"/>
+              <a:t>tr</a:t>
+            </a:r>
+            <a:r>
+              <a:rPr lang="en" altLang="ko-KR" dirty="0"/>
+              <a:t>&gt;&lt;td&gt;</a:t>
+            </a:r>
+            <a:r>
+              <a:rPr lang="ko-KR" altLang="en-US" dirty="0"/>
+              <a:t>제목</a:t>
+            </a:r>
+            <a:r>
+              <a:rPr lang="en-US" altLang="ko-KR" dirty="0"/>
+              <a:t>&lt;/</a:t>
+            </a:r>
+            <a:r>
+              <a:rPr lang="en" altLang="ko-KR" dirty="0"/>
+              <a:t>td&gt;</a:t>
+            </a:r>
+          </a:p>
+          <a:p>
+            <a:pPr marL="0" indent="0">
+              <a:buNone/>
+            </a:pPr>
+            <a:r>
+              <a:rPr lang="en" altLang="ko-KR" dirty="0"/>
+              <a:t>			&lt;td&gt;&lt;input type=</a:t>
+            </a:r>
+            <a:r>
+              <a:rPr lang="en" altLang="ko-KR" i="1" dirty="0"/>
+              <a:t>"text"</a:t>
+            </a:r>
+            <a:r>
+              <a:rPr lang="en" altLang="ko-KR" dirty="0"/>
+              <a:t> name=</a:t>
+            </a:r>
+            <a:r>
+              <a:rPr lang="en" altLang="ko-KR" i="1" dirty="0"/>
+              <a:t>"</a:t>
+            </a:r>
+            <a:r>
+              <a:rPr lang="en" altLang="ko-KR" i="1" dirty="0" err="1"/>
+              <a:t>boardSubject</a:t>
+            </a:r>
+            <a:r>
+              <a:rPr lang="en" altLang="ko-KR" i="1" dirty="0"/>
+              <a:t>"</a:t>
+            </a:r>
+            <a:r>
+              <a:rPr lang="en" altLang="ko-KR" dirty="0"/>
+              <a:t>&gt;&lt;/td&gt;</a:t>
+            </a:r>
+          </a:p>
+          <a:p>
+            <a:pPr marL="0" indent="0">
+              <a:buNone/>
+            </a:pPr>
+            <a:r>
+              <a:rPr lang="en" altLang="ko-KR" dirty="0"/>
+              <a:t>		&lt;/</a:t>
+            </a:r>
+            <a:r>
+              <a:rPr lang="en" altLang="ko-KR" dirty="0" err="1"/>
+              <a:t>tr</a:t>
+            </a:r>
+            <a:r>
+              <a:rPr lang="en" altLang="ko-KR" dirty="0"/>
+              <a:t>&gt;</a:t>
+            </a:r>
+          </a:p>
+          <a:p>
+            <a:pPr marL="0" indent="0">
+              <a:buNone/>
+            </a:pPr>
+            <a:r>
+              <a:rPr lang="en" altLang="ko-KR" dirty="0"/>
+              <a:t>		&lt;</a:t>
+            </a:r>
+            <a:r>
+              <a:rPr lang="en" altLang="ko-KR" dirty="0" err="1"/>
+              <a:t>tr</a:t>
+            </a:r>
+            <a:r>
+              <a:rPr lang="en" altLang="ko-KR" dirty="0"/>
+              <a:t>&gt;&lt;td&gt;</a:t>
+            </a:r>
+            <a:r>
+              <a:rPr lang="ko-KR" altLang="en-US" dirty="0"/>
+              <a:t>내용</a:t>
+            </a:r>
+            <a:r>
+              <a:rPr lang="en-US" altLang="ko-KR" dirty="0"/>
+              <a:t>&lt;/</a:t>
+            </a:r>
+            <a:r>
+              <a:rPr lang="en" altLang="ko-KR" dirty="0"/>
+              <a:t>td&gt;</a:t>
+            </a:r>
+          </a:p>
+          <a:p>
+            <a:pPr marL="0" indent="0">
+              <a:buNone/>
+            </a:pPr>
+            <a:r>
+              <a:rPr lang="en" altLang="ko-KR" dirty="0"/>
+              <a:t>			&lt;td&gt;&lt;</a:t>
+            </a:r>
+            <a:r>
+              <a:rPr lang="en" altLang="ko-KR" dirty="0" err="1"/>
+              <a:t>textarea</a:t>
+            </a:r>
+            <a:r>
+              <a:rPr lang="en" altLang="ko-KR" dirty="0"/>
+              <a:t> rows=</a:t>
+            </a:r>
+            <a:r>
+              <a:rPr lang="en" altLang="ko-KR" i="1" dirty="0"/>
+              <a:t>"6"</a:t>
+            </a:r>
+            <a:r>
+              <a:rPr lang="en" altLang="ko-KR" dirty="0"/>
+              <a:t> cols=</a:t>
+            </a:r>
+            <a:r>
+              <a:rPr lang="en" altLang="ko-KR" i="1" dirty="0"/>
+              <a:t>"40"</a:t>
+            </a:r>
+            <a:r>
+              <a:rPr lang="en" altLang="ko-KR" dirty="0"/>
+              <a:t> name=</a:t>
+            </a:r>
+            <a:r>
+              <a:rPr lang="en" altLang="ko-KR" i="1" dirty="0"/>
+              <a:t>"</a:t>
+            </a:r>
+            <a:r>
+              <a:rPr lang="en" altLang="ko-KR" i="1" dirty="0" err="1"/>
+              <a:t>boardContent</a:t>
+            </a:r>
+            <a:r>
+              <a:rPr lang="en" altLang="ko-KR" i="1" dirty="0"/>
+              <a:t>"</a:t>
+            </a:r>
+            <a:r>
+              <a:rPr lang="en" altLang="ko-KR" dirty="0"/>
+              <a:t>&gt;&lt;/</a:t>
+            </a:r>
+            <a:r>
+              <a:rPr lang="en" altLang="ko-KR" dirty="0" err="1"/>
+              <a:t>textarea</a:t>
+            </a:r>
+            <a:r>
+              <a:rPr lang="en" altLang="ko-KR" dirty="0"/>
+              <a:t>&gt;&lt;/td&gt;</a:t>
+            </a:r>
+          </a:p>
+          <a:p>
+            <a:pPr marL="0" indent="0">
+              <a:buNone/>
+            </a:pPr>
+            <a:r>
+              <a:rPr lang="en" altLang="ko-KR" dirty="0"/>
+              <a:t>		&lt;/</a:t>
+            </a:r>
+            <a:r>
+              <a:rPr lang="en" altLang="ko-KR" dirty="0" err="1"/>
+              <a:t>tr</a:t>
+            </a:r>
+            <a:r>
+              <a:rPr lang="en" altLang="ko-KR" dirty="0"/>
+              <a:t>&gt;</a:t>
+            </a:r>
+          </a:p>
+          <a:p>
+            <a:pPr marL="0" indent="0">
+              <a:buNone/>
+            </a:pPr>
+            <a:r>
+              <a:rPr lang="en" altLang="ko-KR" dirty="0"/>
+              <a:t>		&lt;</a:t>
+            </a:r>
+            <a:r>
+              <a:rPr lang="en" altLang="ko-KR" dirty="0" err="1"/>
+              <a:t>tr</a:t>
+            </a:r>
+            <a:r>
+              <a:rPr lang="en" altLang="ko-KR" dirty="0"/>
+              <a:t>&gt;&lt;</a:t>
+            </a:r>
+            <a:r>
+              <a:rPr lang="en" altLang="ko-KR" dirty="0" err="1"/>
+              <a:t>th</a:t>
+            </a:r>
+            <a:r>
+              <a:rPr lang="en" altLang="ko-KR" dirty="0"/>
+              <a:t> </a:t>
+            </a:r>
+            <a:r>
+              <a:rPr lang="en" altLang="ko-KR" dirty="0" err="1"/>
+              <a:t>colspan</a:t>
+            </a:r>
+            <a:r>
+              <a:rPr lang="en" altLang="ko-KR" dirty="0"/>
+              <a:t>=</a:t>
+            </a:r>
+            <a:r>
+              <a:rPr lang="en" altLang="ko-KR" i="1" dirty="0"/>
+              <a:t>2</a:t>
+            </a:r>
+            <a:r>
+              <a:rPr lang="en" altLang="ko-KR" dirty="0"/>
+              <a:t>&gt;</a:t>
+            </a:r>
+          </a:p>
+          <a:p>
+            <a:pPr marL="0" indent="0">
+              <a:buNone/>
+            </a:pPr>
+            <a:r>
+              <a:rPr lang="en" altLang="ko-KR" dirty="0"/>
+              <a:t>			&lt;input type=</a:t>
+            </a:r>
+            <a:r>
+              <a:rPr lang="en" altLang="ko-KR" i="1" dirty="0"/>
+              <a:t>"submit"</a:t>
+            </a:r>
+            <a:r>
+              <a:rPr lang="en" altLang="ko-KR" dirty="0"/>
+              <a:t> value=</a:t>
+            </a:r>
+            <a:r>
+              <a:rPr lang="en" altLang="ko-KR" i="1" dirty="0"/>
+              <a:t>"</a:t>
+            </a:r>
+            <a:r>
+              <a:rPr lang="ko-KR" altLang="en-US" i="1" dirty="0" err="1"/>
+              <a:t>게시글</a:t>
+            </a:r>
+            <a:r>
+              <a:rPr lang="ko-KR" altLang="en-US" i="1" dirty="0"/>
+              <a:t> 등록</a:t>
+            </a:r>
+            <a:r>
+              <a:rPr lang="en-US" altLang="ko-KR" i="1" dirty="0"/>
+              <a:t>"</a:t>
+            </a:r>
+            <a:r>
+              <a:rPr lang="en-US" altLang="ko-KR" dirty="0"/>
+              <a:t>&gt;</a:t>
+            </a:r>
+            <a:r>
+              <a:rPr lang="ko-KR" altLang="en-US" dirty="0"/>
+              <a:t> </a:t>
+            </a:r>
+          </a:p>
+          <a:p>
+            <a:pPr marL="0" indent="0">
+              <a:buNone/>
+            </a:pPr>
+            <a:r>
+              <a:rPr lang="en-US" altLang="ko-KR" dirty="0"/>
+              <a:t>		&lt;/</a:t>
+            </a:r>
+            <a:r>
+              <a:rPr lang="en" altLang="ko-KR" dirty="0" err="1"/>
+              <a:t>th</a:t>
+            </a:r>
+            <a:r>
+              <a:rPr lang="en" altLang="ko-KR" dirty="0"/>
+              <a:t>&gt;&lt;/</a:t>
+            </a:r>
+            <a:r>
+              <a:rPr lang="en" altLang="ko-KR" dirty="0" err="1"/>
+              <a:t>tr</a:t>
+            </a:r>
+            <a:r>
+              <a:rPr lang="en" altLang="ko-KR" dirty="0"/>
+              <a:t>&gt;</a:t>
+            </a:r>
+          </a:p>
+          <a:p>
+            <a:pPr marL="0" indent="0">
+              <a:buNone/>
+            </a:pPr>
+            <a:r>
+              <a:rPr lang="en" altLang="ko-KR" dirty="0"/>
+              <a:t>	&lt;/table&gt;</a:t>
+            </a:r>
+          </a:p>
+          <a:p>
+            <a:pPr marL="0" indent="0">
+              <a:buNone/>
+            </a:pPr>
+            <a:r>
+              <a:rPr lang="en" altLang="ko-KR" dirty="0"/>
+              <a:t>&lt;/form&gt;</a:t>
+            </a:r>
+          </a:p>
+          <a:p>
+            <a:pPr marL="0" indent="0">
+              <a:buNone/>
+            </a:pPr>
+            <a:endParaRPr lang="en-US" altLang="ko-KR" dirty="0"/>
+          </a:p>
+          <a:p>
+            <a:pPr marL="0" indent="0">
+              <a:buNone/>
+            </a:pPr>
+            <a:endParaRPr kumimoji="1" lang="ko-KR" altLang="en-US" dirty="0"/>
+          </a:p>
+        </p:txBody>
+      </p:sp>
+    </p:spTree>
+    <p:extLst>
+      <p:ext uri="{BB962C8B-B14F-4D97-AF65-F5344CB8AC3E}">
+        <p14:creationId xmlns:p14="http://schemas.microsoft.com/office/powerpoint/2010/main" val="2641430204"/>
       </p:ext>
     </p:extLst>
   </p:cSld>

--- a/WEB/JSP/board.pptx
+++ b/WEB/JSP/board.pptx
@@ -3825,16 +3825,12 @@
               <a:t>else if(</a:t>
             </a:r>
             <a:r>
-              <a:rPr lang="en" altLang="ko-KR" dirty="0" err="1"/>
-              <a:t>command.equals</a:t>
-            </a:r>
-            <a:r>
-              <a:rPr lang="en" altLang="ko-KR" dirty="0"/>
-              <a:t>("/</a:t>
-            </a:r>
-            <a:r>
-              <a:rPr lang="en" altLang="ko-KR" dirty="0" err="1"/>
-              <a:t>boardWrite.board</a:t>
+              <a:rPr lang="en" altLang="ko-KR" dirty="0"/>
+              <a:t>command.equals("/</a:t>
+            </a:r>
+            <a:r>
+              <a:rPr lang="en" altLang="ko-KR" i="1" dirty="0"/>
+              <a:t>boardRegist.board</a:t>
             </a:r>
             <a:r>
               <a:rPr lang="en" altLang="ko-KR" dirty="0"/>

--- a/WEB/JSP/board.pptx
+++ b/WEB/JSP/board.pptx
@@ -6381,7 +6381,7 @@
             </a:pPr>
             <a:r>
               <a:rPr lang="en" altLang="ko-KR" dirty="0"/>
-              <a:t>		+ " BOARD_CONTENT, WRITER_IP)"</a:t>
+              <a:t>		+ " BOARD_CONTENT, WRITER_IP, visit_Count )"</a:t>
             </a:r>
           </a:p>
           <a:p>
@@ -6415,7 +6415,7 @@
             </a:pPr>
             <a:r>
               <a:rPr lang="en" altLang="ko-KR" dirty="0"/>
-              <a:t>		+ " ,?,?,?,?)";</a:t>
+              <a:t>		+ " ,?,?,?,?,0)";</a:t>
             </a:r>
           </a:p>
           <a:p>

--- a/WEB/JSP/board.pptx
+++ b/WEB/JSP/board.pptx
@@ -304,7 +304,7 @@
           <a:p>
             <a:fld id="{94CE0F77-A640-5D46-B7F1-742F5846536B}" type="datetimeFigureOut">
               <a:rPr kumimoji="1" lang="ko-KR" altLang="en-US" smtClean="0"/>
-              <a:t>2022-11-16</a:t>
+              <a:t>2022-11-17</a:t>
             </a:fld>
             <a:endParaRPr kumimoji="1" lang="ko-KR" altLang="en-US"/>
           </a:p>
@@ -477,7 +477,7 @@
           <a:p>
             <a:fld id="{94CE0F77-A640-5D46-B7F1-742F5846536B}" type="datetimeFigureOut">
               <a:rPr kumimoji="1" lang="ko-KR" altLang="en-US" smtClean="0"/>
-              <a:t>2022-11-16</a:t>
+              <a:t>2022-11-17</a:t>
             </a:fld>
             <a:endParaRPr kumimoji="1" lang="ko-KR" altLang="en-US"/>
           </a:p>
@@ -660,7 +660,7 @@
           <a:p>
             <a:fld id="{94CE0F77-A640-5D46-B7F1-742F5846536B}" type="datetimeFigureOut">
               <a:rPr kumimoji="1" lang="ko-KR" altLang="en-US" smtClean="0"/>
-              <a:t>2022-11-16</a:t>
+              <a:t>2022-11-17</a:t>
             </a:fld>
             <a:endParaRPr kumimoji="1" lang="ko-KR" altLang="en-US"/>
           </a:p>
@@ -833,7 +833,7 @@
           <a:p>
             <a:fld id="{94CE0F77-A640-5D46-B7F1-742F5846536B}" type="datetimeFigureOut">
               <a:rPr kumimoji="1" lang="ko-KR" altLang="en-US" smtClean="0"/>
-              <a:t>2022-11-16</a:t>
+              <a:t>2022-11-17</a:t>
             </a:fld>
             <a:endParaRPr kumimoji="1" lang="ko-KR" altLang="en-US"/>
           </a:p>
@@ -1111,7 +1111,7 @@
           <a:p>
             <a:fld id="{94CE0F77-A640-5D46-B7F1-742F5846536B}" type="datetimeFigureOut">
               <a:rPr kumimoji="1" lang="ko-KR" altLang="en-US" smtClean="0"/>
-              <a:t>2022-11-16</a:t>
+              <a:t>2022-11-17</a:t>
             </a:fld>
             <a:endParaRPr kumimoji="1" lang="ko-KR" altLang="en-US"/>
           </a:p>
@@ -1326,7 +1326,7 @@
           <a:p>
             <a:fld id="{94CE0F77-A640-5D46-B7F1-742F5846536B}" type="datetimeFigureOut">
               <a:rPr kumimoji="1" lang="ko-KR" altLang="en-US" smtClean="0"/>
-              <a:t>2022-11-16</a:t>
+              <a:t>2022-11-17</a:t>
             </a:fld>
             <a:endParaRPr kumimoji="1" lang="ko-KR" altLang="en-US"/>
           </a:p>
@@ -1694,7 +1694,7 @@
           <a:p>
             <a:fld id="{94CE0F77-A640-5D46-B7F1-742F5846536B}" type="datetimeFigureOut">
               <a:rPr kumimoji="1" lang="ko-KR" altLang="en-US" smtClean="0"/>
-              <a:t>2022-11-16</a:t>
+              <a:t>2022-11-17</a:t>
             </a:fld>
             <a:endParaRPr kumimoji="1" lang="ko-KR" altLang="en-US"/>
           </a:p>
@@ -1835,7 +1835,7 @@
           <a:p>
             <a:fld id="{94CE0F77-A640-5D46-B7F1-742F5846536B}" type="datetimeFigureOut">
               <a:rPr kumimoji="1" lang="ko-KR" altLang="en-US" smtClean="0"/>
-              <a:t>2022-11-16</a:t>
+              <a:t>2022-11-17</a:t>
             </a:fld>
             <a:endParaRPr kumimoji="1" lang="ko-KR" altLang="en-US"/>
           </a:p>
@@ -1948,7 +1948,7 @@
           <a:p>
             <a:fld id="{94CE0F77-A640-5D46-B7F1-742F5846536B}" type="datetimeFigureOut">
               <a:rPr kumimoji="1" lang="ko-KR" altLang="en-US" smtClean="0"/>
-              <a:t>2022-11-16</a:t>
+              <a:t>2022-11-17</a:t>
             </a:fld>
             <a:endParaRPr kumimoji="1" lang="ko-KR" altLang="en-US"/>
           </a:p>
@@ -2237,7 +2237,7 @@
           <a:p>
             <a:fld id="{94CE0F77-A640-5D46-B7F1-742F5846536B}" type="datetimeFigureOut">
               <a:rPr kumimoji="1" lang="ko-KR" altLang="en-US" smtClean="0"/>
-              <a:t>2022-11-16</a:t>
+              <a:t>2022-11-17</a:t>
             </a:fld>
             <a:endParaRPr kumimoji="1" lang="ko-KR" altLang="en-US"/>
           </a:p>
@@ -2528,7 +2528,7 @@
           <a:p>
             <a:fld id="{94CE0F77-A640-5D46-B7F1-742F5846536B}" type="datetimeFigureOut">
               <a:rPr kumimoji="1" lang="ko-KR" altLang="en-US" smtClean="0"/>
-              <a:t>2022-11-16</a:t>
+              <a:t>2022-11-17</a:t>
             </a:fld>
             <a:endParaRPr kumimoji="1" lang="ko-KR" altLang="en-US"/>
           </a:p>
@@ -2744,7 +2744,7 @@
           <a:p>
             <a:fld id="{94CE0F77-A640-5D46-B7F1-742F5846536B}" type="datetimeFigureOut">
               <a:rPr kumimoji="1" lang="ko-KR" altLang="en-US" smtClean="0"/>
-              <a:t>2022-11-16</a:t>
+              <a:t>2022-11-17</a:t>
             </a:fld>
             <a:endParaRPr kumimoji="1" lang="ko-KR" altLang="en-US"/>
           </a:p>
@@ -4911,7 +4911,7 @@
         </p:spPr>
         <p:txBody>
           <a:bodyPr>
-            <a:normAutofit fontScale="92500" lnSpcReduction="10000"/>
+            <a:normAutofit fontScale="92500" lnSpcReduction="20000"/>
           </a:bodyPr>
           <a:lstStyle/>
           <a:p>
@@ -5094,16 +5094,18 @@
             </a:pPr>
             <a:r>
               <a:rPr lang="en" altLang="ko-KR" dirty="0"/>
-              <a:t>	Integer </a:t>
-            </a:r>
-            <a:r>
-              <a:rPr lang="en" altLang="ko-KR" dirty="0" err="1"/>
-              <a:t>visitCount</a:t>
-            </a:r>
-            <a:r>
-              <a:rPr lang="en" altLang="ko-KR" dirty="0"/>
-              <a:t>;</a:t>
-            </a:r>
+              <a:t>	Integer visitCount;</a:t>
+            </a:r>
+          </a:p>
+          <a:p>
+            <a:pPr marL="0" indent="0">
+              <a:buNone/>
+            </a:pPr>
+            <a:r>
+              <a:rPr lang="en" altLang="ko-KR"/>
+              <a:t>	Date boardDate;</a:t>
+            </a:r>
+            <a:endParaRPr lang="en" altLang="ko-KR" dirty="0"/>
           </a:p>
           <a:p>
             <a:pPr marL="0" indent="0">
